--- a/lectures/04_causal_impact/causal_impact.pptx
+++ b/lectures/04_causal_impact/causal_impact.pptx
@@ -5,7 +5,7 @@
     <p:sldMasterId id="2147483648" r:id="rId1"/>
   </p:sldMasterIdLst>
   <p:notesMasterIdLst>
-    <p:notesMasterId r:id="rId38"/>
+    <p:notesMasterId r:id="rId36"/>
   </p:notesMasterIdLst>
   <p:sldIdLst>
     <p:sldId id="313" r:id="rId2"/>
@@ -28,22 +28,20 @@
     <p:sldId id="459" r:id="rId19"/>
     <p:sldId id="458" r:id="rId20"/>
     <p:sldId id="460" r:id="rId21"/>
-    <p:sldId id="461" r:id="rId22"/>
-    <p:sldId id="462" r:id="rId23"/>
-    <p:sldId id="463" r:id="rId24"/>
-    <p:sldId id="464" r:id="rId25"/>
-    <p:sldId id="465" r:id="rId26"/>
-    <p:sldId id="402" r:id="rId27"/>
-    <p:sldId id="256" r:id="rId28"/>
-    <p:sldId id="401" r:id="rId29"/>
-    <p:sldId id="300" r:id="rId30"/>
-    <p:sldId id="302" r:id="rId31"/>
-    <p:sldId id="340" r:id="rId32"/>
-    <p:sldId id="307" r:id="rId33"/>
-    <p:sldId id="335" r:id="rId34"/>
-    <p:sldId id="362" r:id="rId35"/>
-    <p:sldId id="339" r:id="rId36"/>
-    <p:sldId id="292" r:id="rId37"/>
+    <p:sldId id="462" r:id="rId22"/>
+    <p:sldId id="466" r:id="rId23"/>
+    <p:sldId id="464" r:id="rId24"/>
+    <p:sldId id="461" r:id="rId25"/>
+    <p:sldId id="401" r:id="rId26"/>
+    <p:sldId id="256" r:id="rId27"/>
+    <p:sldId id="300" r:id="rId28"/>
+    <p:sldId id="302" r:id="rId29"/>
+    <p:sldId id="340" r:id="rId30"/>
+    <p:sldId id="307" r:id="rId31"/>
+    <p:sldId id="335" r:id="rId32"/>
+    <p:sldId id="362" r:id="rId33"/>
+    <p:sldId id="339" r:id="rId34"/>
+    <p:sldId id="292" r:id="rId35"/>
   </p:sldIdLst>
   <p:sldSz cx="12192000" cy="6858000"/>
   <p:notesSz cx="6858000" cy="9144000"/>
@@ -296,7 +294,7 @@
             <a:fld id="{61C17900-95FA-4124-853C-9BC71B59CBE5}" type="datetime1">
               <a:rPr lang="en-GB"/>
               <a:pPr lvl="0"/>
-              <a:t>11/05/2023</a:t>
+              <a:t>15/05/2023</a:t>
             </a:fld>
             <a:endParaRPr lang="en-GB"/>
           </a:p>
@@ -810,7 +808,7 @@
             <a:fld id="{4A25D1A3-0A93-4C94-80FF-26B8FD61124B}" type="datetime1">
               <a:rPr lang="en-GB"/>
               <a:pPr lvl="0"/>
-              <a:t>11/05/2023</a:t>
+              <a:t>15/05/2023</a:t>
             </a:fld>
             <a:endParaRPr lang="en-GB"/>
           </a:p>
@@ -1047,7 +1045,7 @@
             <a:fld id="{81142B93-5A2B-450B-8B37-47C337A7F461}" type="datetime1">
               <a:rPr lang="en-GB"/>
               <a:pPr lvl="0"/>
-              <a:t>11/05/2023</a:t>
+              <a:t>15/05/2023</a:t>
             </a:fld>
             <a:endParaRPr lang="en-GB"/>
           </a:p>
@@ -1293,7 +1291,7 @@
             <a:fld id="{6E063067-B603-41EE-A9A7-41899DD775E6}" type="datetime1">
               <a:rPr lang="en-GB"/>
               <a:pPr lvl="0"/>
-              <a:t>11/05/2023</a:t>
+              <a:t>15/05/2023</a:t>
             </a:fld>
             <a:endParaRPr lang="en-GB"/>
           </a:p>
@@ -1529,7 +1527,7 @@
             <a:fld id="{6F249873-F8C6-4397-84F9-F8EC0F22A697}" type="datetime1">
               <a:rPr lang="en-GB"/>
               <a:pPr lvl="0"/>
-              <a:t>11/05/2023</a:t>
+              <a:t>15/05/2023</a:t>
             </a:fld>
             <a:endParaRPr lang="en-GB"/>
           </a:p>
@@ -1740,7 +1738,7 @@
             <a:fld id="{C12BD4ED-6206-4BF6-96F8-E25353DC0FB4}" type="datetime1">
               <a:rPr lang="en-GB"/>
               <a:pPr lvl="0"/>
-              <a:t>11/05/2023</a:t>
+              <a:t>15/05/2023</a:t>
             </a:fld>
             <a:endParaRPr lang="en-GB"/>
           </a:p>
@@ -2060,7 +2058,7 @@
             <a:fld id="{39B86B4E-481C-4780-B006-4B46E923812F}" type="datetime1">
               <a:rPr lang="en-GB"/>
               <a:pPr lvl="0"/>
-              <a:t>11/05/2023</a:t>
+              <a:t>15/05/2023</a:t>
             </a:fld>
             <a:endParaRPr lang="en-GB"/>
           </a:p>
@@ -2463,7 +2461,7 @@
             <a:fld id="{4D4B0C8B-6A6B-4F9A-AD92-C7A874294C43}" type="datetime1">
               <a:rPr lang="en-GB"/>
               <a:pPr lvl="0"/>
-              <a:t>11/05/2023</a:t>
+              <a:t>15/05/2023</a:t>
             </a:fld>
             <a:endParaRPr lang="en-GB"/>
           </a:p>
@@ -2625,7 +2623,7 @@
             <a:fld id="{2242089C-BC90-4A09-BBF2-11ACCFCC6AAC}" type="datetime1">
               <a:rPr lang="en-GB"/>
               <a:pPr lvl="0"/>
-              <a:t>11/05/2023</a:t>
+              <a:t>15/05/2023</a:t>
             </a:fld>
             <a:endParaRPr lang="en-GB"/>
           </a:p>
@@ -2753,7 +2751,7 @@
             <a:fld id="{9E45A0C3-C9A4-409A-ABC1-542A7544900D}" type="datetime1">
               <a:rPr lang="en-GB"/>
               <a:pPr lvl="0"/>
-              <a:t>11/05/2023</a:t>
+              <a:t>15/05/2023</a:t>
             </a:fld>
             <a:endParaRPr lang="en-GB"/>
           </a:p>
@@ -3038,7 +3036,7 @@
             <a:fld id="{FE905373-3B96-430D-80BE-EEB6F3514509}" type="datetime1">
               <a:rPr lang="en-GB"/>
               <a:pPr lvl="0"/>
-              <a:t>11/05/2023</a:t>
+              <a:t>15/05/2023</a:t>
             </a:fld>
             <a:endParaRPr lang="en-GB"/>
           </a:p>
@@ -3280,7 +3278,7 @@
             <a:fld id="{FD713A6C-3BFD-4C18-89E6-78D595B19DB8}" type="datetime1">
               <a:rPr lang="en-GB"/>
               <a:pPr lvl="0"/>
-              <a:t>11/05/2023</a:t>
+              <a:t>15/05/2023</a:t>
             </a:fld>
             <a:endParaRPr lang="en-GB"/>
           </a:p>
@@ -3563,7 +3561,7 @@
             <a:fld id="{19E4415A-9E33-406F-911E-8770DEE3AE96}" type="datetime1">
               <a:rPr lang="en-GB"/>
               <a:pPr lvl="0"/>
-              <a:t>11/05/2023</a:t>
+              <a:t>15/05/2023</a:t>
             </a:fld>
             <a:endParaRPr lang="en-GB"/>
           </a:p>
@@ -4580,8 +4578,8 @@
           <a:chExt cx="0" cy="0"/>
         </a:xfrm>
       </p:grpSpPr>
-      <mc:AlternateContent xmlns:mc="http://schemas.openxmlformats.org/markup-compatibility/2006">
-        <mc:Choice xmlns:a14="http://schemas.microsoft.com/office/drawing/2010/main" Requires="a14">
+      <mc:AlternateContent xmlns:mc="http://schemas.openxmlformats.org/markup-compatibility/2006" xmlns:a14="http://schemas.microsoft.com/office/drawing/2010/main">
+        <mc:Choice Requires="a14">
           <p:graphicFrame>
             <p:nvGraphicFramePr>
               <p:cNvPr id="3" name="Table 6">
@@ -7016,7 +7014,7 @@
             </a:graphic>
           </p:graphicFrame>
         </mc:Choice>
-        <mc:Fallback>
+        <mc:Fallback xmlns="">
           <p:graphicFrame>
             <p:nvGraphicFramePr>
               <p:cNvPr id="3" name="Table 6">
@@ -8722,8 +8720,8 @@
           <a:chExt cx="0" cy="0"/>
         </a:xfrm>
       </p:grpSpPr>
-      <mc:AlternateContent xmlns:mc="http://schemas.openxmlformats.org/markup-compatibility/2006">
-        <mc:Choice xmlns:a14="http://schemas.microsoft.com/office/drawing/2010/main" Requires="a14">
+      <mc:AlternateContent xmlns:mc="http://schemas.openxmlformats.org/markup-compatibility/2006" xmlns:a14="http://schemas.microsoft.com/office/drawing/2010/main">
+        <mc:Choice Requires="a14">
           <p:graphicFrame>
             <p:nvGraphicFramePr>
               <p:cNvPr id="3" name="Table 6">
@@ -11158,7 +11156,7 @@
             </a:graphic>
           </p:graphicFrame>
         </mc:Choice>
-        <mc:Fallback>
+        <mc:Fallback xmlns="">
           <p:graphicFrame>
             <p:nvGraphicFramePr>
               <p:cNvPr id="3" name="Table 6">
@@ -12890,8 +12888,8 @@
           </a:p>
         </p:txBody>
       </p:sp>
-      <mc:AlternateContent xmlns:mc="http://schemas.openxmlformats.org/markup-compatibility/2006">
-        <mc:Choice xmlns:a14="http://schemas.microsoft.com/office/drawing/2010/main" Requires="a14">
+      <mc:AlternateContent xmlns:mc="http://schemas.openxmlformats.org/markup-compatibility/2006" xmlns:a14="http://schemas.microsoft.com/office/drawing/2010/main">
+        <mc:Choice Requires="a14">
           <p:sp>
             <p:nvSpPr>
               <p:cNvPr id="8" name="TextBox 7">
@@ -13192,7 +13190,7 @@
             </p:txBody>
           </p:sp>
         </mc:Choice>
-        <mc:Fallback>
+        <mc:Fallback xmlns="">
           <p:sp>
             <p:nvSpPr>
               <p:cNvPr id="8" name="TextBox 7">
@@ -13471,8 +13469,8 @@
           <a:chExt cx="0" cy="0"/>
         </a:xfrm>
       </p:grpSpPr>
-      <mc:AlternateContent xmlns:mc="http://schemas.openxmlformats.org/markup-compatibility/2006">
-        <mc:Choice xmlns:a14="http://schemas.microsoft.com/office/drawing/2010/main" Requires="a14">
+      <mc:AlternateContent xmlns:mc="http://schemas.openxmlformats.org/markup-compatibility/2006" xmlns:a14="http://schemas.microsoft.com/office/drawing/2010/main">
+        <mc:Choice Requires="a14">
           <p:graphicFrame>
             <p:nvGraphicFramePr>
               <p:cNvPr id="3" name="Table 6">
@@ -16140,7 +16138,7 @@
             </a:graphic>
           </p:graphicFrame>
         </mc:Choice>
-        <mc:Fallback>
+        <mc:Fallback xmlns="">
           <p:graphicFrame>
             <p:nvGraphicFramePr>
               <p:cNvPr id="3" name="Table 6">
@@ -17911,8 +17909,8 @@
           </a:fontRef>
         </p:style>
       </p:cxnSp>
-      <mc:AlternateContent xmlns:mc="http://schemas.openxmlformats.org/markup-compatibility/2006">
-        <mc:Choice xmlns:a14="http://schemas.microsoft.com/office/drawing/2010/main" Requires="a14">
+      <mc:AlternateContent xmlns:mc="http://schemas.openxmlformats.org/markup-compatibility/2006" xmlns:a14="http://schemas.microsoft.com/office/drawing/2010/main">
+        <mc:Choice Requires="a14">
           <p:sp>
             <p:nvSpPr>
               <p:cNvPr id="8" name="TextBox 7">
@@ -18213,7 +18211,7 @@
             </p:txBody>
           </p:sp>
         </mc:Choice>
-        <mc:Fallback>
+        <mc:Fallback xmlns="">
           <p:sp>
             <p:nvSpPr>
               <p:cNvPr id="8" name="TextBox 7">
@@ -18571,8 +18569,8 @@
           </a:p>
         </p:txBody>
       </p:sp>
-      <mc:AlternateContent xmlns:mc="http://schemas.openxmlformats.org/markup-compatibility/2006">
-        <mc:Choice xmlns:a14="http://schemas.microsoft.com/office/drawing/2010/main" Requires="a14">
+      <mc:AlternateContent xmlns:mc="http://schemas.openxmlformats.org/markup-compatibility/2006" xmlns:a14="http://schemas.microsoft.com/office/drawing/2010/main">
+        <mc:Choice Requires="a14">
           <p:sp>
             <p:nvSpPr>
               <p:cNvPr id="13" name="TextBox 12">
@@ -18959,7 +18957,7 @@
             </p:txBody>
           </p:sp>
         </mc:Choice>
-        <mc:Fallback>
+        <mc:Fallback xmlns="">
           <p:sp>
             <p:nvSpPr>
               <p:cNvPr id="13" name="TextBox 12">
@@ -19193,61 +19191,107 @@
       </p:grpSpPr>
       <p:sp>
         <p:nvSpPr>
-          <p:cNvPr id="3" name="Content Placeholder 2">
+          <p:cNvPr id="10" name="Title 1">
             <a:extLst>
               <a:ext uri="{FF2B5EF4-FFF2-40B4-BE49-F238E27FC236}">
-                <a16:creationId xmlns:a16="http://schemas.microsoft.com/office/drawing/2014/main" id="{1B52025A-5B94-E9B4-BDBA-C04E201BC4C3}"/>
+                <a16:creationId xmlns:a16="http://schemas.microsoft.com/office/drawing/2014/main" id="{E071B869-AE2D-16FC-C105-B6D5EEF60C56}"/>
               </a:ext>
             </a:extLst>
           </p:cNvPr>
-          <p:cNvSpPr>
-            <a:spLocks noGrp="1"/>
+          <p:cNvSpPr txBox="1">
+            <a:spLocks/>
           </p:cNvSpPr>
-          <p:nvPr>
-            <p:ph idx="1"/>
-          </p:nvPr>
+          <p:nvPr/>
         </p:nvSpPr>
-        <p:spPr/>
+        <p:spPr>
+          <a:xfrm>
+            <a:off x="262781" y="96118"/>
+            <a:ext cx="10515600" cy="1325559"/>
+          </a:xfrm>
+          <a:prstGeom prst="rect">
+            <a:avLst/>
+          </a:prstGeom>
+          <a:noFill/>
+          <a:ln>
+            <a:noFill/>
+          </a:ln>
+        </p:spPr>
         <p:txBody>
-          <a:bodyPr/>
-          <a:lstStyle/>
+          <a:bodyPr vert="horz" wrap="square" lIns="91440" tIns="45720" rIns="91440" bIns="45720" anchor="ctr" anchorCtr="0" compatLnSpc="1">
+            <a:normAutofit fontScale="90000"/>
+          </a:bodyPr>
+          <a:lstStyle>
+            <a:lvl1pPr marL="0" marR="0" lvl="0" indent="0" algn="l" defTabSz="914400" rtl="0" fontAlgn="auto" hangingPunct="1">
+              <a:lnSpc>
+                <a:spcPct val="90000"/>
+              </a:lnSpc>
+              <a:spcBef>
+                <a:spcPts val="0"/>
+              </a:spcBef>
+              <a:spcAft>
+                <a:spcPts val="0"/>
+              </a:spcAft>
+              <a:buNone/>
+              <a:tabLst/>
+              <a:defRPr lang="en-US" sz="4400" b="0" i="0" u="none" strike="noStrike" kern="1200" cap="none" spc="0" baseline="0">
+                <a:solidFill>
+                  <a:srgbClr val="000000"/>
+                </a:solidFill>
+                <a:uFillTx/>
+                <a:latin typeface="Calibri Light"/>
+              </a:defRPr>
+            </a:lvl1pPr>
+          </a:lstStyle>
           <a:p>
-            <a:pPr marL="0" indent="0">
-              <a:buNone/>
+            <a:pPr>
+              <a:lnSpc>
+                <a:spcPct val="100000"/>
+              </a:lnSpc>
             </a:pPr>
             <a:r>
-              <a:rPr lang="en-GB" dirty="0"/>
-              <a:t>Code snippet here fpp3</a:t>
+              <a:rPr lang="en-GB" sz="5400" b="1" kern="0">
+                <a:solidFill>
+                  <a:srgbClr val="006388"/>
+                </a:solidFill>
+                <a:latin typeface="Fira Sans" pitchFamily="34"/>
+                <a:ea typeface="Fira Code" pitchFamily="49"/>
+              </a:rPr>
+              <a:t>Controlled Interrupted Time Series </a:t>
             </a:r>
-            <a:endParaRPr lang="nl-NL" dirty="0"/>
+            <a:endParaRPr lang="en-GB" sz="1800" kern="0" dirty="0"/>
           </a:p>
         </p:txBody>
       </p:sp>
-      <p:sp>
-        <p:nvSpPr>
-          <p:cNvPr id="6" name="Title 5">
+      <p:pic>
+        <p:nvPicPr>
+          <p:cNvPr id="13" name="Picture 12">
             <a:extLst>
               <a:ext uri="{FF2B5EF4-FFF2-40B4-BE49-F238E27FC236}">
-                <a16:creationId xmlns:a16="http://schemas.microsoft.com/office/drawing/2014/main" id="{86A19553-371F-1EA7-44C6-F816120A95EC}"/>
+                <a16:creationId xmlns:a16="http://schemas.microsoft.com/office/drawing/2014/main" id="{3DD117E2-FFAF-6F3F-B319-660B7DBBE4D2}"/>
               </a:ext>
             </a:extLst>
           </p:cNvPr>
-          <p:cNvSpPr>
-            <a:spLocks noGrp="1"/>
-          </p:cNvSpPr>
-          <p:nvPr>
-            <p:ph type="title"/>
-          </p:nvPr>
-        </p:nvSpPr>
-        <p:spPr/>
-        <p:txBody>
-          <a:bodyPr/>
-          <a:lstStyle/>
-          <a:p>
-            <a:endParaRPr lang="nl-NL"/>
-          </a:p>
-        </p:txBody>
-      </p:sp>
+          <p:cNvPicPr>
+            <a:picLocks noChangeAspect="1"/>
+          </p:cNvPicPr>
+          <p:nvPr/>
+        </p:nvPicPr>
+        <p:blipFill>
+          <a:blip r:embed="rId2"/>
+          <a:stretch>
+            <a:fillRect/>
+          </a:stretch>
+        </p:blipFill>
+        <p:spPr>
+          <a:xfrm>
+            <a:off x="576515" y="2079651"/>
+            <a:ext cx="8174107" cy="3238797"/>
+          </a:xfrm>
+          <a:prstGeom prst="rect">
+            <a:avLst/>
+          </a:prstGeom>
+        </p:spPr>
+      </p:pic>
     </p:spTree>
     <p:extLst>
       <p:ext uri="{BB962C8B-B14F-4D97-AF65-F5344CB8AC3E}">
@@ -19431,11 +19475,11 @@
             </a:pPr>
             <a:r>
               <a:rPr lang="en-GB" b="1" dirty="0"/>
-              <a:t>Stability / Stationarity: </a:t>
+              <a:t>Appropriate time series model: </a:t>
             </a:r>
             <a:r>
               <a:rPr lang="en-GB" dirty="0"/>
-              <a:t>(Essentially) we can learn time-forward (forecasting) relationships from pre-treatment data. The same relations/model hold in the future we want to predict as in the past which we use to train the model</a:t>
+              <a:t>We model the time-forward relationships in our target unit, and it’s relationship with the control unit, appropriately</a:t>
             </a:r>
           </a:p>
           <a:p>
@@ -19445,13 +19489,12 @@
             </a:pPr>
             <a:r>
               <a:rPr lang="en-GB" b="1" dirty="0"/>
-              <a:t>Appropriate time series model: </a:t>
+              <a:t>Stability / Stationarity: </a:t>
             </a:r>
             <a:r>
               <a:rPr lang="en-GB" dirty="0"/>
-              <a:t>We model the time-forward relationships in our target unit, and it’s relationship with the control unit, appropriately</a:t>
+              <a:t>(Essentially) we can learn time-forward (forecasting) relationships from pre-treatment data. The same relations/model hold in the future we want to predict as in the past which we use to train the model</a:t>
             </a:r>
-            <a:endParaRPr lang="nl-NL" b="1" dirty="0"/>
           </a:p>
         </p:txBody>
       </p:sp>
@@ -19630,7 +19673,7 @@
             </a:pPr>
             <a:r>
               <a:rPr lang="en-GB" dirty="0"/>
-              <a:t>	- Many different “products” that did not receive a new type of advertisement</a:t>
+              <a:t>	- Many different “products” that did not receive a new type of 		  advertisement</a:t>
             </a:r>
           </a:p>
           <a:p>
@@ -19659,12 +19702,13 @@
             </a:r>
           </a:p>
           <a:p>
-            <a:pPr marL="0" indent="0">
-              <a:buNone/>
+            <a:pPr>
+              <a:buFontTx/>
+              <a:buChar char="-"/>
             </a:pPr>
             <a:r>
               <a:rPr lang="en-GB" dirty="0"/>
-              <a:t>- allowing a </a:t>
+              <a:t>allow a </a:t>
             </a:r>
             <a:r>
               <a:rPr lang="en-GB" b="1" dirty="0"/>
@@ -19672,7 +19716,17 @@
             </a:r>
             <a:r>
               <a:rPr lang="en-GB" dirty="0"/>
-              <a:t> to capture complex dependencies,  - try to avoid </a:t>
+              <a:t> to capture complex dependencies,  </a:t>
+            </a:r>
+          </a:p>
+          <a:p>
+            <a:pPr>
+              <a:buFontTx/>
+              <a:buChar char="-"/>
+            </a:pPr>
+            <a:r>
+              <a:rPr lang="en-GB" dirty="0"/>
+              <a:t>try to avoid </a:t>
             </a:r>
             <a:r>
               <a:rPr lang="en-GB" b="1" dirty="0"/>
@@ -20479,10 +20533,15 @@
             <p:ph idx="1"/>
           </p:nvPr>
         </p:nvSpPr>
-        <p:spPr/>
+        <p:spPr>
+          <a:xfrm>
+            <a:off x="838202" y="1825627"/>
+            <a:ext cx="10704965" cy="4351336"/>
+          </a:xfrm>
+        </p:spPr>
         <p:txBody>
           <a:bodyPr>
-            <a:normAutofit/>
+            <a:normAutofit fontScale="85000" lnSpcReduction="10000"/>
           </a:bodyPr>
           <a:lstStyle/>
           <a:p>
@@ -20490,7 +20549,7 @@
               <a:buNone/>
             </a:pPr>
             <a:r>
-              <a:rPr lang="en-GB" dirty="0" err="1"/>
+              <a:rPr lang="en-GB" i="1" dirty="0" err="1"/>
               <a:t>CausalImpact</a:t>
             </a:r>
             <a:r>
@@ -20511,7 +20570,16 @@
             </a:r>
             <a:r>
               <a:rPr lang="en-GB" dirty="0"/>
-              <a:t> packaged developed by Google with the aim of performing what could be described as “Synthetic Controlled Interrupted Time Series” </a:t>
+              <a:t> packaged developed by Google </a:t>
+            </a:r>
+          </a:p>
+          <a:p>
+            <a:pPr marL="0" indent="0">
+              <a:buNone/>
+            </a:pPr>
+            <a:r>
+              <a:rPr lang="en-GB" dirty="0"/>
+              <a:t>Performs what could be described as “Synthetic Controlled Interrupted Time Series” </a:t>
             </a:r>
           </a:p>
           <a:p>
@@ -20539,7 +20607,7 @@
             </a:pPr>
             <a:r>
               <a:rPr lang="en-GB" dirty="0"/>
-              <a:t>Exactly the same principle as Controlled ITS </a:t>
+              <a:t>Exactly the same principles as Controlled ITS</a:t>
             </a:r>
           </a:p>
           <a:p>
@@ -20549,7 +20617,35 @@
             </a:pPr>
             <a:r>
               <a:rPr lang="en-GB" dirty="0"/>
-              <a:t>Builds a model using past-Y and many control units in a clever / flexible way</a:t>
+              <a:t>The model has a time-forward forecasting part and a “control unit” regression part</a:t>
+            </a:r>
+          </a:p>
+          <a:p>
+            <a:pPr>
+              <a:buFontTx/>
+              <a:buChar char="-"/>
+            </a:pPr>
+            <a:r>
+              <a:rPr lang="en-GB" dirty="0"/>
+              <a:t>Behind-the-scenes uses </a:t>
+            </a:r>
+            <a:r>
+              <a:rPr lang="en-GB" b="1" dirty="0"/>
+              <a:t>Bayesian estimation </a:t>
+            </a:r>
+            <a:r>
+              <a:rPr lang="en-GB" dirty="0"/>
+              <a:t>to build the forecasting model</a:t>
+            </a:r>
+          </a:p>
+          <a:p>
+            <a:pPr>
+              <a:buFontTx/>
+              <a:buChar char="-"/>
+            </a:pPr>
+            <a:r>
+              <a:rPr lang="en-GB" dirty="0"/>
+              <a:t>Aa subset of units are included in the control unit part, with different weights; similar to a synthetic control analysis (but differing in many other details)</a:t>
             </a:r>
           </a:p>
           <a:p>
@@ -20558,14 +20654,16 @@
             </a:pPr>
             <a:r>
               <a:rPr lang="en-GB" dirty="0"/>
-              <a:t> </a:t>
+              <a:t>- </a:t>
             </a:r>
-          </a:p>
-          <a:p>
-            <a:pPr marL="0" indent="0">
-              <a:buNone/>
-            </a:pPr>
-            <a:endParaRPr lang="en-GB" dirty="0"/>
+            <a:r>
+              <a:rPr lang="en-GB" dirty="0" err="1"/>
+              <a:t>CausalImpact</a:t>
+            </a:r>
+            <a:r>
+              <a:rPr lang="en-GB" dirty="0"/>
+              <a:t> package takes care of model building + selection behind the scenes (!)</a:t>
+            </a:r>
           </a:p>
           <a:p>
             <a:pPr marL="0" indent="0">
@@ -20652,6 +20750,614 @@
           <a:chExt cx="0" cy="0"/>
         </a:xfrm>
       </p:grpSpPr>
+      <p:pic>
+        <p:nvPicPr>
+          <p:cNvPr id="9" name="Picture 8" descr="A picture containing text, diagram, plot&#10;&#10;Description automatically generated">
+            <a:extLst>
+              <a:ext uri="{FF2B5EF4-FFF2-40B4-BE49-F238E27FC236}">
+                <a16:creationId xmlns:a16="http://schemas.microsoft.com/office/drawing/2014/main" id="{A50EE9C9-C120-D8A6-8D47-CDA7575B7B7E}"/>
+              </a:ext>
+            </a:extLst>
+          </p:cNvPr>
+          <p:cNvPicPr>
+            <a:picLocks noChangeAspect="1"/>
+          </p:cNvPicPr>
+          <p:nvPr/>
+        </p:nvPicPr>
+        <p:blipFill>
+          <a:blip r:embed="rId2">
+            <a:extLst>
+              <a:ext uri="{28A0092B-C50C-407E-A947-70E740481C1C}">
+                <a14:useLocalDpi xmlns:a14="http://schemas.microsoft.com/office/drawing/2010/main" val="0"/>
+              </a:ext>
+            </a:extLst>
+          </a:blip>
+          <a:stretch>
+            <a:fillRect/>
+          </a:stretch>
+        </p:blipFill>
+        <p:spPr>
+          <a:xfrm>
+            <a:off x="1981191" y="685794"/>
+            <a:ext cx="8229617" cy="5486411"/>
+          </a:xfrm>
+          <a:prstGeom prst="rect">
+            <a:avLst/>
+          </a:prstGeom>
+        </p:spPr>
+      </p:pic>
+    </p:spTree>
+    <p:extLst>
+      <p:ext uri="{BB962C8B-B14F-4D97-AF65-F5344CB8AC3E}">
+        <p14:creationId xmlns:p14="http://schemas.microsoft.com/office/powerpoint/2010/main" val="2211572297"/>
+      </p:ext>
+    </p:extLst>
+  </p:cSld>
+  <p:clrMapOvr>
+    <a:masterClrMapping/>
+  </p:clrMapOvr>
+</p:sld>
+</file>
+
+<file path=ppt/slides/slide22.xml><?xml version="1.0" encoding="utf-8"?>
+<p:sld xmlns:a="http://schemas.openxmlformats.org/drawingml/2006/main" xmlns:r="http://schemas.openxmlformats.org/officeDocument/2006/relationships" xmlns:p="http://schemas.openxmlformats.org/presentationml/2006/main">
+  <p:cSld>
+    <p:spTree>
+      <p:nvGrpSpPr>
+        <p:cNvPr id="1" name=""/>
+        <p:cNvGrpSpPr/>
+        <p:nvPr/>
+      </p:nvGrpSpPr>
+      <p:grpSpPr>
+        <a:xfrm>
+          <a:off x="0" y="0"/>
+          <a:ext cx="0" cy="0"/>
+          <a:chOff x="0" y="0"/>
+          <a:chExt cx="0" cy="0"/>
+        </a:xfrm>
+      </p:grpSpPr>
+      <p:sp>
+        <p:nvSpPr>
+          <p:cNvPr id="4" name="Title 1">
+            <a:extLst>
+              <a:ext uri="{FF2B5EF4-FFF2-40B4-BE49-F238E27FC236}">
+                <a16:creationId xmlns:a16="http://schemas.microsoft.com/office/drawing/2014/main" id="{1E341867-C011-5DBE-6F00-A37753993805}"/>
+              </a:ext>
+            </a:extLst>
+          </p:cNvPr>
+          <p:cNvSpPr txBox="1">
+            <a:spLocks noGrp="1"/>
+          </p:cNvSpPr>
+          <p:nvPr>
+            <p:ph type="title"/>
+          </p:nvPr>
+        </p:nvSpPr>
+        <p:spPr>
+          <a:xfrm>
+            <a:off x="838200" y="365125"/>
+            <a:ext cx="10515600" cy="1325563"/>
+          </a:xfrm>
+        </p:spPr>
+        <p:txBody>
+          <a:bodyPr>
+            <a:normAutofit/>
+          </a:bodyPr>
+          <a:lstStyle/>
+          <a:p>
+            <a:pPr lvl="0">
+              <a:lnSpc>
+                <a:spcPct val="100000"/>
+              </a:lnSpc>
+            </a:pPr>
+            <a:r>
+              <a:rPr lang="en-GB" sz="5400" b="1" kern="0" dirty="0" err="1">
+                <a:solidFill>
+                  <a:srgbClr val="006388"/>
+                </a:solidFill>
+                <a:latin typeface="Fira Sans" pitchFamily="34"/>
+                <a:ea typeface="Fira Code" pitchFamily="49"/>
+              </a:rPr>
+              <a:t>CausalImpact</a:t>
+            </a:r>
+            <a:r>
+              <a:rPr lang="en-GB" sz="5400" b="1" kern="0" dirty="0">
+                <a:solidFill>
+                  <a:srgbClr val="006388"/>
+                </a:solidFill>
+                <a:latin typeface="Fira Sans" pitchFamily="34"/>
+                <a:ea typeface="Fira Code" pitchFamily="49"/>
+              </a:rPr>
+              <a:t> in action</a:t>
+            </a:r>
+            <a:endParaRPr lang="en-GB" sz="1800" kern="0" dirty="0"/>
+          </a:p>
+        </p:txBody>
+      </p:sp>
+      <p:pic>
+        <p:nvPicPr>
+          <p:cNvPr id="9" name="Picture 8">
+            <a:extLst>
+              <a:ext uri="{FF2B5EF4-FFF2-40B4-BE49-F238E27FC236}">
+                <a16:creationId xmlns:a16="http://schemas.microsoft.com/office/drawing/2014/main" id="{D5471CF3-8599-F177-1EF7-CA8D0240B7CD}"/>
+              </a:ext>
+            </a:extLst>
+          </p:cNvPr>
+          <p:cNvPicPr>
+            <a:picLocks noChangeAspect="1"/>
+          </p:cNvPicPr>
+          <p:nvPr/>
+        </p:nvPicPr>
+        <p:blipFill>
+          <a:blip r:embed="rId2"/>
+          <a:stretch>
+            <a:fillRect/>
+          </a:stretch>
+        </p:blipFill>
+        <p:spPr>
+          <a:xfrm>
+            <a:off x="838200" y="1861457"/>
+            <a:ext cx="7986641" cy="2477278"/>
+          </a:xfrm>
+          <a:prstGeom prst="rect">
+            <a:avLst/>
+          </a:prstGeom>
+        </p:spPr>
+      </p:pic>
+    </p:spTree>
+    <p:extLst>
+      <p:ext uri="{BB962C8B-B14F-4D97-AF65-F5344CB8AC3E}">
+        <p14:creationId xmlns:p14="http://schemas.microsoft.com/office/powerpoint/2010/main" val="241931359"/>
+      </p:ext>
+    </p:extLst>
+  </p:cSld>
+  <p:clrMapOvr>
+    <a:masterClrMapping/>
+  </p:clrMapOvr>
+</p:sld>
+</file>
+
+<file path=ppt/slides/slide23.xml><?xml version="1.0" encoding="utf-8"?>
+<p:sld xmlns:a="http://schemas.openxmlformats.org/drawingml/2006/main" xmlns:r="http://schemas.openxmlformats.org/officeDocument/2006/relationships" xmlns:p="http://schemas.openxmlformats.org/presentationml/2006/main">
+  <p:cSld>
+    <p:spTree>
+      <p:nvGrpSpPr>
+        <p:cNvPr id="1" name=""/>
+        <p:cNvGrpSpPr/>
+        <p:nvPr/>
+      </p:nvGrpSpPr>
+      <p:grpSpPr>
+        <a:xfrm>
+          <a:off x="0" y="0"/>
+          <a:ext cx="0" cy="0"/>
+          <a:chOff x="0" y="0"/>
+          <a:chExt cx="0" cy="0"/>
+        </a:xfrm>
+      </p:grpSpPr>
+      <p:pic>
+        <p:nvPicPr>
+          <p:cNvPr id="7" name="Picture 6" descr="A picture containing text, plot, line, screenshot&#10;&#10;Description automatically generated">
+            <a:extLst>
+              <a:ext uri="{FF2B5EF4-FFF2-40B4-BE49-F238E27FC236}">
+                <a16:creationId xmlns:a16="http://schemas.microsoft.com/office/drawing/2014/main" id="{1193FB21-A135-B7D6-00EE-FE138BB155B7}"/>
+              </a:ext>
+            </a:extLst>
+          </p:cNvPr>
+          <p:cNvPicPr>
+            <a:picLocks noChangeAspect="1"/>
+          </p:cNvPicPr>
+          <p:nvPr/>
+        </p:nvPicPr>
+        <p:blipFill>
+          <a:blip r:embed="rId2">
+            <a:extLst>
+              <a:ext uri="{28A0092B-C50C-407E-A947-70E740481C1C}">
+                <a14:useLocalDpi xmlns:a14="http://schemas.microsoft.com/office/drawing/2010/main" val="0"/>
+              </a:ext>
+            </a:extLst>
+          </a:blip>
+          <a:stretch>
+            <a:fillRect/>
+          </a:stretch>
+        </p:blipFill>
+        <p:spPr>
+          <a:xfrm>
+            <a:off x="420534" y="866417"/>
+            <a:ext cx="7401958" cy="5125165"/>
+          </a:xfrm>
+          <a:prstGeom prst="rect">
+            <a:avLst/>
+          </a:prstGeom>
+        </p:spPr>
+      </p:pic>
+      <p:sp>
+        <p:nvSpPr>
+          <p:cNvPr id="8" name="Rectangle 7">
+            <a:extLst>
+              <a:ext uri="{FF2B5EF4-FFF2-40B4-BE49-F238E27FC236}">
+                <a16:creationId xmlns:a16="http://schemas.microsoft.com/office/drawing/2014/main" id="{C14569F5-E870-BFDB-6A0C-C91F7CC27EE2}"/>
+              </a:ext>
+            </a:extLst>
+          </p:cNvPr>
+          <p:cNvSpPr/>
+          <p:nvPr/>
+        </p:nvSpPr>
+        <p:spPr>
+          <a:xfrm>
+            <a:off x="420534" y="2425959"/>
+            <a:ext cx="7401958" cy="3405674"/>
+          </a:xfrm>
+          <a:prstGeom prst="rect">
+            <a:avLst/>
+          </a:prstGeom>
+          <a:noFill/>
+          <a:ln>
+            <a:noFill/>
+          </a:ln>
+        </p:spPr>
+        <p:style>
+          <a:lnRef idx="2">
+            <a:schemeClr val="accent1">
+              <a:shade val="50000"/>
+            </a:schemeClr>
+          </a:lnRef>
+          <a:fillRef idx="1">
+            <a:schemeClr val="accent1"/>
+          </a:fillRef>
+          <a:effectRef idx="0">
+            <a:schemeClr val="accent1"/>
+          </a:effectRef>
+          <a:fontRef idx="minor">
+            <a:schemeClr val="lt1"/>
+          </a:fontRef>
+        </p:style>
+        <p:txBody>
+          <a:bodyPr rtlCol="0" anchor="ctr"/>
+          <a:lstStyle/>
+          <a:p>
+            <a:pPr algn="ctr"/>
+            <a:endParaRPr lang="nl-NL"/>
+          </a:p>
+        </p:txBody>
+      </p:sp>
+      <p:sp>
+        <p:nvSpPr>
+          <p:cNvPr id="9" name="TextBox 8">
+            <a:extLst>
+              <a:ext uri="{FF2B5EF4-FFF2-40B4-BE49-F238E27FC236}">
+                <a16:creationId xmlns:a16="http://schemas.microsoft.com/office/drawing/2014/main" id="{012E51A8-C2EC-1F2E-245A-01210DB2FA5D}"/>
+              </a:ext>
+            </a:extLst>
+          </p:cNvPr>
+          <p:cNvSpPr txBox="1"/>
+          <p:nvPr/>
+        </p:nvSpPr>
+        <p:spPr>
+          <a:xfrm>
+            <a:off x="8016240" y="1542824"/>
+            <a:ext cx="3493008" cy="369332"/>
+          </a:xfrm>
+          <a:prstGeom prst="rect">
+            <a:avLst/>
+          </a:prstGeom>
+          <a:noFill/>
+        </p:spPr>
+        <p:txBody>
+          <a:bodyPr wrap="square" rtlCol="0">
+            <a:spAutoFit/>
+          </a:bodyPr>
+          <a:lstStyle/>
+          <a:p>
+            <a:r>
+              <a:rPr lang="en-GB" dirty="0">
+                <a:solidFill>
+                  <a:schemeClr val="accent1"/>
+                </a:solidFill>
+              </a:rPr>
+              <a:t>Predicted (counterfactual) </a:t>
+            </a:r>
+            <a:endParaRPr lang="nl-NL" dirty="0">
+              <a:solidFill>
+                <a:schemeClr val="accent1"/>
+              </a:solidFill>
+            </a:endParaRPr>
+          </a:p>
+        </p:txBody>
+      </p:sp>
+      <p:sp>
+        <p:nvSpPr>
+          <p:cNvPr id="10" name="TextBox 9">
+            <a:extLst>
+              <a:ext uri="{FF2B5EF4-FFF2-40B4-BE49-F238E27FC236}">
+                <a16:creationId xmlns:a16="http://schemas.microsoft.com/office/drawing/2014/main" id="{A24B7664-59AA-2427-0C89-44D2CCB4F47C}"/>
+              </a:ext>
+            </a:extLst>
+          </p:cNvPr>
+          <p:cNvSpPr txBox="1"/>
+          <p:nvPr/>
+        </p:nvSpPr>
+        <p:spPr>
+          <a:xfrm>
+            <a:off x="8016240" y="1097661"/>
+            <a:ext cx="3493008" cy="369332"/>
+          </a:xfrm>
+          <a:prstGeom prst="rect">
+            <a:avLst/>
+          </a:prstGeom>
+          <a:noFill/>
+        </p:spPr>
+        <p:txBody>
+          <a:bodyPr wrap="square" rtlCol="0">
+            <a:spAutoFit/>
+          </a:bodyPr>
+          <a:lstStyle/>
+          <a:p>
+            <a:r>
+              <a:rPr lang="en-GB" dirty="0"/>
+              <a:t>Observed</a:t>
+            </a:r>
+            <a:endParaRPr lang="nl-NL" dirty="0"/>
+          </a:p>
+        </p:txBody>
+      </p:sp>
+      <p:sp>
+        <p:nvSpPr>
+          <p:cNvPr id="11" name="TextBox 10">
+            <a:extLst>
+              <a:ext uri="{FF2B5EF4-FFF2-40B4-BE49-F238E27FC236}">
+                <a16:creationId xmlns:a16="http://schemas.microsoft.com/office/drawing/2014/main" id="{2FD8A1AE-5F67-C66A-7559-9D1B301B19E0}"/>
+              </a:ext>
+            </a:extLst>
+          </p:cNvPr>
+          <p:cNvSpPr txBox="1"/>
+          <p:nvPr/>
+        </p:nvSpPr>
+        <p:spPr>
+          <a:xfrm>
+            <a:off x="8016240" y="2822829"/>
+            <a:ext cx="3493008" cy="369332"/>
+          </a:xfrm>
+          <a:prstGeom prst="rect">
+            <a:avLst/>
+          </a:prstGeom>
+          <a:noFill/>
+        </p:spPr>
+        <p:txBody>
+          <a:bodyPr wrap="square" rtlCol="0">
+            <a:spAutoFit/>
+          </a:bodyPr>
+          <a:lstStyle/>
+          <a:p>
+            <a:r>
+              <a:rPr lang="en-GB" dirty="0"/>
+              <a:t>Causal Effect estimate at each t</a:t>
+            </a:r>
+            <a:endParaRPr lang="nl-NL" dirty="0"/>
+          </a:p>
+        </p:txBody>
+      </p:sp>
+      <p:sp>
+        <p:nvSpPr>
+          <p:cNvPr id="12" name="TextBox 11">
+            <a:extLst>
+              <a:ext uri="{FF2B5EF4-FFF2-40B4-BE49-F238E27FC236}">
+                <a16:creationId xmlns:a16="http://schemas.microsoft.com/office/drawing/2014/main" id="{2CC20DA3-717B-AF7C-B313-3F5436F304F5}"/>
+              </a:ext>
+            </a:extLst>
+          </p:cNvPr>
+          <p:cNvSpPr txBox="1"/>
+          <p:nvPr/>
+        </p:nvSpPr>
+        <p:spPr>
+          <a:xfrm>
+            <a:off x="8016240" y="4319397"/>
+            <a:ext cx="3493008" cy="646331"/>
+          </a:xfrm>
+          <a:prstGeom prst="rect">
+            <a:avLst/>
+          </a:prstGeom>
+          <a:noFill/>
+        </p:spPr>
+        <p:txBody>
+          <a:bodyPr wrap="square" rtlCol="0">
+            <a:spAutoFit/>
+          </a:bodyPr>
+          <a:lstStyle/>
+          <a:p>
+            <a:r>
+              <a:rPr lang="en-GB" dirty="0"/>
+              <a:t>Sum of causal effect estimates at all previous time points</a:t>
+            </a:r>
+            <a:endParaRPr lang="nl-NL" dirty="0"/>
+          </a:p>
+        </p:txBody>
+      </p:sp>
+    </p:spTree>
+    <p:extLst>
+      <p:ext uri="{BB962C8B-B14F-4D97-AF65-F5344CB8AC3E}">
+        <p14:creationId xmlns:p14="http://schemas.microsoft.com/office/powerpoint/2010/main" val="671510124"/>
+      </p:ext>
+    </p:extLst>
+  </p:cSld>
+  <p:clrMapOvr>
+    <a:masterClrMapping/>
+  </p:clrMapOvr>
+  <p:timing>
+    <p:tnLst>
+      <p:par>
+        <p:cTn id="1" dur="indefinite" restart="never" nodeType="tmRoot">
+          <p:childTnLst>
+            <p:seq concurrent="1" nextAc="seek">
+              <p:cTn id="2" dur="indefinite" nodeType="mainSeq">
+                <p:childTnLst>
+                  <p:par>
+                    <p:cTn id="3" fill="hold">
+                      <p:stCondLst>
+                        <p:cond delay="indefinite"/>
+                      </p:stCondLst>
+                      <p:childTnLst>
+                        <p:par>
+                          <p:cTn id="4" fill="hold">
+                            <p:stCondLst>
+                              <p:cond delay="0"/>
+                            </p:stCondLst>
+                            <p:childTnLst>
+                              <p:par>
+                                <p:cTn id="5" presetID="1" presetClass="exit" presetSubtype="0" fill="hold" grpId="0" nodeType="clickEffect" nodePh="1">
+                                  <p:stCondLst>
+                                    <p:cond delay="0"/>
+                                  </p:stCondLst>
+                                  <p:endCondLst>
+                                    <p:cond evt="begin" delay="0">
+                                      <p:tn val="5"/>
+                                    </p:cond>
+                                  </p:endCondLst>
+                                  <p:childTnLst>
+                                    <p:set>
+                                      <p:cBhvr>
+                                        <p:cTn id="6" dur="1" fill="hold">
+                                          <p:stCondLst>
+                                            <p:cond delay="0"/>
+                                          </p:stCondLst>
+                                        </p:cTn>
+                                        <p:tgtEl>
+                                          <p:spTgt spid="8"/>
+                                        </p:tgtEl>
+                                        <p:attrNameLst>
+                                          <p:attrName>style.visibility</p:attrName>
+                                        </p:attrNameLst>
+                                      </p:cBhvr>
+                                      <p:to>
+                                        <p:strVal val="hidden"/>
+                                      </p:to>
+                                    </p:set>
+                                  </p:childTnLst>
+                                </p:cTn>
+                              </p:par>
+                            </p:childTnLst>
+                          </p:cTn>
+                        </p:par>
+                      </p:childTnLst>
+                    </p:cTn>
+                  </p:par>
+                  <p:par>
+                    <p:cTn id="7" fill="hold">
+                      <p:stCondLst>
+                        <p:cond delay="indefinite"/>
+                      </p:stCondLst>
+                      <p:childTnLst>
+                        <p:par>
+                          <p:cTn id="8" fill="hold">
+                            <p:stCondLst>
+                              <p:cond delay="0"/>
+                            </p:stCondLst>
+                            <p:childTnLst>
+                              <p:par>
+                                <p:cTn id="9" presetID="1" presetClass="entr" presetSubtype="0" fill="hold" grpId="0" nodeType="clickEffect">
+                                  <p:stCondLst>
+                                    <p:cond delay="0"/>
+                                  </p:stCondLst>
+                                  <p:childTnLst>
+                                    <p:set>
+                                      <p:cBhvr>
+                                        <p:cTn id="10" dur="1" fill="hold">
+                                          <p:stCondLst>
+                                            <p:cond delay="0"/>
+                                          </p:stCondLst>
+                                        </p:cTn>
+                                        <p:tgtEl>
+                                          <p:spTgt spid="11"/>
+                                        </p:tgtEl>
+                                        <p:attrNameLst>
+                                          <p:attrName>style.visibility</p:attrName>
+                                        </p:attrNameLst>
+                                      </p:cBhvr>
+                                      <p:to>
+                                        <p:strVal val="visible"/>
+                                      </p:to>
+                                    </p:set>
+                                  </p:childTnLst>
+                                </p:cTn>
+                              </p:par>
+                              <p:par>
+                                <p:cTn id="11" presetID="1" presetClass="entr" presetSubtype="0" fill="hold" grpId="0" nodeType="withEffect">
+                                  <p:stCondLst>
+                                    <p:cond delay="0"/>
+                                  </p:stCondLst>
+                                  <p:childTnLst>
+                                    <p:set>
+                                      <p:cBhvr>
+                                        <p:cTn id="12" dur="1" fill="hold">
+                                          <p:stCondLst>
+                                            <p:cond delay="0"/>
+                                          </p:stCondLst>
+                                        </p:cTn>
+                                        <p:tgtEl>
+                                          <p:spTgt spid="12"/>
+                                        </p:tgtEl>
+                                        <p:attrNameLst>
+                                          <p:attrName>style.visibility</p:attrName>
+                                        </p:attrNameLst>
+                                      </p:cBhvr>
+                                      <p:to>
+                                        <p:strVal val="visible"/>
+                                      </p:to>
+                                    </p:set>
+                                  </p:childTnLst>
+                                </p:cTn>
+                              </p:par>
+                            </p:childTnLst>
+                          </p:cTn>
+                        </p:par>
+                      </p:childTnLst>
+                    </p:cTn>
+                  </p:par>
+                </p:childTnLst>
+              </p:cTn>
+              <p:prevCondLst>
+                <p:cond evt="onPrev" delay="0">
+                  <p:tgtEl>
+                    <p:sldTgt/>
+                  </p:tgtEl>
+                </p:cond>
+              </p:prevCondLst>
+              <p:nextCondLst>
+                <p:cond evt="onNext" delay="0">
+                  <p:tgtEl>
+                    <p:sldTgt/>
+                  </p:tgtEl>
+                </p:cond>
+              </p:nextCondLst>
+            </p:seq>
+          </p:childTnLst>
+        </p:cTn>
+      </p:par>
+    </p:tnLst>
+    <p:bldLst>
+      <p:bldP spid="8" grpId="0"/>
+      <p:bldP spid="11" grpId="0"/>
+      <p:bldP spid="12" grpId="0"/>
+    </p:bldLst>
+  </p:timing>
+</p:sld>
+</file>
+
+<file path=ppt/slides/slide24.xml><?xml version="1.0" encoding="utf-8"?>
+<p:sld xmlns:a="http://schemas.openxmlformats.org/drawingml/2006/main" xmlns:r="http://schemas.openxmlformats.org/officeDocument/2006/relationships" xmlns:p="http://schemas.openxmlformats.org/presentationml/2006/main">
+  <p:cSld>
+    <p:spTree>
+      <p:nvGrpSpPr>
+        <p:cNvPr id="1" name=""/>
+        <p:cNvGrpSpPr/>
+        <p:nvPr/>
+      </p:nvGrpSpPr>
+      <p:grpSpPr>
+        <a:xfrm>
+          <a:off x="0" y="0"/>
+          <a:ext cx="0" cy="0"/>
+          <a:chOff x="0" y="0"/>
+          <a:chExt cx="0" cy="0"/>
+        </a:xfrm>
+      </p:grpSpPr>
       <p:sp>
         <p:nvSpPr>
           <p:cNvPr id="3" name="Content Placeholder 2">
@@ -20668,7 +21374,12 @@
             <p:ph idx="1"/>
           </p:nvPr>
         </p:nvSpPr>
-        <p:spPr/>
+        <p:spPr>
+          <a:xfrm>
+            <a:off x="838203" y="1825627"/>
+            <a:ext cx="10515600" cy="2056192"/>
+          </a:xfrm>
+        </p:spPr>
         <p:txBody>
           <a:bodyPr>
             <a:normAutofit/>
@@ -20679,8 +21390,16 @@
               <a:buNone/>
             </a:pPr>
             <a:r>
+              <a:rPr lang="en-GB" i="1" dirty="0" err="1"/>
+              <a:t>CausalImpact</a:t>
+            </a:r>
+            <a:r>
+              <a:rPr lang="en-GB" i="1" dirty="0"/>
+              <a:t> </a:t>
+            </a:r>
+            <a:r>
               <a:rPr lang="en-GB" dirty="0"/>
-              <a:t>Behind the scenes: </a:t>
+              <a:t>uses </a:t>
             </a:r>
             <a:r>
               <a:rPr lang="en-GB" b="1" dirty="0"/>
@@ -20785,385 +21504,266 @@
               </a:lnSpc>
             </a:pPr>
             <a:r>
-              <a:rPr lang="en-GB" sz="5400" b="1" kern="0" dirty="0" err="1">
+              <a:rPr lang="en-GB" sz="5400" b="1" kern="0" dirty="0">
                 <a:solidFill>
                   <a:srgbClr val="006388"/>
                 </a:solidFill>
                 <a:latin typeface="Fira Sans" pitchFamily="34"/>
                 <a:ea typeface="Fira Code" pitchFamily="49"/>
               </a:rPr>
-              <a:t>CausalImpact</a:t>
+              <a:t>Behind the scenes</a:t>
             </a:r>
             <a:endParaRPr lang="en-GB" sz="1800" kern="0" dirty="0"/>
           </a:p>
         </p:txBody>
       </p:sp>
-    </p:spTree>
-    <p:extLst>
-      <p:ext uri="{BB962C8B-B14F-4D97-AF65-F5344CB8AC3E}">
-        <p14:creationId xmlns:p14="http://schemas.microsoft.com/office/powerpoint/2010/main" val="1570535444"/>
-      </p:ext>
-    </p:extLst>
-  </p:cSld>
-  <p:clrMapOvr>
-    <a:masterClrMapping/>
-  </p:clrMapOvr>
-</p:sld>
-</file>
-
-<file path=ppt/slides/slide22.xml><?xml version="1.0" encoding="utf-8"?>
-<p:sld xmlns:a="http://schemas.openxmlformats.org/drawingml/2006/main" xmlns:r="http://schemas.openxmlformats.org/officeDocument/2006/relationships" xmlns:p="http://schemas.openxmlformats.org/presentationml/2006/main">
-  <p:cSld>
-    <p:spTree>
-      <p:nvGrpSpPr>
-        <p:cNvPr id="1" name=""/>
-        <p:cNvGrpSpPr/>
-        <p:nvPr/>
-      </p:nvGrpSpPr>
-      <p:grpSpPr>
-        <a:xfrm>
-          <a:off x="0" y="0"/>
-          <a:ext cx="0" cy="0"/>
-          <a:chOff x="0" y="0"/>
-          <a:chExt cx="0" cy="0"/>
-        </a:xfrm>
-      </p:grpSpPr>
-      <p:pic>
-        <p:nvPicPr>
-          <p:cNvPr id="9" name="Picture 8" descr="A picture containing text, diagram, plot&#10;&#10;Description automatically generated">
+      <p:sp>
+        <p:nvSpPr>
+          <p:cNvPr id="2" name="TextBox 1">
             <a:extLst>
               <a:ext uri="{FF2B5EF4-FFF2-40B4-BE49-F238E27FC236}">
-                <a16:creationId xmlns:a16="http://schemas.microsoft.com/office/drawing/2014/main" id="{A50EE9C9-C120-D8A6-8D47-CDA7575B7B7E}"/>
+                <a16:creationId xmlns:a16="http://schemas.microsoft.com/office/drawing/2014/main" id="{548B44E6-9C10-E54B-B50E-46E37BB0B3FF}"/>
               </a:ext>
             </a:extLst>
           </p:cNvPr>
-          <p:cNvPicPr>
-            <a:picLocks noChangeAspect="1"/>
-          </p:cNvPicPr>
+          <p:cNvSpPr txBox="1"/>
           <p:nvPr/>
-        </p:nvPicPr>
-        <p:blipFill>
-          <a:blip r:embed="rId2">
-            <a:extLst>
-              <a:ext uri="{28A0092B-C50C-407E-A947-70E740481C1C}">
-                <a14:useLocalDpi xmlns:a14="http://schemas.microsoft.com/office/drawing/2010/main" val="0"/>
-              </a:ext>
-            </a:extLst>
-          </a:blip>
-          <a:stretch>
-            <a:fillRect/>
-          </a:stretch>
-        </p:blipFill>
+        </p:nvSpPr>
         <p:spPr>
           <a:xfrm>
-            <a:off x="1981191" y="685794"/>
-            <a:ext cx="8229617" cy="5486411"/>
+            <a:off x="838200" y="4133088"/>
+            <a:ext cx="10765536" cy="2295144"/>
           </a:xfrm>
           <a:prstGeom prst="rect">
             <a:avLst/>
           </a:prstGeom>
+          <a:noFill/>
         </p:spPr>
-      </p:pic>
-    </p:spTree>
-    <p:extLst>
-      <p:ext uri="{BB962C8B-B14F-4D97-AF65-F5344CB8AC3E}">
-        <p14:creationId xmlns:p14="http://schemas.microsoft.com/office/powerpoint/2010/main" val="2211572297"/>
-      </p:ext>
-    </p:extLst>
-  </p:cSld>
-  <p:clrMapOvr>
-    <a:masterClrMapping/>
-  </p:clrMapOvr>
-</p:sld>
-</file>
-
-<file path=ppt/slides/slide23.xml><?xml version="1.0" encoding="utf-8"?>
-<p:sld xmlns:a="http://schemas.openxmlformats.org/drawingml/2006/main" xmlns:r="http://schemas.openxmlformats.org/officeDocument/2006/relationships" xmlns:p="http://schemas.openxmlformats.org/presentationml/2006/main">
-  <p:cSld>
-    <p:spTree>
-      <p:nvGrpSpPr>
-        <p:cNvPr id="1" name=""/>
-        <p:cNvGrpSpPr/>
-        <p:nvPr/>
-      </p:nvGrpSpPr>
-      <p:grpSpPr>
-        <a:xfrm>
-          <a:off x="0" y="0"/>
-          <a:ext cx="0" cy="0"/>
-          <a:chOff x="0" y="0"/>
-          <a:chExt cx="0" cy="0"/>
-        </a:xfrm>
-      </p:grpSpPr>
-      <p:sp>
-        <p:nvSpPr>
-          <p:cNvPr id="2" name="Title 1">
-            <a:extLst>
-              <a:ext uri="{FF2B5EF4-FFF2-40B4-BE49-F238E27FC236}">
-                <a16:creationId xmlns:a16="http://schemas.microsoft.com/office/drawing/2014/main" id="{D4C0A297-3FA9-37D4-AC47-0F76B74CC043}"/>
-              </a:ext>
-            </a:extLst>
-          </p:cNvPr>
-          <p:cNvSpPr>
-            <a:spLocks noGrp="1"/>
-          </p:cNvSpPr>
-          <p:nvPr>
-            <p:ph type="title"/>
-          </p:nvPr>
-        </p:nvSpPr>
-        <p:spPr/>
         <p:txBody>
-          <a:bodyPr/>
+          <a:bodyPr wrap="square" rtlCol="0">
+            <a:spAutoFit/>
+          </a:bodyPr>
           <a:lstStyle/>
           <a:p>
-            <a:endParaRPr lang="nl-NL"/>
+            <a:endParaRPr lang="nl-NL" dirty="0"/>
           </a:p>
         </p:txBody>
       </p:sp>
       <p:sp>
         <p:nvSpPr>
-          <p:cNvPr id="3" name="Content Placeholder 2">
+          <p:cNvPr id="5" name="Content Placeholder 2">
             <a:extLst>
               <a:ext uri="{FF2B5EF4-FFF2-40B4-BE49-F238E27FC236}">
-                <a16:creationId xmlns:a16="http://schemas.microsoft.com/office/drawing/2014/main" id="{8712FE54-9327-D7DD-EF42-1F9C3F5FCEA9}"/>
+                <a16:creationId xmlns:a16="http://schemas.microsoft.com/office/drawing/2014/main" id="{D008A839-FBF8-3971-A51F-ED8EFB48EF90}"/>
               </a:ext>
             </a:extLst>
           </p:cNvPr>
-          <p:cNvSpPr>
-            <a:spLocks noGrp="1"/>
+          <p:cNvSpPr txBox="1">
+            <a:spLocks/>
           </p:cNvSpPr>
-          <p:nvPr>
-            <p:ph idx="1"/>
-          </p:nvPr>
-        </p:nvSpPr>
-        <p:spPr/>
-        <p:txBody>
-          <a:bodyPr/>
-          <a:lstStyle/>
-          <a:p>
-            <a:pPr marL="0" indent="0">
-              <a:buNone/>
-            </a:pPr>
-            <a:r>
-              <a:rPr lang="en-GB" dirty="0"/>
-              <a:t>Code snippet causal impact</a:t>
-            </a:r>
-            <a:endParaRPr lang="nl-NL" dirty="0"/>
-          </a:p>
-        </p:txBody>
-      </p:sp>
-    </p:spTree>
-    <p:extLst>
-      <p:ext uri="{BB962C8B-B14F-4D97-AF65-F5344CB8AC3E}">
-        <p14:creationId xmlns:p14="http://schemas.microsoft.com/office/powerpoint/2010/main" val="3959588064"/>
-      </p:ext>
-    </p:extLst>
-  </p:cSld>
-  <p:clrMapOvr>
-    <a:masterClrMapping/>
-  </p:clrMapOvr>
-</p:sld>
-</file>
-
-<file path=ppt/slides/slide24.xml><?xml version="1.0" encoding="utf-8"?>
-<p:sld xmlns:a="http://schemas.openxmlformats.org/drawingml/2006/main" xmlns:r="http://schemas.openxmlformats.org/officeDocument/2006/relationships" xmlns:p="http://schemas.openxmlformats.org/presentationml/2006/main">
-  <p:cSld>
-    <p:spTree>
-      <p:nvGrpSpPr>
-        <p:cNvPr id="1" name=""/>
-        <p:cNvGrpSpPr/>
-        <p:nvPr/>
-      </p:nvGrpSpPr>
-      <p:grpSpPr>
-        <a:xfrm>
-          <a:off x="0" y="0"/>
-          <a:ext cx="0" cy="0"/>
-          <a:chOff x="0" y="0"/>
-          <a:chExt cx="0" cy="0"/>
-        </a:xfrm>
-      </p:grpSpPr>
-      <p:sp>
-        <p:nvSpPr>
-          <p:cNvPr id="2" name="Title 1">
-            <a:extLst>
-              <a:ext uri="{FF2B5EF4-FFF2-40B4-BE49-F238E27FC236}">
-                <a16:creationId xmlns:a16="http://schemas.microsoft.com/office/drawing/2014/main" id="{D4C0A297-3FA9-37D4-AC47-0F76B74CC043}"/>
-              </a:ext>
-            </a:extLst>
-          </p:cNvPr>
-          <p:cNvSpPr>
-            <a:spLocks noGrp="1"/>
-          </p:cNvSpPr>
-          <p:nvPr>
-            <p:ph type="title"/>
-          </p:nvPr>
-        </p:nvSpPr>
-        <p:spPr/>
-        <p:txBody>
-          <a:bodyPr/>
-          <a:lstStyle/>
-          <a:p>
-            <a:endParaRPr lang="nl-NL"/>
-          </a:p>
-        </p:txBody>
-      </p:sp>
-      <p:sp>
-        <p:nvSpPr>
-          <p:cNvPr id="3" name="Content Placeholder 2">
-            <a:extLst>
-              <a:ext uri="{FF2B5EF4-FFF2-40B4-BE49-F238E27FC236}">
-                <a16:creationId xmlns:a16="http://schemas.microsoft.com/office/drawing/2014/main" id="{8712FE54-9327-D7DD-EF42-1F9C3F5FCEA9}"/>
-              </a:ext>
-            </a:extLst>
-          </p:cNvPr>
-          <p:cNvSpPr>
-            <a:spLocks noGrp="1"/>
-          </p:cNvSpPr>
-          <p:nvPr>
-            <p:ph idx="1"/>
-          </p:nvPr>
-        </p:nvSpPr>
-        <p:spPr/>
-        <p:txBody>
-          <a:bodyPr/>
-          <a:lstStyle/>
-          <a:p>
-            <a:pPr marL="0" indent="0">
-              <a:buNone/>
-            </a:pPr>
-            <a:r>
-              <a:rPr lang="en-GB" dirty="0"/>
-              <a:t>Figures output + explanation (first top panel only, then the other two panels)</a:t>
-            </a:r>
-            <a:endParaRPr lang="nl-NL" dirty="0"/>
-          </a:p>
-        </p:txBody>
-      </p:sp>
-    </p:spTree>
-    <p:extLst>
-      <p:ext uri="{BB962C8B-B14F-4D97-AF65-F5344CB8AC3E}">
-        <p14:creationId xmlns:p14="http://schemas.microsoft.com/office/powerpoint/2010/main" val="671510124"/>
-      </p:ext>
-    </p:extLst>
-  </p:cSld>
-  <p:clrMapOvr>
-    <a:masterClrMapping/>
-  </p:clrMapOvr>
-</p:sld>
-</file>
-
-<file path=ppt/slides/slide25.xml><?xml version="1.0" encoding="utf-8"?>
-<p:sld xmlns:a="http://schemas.openxmlformats.org/drawingml/2006/main" xmlns:r="http://schemas.openxmlformats.org/officeDocument/2006/relationships" xmlns:p="http://schemas.openxmlformats.org/presentationml/2006/main">
-  <p:cSld>
-    <p:spTree>
-      <p:nvGrpSpPr>
-        <p:cNvPr id="1" name=""/>
-        <p:cNvGrpSpPr/>
-        <p:nvPr/>
-      </p:nvGrpSpPr>
-      <p:grpSpPr>
-        <a:xfrm>
-          <a:off x="0" y="0"/>
-          <a:ext cx="0" cy="0"/>
-          <a:chOff x="0" y="0"/>
-          <a:chExt cx="0" cy="0"/>
-        </a:xfrm>
-      </p:grpSpPr>
-      <p:sp>
-        <p:nvSpPr>
-          <p:cNvPr id="3" name="Content Placeholder 2">
-            <a:extLst>
-              <a:ext uri="{FF2B5EF4-FFF2-40B4-BE49-F238E27FC236}">
-                <a16:creationId xmlns:a16="http://schemas.microsoft.com/office/drawing/2014/main" id="{C21AB382-F9D9-22CE-8E5B-B6CDD13ED6E5}"/>
-              </a:ext>
-            </a:extLst>
-          </p:cNvPr>
-          <p:cNvSpPr>
-            <a:spLocks noGrp="1"/>
-          </p:cNvSpPr>
-          <p:nvPr>
-            <p:ph idx="1"/>
-          </p:nvPr>
+          <p:nvPr/>
         </p:nvSpPr>
         <p:spPr>
           <a:xfrm>
-            <a:off x="780107" y="1690687"/>
-            <a:ext cx="10515600" cy="4802187"/>
+            <a:off x="838200" y="4133087"/>
+            <a:ext cx="10515600" cy="2359787"/>
           </a:xfrm>
+          <a:prstGeom prst="rect">
+            <a:avLst/>
+          </a:prstGeom>
+          <a:noFill/>
+          <a:ln>
+            <a:noFill/>
+          </a:ln>
         </p:spPr>
         <p:txBody>
-          <a:bodyPr>
-            <a:normAutofit lnSpcReduction="10000"/>
+          <a:bodyPr vert="horz" wrap="square" lIns="91440" tIns="45720" rIns="91440" bIns="45720" anchor="t" anchorCtr="0" compatLnSpc="1">
+            <a:normAutofit fontScale="85000" lnSpcReduction="20000"/>
           </a:bodyPr>
-          <a:lstStyle/>
-          <a:p>
-            <a:pPr marL="0" indent="0">
-              <a:buNone/>
-            </a:pPr>
-            <a:r>
-              <a:rPr lang="en-GB" dirty="0"/>
-              <a:t>Behind the scenes: </a:t>
-            </a:r>
-            <a:r>
-              <a:rPr lang="en-GB" b="1" dirty="0"/>
-              <a:t>Bayesian Estimation</a:t>
-            </a:r>
-            <a:r>
-              <a:rPr lang="en-GB" dirty="0"/>
-              <a:t> </a:t>
-            </a:r>
-          </a:p>
-          <a:p>
-            <a:pPr lvl="1">
-              <a:buFontTx/>
-              <a:buChar char="-"/>
-            </a:pPr>
-            <a:r>
-              <a:rPr lang="en-GB" dirty="0"/>
-              <a:t>Bayesian structural time-series models (</a:t>
-            </a:r>
-            <a:r>
-              <a:rPr lang="en-GB" i="1" dirty="0" err="1"/>
-              <a:t>bsts</a:t>
-            </a:r>
-            <a:r>
-              <a:rPr lang="en-GB" dirty="0"/>
-              <a:t> package in R)</a:t>
-            </a:r>
-          </a:p>
-          <a:p>
-            <a:pPr lvl="1">
-              <a:buFontTx/>
-              <a:buChar char="-"/>
-            </a:pPr>
-            <a:r>
-              <a:rPr lang="en-GB" dirty="0"/>
-              <a:t>Control units are “chosen” by using spike-and-slab priors</a:t>
-            </a:r>
-          </a:p>
-          <a:p>
-            <a:pPr lvl="1">
-              <a:buFontTx/>
-              <a:buChar char="-"/>
-            </a:pPr>
-            <a:r>
-              <a:rPr lang="en-GB" dirty="0"/>
-              <a:t>Bayes means it’s easy to get </a:t>
-            </a:r>
-            <a:r>
-              <a:rPr lang="en-GB" b="1" dirty="0"/>
-              <a:t>uncertainty </a:t>
-            </a:r>
-            <a:r>
-              <a:rPr lang="en-GB" dirty="0"/>
-              <a:t>(confidence intervals) around estimates of the Causal Effect, and other interesting metrics related to that</a:t>
-            </a:r>
-          </a:p>
-          <a:p>
-            <a:pPr marL="0" indent="0">
-              <a:buNone/>
-            </a:pPr>
-            <a:endParaRPr lang="en-GB" dirty="0"/>
-          </a:p>
+          <a:lstStyle>
+            <a:lvl1pPr marL="228600" marR="0" lvl="0" indent="-228600" algn="l" defTabSz="914400" rtl="0" fontAlgn="auto" hangingPunct="1">
+              <a:lnSpc>
+                <a:spcPct val="90000"/>
+              </a:lnSpc>
+              <a:spcBef>
+                <a:spcPts val="1000"/>
+              </a:spcBef>
+              <a:spcAft>
+                <a:spcPts val="0"/>
+              </a:spcAft>
+              <a:buSzPct val="100000"/>
+              <a:buFont typeface="Arial" pitchFamily="34"/>
+              <a:buChar char="•"/>
+              <a:tabLst/>
+              <a:defRPr lang="en-US" sz="2800" b="0" i="0" u="none" strike="noStrike" kern="1200" cap="none" spc="0" baseline="0">
+                <a:solidFill>
+                  <a:srgbClr val="000000"/>
+                </a:solidFill>
+                <a:uFillTx/>
+                <a:latin typeface="Calibri"/>
+              </a:defRPr>
+            </a:lvl1pPr>
+            <a:lvl2pPr marL="685800" marR="0" lvl="1" indent="-228600" algn="l" defTabSz="914400" rtl="0" fontAlgn="auto" hangingPunct="1">
+              <a:lnSpc>
+                <a:spcPct val="90000"/>
+              </a:lnSpc>
+              <a:spcBef>
+                <a:spcPts val="500"/>
+              </a:spcBef>
+              <a:spcAft>
+                <a:spcPts val="0"/>
+              </a:spcAft>
+              <a:buSzPct val="100000"/>
+              <a:buFont typeface="Arial" pitchFamily="34"/>
+              <a:buChar char="•"/>
+              <a:tabLst/>
+              <a:defRPr lang="en-US" sz="2400" b="0" i="0" u="none" strike="noStrike" kern="1200" cap="none" spc="0" baseline="0">
+                <a:solidFill>
+                  <a:srgbClr val="000000"/>
+                </a:solidFill>
+                <a:uFillTx/>
+                <a:latin typeface="Calibri"/>
+              </a:defRPr>
+            </a:lvl2pPr>
+            <a:lvl3pPr marL="1143000" marR="0" lvl="2" indent="-228600" algn="l" defTabSz="914400" rtl="0" fontAlgn="auto" hangingPunct="1">
+              <a:lnSpc>
+                <a:spcPct val="90000"/>
+              </a:lnSpc>
+              <a:spcBef>
+                <a:spcPts val="500"/>
+              </a:spcBef>
+              <a:spcAft>
+                <a:spcPts val="0"/>
+              </a:spcAft>
+              <a:buSzPct val="100000"/>
+              <a:buFont typeface="Arial" pitchFamily="34"/>
+              <a:buChar char="•"/>
+              <a:tabLst/>
+              <a:defRPr lang="en-US" sz="2000" b="0" i="0" u="none" strike="noStrike" kern="1200" cap="none" spc="0" baseline="0">
+                <a:solidFill>
+                  <a:srgbClr val="000000"/>
+                </a:solidFill>
+                <a:uFillTx/>
+                <a:latin typeface="Calibri"/>
+              </a:defRPr>
+            </a:lvl3pPr>
+            <a:lvl4pPr marL="1600200" marR="0" lvl="3" indent="-228600" algn="l" defTabSz="914400" rtl="0" fontAlgn="auto" hangingPunct="1">
+              <a:lnSpc>
+                <a:spcPct val="90000"/>
+              </a:lnSpc>
+              <a:spcBef>
+                <a:spcPts val="500"/>
+              </a:spcBef>
+              <a:spcAft>
+                <a:spcPts val="0"/>
+              </a:spcAft>
+              <a:buSzPct val="100000"/>
+              <a:buFont typeface="Arial" pitchFamily="34"/>
+              <a:buChar char="•"/>
+              <a:tabLst/>
+              <a:defRPr lang="en-US" sz="1800" b="0" i="0" u="none" strike="noStrike" kern="1200" cap="none" spc="0" baseline="0">
+                <a:solidFill>
+                  <a:srgbClr val="000000"/>
+                </a:solidFill>
+                <a:uFillTx/>
+                <a:latin typeface="Calibri"/>
+              </a:defRPr>
+            </a:lvl4pPr>
+            <a:lvl5pPr marL="2057400" marR="0" lvl="4" indent="-228600" algn="l" defTabSz="914400" rtl="0" fontAlgn="auto" hangingPunct="1">
+              <a:lnSpc>
+                <a:spcPct val="90000"/>
+              </a:lnSpc>
+              <a:spcBef>
+                <a:spcPts val="500"/>
+              </a:spcBef>
+              <a:spcAft>
+                <a:spcPts val="0"/>
+              </a:spcAft>
+              <a:buSzPct val="100000"/>
+              <a:buFont typeface="Arial" pitchFamily="34"/>
+              <a:buChar char="•"/>
+              <a:tabLst/>
+              <a:defRPr lang="en-US" sz="1800" b="0" i="0" u="none" strike="noStrike" kern="1200" cap="none" spc="0" baseline="0">
+                <a:solidFill>
+                  <a:srgbClr val="000000"/>
+                </a:solidFill>
+                <a:uFillTx/>
+                <a:latin typeface="Calibri"/>
+              </a:defRPr>
+            </a:lvl5pPr>
+            <a:lvl6pPr marL="2514600" indent="-228600" algn="l" defTabSz="914400" rtl="0" eaLnBrk="1" latinLnBrk="0" hangingPunct="1">
+              <a:lnSpc>
+                <a:spcPct val="90000"/>
+              </a:lnSpc>
+              <a:spcBef>
+                <a:spcPts val="500"/>
+              </a:spcBef>
+              <a:buFont typeface="Arial" panose="020B0604020202020204" pitchFamily="34" charset="0"/>
+              <a:buChar char="•"/>
+              <a:defRPr sz="1800" kern="1200">
+                <a:solidFill>
+                  <a:schemeClr val="tx1"/>
+                </a:solidFill>
+                <a:latin typeface="+mn-lt"/>
+                <a:ea typeface="+mn-ea"/>
+                <a:cs typeface="+mn-cs"/>
+              </a:defRPr>
+            </a:lvl6pPr>
+            <a:lvl7pPr marL="2971800" indent="-228600" algn="l" defTabSz="914400" rtl="0" eaLnBrk="1" latinLnBrk="0" hangingPunct="1">
+              <a:lnSpc>
+                <a:spcPct val="90000"/>
+              </a:lnSpc>
+              <a:spcBef>
+                <a:spcPts val="500"/>
+              </a:spcBef>
+              <a:buFont typeface="Arial" panose="020B0604020202020204" pitchFamily="34" charset="0"/>
+              <a:buChar char="•"/>
+              <a:defRPr sz="1800" kern="1200">
+                <a:solidFill>
+                  <a:schemeClr val="tx1"/>
+                </a:solidFill>
+                <a:latin typeface="+mn-lt"/>
+                <a:ea typeface="+mn-ea"/>
+                <a:cs typeface="+mn-cs"/>
+              </a:defRPr>
+            </a:lvl7pPr>
+            <a:lvl8pPr marL="3429000" indent="-228600" algn="l" defTabSz="914400" rtl="0" eaLnBrk="1" latinLnBrk="0" hangingPunct="1">
+              <a:lnSpc>
+                <a:spcPct val="90000"/>
+              </a:lnSpc>
+              <a:spcBef>
+                <a:spcPts val="500"/>
+              </a:spcBef>
+              <a:buFont typeface="Arial" panose="020B0604020202020204" pitchFamily="34" charset="0"/>
+              <a:buChar char="•"/>
+              <a:defRPr sz="1800" kern="1200">
+                <a:solidFill>
+                  <a:schemeClr val="tx1"/>
+                </a:solidFill>
+                <a:latin typeface="+mn-lt"/>
+                <a:ea typeface="+mn-ea"/>
+                <a:cs typeface="+mn-cs"/>
+              </a:defRPr>
+            </a:lvl8pPr>
+            <a:lvl9pPr marL="3886200" indent="-228600" algn="l" defTabSz="914400" rtl="0" eaLnBrk="1" latinLnBrk="0" hangingPunct="1">
+              <a:lnSpc>
+                <a:spcPct val="90000"/>
+              </a:lnSpc>
+              <a:spcBef>
+                <a:spcPts val="500"/>
+              </a:spcBef>
+              <a:buFont typeface="Arial" panose="020B0604020202020204" pitchFamily="34" charset="0"/>
+              <a:buChar char="•"/>
+              <a:defRPr sz="1800" kern="1200">
+                <a:solidFill>
+                  <a:schemeClr val="tx1"/>
+                </a:solidFill>
+                <a:latin typeface="+mn-lt"/>
+                <a:ea typeface="+mn-ea"/>
+                <a:cs typeface="+mn-cs"/>
+              </a:defRPr>
+            </a:lvl9pPr>
+          </a:lstStyle>
           <a:p>
             <a:pPr marL="0" indent="0">
               <a:buNone/>
@@ -21209,406 +21809,131 @@
               <a:t>. This is nice when you want to get something running, but in practice you will need to investigate how sensitive your conclusions are to this!</a:t>
             </a:r>
           </a:p>
-        </p:txBody>
-      </p:sp>
-      <p:sp>
-        <p:nvSpPr>
-          <p:cNvPr id="4" name="Title 1">
-            <a:extLst>
-              <a:ext uri="{FF2B5EF4-FFF2-40B4-BE49-F238E27FC236}">
-                <a16:creationId xmlns:a16="http://schemas.microsoft.com/office/drawing/2014/main" id="{1E341867-C011-5DBE-6F00-A37753993805}"/>
-              </a:ext>
-            </a:extLst>
-          </p:cNvPr>
-          <p:cNvSpPr txBox="1">
-            <a:spLocks noGrp="1"/>
-          </p:cNvSpPr>
-          <p:nvPr>
-            <p:ph type="title"/>
-          </p:nvPr>
-        </p:nvSpPr>
-        <p:spPr>
-          <a:xfrm>
-            <a:off x="838200" y="365125"/>
-            <a:ext cx="10515600" cy="1325563"/>
-          </a:xfrm>
-        </p:spPr>
-        <p:txBody>
-          <a:bodyPr>
-            <a:normAutofit/>
-          </a:bodyPr>
-          <a:lstStyle/>
           <a:p>
-            <a:pPr lvl="0">
-              <a:lnSpc>
-                <a:spcPct val="100000"/>
-              </a:lnSpc>
+            <a:pPr>
+              <a:buFontTx/>
+              <a:buChar char="-"/>
             </a:pPr>
             <a:r>
-              <a:rPr lang="en-GB" sz="5400" b="1" kern="0" dirty="0" err="1">
-                <a:solidFill>
-                  <a:srgbClr val="006388"/>
-                </a:solidFill>
-                <a:latin typeface="Fira Sans" pitchFamily="34"/>
-                <a:ea typeface="Fira Code" pitchFamily="49"/>
-              </a:rPr>
-              <a:t>CausalImpact</a:t>
+              <a:rPr lang="en-GB" dirty="0"/>
+              <a:t>In general: the package hides many model specification and selection choices from you. Good for usability, bad for critical evaluation</a:t>
             </a:r>
-            <a:endParaRPr lang="en-GB" sz="1800" kern="0" dirty="0"/>
+          </a:p>
+          <a:p>
+            <a:pPr>
+              <a:buFontTx/>
+              <a:buChar char="-"/>
+            </a:pPr>
+            <a:endParaRPr lang="en-GB" dirty="0"/>
+          </a:p>
+          <a:p>
+            <a:pPr marL="0" indent="0">
+              <a:buFont typeface="Arial" pitchFamily="34"/>
+              <a:buNone/>
+            </a:pPr>
+            <a:endParaRPr lang="en-GB" dirty="0"/>
+          </a:p>
+          <a:p>
+            <a:pPr marL="0" indent="0">
+              <a:buFont typeface="Arial" pitchFamily="34"/>
+              <a:buNone/>
+            </a:pPr>
+            <a:endParaRPr lang="en-GB" dirty="0"/>
           </a:p>
         </p:txBody>
       </p:sp>
     </p:spTree>
     <p:extLst>
       <p:ext uri="{BB962C8B-B14F-4D97-AF65-F5344CB8AC3E}">
-        <p14:creationId xmlns:p14="http://schemas.microsoft.com/office/powerpoint/2010/main" val="831249216"/>
+        <p14:creationId xmlns:p14="http://schemas.microsoft.com/office/powerpoint/2010/main" val="1570535444"/>
       </p:ext>
     </p:extLst>
   </p:cSld>
   <p:clrMapOvr>
     <a:masterClrMapping/>
   </p:clrMapOvr>
+  <p:timing>
+    <p:tnLst>
+      <p:par>
+        <p:cTn id="1" dur="indefinite" restart="never" nodeType="tmRoot">
+          <p:childTnLst>
+            <p:seq concurrent="1" nextAc="seek">
+              <p:cTn id="2" dur="indefinite" nodeType="mainSeq">
+                <p:childTnLst>
+                  <p:par>
+                    <p:cTn id="3" fill="hold">
+                      <p:stCondLst>
+                        <p:cond delay="indefinite"/>
+                      </p:stCondLst>
+                      <p:childTnLst>
+                        <p:par>
+                          <p:cTn id="4" fill="hold">
+                            <p:stCondLst>
+                              <p:cond delay="0"/>
+                            </p:stCondLst>
+                            <p:childTnLst>
+                              <p:par>
+                                <p:cTn id="5" presetID="1" presetClass="entr" presetSubtype="0" fill="hold" grpId="0" nodeType="clickEffect">
+                                  <p:stCondLst>
+                                    <p:cond delay="0"/>
+                                  </p:stCondLst>
+                                  <p:childTnLst>
+                                    <p:set>
+                                      <p:cBhvr>
+                                        <p:cTn id="6" dur="1" fill="hold">
+                                          <p:stCondLst>
+                                            <p:cond delay="0"/>
+                                          </p:stCondLst>
+                                        </p:cTn>
+                                        <p:tgtEl>
+                                          <p:spTgt spid="5"/>
+                                        </p:tgtEl>
+                                        <p:attrNameLst>
+                                          <p:attrName>style.visibility</p:attrName>
+                                        </p:attrNameLst>
+                                      </p:cBhvr>
+                                      <p:to>
+                                        <p:strVal val="visible"/>
+                                      </p:to>
+                                    </p:set>
+                                  </p:childTnLst>
+                                </p:cTn>
+                              </p:par>
+                            </p:childTnLst>
+                          </p:cTn>
+                        </p:par>
+                      </p:childTnLst>
+                    </p:cTn>
+                  </p:par>
+                </p:childTnLst>
+              </p:cTn>
+              <p:prevCondLst>
+                <p:cond evt="onPrev" delay="0">
+                  <p:tgtEl>
+                    <p:sldTgt/>
+                  </p:tgtEl>
+                </p:cond>
+              </p:prevCondLst>
+              <p:nextCondLst>
+                <p:cond evt="onNext" delay="0">
+                  <p:tgtEl>
+                    <p:sldTgt/>
+                  </p:tgtEl>
+                </p:cond>
+              </p:nextCondLst>
+            </p:seq>
+          </p:childTnLst>
+        </p:cTn>
+      </p:par>
+    </p:tnLst>
+    <p:bldLst>
+      <p:bldP spid="5" grpId="0"/>
+    </p:bldLst>
+  </p:timing>
 </p:sld>
 </file>
 
-<file path=ppt/slides/slide26.xml><?xml version="1.0" encoding="utf-8"?>
-<p:sld xmlns:a="http://schemas.openxmlformats.org/drawingml/2006/main" xmlns:r="http://schemas.openxmlformats.org/officeDocument/2006/relationships" xmlns:p="http://schemas.openxmlformats.org/presentationml/2006/main">
-  <p:cSld>
-    <p:spTree>
-      <p:nvGrpSpPr>
-        <p:cNvPr id="1" name=""/>
-        <p:cNvGrpSpPr/>
-        <p:nvPr/>
-      </p:nvGrpSpPr>
-      <p:grpSpPr>
-        <a:xfrm>
-          <a:off x="0" y="0"/>
-          <a:ext cx="0" cy="0"/>
-          <a:chOff x="0" y="0"/>
-          <a:chExt cx="0" cy="0"/>
-        </a:xfrm>
-      </p:grpSpPr>
-      <p:sp>
-        <p:nvSpPr>
-          <p:cNvPr id="2" name="Title 1">
-            <a:extLst>
-              <a:ext uri="{FF2B5EF4-FFF2-40B4-BE49-F238E27FC236}">
-                <a16:creationId xmlns:a16="http://schemas.microsoft.com/office/drawing/2014/main" id="{D3CE09EF-8473-455A-EAA5-3C7B4D7BF28D}"/>
-              </a:ext>
-            </a:extLst>
-          </p:cNvPr>
-          <p:cNvSpPr>
-            <a:spLocks noGrp="1"/>
-          </p:cNvSpPr>
-          <p:nvPr>
-            <p:ph type="title"/>
-          </p:nvPr>
-        </p:nvSpPr>
-        <p:spPr/>
-        <p:txBody>
-          <a:bodyPr/>
-          <a:lstStyle/>
-          <a:p>
-            <a:endParaRPr lang="nl-NL" dirty="0"/>
-          </a:p>
-        </p:txBody>
-      </p:sp>
-      <p:sp>
-        <p:nvSpPr>
-          <p:cNvPr id="3" name="Content Placeholder 2">
-            <a:extLst>
-              <a:ext uri="{FF2B5EF4-FFF2-40B4-BE49-F238E27FC236}">
-                <a16:creationId xmlns:a16="http://schemas.microsoft.com/office/drawing/2014/main" id="{5AFCBB0E-63AE-41E7-D763-31D8F8B3DD5E}"/>
-              </a:ext>
-            </a:extLst>
-          </p:cNvPr>
-          <p:cNvSpPr>
-            <a:spLocks noGrp="1"/>
-          </p:cNvSpPr>
-          <p:nvPr>
-            <p:ph idx="1"/>
-          </p:nvPr>
-        </p:nvSpPr>
-        <p:spPr/>
-        <p:txBody>
-          <a:bodyPr/>
-          <a:lstStyle/>
-          <a:p>
-            <a:endParaRPr lang="nl-NL"/>
-          </a:p>
-        </p:txBody>
-      </p:sp>
-    </p:spTree>
-    <p:extLst>
-      <p:ext uri="{BB962C8B-B14F-4D97-AF65-F5344CB8AC3E}">
-        <p14:creationId xmlns:p14="http://schemas.microsoft.com/office/powerpoint/2010/main" val="1466760670"/>
-      </p:ext>
-    </p:extLst>
-  </p:cSld>
-  <p:clrMapOvr>
-    <a:masterClrMapping/>
-  </p:clrMapOvr>
-</p:sld>
-</file>
-
-<file path=ppt/slides/slide27.xml><?xml version="1.0" encoding="utf-8"?>
-<p:sld xmlns:a="http://schemas.openxmlformats.org/drawingml/2006/main" xmlns:r="http://schemas.openxmlformats.org/officeDocument/2006/relationships" xmlns:p="http://schemas.openxmlformats.org/presentationml/2006/main">
-  <p:cSld name="Slide1">
-    <p:spTree>
-      <p:nvGrpSpPr>
-        <p:cNvPr id="1" name=""/>
-        <p:cNvGrpSpPr/>
-        <p:nvPr/>
-      </p:nvGrpSpPr>
-      <p:grpSpPr>
-        <a:xfrm>
-          <a:off x="0" y="0"/>
-          <a:ext cx="0" cy="0"/>
-          <a:chOff x="0" y="0"/>
-          <a:chExt cx="0" cy="0"/>
-        </a:xfrm>
-      </p:grpSpPr>
-      <p:sp>
-        <p:nvSpPr>
-          <p:cNvPr id="2" name="TextBox 8">
-            <a:extLst>
-              <a:ext uri="{FF2B5EF4-FFF2-40B4-BE49-F238E27FC236}">
-                <a16:creationId xmlns:a16="http://schemas.microsoft.com/office/drawing/2014/main" id="{8872180B-3A80-427A-B5FE-00E2683BC986}"/>
-              </a:ext>
-            </a:extLst>
-          </p:cNvPr>
-          <p:cNvSpPr txBox="1"/>
-          <p:nvPr/>
-        </p:nvSpPr>
-        <p:spPr>
-          <a:xfrm>
-            <a:off x="1258433" y="1680100"/>
-            <a:ext cx="9675138" cy="923333"/>
-          </a:xfrm>
-          <a:prstGeom prst="rect">
-            <a:avLst/>
-          </a:prstGeom>
-          <a:noFill/>
-          <a:ln cap="flat">
-            <a:noFill/>
-          </a:ln>
-        </p:spPr>
-        <p:txBody>
-          <a:bodyPr vert="horz" wrap="square" lIns="91440" tIns="45720" rIns="91440" bIns="45720" anchor="t" anchorCtr="0" compatLnSpc="1">
-            <a:spAutoFit/>
-          </a:bodyPr>
-          <a:lstStyle/>
-          <a:p>
-            <a:pPr marL="0" marR="0" lvl="0" indent="0" algn="l" defTabSz="914400" rtl="0" fontAlgn="auto" hangingPunct="1">
-              <a:lnSpc>
-                <a:spcPct val="100000"/>
-              </a:lnSpc>
-              <a:spcBef>
-                <a:spcPts val="0"/>
-              </a:spcBef>
-              <a:spcAft>
-                <a:spcPts val="0"/>
-              </a:spcAft>
-              <a:buNone/>
-              <a:tabLst/>
-              <a:defRPr sz="1800" b="0" i="0" u="none" strike="noStrike" kern="0" cap="none" spc="0" baseline="0">
-                <a:solidFill>
-                  <a:srgbClr val="000000"/>
-                </a:solidFill>
-                <a:uFillTx/>
-              </a:defRPr>
-            </a:pPr>
-            <a:r>
-              <a:rPr lang="en-GB" sz="5400" b="1" i="0" u="none" strike="noStrike" kern="1200" cap="none" spc="0" baseline="0" dirty="0">
-                <a:solidFill>
-                  <a:srgbClr val="006388"/>
-                </a:solidFill>
-                <a:uFillTx/>
-                <a:latin typeface="Fira Sans" pitchFamily="34"/>
-                <a:ea typeface="Fira Code" pitchFamily="49"/>
-              </a:rPr>
-              <a:t>Data analysis &amp; visualisation</a:t>
-            </a:r>
-          </a:p>
-        </p:txBody>
-      </p:sp>
-      <p:sp>
-        <p:nvSpPr>
-          <p:cNvPr id="3" name="TextBox 15">
-            <a:extLst>
-              <a:ext uri="{FF2B5EF4-FFF2-40B4-BE49-F238E27FC236}">
-                <a16:creationId xmlns:a16="http://schemas.microsoft.com/office/drawing/2014/main" id="{632F97CB-4D92-4AE6-A8F6-7113DE33A6F5}"/>
-              </a:ext>
-            </a:extLst>
-          </p:cNvPr>
-          <p:cNvSpPr txBox="1"/>
-          <p:nvPr/>
-        </p:nvSpPr>
-        <p:spPr>
-          <a:xfrm>
-            <a:off x="1258433" y="5507239"/>
-            <a:ext cx="7361779" cy="523219"/>
-          </a:xfrm>
-          <a:prstGeom prst="rect">
-            <a:avLst/>
-          </a:prstGeom>
-          <a:noFill/>
-          <a:ln cap="flat">
-            <a:noFill/>
-          </a:ln>
-        </p:spPr>
-        <p:txBody>
-          <a:bodyPr vert="horz" wrap="square" lIns="91440" tIns="45720" rIns="91440" bIns="45720" anchor="t" anchorCtr="0" compatLnSpc="1">
-            <a:spAutoFit/>
-          </a:bodyPr>
-          <a:lstStyle/>
-          <a:p>
-            <a:pPr marL="0" marR="0" lvl="0" indent="0" algn="l" defTabSz="914400" rtl="0" fontAlgn="auto" hangingPunct="1">
-              <a:lnSpc>
-                <a:spcPct val="100000"/>
-              </a:lnSpc>
-              <a:spcBef>
-                <a:spcPts val="0"/>
-              </a:spcBef>
-              <a:spcAft>
-                <a:spcPts val="0"/>
-              </a:spcAft>
-              <a:buNone/>
-              <a:tabLst/>
-              <a:defRPr sz="1800" b="0" i="0" u="none" strike="noStrike" kern="0" cap="none" spc="0" baseline="0">
-                <a:solidFill>
-                  <a:srgbClr val="000000"/>
-                </a:solidFill>
-                <a:uFillTx/>
-              </a:defRPr>
-            </a:pPr>
-            <a:r>
-              <a:rPr lang="en-GB" sz="2800" b="0" i="1" u="none" strike="noStrike" kern="1200" cap="none" spc="0" baseline="0" dirty="0">
-                <a:solidFill>
-                  <a:srgbClr val="7F7F7F"/>
-                </a:solidFill>
-                <a:uFillTx/>
-                <a:latin typeface="Fira Sans" pitchFamily="34"/>
-              </a:rPr>
-              <a:t>Erik-Jan van Kesteren</a:t>
-            </a:r>
-          </a:p>
-        </p:txBody>
-      </p:sp>
-      <p:sp>
-        <p:nvSpPr>
-          <p:cNvPr id="4" name="Title 1">
-            <a:extLst>
-              <a:ext uri="{FF2B5EF4-FFF2-40B4-BE49-F238E27FC236}">
-                <a16:creationId xmlns:a16="http://schemas.microsoft.com/office/drawing/2014/main" id="{6541A11A-8F27-47BF-A7AF-3AB4CB33F894}"/>
-              </a:ext>
-            </a:extLst>
-          </p:cNvPr>
-          <p:cNvSpPr txBox="1"/>
-          <p:nvPr/>
-        </p:nvSpPr>
-        <p:spPr>
-          <a:xfrm>
-            <a:off x="1258433" y="2532412"/>
-            <a:ext cx="9675138" cy="896587"/>
-          </a:xfrm>
-          <a:prstGeom prst="rect">
-            <a:avLst/>
-          </a:prstGeom>
-          <a:noFill/>
-          <a:ln cap="flat">
-            <a:noFill/>
-          </a:ln>
-        </p:spPr>
-        <p:txBody>
-          <a:bodyPr vert="horz" wrap="square" lIns="91440" tIns="45720" rIns="91440" bIns="45720" anchor="ctr" anchorCtr="0" compatLnSpc="1">
-            <a:normAutofit/>
-          </a:bodyPr>
-          <a:lstStyle/>
-          <a:p>
-            <a:pPr marL="0" marR="0" lvl="0" indent="0" algn="l" defTabSz="914400" rtl="0" fontAlgn="auto" hangingPunct="1">
-              <a:lnSpc>
-                <a:spcPct val="90000"/>
-              </a:lnSpc>
-              <a:spcBef>
-                <a:spcPts val="0"/>
-              </a:spcBef>
-              <a:spcAft>
-                <a:spcPts val="0"/>
-              </a:spcAft>
-              <a:buNone/>
-              <a:tabLst/>
-              <a:defRPr sz="1800" b="0" i="0" u="none" strike="noStrike" kern="0" cap="none" spc="0" baseline="0">
-                <a:solidFill>
-                  <a:srgbClr val="000000"/>
-                </a:solidFill>
-                <a:uFillTx/>
-              </a:defRPr>
-            </a:pPr>
-            <a:r>
-              <a:rPr lang="en-GB" sz="4400" b="1" i="0" u="none" strike="noStrike" kern="0" cap="none" spc="0" baseline="0">
-                <a:solidFill>
-                  <a:srgbClr val="7F7F7F"/>
-                </a:solidFill>
-                <a:uFillTx/>
-                <a:latin typeface="Fira Sans" pitchFamily="34"/>
-                <a:ea typeface="Fira Code" pitchFamily="49"/>
-              </a:rPr>
-              <a:t>Workshop rijksoverheid</a:t>
-            </a:r>
-            <a:endParaRPr lang="en-GB" sz="4400" b="0" i="0" u="none" strike="noStrike" kern="1200" cap="none" spc="0" baseline="0">
-              <a:solidFill>
-                <a:srgbClr val="7F7F7F"/>
-              </a:solidFill>
-              <a:uFillTx/>
-              <a:latin typeface="Calibri Light"/>
-            </a:endParaRPr>
-          </a:p>
-        </p:txBody>
-      </p:sp>
-      <p:pic>
-        <p:nvPicPr>
-          <p:cNvPr id="5" name="Picture 5">
-            <a:extLst>
-              <a:ext uri="{FF2B5EF4-FFF2-40B4-BE49-F238E27FC236}">
-                <a16:creationId xmlns:a16="http://schemas.microsoft.com/office/drawing/2014/main" id="{226613D8-465E-42F9-B892-6D2D565C9B33}"/>
-              </a:ext>
-            </a:extLst>
-          </p:cNvPr>
-          <p:cNvPicPr>
-            <a:picLocks noChangeAspect="1"/>
-          </p:cNvPicPr>
-          <p:nvPr/>
-        </p:nvPicPr>
-        <p:blipFill>
-          <a:blip r:embed="rId2"/>
-          <a:stretch>
-            <a:fillRect/>
-          </a:stretch>
-        </p:blipFill>
-        <p:spPr>
-          <a:xfrm>
-            <a:off x="0" y="0"/>
-            <a:ext cx="4108710" cy="1621542"/>
-          </a:xfrm>
-          <a:prstGeom prst="rect">
-            <a:avLst/>
-          </a:prstGeom>
-          <a:noFill/>
-          <a:ln cap="flat">
-            <a:noFill/>
-          </a:ln>
-        </p:spPr>
-      </p:pic>
-    </p:spTree>
-  </p:cSld>
-  <p:clrMapOvr>
-    <a:masterClrMapping/>
-  </p:clrMapOvr>
-</p:sld>
-</file>
-
-<file path=ppt/slides/slide28.xml><?xml version="1.0" encoding="utf-8"?>
+<file path=ppt/slides/slide25.xml><?xml version="1.0" encoding="utf-8"?>
 <p:sld xmlns:a="http://schemas.openxmlformats.org/drawingml/2006/main" xmlns:r="http://schemas.openxmlformats.org/officeDocument/2006/relationships" xmlns:p="http://schemas.openxmlformats.org/presentationml/2006/main">
   <p:cSld>
     <p:spTree>
@@ -22104,7 +22429,264 @@
 </p:sld>
 </file>
 
-<file path=ppt/slides/slide29.xml><?xml version="1.0" encoding="utf-8"?>
+<file path=ppt/slides/slide26.xml><?xml version="1.0" encoding="utf-8"?>
+<p:sld xmlns:a="http://schemas.openxmlformats.org/drawingml/2006/main" xmlns:r="http://schemas.openxmlformats.org/officeDocument/2006/relationships" xmlns:p="http://schemas.openxmlformats.org/presentationml/2006/main">
+  <p:cSld name="Slide1">
+    <p:spTree>
+      <p:nvGrpSpPr>
+        <p:cNvPr id="1" name=""/>
+        <p:cNvGrpSpPr/>
+        <p:nvPr/>
+      </p:nvGrpSpPr>
+      <p:grpSpPr>
+        <a:xfrm>
+          <a:off x="0" y="0"/>
+          <a:ext cx="0" cy="0"/>
+          <a:chOff x="0" y="0"/>
+          <a:chExt cx="0" cy="0"/>
+        </a:xfrm>
+      </p:grpSpPr>
+      <p:sp>
+        <p:nvSpPr>
+          <p:cNvPr id="2" name="TextBox 8">
+            <a:extLst>
+              <a:ext uri="{FF2B5EF4-FFF2-40B4-BE49-F238E27FC236}">
+                <a16:creationId xmlns:a16="http://schemas.microsoft.com/office/drawing/2014/main" id="{8872180B-3A80-427A-B5FE-00E2683BC986}"/>
+              </a:ext>
+            </a:extLst>
+          </p:cNvPr>
+          <p:cNvSpPr txBox="1"/>
+          <p:nvPr/>
+        </p:nvSpPr>
+        <p:spPr>
+          <a:xfrm>
+            <a:off x="1258433" y="1680100"/>
+            <a:ext cx="9675138" cy="923333"/>
+          </a:xfrm>
+          <a:prstGeom prst="rect">
+            <a:avLst/>
+          </a:prstGeom>
+          <a:noFill/>
+          <a:ln cap="flat">
+            <a:noFill/>
+          </a:ln>
+        </p:spPr>
+        <p:txBody>
+          <a:bodyPr vert="horz" wrap="square" lIns="91440" tIns="45720" rIns="91440" bIns="45720" anchor="t" anchorCtr="0" compatLnSpc="1">
+            <a:spAutoFit/>
+          </a:bodyPr>
+          <a:lstStyle/>
+          <a:p>
+            <a:pPr marL="0" marR="0" lvl="0" indent="0" algn="l" defTabSz="914400" rtl="0" fontAlgn="auto" hangingPunct="1">
+              <a:lnSpc>
+                <a:spcPct val="100000"/>
+              </a:lnSpc>
+              <a:spcBef>
+                <a:spcPts val="0"/>
+              </a:spcBef>
+              <a:spcAft>
+                <a:spcPts val="0"/>
+              </a:spcAft>
+              <a:buNone/>
+              <a:tabLst/>
+              <a:defRPr sz="1800" b="0" i="0" u="none" strike="noStrike" kern="0" cap="none" spc="0" baseline="0">
+                <a:solidFill>
+                  <a:srgbClr val="000000"/>
+                </a:solidFill>
+                <a:uFillTx/>
+              </a:defRPr>
+            </a:pPr>
+            <a:r>
+              <a:rPr lang="en-GB" sz="5400" b="1" i="0" u="none" strike="noStrike" kern="1200" cap="none" spc="0" baseline="0" dirty="0">
+                <a:solidFill>
+                  <a:srgbClr val="006388"/>
+                </a:solidFill>
+                <a:uFillTx/>
+                <a:latin typeface="Fira Sans" pitchFamily="34"/>
+                <a:ea typeface="Fira Code" pitchFamily="49"/>
+              </a:rPr>
+              <a:t>Data analysis &amp; visualisation</a:t>
+            </a:r>
+          </a:p>
+        </p:txBody>
+      </p:sp>
+      <p:sp>
+        <p:nvSpPr>
+          <p:cNvPr id="3" name="TextBox 15">
+            <a:extLst>
+              <a:ext uri="{FF2B5EF4-FFF2-40B4-BE49-F238E27FC236}">
+                <a16:creationId xmlns:a16="http://schemas.microsoft.com/office/drawing/2014/main" id="{632F97CB-4D92-4AE6-A8F6-7113DE33A6F5}"/>
+              </a:ext>
+            </a:extLst>
+          </p:cNvPr>
+          <p:cNvSpPr txBox="1"/>
+          <p:nvPr/>
+        </p:nvSpPr>
+        <p:spPr>
+          <a:xfrm>
+            <a:off x="1258433" y="5507239"/>
+            <a:ext cx="7361779" cy="523219"/>
+          </a:xfrm>
+          <a:prstGeom prst="rect">
+            <a:avLst/>
+          </a:prstGeom>
+          <a:noFill/>
+          <a:ln cap="flat">
+            <a:noFill/>
+          </a:ln>
+        </p:spPr>
+        <p:txBody>
+          <a:bodyPr vert="horz" wrap="square" lIns="91440" tIns="45720" rIns="91440" bIns="45720" anchor="t" anchorCtr="0" compatLnSpc="1">
+            <a:spAutoFit/>
+          </a:bodyPr>
+          <a:lstStyle/>
+          <a:p>
+            <a:pPr marL="0" marR="0" lvl="0" indent="0" algn="l" defTabSz="914400" rtl="0" fontAlgn="auto" hangingPunct="1">
+              <a:lnSpc>
+                <a:spcPct val="100000"/>
+              </a:lnSpc>
+              <a:spcBef>
+                <a:spcPts val="0"/>
+              </a:spcBef>
+              <a:spcAft>
+                <a:spcPts val="0"/>
+              </a:spcAft>
+              <a:buNone/>
+              <a:tabLst/>
+              <a:defRPr sz="1800" b="0" i="0" u="none" strike="noStrike" kern="0" cap="none" spc="0" baseline="0">
+                <a:solidFill>
+                  <a:srgbClr val="000000"/>
+                </a:solidFill>
+                <a:uFillTx/>
+              </a:defRPr>
+            </a:pPr>
+            <a:r>
+              <a:rPr lang="en-GB" sz="2800" b="0" i="1" u="none" strike="noStrike" kern="1200" cap="none" spc="0" baseline="0" dirty="0">
+                <a:solidFill>
+                  <a:srgbClr val="7F7F7F"/>
+                </a:solidFill>
+                <a:uFillTx/>
+                <a:latin typeface="Fira Sans" pitchFamily="34"/>
+              </a:rPr>
+              <a:t>Erik-Jan van Kesteren</a:t>
+            </a:r>
+          </a:p>
+        </p:txBody>
+      </p:sp>
+      <p:sp>
+        <p:nvSpPr>
+          <p:cNvPr id="4" name="Title 1">
+            <a:extLst>
+              <a:ext uri="{FF2B5EF4-FFF2-40B4-BE49-F238E27FC236}">
+                <a16:creationId xmlns:a16="http://schemas.microsoft.com/office/drawing/2014/main" id="{6541A11A-8F27-47BF-A7AF-3AB4CB33F894}"/>
+              </a:ext>
+            </a:extLst>
+          </p:cNvPr>
+          <p:cNvSpPr txBox="1"/>
+          <p:nvPr/>
+        </p:nvSpPr>
+        <p:spPr>
+          <a:xfrm>
+            <a:off x="1258433" y="2532412"/>
+            <a:ext cx="9675138" cy="896587"/>
+          </a:xfrm>
+          <a:prstGeom prst="rect">
+            <a:avLst/>
+          </a:prstGeom>
+          <a:noFill/>
+          <a:ln cap="flat">
+            <a:noFill/>
+          </a:ln>
+        </p:spPr>
+        <p:txBody>
+          <a:bodyPr vert="horz" wrap="square" lIns="91440" tIns="45720" rIns="91440" bIns="45720" anchor="ctr" anchorCtr="0" compatLnSpc="1">
+            <a:normAutofit/>
+          </a:bodyPr>
+          <a:lstStyle/>
+          <a:p>
+            <a:pPr marL="0" marR="0" lvl="0" indent="0" algn="l" defTabSz="914400" rtl="0" fontAlgn="auto" hangingPunct="1">
+              <a:lnSpc>
+                <a:spcPct val="90000"/>
+              </a:lnSpc>
+              <a:spcBef>
+                <a:spcPts val="0"/>
+              </a:spcBef>
+              <a:spcAft>
+                <a:spcPts val="0"/>
+              </a:spcAft>
+              <a:buNone/>
+              <a:tabLst/>
+              <a:defRPr sz="1800" b="0" i="0" u="none" strike="noStrike" kern="0" cap="none" spc="0" baseline="0">
+                <a:solidFill>
+                  <a:srgbClr val="000000"/>
+                </a:solidFill>
+                <a:uFillTx/>
+              </a:defRPr>
+            </a:pPr>
+            <a:r>
+              <a:rPr lang="en-GB" sz="4400" b="1" i="0" u="none" strike="noStrike" kern="0" cap="none" spc="0" baseline="0">
+                <a:solidFill>
+                  <a:srgbClr val="7F7F7F"/>
+                </a:solidFill>
+                <a:uFillTx/>
+                <a:latin typeface="Fira Sans" pitchFamily="34"/>
+                <a:ea typeface="Fira Code" pitchFamily="49"/>
+              </a:rPr>
+              <a:t>Workshop rijksoverheid</a:t>
+            </a:r>
+            <a:endParaRPr lang="en-GB" sz="4400" b="0" i="0" u="none" strike="noStrike" kern="1200" cap="none" spc="0" baseline="0">
+              <a:solidFill>
+                <a:srgbClr val="7F7F7F"/>
+              </a:solidFill>
+              <a:uFillTx/>
+              <a:latin typeface="Calibri Light"/>
+            </a:endParaRPr>
+          </a:p>
+        </p:txBody>
+      </p:sp>
+      <p:pic>
+        <p:nvPicPr>
+          <p:cNvPr id="5" name="Picture 5">
+            <a:extLst>
+              <a:ext uri="{FF2B5EF4-FFF2-40B4-BE49-F238E27FC236}">
+                <a16:creationId xmlns:a16="http://schemas.microsoft.com/office/drawing/2014/main" id="{226613D8-465E-42F9-B892-6D2D565C9B33}"/>
+              </a:ext>
+            </a:extLst>
+          </p:cNvPr>
+          <p:cNvPicPr>
+            <a:picLocks noChangeAspect="1"/>
+          </p:cNvPicPr>
+          <p:nvPr/>
+        </p:nvPicPr>
+        <p:blipFill>
+          <a:blip r:embed="rId2"/>
+          <a:stretch>
+            <a:fillRect/>
+          </a:stretch>
+        </p:blipFill>
+        <p:spPr>
+          <a:xfrm>
+            <a:off x="0" y="0"/>
+            <a:ext cx="4108710" cy="1621542"/>
+          </a:xfrm>
+          <a:prstGeom prst="rect">
+            <a:avLst/>
+          </a:prstGeom>
+          <a:noFill/>
+          <a:ln cap="flat">
+            <a:noFill/>
+          </a:ln>
+        </p:spPr>
+      </p:pic>
+    </p:spTree>
+  </p:cSld>
+  <p:clrMapOvr>
+    <a:masterClrMapping/>
+  </p:clrMapOvr>
+</p:sld>
+</file>
+
+<file path=ppt/slides/slide27.xml><?xml version="1.0" encoding="utf-8"?>
 <p:sld xmlns:a="http://schemas.openxmlformats.org/drawingml/2006/main" xmlns:r="http://schemas.openxmlformats.org/officeDocument/2006/relationships" xmlns:p="http://schemas.openxmlformats.org/presentationml/2006/main">
   <p:cSld name="Slide45">
     <p:spTree>
@@ -22411,6 +22993,354 @@
         </p:spPr>
       </p:pic>
     </p:spTree>
+  </p:cSld>
+  <p:clrMapOvr>
+    <a:masterClrMapping/>
+  </p:clrMapOvr>
+</p:sld>
+</file>
+
+<file path=ppt/slides/slide28.xml><?xml version="1.0" encoding="utf-8"?>
+<p:sld xmlns:a="http://schemas.openxmlformats.org/drawingml/2006/main" xmlns:r="http://schemas.openxmlformats.org/officeDocument/2006/relationships" xmlns:p="http://schemas.openxmlformats.org/presentationml/2006/main">
+  <p:cSld name="Slide47">
+    <p:bg>
+      <p:bgPr>
+        <a:solidFill>
+          <a:srgbClr val="006388"/>
+        </a:solidFill>
+        <a:effectLst/>
+      </p:bgPr>
+    </p:bg>
+    <p:spTree>
+      <p:nvGrpSpPr>
+        <p:cNvPr id="1" name=""/>
+        <p:cNvGrpSpPr/>
+        <p:nvPr/>
+      </p:nvGrpSpPr>
+      <p:grpSpPr>
+        <a:xfrm>
+          <a:off x="0" y="0"/>
+          <a:ext cx="0" cy="0"/>
+          <a:chOff x="0" y="0"/>
+          <a:chExt cx="0" cy="0"/>
+        </a:xfrm>
+      </p:grpSpPr>
+      <p:sp>
+        <p:nvSpPr>
+          <p:cNvPr id="2" name="Title 1">
+            <a:extLst>
+              <a:ext uri="{FF2B5EF4-FFF2-40B4-BE49-F238E27FC236}">
+                <a16:creationId xmlns:a16="http://schemas.microsoft.com/office/drawing/2014/main" id="{36BA4411-C7D7-4278-BB83-409F1B5C06AB}"/>
+              </a:ext>
+            </a:extLst>
+          </p:cNvPr>
+          <p:cNvSpPr txBox="1">
+            <a:spLocks noGrp="1"/>
+          </p:cNvSpPr>
+          <p:nvPr>
+            <p:ph type="title"/>
+          </p:nvPr>
+        </p:nvSpPr>
+        <p:spPr/>
+        <p:txBody>
+          <a:bodyPr/>
+          <a:lstStyle/>
+          <a:p>
+            <a:pPr lvl="0">
+              <a:lnSpc>
+                <a:spcPct val="100000"/>
+              </a:lnSpc>
+            </a:pPr>
+            <a:r>
+              <a:rPr lang="en-GB" sz="5400" b="1" kern="0">
+                <a:solidFill>
+                  <a:srgbClr val="FFFFFF"/>
+                </a:solidFill>
+                <a:latin typeface="Fira Sans" pitchFamily="34"/>
+                <a:ea typeface="Fira Code" pitchFamily="49"/>
+              </a:rPr>
+              <a:t>Today’s plan: morning</a:t>
+            </a:r>
+            <a:endParaRPr lang="en-GB" sz="1800" kern="0">
+              <a:solidFill>
+                <a:srgbClr val="FFFFFF"/>
+              </a:solidFill>
+            </a:endParaRPr>
+          </a:p>
+        </p:txBody>
+      </p:sp>
+      <p:sp>
+        <p:nvSpPr>
+          <p:cNvPr id="3" name="Content Placeholder 2">
+            <a:extLst>
+              <a:ext uri="{FF2B5EF4-FFF2-40B4-BE49-F238E27FC236}">
+                <a16:creationId xmlns:a16="http://schemas.microsoft.com/office/drawing/2014/main" id="{F5AB15E0-B1DD-406B-896C-D1BCB6BFF600}"/>
+              </a:ext>
+            </a:extLst>
+          </p:cNvPr>
+          <p:cNvSpPr txBox="1">
+            <a:spLocks noGrp="1"/>
+          </p:cNvSpPr>
+          <p:nvPr>
+            <p:ph idx="1"/>
+          </p:nvPr>
+        </p:nvSpPr>
+        <p:spPr>
+          <a:xfrm>
+            <a:off x="838203" y="1825627"/>
+            <a:ext cx="10515600" cy="4667243"/>
+          </a:xfrm>
+        </p:spPr>
+        <p:txBody>
+          <a:bodyPr>
+            <a:normAutofit/>
+          </a:bodyPr>
+          <a:lstStyle/>
+          <a:p>
+            <a:pPr lvl="0"/>
+            <a:r>
+              <a:rPr lang="en-GB" sz="3600" dirty="0">
+                <a:solidFill>
+                  <a:srgbClr val="FFFFFF"/>
+                </a:solidFill>
+                <a:latin typeface="Fira Sans" pitchFamily="34"/>
+              </a:rPr>
+              <a:t>Introduction &amp; Recap (60 minutes)</a:t>
+            </a:r>
+          </a:p>
+          <a:p>
+            <a:pPr lvl="0"/>
+            <a:r>
+              <a:rPr lang="en-GB" sz="3600" dirty="0">
+                <a:solidFill>
+                  <a:srgbClr val="FFFFFF"/>
+                </a:solidFill>
+                <a:latin typeface="Fira Sans" pitchFamily="34"/>
+              </a:rPr>
+              <a:t>Short break (10 minutes)</a:t>
+            </a:r>
+          </a:p>
+          <a:p>
+            <a:r>
+              <a:rPr lang="en-GB" sz="3600" dirty="0">
+                <a:solidFill>
+                  <a:srgbClr val="FFFFFF"/>
+                </a:solidFill>
+                <a:latin typeface="Fira Sans" pitchFamily="34"/>
+              </a:rPr>
+              <a:t>Supervised learning: bias/variance (80 minutes)</a:t>
+            </a:r>
+          </a:p>
+          <a:p>
+            <a:r>
+              <a:rPr lang="en-GB" sz="3600" dirty="0">
+                <a:solidFill>
+                  <a:srgbClr val="FFFFFF"/>
+                </a:solidFill>
+                <a:latin typeface="Fira Sans" pitchFamily="34"/>
+              </a:rPr>
+              <a:t>Supervised learning: classification (40 minutes)</a:t>
+            </a:r>
+          </a:p>
+          <a:p>
+            <a:endParaRPr lang="en-GB" sz="3600" dirty="0">
+              <a:solidFill>
+                <a:srgbClr val="FFFFFF"/>
+              </a:solidFill>
+              <a:latin typeface="Fira Sans" pitchFamily="34"/>
+            </a:endParaRPr>
+          </a:p>
+          <a:p>
+            <a:r>
+              <a:rPr lang="en-GB" sz="3600" dirty="0">
+                <a:solidFill>
+                  <a:srgbClr val="FFFFFF"/>
+                </a:solidFill>
+                <a:latin typeface="Fira Sans" pitchFamily="34"/>
+              </a:rPr>
+              <a:t>Lunch around 12:40</a:t>
+            </a:r>
+          </a:p>
+        </p:txBody>
+      </p:sp>
+    </p:spTree>
+  </p:cSld>
+  <p:clrMapOvr>
+    <a:masterClrMapping/>
+  </p:clrMapOvr>
+</p:sld>
+</file>
+
+<file path=ppt/slides/slide29.xml><?xml version="1.0" encoding="utf-8"?>
+<p:sld xmlns:a="http://schemas.openxmlformats.org/drawingml/2006/main" xmlns:r="http://schemas.openxmlformats.org/officeDocument/2006/relationships" xmlns:p="http://schemas.openxmlformats.org/presentationml/2006/main">
+  <p:cSld>
+    <p:bg>
+      <p:bgPr>
+        <a:solidFill>
+          <a:srgbClr val="006388"/>
+        </a:solidFill>
+        <a:effectLst/>
+      </p:bgPr>
+    </p:bg>
+    <p:spTree>
+      <p:nvGrpSpPr>
+        <p:cNvPr id="1" name=""/>
+        <p:cNvGrpSpPr/>
+        <p:nvPr/>
+      </p:nvGrpSpPr>
+      <p:grpSpPr>
+        <a:xfrm>
+          <a:off x="0" y="0"/>
+          <a:ext cx="0" cy="0"/>
+          <a:chOff x="0" y="0"/>
+          <a:chExt cx="0" cy="0"/>
+        </a:xfrm>
+      </p:grpSpPr>
+      <p:sp>
+        <p:nvSpPr>
+          <p:cNvPr id="2" name="Title 1">
+            <a:extLst>
+              <a:ext uri="{FF2B5EF4-FFF2-40B4-BE49-F238E27FC236}">
+                <a16:creationId xmlns:a16="http://schemas.microsoft.com/office/drawing/2014/main" id="{36BA4411-C7D7-4278-BB83-409F1B5C06AB}"/>
+              </a:ext>
+            </a:extLst>
+          </p:cNvPr>
+          <p:cNvSpPr txBox="1">
+            <a:spLocks noGrp="1"/>
+          </p:cNvSpPr>
+          <p:nvPr>
+            <p:ph type="title"/>
+          </p:nvPr>
+        </p:nvSpPr>
+        <p:spPr/>
+        <p:txBody>
+          <a:bodyPr/>
+          <a:lstStyle/>
+          <a:p>
+            <a:pPr lvl="0">
+              <a:lnSpc>
+                <a:spcPct val="100000"/>
+              </a:lnSpc>
+            </a:pPr>
+            <a:r>
+              <a:rPr lang="en-GB" sz="5400" b="1" kern="0" dirty="0">
+                <a:solidFill>
+                  <a:srgbClr val="FFFFFF"/>
+                </a:solidFill>
+                <a:latin typeface="Fira Sans" pitchFamily="34"/>
+                <a:ea typeface="Fira Code" pitchFamily="49"/>
+              </a:rPr>
+              <a:t>Today’s plan: afternoon</a:t>
+            </a:r>
+            <a:endParaRPr lang="en-GB" sz="1800" kern="0" dirty="0">
+              <a:solidFill>
+                <a:srgbClr val="FFFFFF"/>
+              </a:solidFill>
+            </a:endParaRPr>
+          </a:p>
+        </p:txBody>
+      </p:sp>
+      <p:sp>
+        <p:nvSpPr>
+          <p:cNvPr id="3" name="Content Placeholder 2">
+            <a:extLst>
+              <a:ext uri="{FF2B5EF4-FFF2-40B4-BE49-F238E27FC236}">
+                <a16:creationId xmlns:a16="http://schemas.microsoft.com/office/drawing/2014/main" id="{F5AB15E0-B1DD-406B-896C-D1BCB6BFF600}"/>
+              </a:ext>
+            </a:extLst>
+          </p:cNvPr>
+          <p:cNvSpPr txBox="1">
+            <a:spLocks noGrp="1"/>
+          </p:cNvSpPr>
+          <p:nvPr>
+            <p:ph idx="1"/>
+          </p:nvPr>
+        </p:nvSpPr>
+        <p:spPr>
+          <a:xfrm>
+            <a:off x="838203" y="1825627"/>
+            <a:ext cx="10515600" cy="4667243"/>
+          </a:xfrm>
+        </p:spPr>
+        <p:txBody>
+          <a:bodyPr>
+            <a:normAutofit/>
+          </a:bodyPr>
+          <a:lstStyle/>
+          <a:p>
+            <a:pPr lvl="0"/>
+            <a:r>
+              <a:rPr lang="en-GB" sz="3600" dirty="0">
+                <a:solidFill>
+                  <a:srgbClr val="FFFFFF"/>
+                </a:solidFill>
+                <a:latin typeface="Fira Sans" pitchFamily="34"/>
+              </a:rPr>
+              <a:t>Prediction competition in groups (90 minutes)</a:t>
+            </a:r>
+          </a:p>
+          <a:p>
+            <a:pPr lvl="0"/>
+            <a:r>
+              <a:rPr lang="en-GB" sz="3600" dirty="0">
+                <a:solidFill>
+                  <a:srgbClr val="FFFFFF"/>
+                </a:solidFill>
+                <a:latin typeface="Fira Sans" pitchFamily="34"/>
+              </a:rPr>
+              <a:t>Short break (10 minutes)</a:t>
+            </a:r>
+          </a:p>
+          <a:p>
+            <a:pPr lvl="0"/>
+            <a:r>
+              <a:rPr lang="en-GB" sz="3600" dirty="0">
+                <a:solidFill>
+                  <a:srgbClr val="FFFFFF"/>
+                </a:solidFill>
+                <a:latin typeface="Fira Sans" pitchFamily="34"/>
+              </a:rPr>
+              <a:t>Intermezzo: fairness &amp; feedback loops in prediction (30 minutes)</a:t>
+            </a:r>
+          </a:p>
+          <a:p>
+            <a:r>
+              <a:rPr lang="en-GB" sz="3600" dirty="0">
+                <a:solidFill>
+                  <a:srgbClr val="FFFFFF"/>
+                </a:solidFill>
+                <a:latin typeface="Fira Sans" pitchFamily="34"/>
+              </a:rPr>
+              <a:t>Unsupervised learning (45 minutes)</a:t>
+            </a:r>
+          </a:p>
+          <a:p>
+            <a:endParaRPr lang="en-GB" sz="3600" dirty="0">
+              <a:solidFill>
+                <a:srgbClr val="FFFFFF"/>
+              </a:solidFill>
+              <a:latin typeface="Fira Sans" pitchFamily="34"/>
+            </a:endParaRPr>
+          </a:p>
+          <a:p>
+            <a:r>
+              <a:rPr lang="en-GB" sz="3600" dirty="0">
+                <a:solidFill>
+                  <a:srgbClr val="FFFFFF"/>
+                </a:solidFill>
+                <a:latin typeface="Fira Sans" pitchFamily="34"/>
+              </a:rPr>
+              <a:t>Finish around 16:30</a:t>
+            </a:r>
+          </a:p>
+        </p:txBody>
+      </p:sp>
+    </p:spTree>
+    <p:extLst>
+      <p:ext uri="{BB962C8B-B14F-4D97-AF65-F5344CB8AC3E}">
+        <p14:creationId xmlns:p14="http://schemas.microsoft.com/office/powerpoint/2010/main" val="3990727277"/>
+      </p:ext>
+    </p:extLst>
   </p:cSld>
   <p:clrMapOvr>
     <a:masterClrMapping/>
@@ -22864,354 +23794,6 @@
 
 <file path=ppt/slides/slide30.xml><?xml version="1.0" encoding="utf-8"?>
 <p:sld xmlns:a="http://schemas.openxmlformats.org/drawingml/2006/main" xmlns:r="http://schemas.openxmlformats.org/officeDocument/2006/relationships" xmlns:p="http://schemas.openxmlformats.org/presentationml/2006/main">
-  <p:cSld name="Slide47">
-    <p:bg>
-      <p:bgPr>
-        <a:solidFill>
-          <a:srgbClr val="006388"/>
-        </a:solidFill>
-        <a:effectLst/>
-      </p:bgPr>
-    </p:bg>
-    <p:spTree>
-      <p:nvGrpSpPr>
-        <p:cNvPr id="1" name=""/>
-        <p:cNvGrpSpPr/>
-        <p:nvPr/>
-      </p:nvGrpSpPr>
-      <p:grpSpPr>
-        <a:xfrm>
-          <a:off x="0" y="0"/>
-          <a:ext cx="0" cy="0"/>
-          <a:chOff x="0" y="0"/>
-          <a:chExt cx="0" cy="0"/>
-        </a:xfrm>
-      </p:grpSpPr>
-      <p:sp>
-        <p:nvSpPr>
-          <p:cNvPr id="2" name="Title 1">
-            <a:extLst>
-              <a:ext uri="{FF2B5EF4-FFF2-40B4-BE49-F238E27FC236}">
-                <a16:creationId xmlns:a16="http://schemas.microsoft.com/office/drawing/2014/main" id="{36BA4411-C7D7-4278-BB83-409F1B5C06AB}"/>
-              </a:ext>
-            </a:extLst>
-          </p:cNvPr>
-          <p:cNvSpPr txBox="1">
-            <a:spLocks noGrp="1"/>
-          </p:cNvSpPr>
-          <p:nvPr>
-            <p:ph type="title"/>
-          </p:nvPr>
-        </p:nvSpPr>
-        <p:spPr/>
-        <p:txBody>
-          <a:bodyPr/>
-          <a:lstStyle/>
-          <a:p>
-            <a:pPr lvl="0">
-              <a:lnSpc>
-                <a:spcPct val="100000"/>
-              </a:lnSpc>
-            </a:pPr>
-            <a:r>
-              <a:rPr lang="en-GB" sz="5400" b="1" kern="0">
-                <a:solidFill>
-                  <a:srgbClr val="FFFFFF"/>
-                </a:solidFill>
-                <a:latin typeface="Fira Sans" pitchFamily="34"/>
-                <a:ea typeface="Fira Code" pitchFamily="49"/>
-              </a:rPr>
-              <a:t>Today’s plan: morning</a:t>
-            </a:r>
-            <a:endParaRPr lang="en-GB" sz="1800" kern="0">
-              <a:solidFill>
-                <a:srgbClr val="FFFFFF"/>
-              </a:solidFill>
-            </a:endParaRPr>
-          </a:p>
-        </p:txBody>
-      </p:sp>
-      <p:sp>
-        <p:nvSpPr>
-          <p:cNvPr id="3" name="Content Placeholder 2">
-            <a:extLst>
-              <a:ext uri="{FF2B5EF4-FFF2-40B4-BE49-F238E27FC236}">
-                <a16:creationId xmlns:a16="http://schemas.microsoft.com/office/drawing/2014/main" id="{F5AB15E0-B1DD-406B-896C-D1BCB6BFF600}"/>
-              </a:ext>
-            </a:extLst>
-          </p:cNvPr>
-          <p:cNvSpPr txBox="1">
-            <a:spLocks noGrp="1"/>
-          </p:cNvSpPr>
-          <p:nvPr>
-            <p:ph idx="1"/>
-          </p:nvPr>
-        </p:nvSpPr>
-        <p:spPr>
-          <a:xfrm>
-            <a:off x="838203" y="1825627"/>
-            <a:ext cx="10515600" cy="4667243"/>
-          </a:xfrm>
-        </p:spPr>
-        <p:txBody>
-          <a:bodyPr>
-            <a:normAutofit/>
-          </a:bodyPr>
-          <a:lstStyle/>
-          <a:p>
-            <a:pPr lvl="0"/>
-            <a:r>
-              <a:rPr lang="en-GB" sz="3600" dirty="0">
-                <a:solidFill>
-                  <a:srgbClr val="FFFFFF"/>
-                </a:solidFill>
-                <a:latin typeface="Fira Sans" pitchFamily="34"/>
-              </a:rPr>
-              <a:t>Introduction &amp; Recap (60 minutes)</a:t>
-            </a:r>
-          </a:p>
-          <a:p>
-            <a:pPr lvl="0"/>
-            <a:r>
-              <a:rPr lang="en-GB" sz="3600" dirty="0">
-                <a:solidFill>
-                  <a:srgbClr val="FFFFFF"/>
-                </a:solidFill>
-                <a:latin typeface="Fira Sans" pitchFamily="34"/>
-              </a:rPr>
-              <a:t>Short break (10 minutes)</a:t>
-            </a:r>
-          </a:p>
-          <a:p>
-            <a:r>
-              <a:rPr lang="en-GB" sz="3600" dirty="0">
-                <a:solidFill>
-                  <a:srgbClr val="FFFFFF"/>
-                </a:solidFill>
-                <a:latin typeface="Fira Sans" pitchFamily="34"/>
-              </a:rPr>
-              <a:t>Supervised learning: bias/variance (80 minutes)</a:t>
-            </a:r>
-          </a:p>
-          <a:p>
-            <a:r>
-              <a:rPr lang="en-GB" sz="3600" dirty="0">
-                <a:solidFill>
-                  <a:srgbClr val="FFFFFF"/>
-                </a:solidFill>
-                <a:latin typeface="Fira Sans" pitchFamily="34"/>
-              </a:rPr>
-              <a:t>Supervised learning: classification (40 minutes)</a:t>
-            </a:r>
-          </a:p>
-          <a:p>
-            <a:endParaRPr lang="en-GB" sz="3600" dirty="0">
-              <a:solidFill>
-                <a:srgbClr val="FFFFFF"/>
-              </a:solidFill>
-              <a:latin typeface="Fira Sans" pitchFamily="34"/>
-            </a:endParaRPr>
-          </a:p>
-          <a:p>
-            <a:r>
-              <a:rPr lang="en-GB" sz="3600" dirty="0">
-                <a:solidFill>
-                  <a:srgbClr val="FFFFFF"/>
-                </a:solidFill>
-                <a:latin typeface="Fira Sans" pitchFamily="34"/>
-              </a:rPr>
-              <a:t>Lunch around 12:40</a:t>
-            </a:r>
-          </a:p>
-        </p:txBody>
-      </p:sp>
-    </p:spTree>
-  </p:cSld>
-  <p:clrMapOvr>
-    <a:masterClrMapping/>
-  </p:clrMapOvr>
-</p:sld>
-</file>
-
-<file path=ppt/slides/slide31.xml><?xml version="1.0" encoding="utf-8"?>
-<p:sld xmlns:a="http://schemas.openxmlformats.org/drawingml/2006/main" xmlns:r="http://schemas.openxmlformats.org/officeDocument/2006/relationships" xmlns:p="http://schemas.openxmlformats.org/presentationml/2006/main">
-  <p:cSld>
-    <p:bg>
-      <p:bgPr>
-        <a:solidFill>
-          <a:srgbClr val="006388"/>
-        </a:solidFill>
-        <a:effectLst/>
-      </p:bgPr>
-    </p:bg>
-    <p:spTree>
-      <p:nvGrpSpPr>
-        <p:cNvPr id="1" name=""/>
-        <p:cNvGrpSpPr/>
-        <p:nvPr/>
-      </p:nvGrpSpPr>
-      <p:grpSpPr>
-        <a:xfrm>
-          <a:off x="0" y="0"/>
-          <a:ext cx="0" cy="0"/>
-          <a:chOff x="0" y="0"/>
-          <a:chExt cx="0" cy="0"/>
-        </a:xfrm>
-      </p:grpSpPr>
-      <p:sp>
-        <p:nvSpPr>
-          <p:cNvPr id="2" name="Title 1">
-            <a:extLst>
-              <a:ext uri="{FF2B5EF4-FFF2-40B4-BE49-F238E27FC236}">
-                <a16:creationId xmlns:a16="http://schemas.microsoft.com/office/drawing/2014/main" id="{36BA4411-C7D7-4278-BB83-409F1B5C06AB}"/>
-              </a:ext>
-            </a:extLst>
-          </p:cNvPr>
-          <p:cNvSpPr txBox="1">
-            <a:spLocks noGrp="1"/>
-          </p:cNvSpPr>
-          <p:nvPr>
-            <p:ph type="title"/>
-          </p:nvPr>
-        </p:nvSpPr>
-        <p:spPr/>
-        <p:txBody>
-          <a:bodyPr/>
-          <a:lstStyle/>
-          <a:p>
-            <a:pPr lvl="0">
-              <a:lnSpc>
-                <a:spcPct val="100000"/>
-              </a:lnSpc>
-            </a:pPr>
-            <a:r>
-              <a:rPr lang="en-GB" sz="5400" b="1" kern="0" dirty="0">
-                <a:solidFill>
-                  <a:srgbClr val="FFFFFF"/>
-                </a:solidFill>
-                <a:latin typeface="Fira Sans" pitchFamily="34"/>
-                <a:ea typeface="Fira Code" pitchFamily="49"/>
-              </a:rPr>
-              <a:t>Today’s plan: afternoon</a:t>
-            </a:r>
-            <a:endParaRPr lang="en-GB" sz="1800" kern="0" dirty="0">
-              <a:solidFill>
-                <a:srgbClr val="FFFFFF"/>
-              </a:solidFill>
-            </a:endParaRPr>
-          </a:p>
-        </p:txBody>
-      </p:sp>
-      <p:sp>
-        <p:nvSpPr>
-          <p:cNvPr id="3" name="Content Placeholder 2">
-            <a:extLst>
-              <a:ext uri="{FF2B5EF4-FFF2-40B4-BE49-F238E27FC236}">
-                <a16:creationId xmlns:a16="http://schemas.microsoft.com/office/drawing/2014/main" id="{F5AB15E0-B1DD-406B-896C-D1BCB6BFF600}"/>
-              </a:ext>
-            </a:extLst>
-          </p:cNvPr>
-          <p:cNvSpPr txBox="1">
-            <a:spLocks noGrp="1"/>
-          </p:cNvSpPr>
-          <p:nvPr>
-            <p:ph idx="1"/>
-          </p:nvPr>
-        </p:nvSpPr>
-        <p:spPr>
-          <a:xfrm>
-            <a:off x="838203" y="1825627"/>
-            <a:ext cx="10515600" cy="4667243"/>
-          </a:xfrm>
-        </p:spPr>
-        <p:txBody>
-          <a:bodyPr>
-            <a:normAutofit/>
-          </a:bodyPr>
-          <a:lstStyle/>
-          <a:p>
-            <a:pPr lvl="0"/>
-            <a:r>
-              <a:rPr lang="en-GB" sz="3600" dirty="0">
-                <a:solidFill>
-                  <a:srgbClr val="FFFFFF"/>
-                </a:solidFill>
-                <a:latin typeface="Fira Sans" pitchFamily="34"/>
-              </a:rPr>
-              <a:t>Prediction competition in groups (90 minutes)</a:t>
-            </a:r>
-          </a:p>
-          <a:p>
-            <a:pPr lvl="0"/>
-            <a:r>
-              <a:rPr lang="en-GB" sz="3600" dirty="0">
-                <a:solidFill>
-                  <a:srgbClr val="FFFFFF"/>
-                </a:solidFill>
-                <a:latin typeface="Fira Sans" pitchFamily="34"/>
-              </a:rPr>
-              <a:t>Short break (10 minutes)</a:t>
-            </a:r>
-          </a:p>
-          <a:p>
-            <a:pPr lvl="0"/>
-            <a:r>
-              <a:rPr lang="en-GB" sz="3600" dirty="0">
-                <a:solidFill>
-                  <a:srgbClr val="FFFFFF"/>
-                </a:solidFill>
-                <a:latin typeface="Fira Sans" pitchFamily="34"/>
-              </a:rPr>
-              <a:t>Intermezzo: fairness &amp; feedback loops in prediction (30 minutes)</a:t>
-            </a:r>
-          </a:p>
-          <a:p>
-            <a:r>
-              <a:rPr lang="en-GB" sz="3600" dirty="0">
-                <a:solidFill>
-                  <a:srgbClr val="FFFFFF"/>
-                </a:solidFill>
-                <a:latin typeface="Fira Sans" pitchFamily="34"/>
-              </a:rPr>
-              <a:t>Unsupervised learning (45 minutes)</a:t>
-            </a:r>
-          </a:p>
-          <a:p>
-            <a:endParaRPr lang="en-GB" sz="3600" dirty="0">
-              <a:solidFill>
-                <a:srgbClr val="FFFFFF"/>
-              </a:solidFill>
-              <a:latin typeface="Fira Sans" pitchFamily="34"/>
-            </a:endParaRPr>
-          </a:p>
-          <a:p>
-            <a:r>
-              <a:rPr lang="en-GB" sz="3600" dirty="0">
-                <a:solidFill>
-                  <a:srgbClr val="FFFFFF"/>
-                </a:solidFill>
-                <a:latin typeface="Fira Sans" pitchFamily="34"/>
-              </a:rPr>
-              <a:t>Finish around 16:30</a:t>
-            </a:r>
-          </a:p>
-        </p:txBody>
-      </p:sp>
-    </p:spTree>
-    <p:extLst>
-      <p:ext uri="{BB962C8B-B14F-4D97-AF65-F5344CB8AC3E}">
-        <p14:creationId xmlns:p14="http://schemas.microsoft.com/office/powerpoint/2010/main" val="3990727277"/>
-      </p:ext>
-    </p:extLst>
-  </p:cSld>
-  <p:clrMapOvr>
-    <a:masterClrMapping/>
-  </p:clrMapOvr>
-</p:sld>
-</file>
-
-<file path=ppt/slides/slide32.xml><?xml version="1.0" encoding="utf-8"?>
-<p:sld xmlns:a="http://schemas.openxmlformats.org/drawingml/2006/main" xmlns:r="http://schemas.openxmlformats.org/officeDocument/2006/relationships" xmlns:p="http://schemas.openxmlformats.org/presentationml/2006/main">
   <p:cSld name="Slide52">
     <p:bg>
       <p:bgPr>
@@ -23292,7 +23874,7 @@
 </p:sld>
 </file>
 
-<file path=ppt/slides/slide33.xml><?xml version="1.0" encoding="utf-8"?>
+<file path=ppt/slides/slide31.xml><?xml version="1.0" encoding="utf-8"?>
 <p:sld xmlns:a="http://schemas.openxmlformats.org/drawingml/2006/main" xmlns:r="http://schemas.openxmlformats.org/officeDocument/2006/relationships" xmlns:p="http://schemas.openxmlformats.org/presentationml/2006/main" show="0">
   <p:cSld name="Slide80">
     <p:bg>
@@ -23552,7 +24134,7 @@
 </p:sld>
 </file>
 
-<file path=ppt/slides/slide34.xml><?xml version="1.0" encoding="utf-8"?>
+<file path=ppt/slides/slide32.xml><?xml version="1.0" encoding="utf-8"?>
 <p:sld xmlns:a="http://schemas.openxmlformats.org/drawingml/2006/main" xmlns:r="http://schemas.openxmlformats.org/officeDocument/2006/relationships" xmlns:p="http://schemas.openxmlformats.org/presentationml/2006/main" show="0">
   <p:cSld>
     <p:bg>
@@ -23639,7 +24221,7 @@
 </p:sld>
 </file>
 
-<file path=ppt/slides/slide35.xml><?xml version="1.0" encoding="utf-8"?>
+<file path=ppt/slides/slide33.xml><?xml version="1.0" encoding="utf-8"?>
 <p:sld xmlns:a="http://schemas.openxmlformats.org/drawingml/2006/main" xmlns:r="http://schemas.openxmlformats.org/officeDocument/2006/relationships" xmlns:p="http://schemas.openxmlformats.org/presentationml/2006/main" show="0">
   <p:cSld>
     <p:spTree>
@@ -23787,7 +24369,7 @@
 </p:sld>
 </file>
 
-<file path=ppt/slides/slide36.xml><?xml version="1.0" encoding="utf-8"?>
+<file path=ppt/slides/slide34.xml><?xml version="1.0" encoding="utf-8"?>
 <p:sld xmlns:a="http://schemas.openxmlformats.org/drawingml/2006/main" xmlns:r="http://schemas.openxmlformats.org/officeDocument/2006/relationships" xmlns:p="http://schemas.openxmlformats.org/presentationml/2006/main" show="0">
   <p:cSld name="Slide37">
     <p:bg>

--- a/lectures/04_causal_impact/causal_impact.pptx
+++ b/lectures/04_causal_impact/causal_impact.pptx
@@ -5,43 +5,47 @@
     <p:sldMasterId id="2147483648" r:id="rId1"/>
   </p:sldMasterIdLst>
   <p:notesMasterIdLst>
-    <p:notesMasterId r:id="rId36"/>
+    <p:notesMasterId r:id="rId40"/>
   </p:notesMasterIdLst>
   <p:sldIdLst>
     <p:sldId id="313" r:id="rId2"/>
     <p:sldId id="338" r:id="rId3"/>
     <p:sldId id="400" r:id="rId4"/>
-    <p:sldId id="403" r:id="rId5"/>
-    <p:sldId id="413" r:id="rId6"/>
-    <p:sldId id="428" r:id="rId7"/>
-    <p:sldId id="443" r:id="rId8"/>
-    <p:sldId id="444" r:id="rId9"/>
-    <p:sldId id="445" r:id="rId10"/>
-    <p:sldId id="446" r:id="rId11"/>
-    <p:sldId id="427" r:id="rId12"/>
-    <p:sldId id="456" r:id="rId13"/>
-    <p:sldId id="455" r:id="rId14"/>
-    <p:sldId id="448" r:id="rId15"/>
-    <p:sldId id="457" r:id="rId16"/>
-    <p:sldId id="449" r:id="rId17"/>
-    <p:sldId id="450" r:id="rId18"/>
-    <p:sldId id="459" r:id="rId19"/>
-    <p:sldId id="458" r:id="rId20"/>
-    <p:sldId id="460" r:id="rId21"/>
-    <p:sldId id="462" r:id="rId22"/>
-    <p:sldId id="466" r:id="rId23"/>
-    <p:sldId id="464" r:id="rId24"/>
-    <p:sldId id="461" r:id="rId25"/>
-    <p:sldId id="401" r:id="rId26"/>
-    <p:sldId id="256" r:id="rId27"/>
-    <p:sldId id="300" r:id="rId28"/>
-    <p:sldId id="302" r:id="rId29"/>
-    <p:sldId id="340" r:id="rId30"/>
-    <p:sldId id="307" r:id="rId31"/>
-    <p:sldId id="335" r:id="rId32"/>
-    <p:sldId id="362" r:id="rId33"/>
-    <p:sldId id="339" r:id="rId34"/>
-    <p:sldId id="292" r:id="rId35"/>
+    <p:sldId id="467" r:id="rId5"/>
+    <p:sldId id="403" r:id="rId6"/>
+    <p:sldId id="413" r:id="rId7"/>
+    <p:sldId id="428" r:id="rId8"/>
+    <p:sldId id="443" r:id="rId9"/>
+    <p:sldId id="444" r:id="rId10"/>
+    <p:sldId id="445" r:id="rId11"/>
+    <p:sldId id="446" r:id="rId12"/>
+    <p:sldId id="427" r:id="rId13"/>
+    <p:sldId id="456" r:id="rId14"/>
+    <p:sldId id="455" r:id="rId15"/>
+    <p:sldId id="448" r:id="rId16"/>
+    <p:sldId id="457" r:id="rId17"/>
+    <p:sldId id="449" r:id="rId18"/>
+    <p:sldId id="450" r:id="rId19"/>
+    <p:sldId id="459" r:id="rId20"/>
+    <p:sldId id="458" r:id="rId21"/>
+    <p:sldId id="460" r:id="rId22"/>
+    <p:sldId id="462" r:id="rId23"/>
+    <p:sldId id="466" r:id="rId24"/>
+    <p:sldId id="464" r:id="rId25"/>
+    <p:sldId id="468" r:id="rId26"/>
+    <p:sldId id="461" r:id="rId27"/>
+    <p:sldId id="469" r:id="rId28"/>
+    <p:sldId id="325" r:id="rId29"/>
+    <p:sldId id="401" r:id="rId30"/>
+    <p:sldId id="256" r:id="rId31"/>
+    <p:sldId id="300" r:id="rId32"/>
+    <p:sldId id="302" r:id="rId33"/>
+    <p:sldId id="340" r:id="rId34"/>
+    <p:sldId id="307" r:id="rId35"/>
+    <p:sldId id="335" r:id="rId36"/>
+    <p:sldId id="362" r:id="rId37"/>
+    <p:sldId id="339" r:id="rId38"/>
+    <p:sldId id="292" r:id="rId39"/>
   </p:sldIdLst>
   <p:sldSz cx="12192000" cy="6858000"/>
   <p:notesSz cx="6858000" cy="9144000"/>
@@ -294,7 +298,7 @@
             <a:fld id="{61C17900-95FA-4124-853C-9BC71B59CBE5}" type="datetime1">
               <a:rPr lang="en-GB"/>
               <a:pPr lvl="0"/>
-              <a:t>15/05/2023</a:t>
+              <a:t>19/05/2023</a:t>
             </a:fld>
             <a:endParaRPr lang="en-GB"/>
           </a:p>
@@ -808,7 +812,7 @@
             <a:fld id="{4A25D1A3-0A93-4C94-80FF-26B8FD61124B}" type="datetime1">
               <a:rPr lang="en-GB"/>
               <a:pPr lvl="0"/>
-              <a:t>15/05/2023</a:t>
+              <a:t>19/05/2023</a:t>
             </a:fld>
             <a:endParaRPr lang="en-GB"/>
           </a:p>
@@ -1045,7 +1049,7 @@
             <a:fld id="{81142B93-5A2B-450B-8B37-47C337A7F461}" type="datetime1">
               <a:rPr lang="en-GB"/>
               <a:pPr lvl="0"/>
-              <a:t>15/05/2023</a:t>
+              <a:t>19/05/2023</a:t>
             </a:fld>
             <a:endParaRPr lang="en-GB"/>
           </a:p>
@@ -1291,7 +1295,7 @@
             <a:fld id="{6E063067-B603-41EE-A9A7-41899DD775E6}" type="datetime1">
               <a:rPr lang="en-GB"/>
               <a:pPr lvl="0"/>
-              <a:t>15/05/2023</a:t>
+              <a:t>19/05/2023</a:t>
             </a:fld>
             <a:endParaRPr lang="en-GB"/>
           </a:p>
@@ -1527,7 +1531,7 @@
             <a:fld id="{6F249873-F8C6-4397-84F9-F8EC0F22A697}" type="datetime1">
               <a:rPr lang="en-GB"/>
               <a:pPr lvl="0"/>
-              <a:t>15/05/2023</a:t>
+              <a:t>19/05/2023</a:t>
             </a:fld>
             <a:endParaRPr lang="en-GB"/>
           </a:p>
@@ -1738,7 +1742,7 @@
             <a:fld id="{C12BD4ED-6206-4BF6-96F8-E25353DC0FB4}" type="datetime1">
               <a:rPr lang="en-GB"/>
               <a:pPr lvl="0"/>
-              <a:t>15/05/2023</a:t>
+              <a:t>19/05/2023</a:t>
             </a:fld>
             <a:endParaRPr lang="en-GB"/>
           </a:p>
@@ -2058,7 +2062,7 @@
             <a:fld id="{39B86B4E-481C-4780-B006-4B46E923812F}" type="datetime1">
               <a:rPr lang="en-GB"/>
               <a:pPr lvl="0"/>
-              <a:t>15/05/2023</a:t>
+              <a:t>19/05/2023</a:t>
             </a:fld>
             <a:endParaRPr lang="en-GB"/>
           </a:p>
@@ -2461,7 +2465,7 @@
             <a:fld id="{4D4B0C8B-6A6B-4F9A-AD92-C7A874294C43}" type="datetime1">
               <a:rPr lang="en-GB"/>
               <a:pPr lvl="0"/>
-              <a:t>15/05/2023</a:t>
+              <a:t>19/05/2023</a:t>
             </a:fld>
             <a:endParaRPr lang="en-GB"/>
           </a:p>
@@ -2623,7 +2627,7 @@
             <a:fld id="{2242089C-BC90-4A09-BBF2-11ACCFCC6AAC}" type="datetime1">
               <a:rPr lang="en-GB"/>
               <a:pPr lvl="0"/>
-              <a:t>15/05/2023</a:t>
+              <a:t>19/05/2023</a:t>
             </a:fld>
             <a:endParaRPr lang="en-GB"/>
           </a:p>
@@ -2751,7 +2755,7 @@
             <a:fld id="{9E45A0C3-C9A4-409A-ABC1-542A7544900D}" type="datetime1">
               <a:rPr lang="en-GB"/>
               <a:pPr lvl="0"/>
-              <a:t>15/05/2023</a:t>
+              <a:t>19/05/2023</a:t>
             </a:fld>
             <a:endParaRPr lang="en-GB"/>
           </a:p>
@@ -3036,7 +3040,7 @@
             <a:fld id="{FE905373-3B96-430D-80BE-EEB6F3514509}" type="datetime1">
               <a:rPr lang="en-GB"/>
               <a:pPr lvl="0"/>
-              <a:t>15/05/2023</a:t>
+              <a:t>19/05/2023</a:t>
             </a:fld>
             <a:endParaRPr lang="en-GB"/>
           </a:p>
@@ -3278,7 +3282,7 @@
             <a:fld id="{FD713A6C-3BFD-4C18-89E6-78D595B19DB8}" type="datetime1">
               <a:rPr lang="en-GB"/>
               <a:pPr lvl="0"/>
-              <a:t>15/05/2023</a:t>
+              <a:t>19/05/2023</a:t>
             </a:fld>
             <a:endParaRPr lang="en-GB"/>
           </a:p>
@@ -3561,7 +3565,7 @@
             <a:fld id="{19E4415A-9E33-406F-911E-8770DEE3AE96}" type="datetime1">
               <a:rPr lang="en-GB"/>
               <a:pPr lvl="0"/>
-              <a:t>15/05/2023</a:t>
+              <a:t>19/05/2023</a:t>
             </a:fld>
             <a:endParaRPr lang="en-GB"/>
           </a:p>
@@ -4279,6 +4283,504 @@
           <a:chExt cx="0" cy="0"/>
         </a:xfrm>
       </p:grpSpPr>
+      <p:pic>
+        <p:nvPicPr>
+          <p:cNvPr id="6" name="Picture 5" descr="Table&#10;&#10;Description automatically generated">
+            <a:extLst>
+              <a:ext uri="{FF2B5EF4-FFF2-40B4-BE49-F238E27FC236}">
+                <a16:creationId xmlns:a16="http://schemas.microsoft.com/office/drawing/2014/main" id="{B44B798C-FF26-2BC0-6FF8-AAAB064238B5}"/>
+              </a:ext>
+            </a:extLst>
+          </p:cNvPr>
+          <p:cNvPicPr>
+            <a:picLocks noChangeAspect="1"/>
+          </p:cNvPicPr>
+          <p:nvPr/>
+        </p:nvPicPr>
+        <p:blipFill>
+          <a:blip r:embed="rId2">
+            <a:extLst>
+              <a:ext uri="{28A0092B-C50C-407E-A947-70E740481C1C}">
+                <a14:useLocalDpi xmlns:a14="http://schemas.microsoft.com/office/drawing/2010/main" val="0"/>
+              </a:ext>
+            </a:extLst>
+          </a:blip>
+          <a:stretch>
+            <a:fillRect/>
+          </a:stretch>
+        </p:blipFill>
+        <p:spPr>
+          <a:xfrm>
+            <a:off x="714374" y="384079"/>
+            <a:ext cx="10258425" cy="5669010"/>
+          </a:xfrm>
+          <a:prstGeom prst="rect">
+            <a:avLst/>
+          </a:prstGeom>
+        </p:spPr>
+      </p:pic>
+      <p:sp>
+        <p:nvSpPr>
+          <p:cNvPr id="2" name="Rectangle 1">
+            <a:extLst>
+              <a:ext uri="{FF2B5EF4-FFF2-40B4-BE49-F238E27FC236}">
+                <a16:creationId xmlns:a16="http://schemas.microsoft.com/office/drawing/2014/main" id="{DFF3D023-392B-5464-649A-01558560FD02}"/>
+              </a:ext>
+            </a:extLst>
+          </p:cNvPr>
+          <p:cNvSpPr/>
+          <p:nvPr/>
+        </p:nvSpPr>
+        <p:spPr>
+          <a:xfrm>
+            <a:off x="2878819" y="1693547"/>
+            <a:ext cx="2679826" cy="1457608"/>
+          </a:xfrm>
+          <a:prstGeom prst="rect">
+            <a:avLst/>
+          </a:prstGeom>
+          <a:solidFill>
+            <a:schemeClr val="accent6">
+              <a:alpha val="28000"/>
+            </a:schemeClr>
+          </a:solidFill>
+          <a:ln>
+            <a:noFill/>
+          </a:ln>
+        </p:spPr>
+        <p:style>
+          <a:lnRef idx="2">
+            <a:schemeClr val="accent2">
+              <a:shade val="50000"/>
+            </a:schemeClr>
+          </a:lnRef>
+          <a:fillRef idx="1">
+            <a:schemeClr val="accent2"/>
+          </a:fillRef>
+          <a:effectRef idx="0">
+            <a:schemeClr val="accent2"/>
+          </a:effectRef>
+          <a:fontRef idx="minor">
+            <a:schemeClr val="lt1"/>
+          </a:fontRef>
+        </p:style>
+        <p:txBody>
+          <a:bodyPr rtlCol="0" anchor="ctr"/>
+          <a:lstStyle/>
+          <a:p>
+            <a:pPr algn="ctr"/>
+            <a:endParaRPr lang="nl-NL"/>
+          </a:p>
+        </p:txBody>
+      </p:sp>
+      <p:sp>
+        <p:nvSpPr>
+          <p:cNvPr id="3" name="Rectangle 2">
+            <a:extLst>
+              <a:ext uri="{FF2B5EF4-FFF2-40B4-BE49-F238E27FC236}">
+                <a16:creationId xmlns:a16="http://schemas.microsoft.com/office/drawing/2014/main" id="{DE78FD93-9BD5-9797-0EF7-35716914103D}"/>
+              </a:ext>
+            </a:extLst>
+          </p:cNvPr>
+          <p:cNvSpPr/>
+          <p:nvPr/>
+        </p:nvSpPr>
+        <p:spPr>
+          <a:xfrm>
+            <a:off x="5585896" y="1693547"/>
+            <a:ext cx="2679826" cy="1457608"/>
+          </a:xfrm>
+          <a:prstGeom prst="rect">
+            <a:avLst/>
+          </a:prstGeom>
+          <a:solidFill>
+            <a:schemeClr val="accent6">
+              <a:alpha val="28000"/>
+            </a:schemeClr>
+          </a:solidFill>
+          <a:ln>
+            <a:noFill/>
+          </a:ln>
+        </p:spPr>
+        <p:style>
+          <a:lnRef idx="2">
+            <a:schemeClr val="accent2">
+              <a:shade val="50000"/>
+            </a:schemeClr>
+          </a:lnRef>
+          <a:fillRef idx="1">
+            <a:schemeClr val="accent2"/>
+          </a:fillRef>
+          <a:effectRef idx="0">
+            <a:schemeClr val="accent2"/>
+          </a:effectRef>
+          <a:fontRef idx="minor">
+            <a:schemeClr val="lt1"/>
+          </a:fontRef>
+        </p:style>
+        <p:txBody>
+          <a:bodyPr rtlCol="0" anchor="ctr"/>
+          <a:lstStyle/>
+          <a:p>
+            <a:pPr algn="ctr"/>
+            <a:endParaRPr lang="nl-NL"/>
+          </a:p>
+        </p:txBody>
+      </p:sp>
+      <p:sp>
+        <p:nvSpPr>
+          <p:cNvPr id="4" name="Rectangle 3">
+            <a:extLst>
+              <a:ext uri="{FF2B5EF4-FFF2-40B4-BE49-F238E27FC236}">
+                <a16:creationId xmlns:a16="http://schemas.microsoft.com/office/drawing/2014/main" id="{A8775D71-D559-05A8-C2C3-CF1D60883369}"/>
+              </a:ext>
+            </a:extLst>
+          </p:cNvPr>
+          <p:cNvSpPr/>
+          <p:nvPr/>
+        </p:nvSpPr>
+        <p:spPr>
+          <a:xfrm>
+            <a:off x="2896834" y="3144514"/>
+            <a:ext cx="2679826" cy="1457608"/>
+          </a:xfrm>
+          <a:prstGeom prst="rect">
+            <a:avLst/>
+          </a:prstGeom>
+          <a:solidFill>
+            <a:schemeClr val="accent6">
+              <a:alpha val="28000"/>
+            </a:schemeClr>
+          </a:solidFill>
+          <a:ln>
+            <a:noFill/>
+          </a:ln>
+        </p:spPr>
+        <p:style>
+          <a:lnRef idx="2">
+            <a:schemeClr val="accent2">
+              <a:shade val="50000"/>
+            </a:schemeClr>
+          </a:lnRef>
+          <a:fillRef idx="1">
+            <a:schemeClr val="accent2"/>
+          </a:fillRef>
+          <a:effectRef idx="0">
+            <a:schemeClr val="accent2"/>
+          </a:effectRef>
+          <a:fontRef idx="minor">
+            <a:schemeClr val="lt1"/>
+          </a:fontRef>
+        </p:style>
+        <p:txBody>
+          <a:bodyPr rtlCol="0" anchor="ctr"/>
+          <a:lstStyle/>
+          <a:p>
+            <a:pPr algn="ctr"/>
+            <a:endParaRPr lang="nl-NL"/>
+          </a:p>
+        </p:txBody>
+      </p:sp>
+      <p:sp>
+        <p:nvSpPr>
+          <p:cNvPr id="5" name="Rectangle 4">
+            <a:extLst>
+              <a:ext uri="{FF2B5EF4-FFF2-40B4-BE49-F238E27FC236}">
+                <a16:creationId xmlns:a16="http://schemas.microsoft.com/office/drawing/2014/main" id="{57EE7881-3E47-AFDC-26FC-567A5BCF17F4}"/>
+              </a:ext>
+            </a:extLst>
+          </p:cNvPr>
+          <p:cNvSpPr/>
+          <p:nvPr/>
+        </p:nvSpPr>
+        <p:spPr>
+          <a:xfrm>
+            <a:off x="2878819" y="4592161"/>
+            <a:ext cx="2679826" cy="1457608"/>
+          </a:xfrm>
+          <a:prstGeom prst="rect">
+            <a:avLst/>
+          </a:prstGeom>
+          <a:solidFill>
+            <a:schemeClr val="accent6">
+              <a:alpha val="28000"/>
+            </a:schemeClr>
+          </a:solidFill>
+          <a:ln w="41275">
+            <a:noFill/>
+          </a:ln>
+        </p:spPr>
+        <p:style>
+          <a:lnRef idx="2">
+            <a:schemeClr val="accent2">
+              <a:shade val="50000"/>
+            </a:schemeClr>
+          </a:lnRef>
+          <a:fillRef idx="1">
+            <a:schemeClr val="accent2"/>
+          </a:fillRef>
+          <a:effectRef idx="0">
+            <a:schemeClr val="accent2"/>
+          </a:effectRef>
+          <a:fontRef idx="minor">
+            <a:schemeClr val="lt1"/>
+          </a:fontRef>
+        </p:style>
+        <p:txBody>
+          <a:bodyPr rtlCol="0" anchor="ctr"/>
+          <a:lstStyle/>
+          <a:p>
+            <a:pPr algn="ctr"/>
+            <a:endParaRPr lang="nl-NL"/>
+          </a:p>
+        </p:txBody>
+      </p:sp>
+      <p:sp>
+        <p:nvSpPr>
+          <p:cNvPr id="7" name="Rectangle 6">
+            <a:extLst>
+              <a:ext uri="{FF2B5EF4-FFF2-40B4-BE49-F238E27FC236}">
+                <a16:creationId xmlns:a16="http://schemas.microsoft.com/office/drawing/2014/main" id="{A6AFA13B-37E8-C9E8-9C4D-0937B5956CBC}"/>
+              </a:ext>
+            </a:extLst>
+          </p:cNvPr>
+          <p:cNvSpPr/>
+          <p:nvPr/>
+        </p:nvSpPr>
+        <p:spPr>
+          <a:xfrm>
+            <a:off x="5567881" y="3144514"/>
+            <a:ext cx="2679826" cy="1457608"/>
+          </a:xfrm>
+          <a:prstGeom prst="rect">
+            <a:avLst/>
+          </a:prstGeom>
+          <a:solidFill>
+            <a:schemeClr val="accent6">
+              <a:alpha val="28000"/>
+            </a:schemeClr>
+          </a:solidFill>
+          <a:ln>
+            <a:noFill/>
+          </a:ln>
+        </p:spPr>
+        <p:style>
+          <a:lnRef idx="2">
+            <a:schemeClr val="accent2">
+              <a:shade val="50000"/>
+            </a:schemeClr>
+          </a:lnRef>
+          <a:fillRef idx="1">
+            <a:schemeClr val="accent2"/>
+          </a:fillRef>
+          <a:effectRef idx="0">
+            <a:schemeClr val="accent2"/>
+          </a:effectRef>
+          <a:fontRef idx="minor">
+            <a:schemeClr val="lt1"/>
+          </a:fontRef>
+        </p:style>
+        <p:txBody>
+          <a:bodyPr rtlCol="0" anchor="ctr"/>
+          <a:lstStyle/>
+          <a:p>
+            <a:pPr algn="ctr"/>
+            <a:endParaRPr lang="nl-NL"/>
+          </a:p>
+        </p:txBody>
+      </p:sp>
+      <p:sp>
+        <p:nvSpPr>
+          <p:cNvPr id="8" name="Rectangle 7">
+            <a:extLst>
+              <a:ext uri="{FF2B5EF4-FFF2-40B4-BE49-F238E27FC236}">
+                <a16:creationId xmlns:a16="http://schemas.microsoft.com/office/drawing/2014/main" id="{A5042073-7FBB-4441-2B0F-B0711D79E379}"/>
+              </a:ext>
+            </a:extLst>
+          </p:cNvPr>
+          <p:cNvSpPr/>
+          <p:nvPr/>
+        </p:nvSpPr>
+        <p:spPr>
+          <a:xfrm>
+            <a:off x="8265722" y="3144514"/>
+            <a:ext cx="2679826" cy="1457608"/>
+          </a:xfrm>
+          <a:prstGeom prst="rect">
+            <a:avLst/>
+          </a:prstGeom>
+          <a:solidFill>
+            <a:schemeClr val="accent6">
+              <a:alpha val="28000"/>
+            </a:schemeClr>
+          </a:solidFill>
+          <a:ln>
+            <a:noFill/>
+          </a:ln>
+        </p:spPr>
+        <p:style>
+          <a:lnRef idx="2">
+            <a:schemeClr val="accent2">
+              <a:shade val="50000"/>
+            </a:schemeClr>
+          </a:lnRef>
+          <a:fillRef idx="1">
+            <a:schemeClr val="accent2"/>
+          </a:fillRef>
+          <a:effectRef idx="0">
+            <a:schemeClr val="accent2"/>
+          </a:effectRef>
+          <a:fontRef idx="minor">
+            <a:schemeClr val="lt1"/>
+          </a:fontRef>
+        </p:style>
+        <p:txBody>
+          <a:bodyPr rtlCol="0" anchor="ctr"/>
+          <a:lstStyle/>
+          <a:p>
+            <a:pPr algn="ctr"/>
+            <a:endParaRPr lang="nl-NL"/>
+          </a:p>
+        </p:txBody>
+      </p:sp>
+      <p:sp>
+        <p:nvSpPr>
+          <p:cNvPr id="9" name="Rectangle 8">
+            <a:extLst>
+              <a:ext uri="{FF2B5EF4-FFF2-40B4-BE49-F238E27FC236}">
+                <a16:creationId xmlns:a16="http://schemas.microsoft.com/office/drawing/2014/main" id="{6B97D276-2D84-CCFC-C13B-2CED8EC8382F}"/>
+              </a:ext>
+            </a:extLst>
+          </p:cNvPr>
+          <p:cNvSpPr/>
+          <p:nvPr/>
+        </p:nvSpPr>
+        <p:spPr>
+          <a:xfrm>
+            <a:off x="8283737" y="1681926"/>
+            <a:ext cx="2679826" cy="1457608"/>
+          </a:xfrm>
+          <a:prstGeom prst="rect">
+            <a:avLst/>
+          </a:prstGeom>
+          <a:solidFill>
+            <a:schemeClr val="tx1">
+              <a:lumMod val="75000"/>
+              <a:lumOff val="25000"/>
+              <a:alpha val="28000"/>
+            </a:schemeClr>
+          </a:solidFill>
+          <a:ln>
+            <a:noFill/>
+          </a:ln>
+        </p:spPr>
+        <p:style>
+          <a:lnRef idx="2">
+            <a:schemeClr val="accent2">
+              <a:shade val="50000"/>
+            </a:schemeClr>
+          </a:lnRef>
+          <a:fillRef idx="1">
+            <a:schemeClr val="accent2"/>
+          </a:fillRef>
+          <a:effectRef idx="0">
+            <a:schemeClr val="accent2"/>
+          </a:effectRef>
+          <a:fontRef idx="minor">
+            <a:schemeClr val="lt1"/>
+          </a:fontRef>
+        </p:style>
+        <p:txBody>
+          <a:bodyPr rtlCol="0" anchor="ctr"/>
+          <a:lstStyle/>
+          <a:p>
+            <a:pPr algn="ctr"/>
+            <a:endParaRPr lang="nl-NL"/>
+          </a:p>
+        </p:txBody>
+      </p:sp>
+      <p:sp>
+        <p:nvSpPr>
+          <p:cNvPr id="10" name="Rectangle 9">
+            <a:extLst>
+              <a:ext uri="{FF2B5EF4-FFF2-40B4-BE49-F238E27FC236}">
+                <a16:creationId xmlns:a16="http://schemas.microsoft.com/office/drawing/2014/main" id="{965C3860-BCA1-B97B-62D6-1A58A334122F}"/>
+              </a:ext>
+            </a:extLst>
+          </p:cNvPr>
+          <p:cNvSpPr/>
+          <p:nvPr/>
+        </p:nvSpPr>
+        <p:spPr>
+          <a:xfrm>
+            <a:off x="5558645" y="4592161"/>
+            <a:ext cx="2715856" cy="1450967"/>
+          </a:xfrm>
+          <a:prstGeom prst="rect">
+            <a:avLst/>
+          </a:prstGeom>
+          <a:noFill/>
+          <a:ln w="57150">
+            <a:solidFill>
+              <a:schemeClr val="accent6"/>
+            </a:solidFill>
+          </a:ln>
+        </p:spPr>
+        <p:style>
+          <a:lnRef idx="2">
+            <a:schemeClr val="accent1">
+              <a:shade val="50000"/>
+            </a:schemeClr>
+          </a:lnRef>
+          <a:fillRef idx="1">
+            <a:schemeClr val="accent1"/>
+          </a:fillRef>
+          <a:effectRef idx="0">
+            <a:schemeClr val="accent1"/>
+          </a:effectRef>
+          <a:fontRef idx="minor">
+            <a:schemeClr val="lt1"/>
+          </a:fontRef>
+        </p:style>
+        <p:txBody>
+          <a:bodyPr rtlCol="0" anchor="ctr"/>
+          <a:lstStyle/>
+          <a:p>
+            <a:pPr algn="ctr"/>
+            <a:endParaRPr lang="nl-NL"/>
+          </a:p>
+        </p:txBody>
+      </p:sp>
+    </p:spTree>
+    <p:extLst>
+      <p:ext uri="{BB962C8B-B14F-4D97-AF65-F5344CB8AC3E}">
+        <p14:creationId xmlns:p14="http://schemas.microsoft.com/office/powerpoint/2010/main" val="1513867505"/>
+      </p:ext>
+    </p:extLst>
+  </p:cSld>
+  <p:clrMapOvr>
+    <a:masterClrMapping/>
+  </p:clrMapOvr>
+</p:sld>
+</file>
+
+<file path=ppt/slides/slide11.xml><?xml version="1.0" encoding="utf-8"?>
+<p:sld xmlns:a="http://schemas.openxmlformats.org/drawingml/2006/main" xmlns:r="http://schemas.openxmlformats.org/officeDocument/2006/relationships" xmlns:p="http://schemas.openxmlformats.org/presentationml/2006/main">
+  <p:cSld>
+    <p:spTree>
+      <p:nvGrpSpPr>
+        <p:cNvPr id="1" name=""/>
+        <p:cNvGrpSpPr/>
+        <p:nvPr/>
+      </p:nvGrpSpPr>
+      <p:grpSpPr>
+        <a:xfrm>
+          <a:off x="0" y="0"/>
+          <a:ext cx="0" cy="0"/>
+          <a:chOff x="0" y="0"/>
+          <a:chExt cx="0" cy="0"/>
+        </a:xfrm>
+      </p:grpSpPr>
       <p:sp>
         <p:nvSpPr>
           <p:cNvPr id="2" name="Title 1">
@@ -4561,7 +5063,7 @@
 </p:sld>
 </file>
 
-<file path=ppt/slides/slide11.xml><?xml version="1.0" encoding="utf-8"?>
+<file path=ppt/slides/slide12.xml><?xml version="1.0" encoding="utf-8"?>
 <p:sld xmlns:a="http://schemas.openxmlformats.org/drawingml/2006/main" xmlns:r="http://schemas.openxmlformats.org/officeDocument/2006/relationships" xmlns:p="http://schemas.openxmlformats.org/presentationml/2006/main">
   <p:cSld>
     <p:spTree>
@@ -8703,7 +9205,7 @@
 </p:sld>
 </file>
 
-<file path=ppt/slides/slide12.xml><?xml version="1.0" encoding="utf-8"?>
+<file path=ppt/slides/slide13.xml><?xml version="1.0" encoding="utf-8"?>
 <p:sld xmlns:a="http://schemas.openxmlformats.org/drawingml/2006/main" xmlns:r="http://schemas.openxmlformats.org/officeDocument/2006/relationships" xmlns:p="http://schemas.openxmlformats.org/presentationml/2006/main">
   <p:cSld>
     <p:spTree>
@@ -12888,8 +13390,8 @@
           </a:p>
         </p:txBody>
       </p:sp>
-      <mc:AlternateContent xmlns:mc="http://schemas.openxmlformats.org/markup-compatibility/2006" xmlns:a14="http://schemas.microsoft.com/office/drawing/2010/main">
-        <mc:Choice Requires="a14">
+      <mc:AlternateContent xmlns:mc="http://schemas.openxmlformats.org/markup-compatibility/2006">
+        <mc:Choice xmlns:a14="http://schemas.microsoft.com/office/drawing/2010/main" Requires="a14">
           <p:sp>
             <p:nvSpPr>
               <p:cNvPr id="8" name="TextBox 7">
@@ -12905,7 +13407,7 @@
             <p:spPr>
               <a:xfrm>
                 <a:off x="7018506" y="2576934"/>
-                <a:ext cx="3759875" cy="318164"/>
+                <a:ext cx="3407535" cy="284437"/>
               </a:xfrm>
               <a:prstGeom prst="rect">
                 <a:avLst/>
@@ -12958,12 +13460,6 @@
                                 </a:rPr>
                                 <m:t>𝑡</m:t>
                               </m:r>
-                              <m:r>
-                                <a:rPr lang="en-GB" b="0" i="1" smtClean="0">
-                                  <a:latin typeface="Cambria Math" panose="02040503050406030204" pitchFamily="18" charset="0"/>
-                                </a:rPr>
-                                <m:t>+1</m:t>
-                              </m:r>
                             </m:sub>
                           </m:sSub>
                         </m:e>
@@ -12974,40 +13470,15 @@
                         </a:rPr>
                         <m:t>=</m:t>
                       </m:r>
-                      <m:sSub>
-                        <m:sSubPr>
-                          <m:ctrlPr>
-                            <a:rPr lang="en-GB" b="0" i="1" smtClean="0">
-                              <a:solidFill>
-                                <a:schemeClr val="accent6"/>
-                              </a:solidFill>
-                              <a:latin typeface="Cambria Math" panose="02040503050406030204" pitchFamily="18" charset="0"/>
-                            </a:rPr>
-                          </m:ctrlPr>
-                        </m:sSubPr>
-                        <m:e>
-                          <m:r>
-                            <a:rPr lang="en-GB" b="0" i="1" smtClean="0">
-                              <a:solidFill>
-                                <a:schemeClr val="accent6"/>
-                              </a:solidFill>
-                              <a:latin typeface="Cambria Math" panose="02040503050406030204" pitchFamily="18" charset="0"/>
-                            </a:rPr>
-                            <m:t>𝑓</m:t>
-                          </m:r>
-                        </m:e>
-                        <m:sub>
-                          <m:r>
-                            <a:rPr lang="en-GB" b="0" i="1" smtClean="0">
-                              <a:solidFill>
-                                <a:schemeClr val="accent6"/>
-                              </a:solidFill>
-                              <a:latin typeface="Cambria Math" panose="02040503050406030204" pitchFamily="18" charset="0"/>
-                            </a:rPr>
-                            <m:t>1</m:t>
-                          </m:r>
-                        </m:sub>
-                      </m:sSub>
+                      <m:r>
+                        <a:rPr lang="en-GB" b="0" i="1" smtClean="0">
+                          <a:solidFill>
+                            <a:schemeClr val="accent6"/>
+                          </a:solidFill>
+                          <a:latin typeface="Cambria Math" panose="02040503050406030204" pitchFamily="18" charset="0"/>
+                        </a:rPr>
+                        <m:t>𝑓</m:t>
+                      </m:r>
                       <m:d>
                         <m:dPr>
                           <m:ctrlPr>
@@ -13039,6 +13510,12 @@
                                   <a:latin typeface="Cambria Math" panose="02040503050406030204" pitchFamily="18" charset="0"/>
                                 </a:rPr>
                                 <m:t>𝑡</m:t>
+                              </m:r>
+                              <m:r>
+                                <a:rPr lang="en-GB" b="0" i="1" smtClean="0">
+                                  <a:latin typeface="Cambria Math" panose="02040503050406030204" pitchFamily="18" charset="0"/>
+                                </a:rPr>
+                                <m:t>−1</m:t>
                               </m:r>
                             </m:sub>
                           </m:sSub>
@@ -13075,7 +13552,7 @@
                                 <a:rPr lang="en-GB" b="0" i="1" smtClean="0">
                                   <a:latin typeface="Cambria Math" panose="02040503050406030204" pitchFamily="18" charset="0"/>
                                 </a:rPr>
-                                <m:t>−1</m:t>
+                                <m:t>−2</m:t>
                               </m:r>
                             </m:sub>
                           </m:sSub>
@@ -13118,7 +13595,7 @@
                                 <a:rPr lang="en-GB" b="0" i="1" smtClean="0">
                                   <a:latin typeface="Cambria Math" panose="02040503050406030204" pitchFamily="18" charset="0"/>
                                 </a:rPr>
-                                <m:t>𝑞</m:t>
+                                <m:t>𝑠</m:t>
                               </m:r>
                             </m:sub>
                           </m:sSub>
@@ -13137,7 +13614,7 @@
                           </a:solidFill>
                           <a:latin typeface="Cambria Math" panose="02040503050406030204" pitchFamily="18" charset="0"/>
                         </a:rPr>
-                        <m:t>𝛽</m:t>
+                        <m:t>𝛼</m:t>
                       </m:r>
                       <m:r>
                         <a:rPr lang="en-GB" b="0" i="1" smtClean="0">
@@ -13166,19 +13643,13 @@
                             <a:rPr lang="en-GB" b="0" i="1" smtClean="0">
                               <a:latin typeface="Cambria Math" panose="02040503050406030204" pitchFamily="18" charset="0"/>
                             </a:rPr>
-                            <m:t>1,</m:t>
+                            <m:t>1</m:t>
                           </m:r>
                           <m:r>
                             <a:rPr lang="en-GB" b="0" i="1" smtClean="0">
                               <a:latin typeface="Cambria Math" panose="02040503050406030204" pitchFamily="18" charset="0"/>
                             </a:rPr>
                             <m:t>𝑡</m:t>
-                          </m:r>
-                          <m:r>
-                            <a:rPr lang="en-GB" b="0" i="1" smtClean="0">
-                              <a:latin typeface="Cambria Math" panose="02040503050406030204" pitchFamily="18" charset="0"/>
-                            </a:rPr>
-                            <m:t>+1</m:t>
                           </m:r>
                         </m:sub>
                       </m:sSub>
@@ -13190,7 +13661,7 @@
             </p:txBody>
           </p:sp>
         </mc:Choice>
-        <mc:Fallback xmlns="">
+        <mc:Fallback>
           <p:sp>
             <p:nvSpPr>
               <p:cNvPr id="8" name="TextBox 7">
@@ -13208,7 +13679,7 @@
             <p:spPr>
               <a:xfrm>
                 <a:off x="7018506" y="2576934"/>
-                <a:ext cx="3759875" cy="318164"/>
+                <a:ext cx="3407535" cy="284437"/>
               </a:xfrm>
               <a:prstGeom prst="rect">
                 <a:avLst/>
@@ -13216,7 +13687,7 @@
               <a:blipFill>
                 <a:blip r:embed="rId3"/>
                 <a:stretch>
-                  <a:fillRect l="-972" t="-13462" r="-162" b="-25000"/>
+                  <a:fillRect l="-1073" t="-19565" b="-36957"/>
                 </a:stretch>
               </a:blipFill>
             </p:spPr>
@@ -13452,7 +13923,7 @@
 </p:sld>
 </file>
 
-<file path=ppt/slides/slide13.xml><?xml version="1.0" encoding="utf-8"?>
+<file path=ppt/slides/slide14.xml><?xml version="1.0" encoding="utf-8"?>
 <p:sld xmlns:a="http://schemas.openxmlformats.org/drawingml/2006/main" xmlns:r="http://schemas.openxmlformats.org/officeDocument/2006/relationships" xmlns:p="http://schemas.openxmlformats.org/presentationml/2006/main">
   <p:cSld>
     <p:spTree>
@@ -17909,353 +18380,6 @@
           </a:fontRef>
         </p:style>
       </p:cxnSp>
-      <mc:AlternateContent xmlns:mc="http://schemas.openxmlformats.org/markup-compatibility/2006" xmlns:a14="http://schemas.microsoft.com/office/drawing/2010/main">
-        <mc:Choice Requires="a14">
-          <p:sp>
-            <p:nvSpPr>
-              <p:cNvPr id="8" name="TextBox 7">
-                <a:extLst>
-                  <a:ext uri="{FF2B5EF4-FFF2-40B4-BE49-F238E27FC236}">
-                    <a16:creationId xmlns:a16="http://schemas.microsoft.com/office/drawing/2014/main" id="{0F1A1BFD-335C-256F-E75A-326201BD5A03}"/>
-                  </a:ext>
-                </a:extLst>
-              </p:cNvPr>
-              <p:cNvSpPr txBox="1"/>
-              <p:nvPr/>
-            </p:nvSpPr>
-            <p:spPr>
-              <a:xfrm>
-                <a:off x="7018506" y="2576934"/>
-                <a:ext cx="3759875" cy="318164"/>
-              </a:xfrm>
-              <a:prstGeom prst="rect">
-                <a:avLst/>
-              </a:prstGeom>
-              <a:noFill/>
-            </p:spPr>
-            <p:txBody>
-              <a:bodyPr wrap="none" lIns="0" tIns="0" rIns="0" bIns="0" rtlCol="0">
-                <a:spAutoFit/>
-              </a:bodyPr>
-              <a:lstStyle/>
-              <a:p>
-                <a:pPr/>
-                <a14:m>
-                  <m:oMathPara xmlns:m="http://schemas.openxmlformats.org/officeDocument/2006/math">
-                    <m:oMathParaPr>
-                      <m:jc m:val="centerGroup"/>
-                    </m:oMathParaPr>
-                    <m:oMath xmlns:m="http://schemas.openxmlformats.org/officeDocument/2006/math">
-                      <m:acc>
-                        <m:accPr>
-                          <m:chr m:val="̂"/>
-                          <m:ctrlPr>
-                            <a:rPr lang="en-GB" b="0" i="1" smtClean="0">
-                              <a:latin typeface="Cambria Math" panose="02040503050406030204" pitchFamily="18" charset="0"/>
-                            </a:rPr>
-                          </m:ctrlPr>
-                        </m:accPr>
-                        <m:e>
-                          <m:sSub>
-                            <m:sSubPr>
-                              <m:ctrlPr>
-                                <a:rPr lang="en-GB" b="0" i="1" smtClean="0">
-                                  <a:latin typeface="Cambria Math" panose="02040503050406030204" pitchFamily="18" charset="0"/>
-                                </a:rPr>
-                              </m:ctrlPr>
-                            </m:sSubPr>
-                            <m:e>
-                              <m:r>
-                                <a:rPr lang="en-GB" b="0" i="1" smtClean="0">
-                                  <a:latin typeface="Cambria Math" panose="02040503050406030204" pitchFamily="18" charset="0"/>
-                                </a:rPr>
-                                <m:t>𝑌</m:t>
-                              </m:r>
-                            </m:e>
-                            <m:sub>
-                              <m:r>
-                                <a:rPr lang="en-GB" b="0" i="1" smtClean="0">
-                                  <a:latin typeface="Cambria Math" panose="02040503050406030204" pitchFamily="18" charset="0"/>
-                                </a:rPr>
-                                <m:t>𝑡</m:t>
-                              </m:r>
-                              <m:r>
-                                <a:rPr lang="en-GB" b="0" i="1" smtClean="0">
-                                  <a:latin typeface="Cambria Math" panose="02040503050406030204" pitchFamily="18" charset="0"/>
-                                </a:rPr>
-                                <m:t>+1</m:t>
-                              </m:r>
-                            </m:sub>
-                          </m:sSub>
-                        </m:e>
-                      </m:acc>
-                      <m:r>
-                        <a:rPr lang="en-GB" b="0" i="1" smtClean="0">
-                          <a:latin typeface="Cambria Math" panose="02040503050406030204" pitchFamily="18" charset="0"/>
-                        </a:rPr>
-                        <m:t>=</m:t>
-                      </m:r>
-                      <m:sSub>
-                        <m:sSubPr>
-                          <m:ctrlPr>
-                            <a:rPr lang="en-GB" b="0" i="1" smtClean="0">
-                              <a:solidFill>
-                                <a:schemeClr val="accent6"/>
-                              </a:solidFill>
-                              <a:latin typeface="Cambria Math" panose="02040503050406030204" pitchFamily="18" charset="0"/>
-                            </a:rPr>
-                          </m:ctrlPr>
-                        </m:sSubPr>
-                        <m:e>
-                          <m:r>
-                            <a:rPr lang="en-GB" b="0" i="1" smtClean="0">
-                              <a:solidFill>
-                                <a:schemeClr val="accent6"/>
-                              </a:solidFill>
-                              <a:latin typeface="Cambria Math" panose="02040503050406030204" pitchFamily="18" charset="0"/>
-                            </a:rPr>
-                            <m:t>𝑓</m:t>
-                          </m:r>
-                        </m:e>
-                        <m:sub>
-                          <m:r>
-                            <a:rPr lang="en-GB" b="0" i="1" smtClean="0">
-                              <a:solidFill>
-                                <a:schemeClr val="accent6"/>
-                              </a:solidFill>
-                              <a:latin typeface="Cambria Math" panose="02040503050406030204" pitchFamily="18" charset="0"/>
-                            </a:rPr>
-                            <m:t>1</m:t>
-                          </m:r>
-                        </m:sub>
-                      </m:sSub>
-                      <m:d>
-                        <m:dPr>
-                          <m:ctrlPr>
-                            <a:rPr lang="en-GB" b="0" i="1" smtClean="0">
-                              <a:latin typeface="Cambria Math" panose="02040503050406030204" pitchFamily="18" charset="0"/>
-                            </a:rPr>
-                          </m:ctrlPr>
-                        </m:dPr>
-                        <m:e>
-                          <m:sSub>
-                            <m:sSubPr>
-                              <m:ctrlPr>
-                                <a:rPr lang="en-GB" b="0" i="1" smtClean="0">
-                                  <a:latin typeface="Cambria Math" panose="02040503050406030204" pitchFamily="18" charset="0"/>
-                                </a:rPr>
-                              </m:ctrlPr>
-                            </m:sSubPr>
-                            <m:e>
-                              <m:r>
-                                <a:rPr lang="en-GB" b="0" i="1" smtClean="0">
-                                  <a:latin typeface="Cambria Math" panose="02040503050406030204" pitchFamily="18" charset="0"/>
-                                </a:rPr>
-                                <m:t>𝑌</m:t>
-                              </m:r>
-                            </m:e>
-                            <m:sub>
-                              <m:r>
-                                <a:rPr lang="en-GB" b="0" i="1" smtClean="0">
-                                  <a:latin typeface="Cambria Math" panose="02040503050406030204" pitchFamily="18" charset="0"/>
-                                </a:rPr>
-                                <m:t>𝑡</m:t>
-                              </m:r>
-                            </m:sub>
-                          </m:sSub>
-                          <m:r>
-                            <a:rPr lang="en-GB" b="0" i="1" smtClean="0">
-                              <a:latin typeface="Cambria Math" panose="02040503050406030204" pitchFamily="18" charset="0"/>
-                            </a:rPr>
-                            <m:t>, </m:t>
-                          </m:r>
-                          <m:sSub>
-                            <m:sSubPr>
-                              <m:ctrlPr>
-                                <a:rPr lang="en-GB" b="0" i="1" smtClean="0">
-                                  <a:latin typeface="Cambria Math" panose="02040503050406030204" pitchFamily="18" charset="0"/>
-                                </a:rPr>
-                              </m:ctrlPr>
-                            </m:sSubPr>
-                            <m:e>
-                              <m:r>
-                                <a:rPr lang="en-GB" b="0" i="1" smtClean="0">
-                                  <a:latin typeface="Cambria Math" panose="02040503050406030204" pitchFamily="18" charset="0"/>
-                                </a:rPr>
-                                <m:t>𝑌</m:t>
-                              </m:r>
-                            </m:e>
-                            <m:sub>
-                              <m:r>
-                                <a:rPr lang="en-GB" b="0" i="1" smtClean="0">
-                                  <a:latin typeface="Cambria Math" panose="02040503050406030204" pitchFamily="18" charset="0"/>
-                                </a:rPr>
-                                <m:t>𝑡</m:t>
-                              </m:r>
-                              <m:r>
-                                <a:rPr lang="en-GB" b="0" i="1" smtClean="0">
-                                  <a:latin typeface="Cambria Math" panose="02040503050406030204" pitchFamily="18" charset="0"/>
-                                </a:rPr>
-                                <m:t>−1</m:t>
-                              </m:r>
-                            </m:sub>
-                          </m:sSub>
-                          <m:r>
-                            <a:rPr lang="en-GB" b="0" i="1" smtClean="0">
-                              <a:latin typeface="Cambria Math" panose="02040503050406030204" pitchFamily="18" charset="0"/>
-                            </a:rPr>
-                            <m:t>, …</m:t>
-                          </m:r>
-                          <m:sSub>
-                            <m:sSubPr>
-                              <m:ctrlPr>
-                                <a:rPr lang="en-GB" b="0" i="1" smtClean="0">
-                                  <a:latin typeface="Cambria Math" panose="02040503050406030204" pitchFamily="18" charset="0"/>
-                                </a:rPr>
-                              </m:ctrlPr>
-                            </m:sSubPr>
-                            <m:e>
-                              <m:r>
-                                <a:rPr lang="en-GB" b="0" i="1" smtClean="0">
-                                  <a:latin typeface="Cambria Math" panose="02040503050406030204" pitchFamily="18" charset="0"/>
-                                </a:rPr>
-                                <m:t>𝑌</m:t>
-                              </m:r>
-                            </m:e>
-                            <m:sub>
-                              <m:r>
-                                <a:rPr lang="en-GB" b="0" i="1" smtClean="0">
-                                  <a:latin typeface="Cambria Math" panose="02040503050406030204" pitchFamily="18" charset="0"/>
-                                </a:rPr>
-                                <m:t>𝑡</m:t>
-                              </m:r>
-                              <m:r>
-                                <a:rPr lang="en-GB" b="0" i="1" smtClean="0">
-                                  <a:latin typeface="Cambria Math" panose="02040503050406030204" pitchFamily="18" charset="0"/>
-                                </a:rPr>
-                                <m:t>−</m:t>
-                              </m:r>
-                              <m:r>
-                                <a:rPr lang="en-GB" b="0" i="1" smtClean="0">
-                                  <a:latin typeface="Cambria Math" panose="02040503050406030204" pitchFamily="18" charset="0"/>
-                                </a:rPr>
-                                <m:t>𝑞</m:t>
-                              </m:r>
-                            </m:sub>
-                          </m:sSub>
-                        </m:e>
-                      </m:d>
-                      <m:r>
-                        <a:rPr lang="en-GB" b="0" i="1" smtClean="0">
-                          <a:latin typeface="Cambria Math" panose="02040503050406030204" pitchFamily="18" charset="0"/>
-                        </a:rPr>
-                        <m:t>+</m:t>
-                      </m:r>
-                      <m:r>
-                        <a:rPr lang="en-GB" b="0" i="1" smtClean="0">
-                          <a:solidFill>
-                            <a:schemeClr val="accent6"/>
-                          </a:solidFill>
-                          <a:latin typeface="Cambria Math" panose="02040503050406030204" pitchFamily="18" charset="0"/>
-                        </a:rPr>
-                        <m:t>𝛽</m:t>
-                      </m:r>
-                      <m:r>
-                        <a:rPr lang="en-GB" b="0" i="1" smtClean="0">
-                          <a:latin typeface="Cambria Math" panose="02040503050406030204" pitchFamily="18" charset="0"/>
-                        </a:rPr>
-                        <m:t>∗</m:t>
-                      </m:r>
-                      <m:sSub>
-                        <m:sSubPr>
-                          <m:ctrlPr>
-                            <a:rPr lang="en-GB" b="0" i="1" smtClean="0">
-                              <a:latin typeface="Cambria Math" panose="02040503050406030204" pitchFamily="18" charset="0"/>
-                            </a:rPr>
-                          </m:ctrlPr>
-                        </m:sSubPr>
-                        <m:e>
-                          <m:r>
-                            <a:rPr lang="en-GB" b="0" i="1" smtClean="0">
-                              <a:latin typeface="Cambria Math" panose="02040503050406030204" pitchFamily="18" charset="0"/>
-                            </a:rPr>
-                            <m:t>𝐶</m:t>
-                          </m:r>
-                        </m:e>
-                        <m:sub>
-                          <m:r>
-                            <a:rPr lang="en-GB" b="0" i="1" smtClean="0">
-                              <a:latin typeface="Cambria Math" panose="02040503050406030204" pitchFamily="18" charset="0"/>
-                            </a:rPr>
-                            <m:t>1,</m:t>
-                          </m:r>
-                          <m:r>
-                            <a:rPr lang="en-GB" b="0" i="1" smtClean="0">
-                              <a:latin typeface="Cambria Math" panose="02040503050406030204" pitchFamily="18" charset="0"/>
-                            </a:rPr>
-                            <m:t>𝑡</m:t>
-                          </m:r>
-                          <m:r>
-                            <a:rPr lang="en-GB" b="0" i="1" smtClean="0">
-                              <a:latin typeface="Cambria Math" panose="02040503050406030204" pitchFamily="18" charset="0"/>
-                            </a:rPr>
-                            <m:t>+1</m:t>
-                          </m:r>
-                        </m:sub>
-                      </m:sSub>
-                    </m:oMath>
-                  </m:oMathPara>
-                </a14:m>
-                <a:endParaRPr lang="nl-NL" dirty="0"/>
-              </a:p>
-            </p:txBody>
-          </p:sp>
-        </mc:Choice>
-        <mc:Fallback xmlns="">
-          <p:sp>
-            <p:nvSpPr>
-              <p:cNvPr id="8" name="TextBox 7">
-                <a:extLst>
-                  <a:ext uri="{FF2B5EF4-FFF2-40B4-BE49-F238E27FC236}">
-                    <a16:creationId xmlns:a16="http://schemas.microsoft.com/office/drawing/2014/main" id="{0F1A1BFD-335C-256F-E75A-326201BD5A03}"/>
-                  </a:ext>
-                </a:extLst>
-              </p:cNvPr>
-              <p:cNvSpPr txBox="1">
-                <a:spLocks noRot="1" noChangeAspect="1" noMove="1" noResize="1" noEditPoints="1" noAdjustHandles="1" noChangeArrowheads="1" noChangeShapeType="1" noTextEdit="1"/>
-              </p:cNvSpPr>
-              <p:nvPr/>
-            </p:nvSpPr>
-            <p:spPr>
-              <a:xfrm>
-                <a:off x="7018506" y="2576934"/>
-                <a:ext cx="3759875" cy="318164"/>
-              </a:xfrm>
-              <a:prstGeom prst="rect">
-                <a:avLst/>
-              </a:prstGeom>
-              <a:blipFill>
-                <a:blip r:embed="rId3"/>
-                <a:stretch>
-                  <a:fillRect l="-972" t="-13462" r="-162" b="-25000"/>
-                </a:stretch>
-              </a:blipFill>
-            </p:spPr>
-            <p:txBody>
-              <a:bodyPr/>
-              <a:lstStyle/>
-              <a:p>
-                <a:r>
-                  <a:rPr lang="nl-NL">
-                    <a:noFill/>
-                  </a:rPr>
-                  <a:t> </a:t>
-                </a:r>
-              </a:p>
-            </p:txBody>
-          </p:sp>
-        </mc:Fallback>
-      </mc:AlternateContent>
       <p:sp>
         <p:nvSpPr>
           <p:cNvPr id="9" name="Rectangle 8">
@@ -18279,7 +18403,7 @@
           <a:noFill/>
           <a:ln w="41275">
             <a:solidFill>
-              <a:schemeClr val="accent6"/>
+              <a:schemeClr val="accent1"/>
             </a:solidFill>
           </a:ln>
         </p:spPr>
@@ -18306,7 +18430,7 @@
             <a:pPr algn="ctr"/>
             <a:endParaRPr lang="nl-NL">
               <a:solidFill>
-                <a:schemeClr val="accent6"/>
+                <a:schemeClr val="accent1"/>
               </a:solidFill>
             </a:endParaRPr>
           </a:p>
@@ -18536,7 +18660,7 @@
           <a:noFill/>
           <a:ln w="41275">
             <a:solidFill>
-              <a:srgbClr val="7030A0"/>
+              <a:srgbClr val="0070C0"/>
             </a:solidFill>
           </a:ln>
         </p:spPr>
@@ -18569,8 +18693,8 @@
           </a:p>
         </p:txBody>
       </p:sp>
-      <mc:AlternateContent xmlns:mc="http://schemas.openxmlformats.org/markup-compatibility/2006" xmlns:a14="http://schemas.microsoft.com/office/drawing/2010/main">
-        <mc:Choice Requires="a14">
+      <mc:AlternateContent xmlns:mc="http://schemas.openxmlformats.org/markup-compatibility/2006">
+        <mc:Choice xmlns:a14="http://schemas.microsoft.com/office/drawing/2010/main" Requires="a14">
           <p:sp>
             <p:nvSpPr>
               <p:cNvPr id="13" name="TextBox 12">
@@ -18586,7 +18710,7 @@
             <p:spPr>
               <a:xfrm>
                 <a:off x="7071717" y="4548719"/>
-                <a:ext cx="3759875" cy="352661"/>
+                <a:ext cx="3509871" cy="343427"/>
               </a:xfrm>
               <a:prstGeom prst="rect">
                 <a:avLst/>
@@ -18651,15 +18775,6 @@
                                 </a:rPr>
                                 <m:t>𝑡</m:t>
                               </m:r>
-                              <m:r>
-                                <a:rPr lang="en-GB" b="0" i="1" smtClean="0">
-                                  <a:solidFill>
-                                    <a:srgbClr val="7030A0"/>
-                                  </a:solidFill>
-                                  <a:latin typeface="Cambria Math" panose="02040503050406030204" pitchFamily="18" charset="0"/>
-                                </a:rPr>
-                                <m:t>+1</m:t>
-                              </m:r>
                             </m:sub>
                             <m:sup>
                               <m:r>
@@ -18681,40 +18796,15 @@
                         </a:rPr>
                         <m:t>=</m:t>
                       </m:r>
-                      <m:sSub>
-                        <m:sSubPr>
-                          <m:ctrlPr>
-                            <a:rPr lang="en-GB" b="0" i="1" smtClean="0">
-                              <a:solidFill>
-                                <a:schemeClr val="accent6"/>
-                              </a:solidFill>
-                              <a:latin typeface="Cambria Math" panose="02040503050406030204" pitchFamily="18" charset="0"/>
-                            </a:rPr>
-                          </m:ctrlPr>
-                        </m:sSubPr>
-                        <m:e>
-                          <m:r>
-                            <a:rPr lang="en-GB" b="0" i="1" smtClean="0">
-                              <a:solidFill>
-                                <a:schemeClr val="accent6"/>
-                              </a:solidFill>
-                              <a:latin typeface="Cambria Math" panose="02040503050406030204" pitchFamily="18" charset="0"/>
-                            </a:rPr>
-                            <m:t>𝑓</m:t>
-                          </m:r>
-                        </m:e>
-                        <m:sub>
-                          <m:r>
-                            <a:rPr lang="en-GB" b="0" i="1" smtClean="0">
-                              <a:solidFill>
-                                <a:schemeClr val="accent6"/>
-                              </a:solidFill>
-                              <a:latin typeface="Cambria Math" panose="02040503050406030204" pitchFamily="18" charset="0"/>
-                            </a:rPr>
-                            <m:t>1</m:t>
-                          </m:r>
-                        </m:sub>
-                      </m:sSub>
+                      <m:r>
+                        <a:rPr lang="en-GB" b="0" i="1" smtClean="0">
+                          <a:solidFill>
+                            <a:schemeClr val="accent6"/>
+                          </a:solidFill>
+                          <a:latin typeface="Cambria Math" panose="02040503050406030204" pitchFamily="18" charset="0"/>
+                        </a:rPr>
+                        <m:t>𝑓</m:t>
+                      </m:r>
                       <m:d>
                         <m:dPr>
                           <m:ctrlPr>
@@ -18732,7 +18822,7 @@
                               <m:ctrlPr>
                                 <a:rPr lang="en-GB" b="0" i="1" smtClean="0">
                                   <a:solidFill>
-                                    <a:srgbClr val="7030A0"/>
+                                    <a:schemeClr val="accent1"/>
                                   </a:solidFill>
                                   <a:latin typeface="Cambria Math" panose="02040503050406030204" pitchFamily="18" charset="0"/>
                                 </a:rPr>
@@ -18742,7 +18832,7 @@
                               <m:r>
                                 <a:rPr lang="en-GB" b="0" i="1" smtClean="0">
                                   <a:solidFill>
-                                    <a:srgbClr val="7030A0"/>
+                                    <a:schemeClr val="accent1"/>
                                   </a:solidFill>
                                   <a:latin typeface="Cambria Math" panose="02040503050406030204" pitchFamily="18" charset="0"/>
                                 </a:rPr>
@@ -18753,18 +18843,27 @@
                               <m:r>
                                 <a:rPr lang="en-GB" b="0" i="1" smtClean="0">
                                   <a:solidFill>
-                                    <a:srgbClr val="7030A0"/>
+                                    <a:schemeClr val="accent1"/>
                                   </a:solidFill>
                                   <a:latin typeface="Cambria Math" panose="02040503050406030204" pitchFamily="18" charset="0"/>
                                 </a:rPr>
                                 <m:t>𝑡</m:t>
+                              </m:r>
+                              <m:r>
+                                <a:rPr lang="en-GB" b="0" i="1" smtClean="0">
+                                  <a:solidFill>
+                                    <a:schemeClr val="accent1"/>
+                                  </a:solidFill>
+                                  <a:latin typeface="Cambria Math" panose="02040503050406030204" pitchFamily="18" charset="0"/>
+                                </a:rPr>
+                                <m:t>−1</m:t>
                               </m:r>
                             </m:sub>
                           </m:sSub>
                           <m:r>
                             <a:rPr lang="en-GB" b="0" i="1" smtClean="0">
                               <a:solidFill>
-                                <a:srgbClr val="7030A0"/>
+                                <a:schemeClr val="accent1"/>
                               </a:solidFill>
                               <a:latin typeface="Cambria Math" panose="02040503050406030204" pitchFamily="18" charset="0"/>
                             </a:rPr>
@@ -18775,7 +18874,7 @@
                               <m:ctrlPr>
                                 <a:rPr lang="en-GB" b="0" i="1" smtClean="0">
                                   <a:solidFill>
-                                    <a:srgbClr val="7030A0"/>
+                                    <a:schemeClr val="accent1"/>
                                   </a:solidFill>
                                   <a:latin typeface="Cambria Math" panose="02040503050406030204" pitchFamily="18" charset="0"/>
                                 </a:rPr>
@@ -18785,7 +18884,7 @@
                               <m:r>
                                 <a:rPr lang="en-GB" b="0" i="1" smtClean="0">
                                   <a:solidFill>
-                                    <a:srgbClr val="7030A0"/>
+                                    <a:schemeClr val="accent1"/>
                                   </a:solidFill>
                                   <a:latin typeface="Cambria Math" panose="02040503050406030204" pitchFamily="18" charset="0"/>
                                 </a:rPr>
@@ -18796,7 +18895,7 @@
                               <m:r>
                                 <a:rPr lang="en-GB" b="0" i="1" smtClean="0">
                                   <a:solidFill>
-                                    <a:srgbClr val="7030A0"/>
+                                    <a:schemeClr val="accent1"/>
                                   </a:solidFill>
                                   <a:latin typeface="Cambria Math" panose="02040503050406030204" pitchFamily="18" charset="0"/>
                                 </a:rPr>
@@ -18805,18 +18904,18 @@
                               <m:r>
                                 <a:rPr lang="en-GB" b="0" i="1" smtClean="0">
                                   <a:solidFill>
-                                    <a:srgbClr val="7030A0"/>
+                                    <a:schemeClr val="accent1"/>
                                   </a:solidFill>
                                   <a:latin typeface="Cambria Math" panose="02040503050406030204" pitchFamily="18" charset="0"/>
                                 </a:rPr>
-                                <m:t>−1</m:t>
+                                <m:t>−2</m:t>
                               </m:r>
                             </m:sub>
                           </m:sSub>
                           <m:r>
                             <a:rPr lang="en-GB" b="0" i="1" smtClean="0">
                               <a:solidFill>
-                                <a:srgbClr val="7030A0"/>
+                                <a:schemeClr val="accent1"/>
                               </a:solidFill>
                               <a:latin typeface="Cambria Math" panose="02040503050406030204" pitchFamily="18" charset="0"/>
                             </a:rPr>
@@ -18827,7 +18926,7 @@
                               <m:ctrlPr>
                                 <a:rPr lang="en-GB" b="0" i="1" smtClean="0">
                                   <a:solidFill>
-                                    <a:srgbClr val="7030A0"/>
+                                    <a:schemeClr val="accent1"/>
                                   </a:solidFill>
                                   <a:latin typeface="Cambria Math" panose="02040503050406030204" pitchFamily="18" charset="0"/>
                                 </a:rPr>
@@ -18837,7 +18936,7 @@
                               <m:r>
                                 <a:rPr lang="en-GB" b="0" i="1" smtClean="0">
                                   <a:solidFill>
-                                    <a:srgbClr val="7030A0"/>
+                                    <a:schemeClr val="accent1"/>
                                   </a:solidFill>
                                   <a:latin typeface="Cambria Math" panose="02040503050406030204" pitchFamily="18" charset="0"/>
                                 </a:rPr>
@@ -18848,7 +18947,7 @@
                               <m:r>
                                 <a:rPr lang="en-GB" b="0" i="1" smtClean="0">
                                   <a:solidFill>
-                                    <a:srgbClr val="7030A0"/>
+                                    <a:schemeClr val="accent1"/>
                                   </a:solidFill>
                                   <a:latin typeface="Cambria Math" panose="02040503050406030204" pitchFamily="18" charset="0"/>
                                 </a:rPr>
@@ -18857,7 +18956,7 @@
                               <m:r>
                                 <a:rPr lang="en-GB" b="0" i="1" smtClean="0">
                                   <a:solidFill>
-                                    <a:srgbClr val="7030A0"/>
+                                    <a:schemeClr val="accent1"/>
                                   </a:solidFill>
                                   <a:latin typeface="Cambria Math" panose="02040503050406030204" pitchFamily="18" charset="0"/>
                                 </a:rPr>
@@ -18866,11 +18965,11 @@
                               <m:r>
                                 <a:rPr lang="en-GB" b="0" i="1" smtClean="0">
                                   <a:solidFill>
-                                    <a:srgbClr val="7030A0"/>
+                                    <a:schemeClr val="accent1"/>
                                   </a:solidFill>
                                   <a:latin typeface="Cambria Math" panose="02040503050406030204" pitchFamily="18" charset="0"/>
                                 </a:rPr>
-                                <m:t>𝑞</m:t>
+                                <m:t>𝑠</m:t>
                               </m:r>
                             </m:sub>
                           </m:sSub>
@@ -18889,7 +18988,7 @@
                           </a:solidFill>
                           <a:latin typeface="Cambria Math" panose="02040503050406030204" pitchFamily="18" charset="0"/>
                         </a:rPr>
-                        <m:t>𝛽</m:t>
+                        <m:t>𝛼</m:t>
                       </m:r>
                       <m:r>
                         <a:rPr lang="en-GB" b="0" i="1" smtClean="0">
@@ -18927,7 +19026,7 @@
                               </a:solidFill>
                               <a:latin typeface="Cambria Math" panose="02040503050406030204" pitchFamily="18" charset="0"/>
                             </a:rPr>
-                            <m:t>1,</m:t>
+                            <m:t>1</m:t>
                           </m:r>
                           <m:r>
                             <a:rPr lang="en-GB" b="0" i="1" smtClean="0">
@@ -18937,15 +19036,6 @@
                               <a:latin typeface="Cambria Math" panose="02040503050406030204" pitchFamily="18" charset="0"/>
                             </a:rPr>
                             <m:t>𝑡</m:t>
-                          </m:r>
-                          <m:r>
-                            <a:rPr lang="en-GB" b="0" i="1" smtClean="0">
-                              <a:solidFill>
-                                <a:srgbClr val="7030A0"/>
-                              </a:solidFill>
-                              <a:latin typeface="Cambria Math" panose="02040503050406030204" pitchFamily="18" charset="0"/>
-                            </a:rPr>
-                            <m:t>+1</m:t>
                           </m:r>
                         </m:sub>
                       </m:sSub>
@@ -18957,7 +19047,7 @@
             </p:txBody>
           </p:sp>
         </mc:Choice>
-        <mc:Fallback xmlns="">
+        <mc:Fallback>
           <p:sp>
             <p:nvSpPr>
               <p:cNvPr id="13" name="TextBox 12">
@@ -18975,15 +19065,15 @@
             <p:spPr>
               <a:xfrm>
                 <a:off x="7071717" y="4548719"/>
-                <a:ext cx="3759875" cy="352661"/>
+                <a:ext cx="3509871" cy="343427"/>
               </a:xfrm>
               <a:prstGeom prst="rect">
                 <a:avLst/>
               </a:prstGeom>
               <a:blipFill>
-                <a:blip r:embed="rId4"/>
+                <a:blip r:embed="rId3"/>
                 <a:stretch>
-                  <a:fillRect l="-972" t="-12069" r="-162" b="-20690"/>
+                  <a:fillRect l="-521" t="-12281" b="-22807"/>
                 </a:stretch>
               </a:blipFill>
             </p:spPr>
@@ -19094,6 +19184,322 @@
           </a:p>
         </p:txBody>
       </p:sp>
+      <mc:AlternateContent xmlns:mc="http://schemas.openxmlformats.org/markup-compatibility/2006">
+        <mc:Choice xmlns:a14="http://schemas.microsoft.com/office/drawing/2010/main" Requires="a14">
+          <p:sp>
+            <p:nvSpPr>
+              <p:cNvPr id="17" name="TextBox 16">
+                <a:extLst>
+                  <a:ext uri="{FF2B5EF4-FFF2-40B4-BE49-F238E27FC236}">
+                    <a16:creationId xmlns:a16="http://schemas.microsoft.com/office/drawing/2014/main" id="{DE9E1982-EAF2-F9F0-21F3-CB319924753F}"/>
+                  </a:ext>
+                </a:extLst>
+              </p:cNvPr>
+              <p:cNvSpPr txBox="1"/>
+              <p:nvPr/>
+            </p:nvSpPr>
+            <p:spPr>
+              <a:xfrm>
+                <a:off x="7018506" y="2576934"/>
+                <a:ext cx="3407535" cy="284437"/>
+              </a:xfrm>
+              <a:prstGeom prst="rect">
+                <a:avLst/>
+              </a:prstGeom>
+              <a:noFill/>
+            </p:spPr>
+            <p:txBody>
+              <a:bodyPr wrap="none" lIns="0" tIns="0" rIns="0" bIns="0" rtlCol="0">
+                <a:spAutoFit/>
+              </a:bodyPr>
+              <a:lstStyle/>
+              <a:p>
+                <a:pPr/>
+                <a14:m>
+                  <m:oMathPara xmlns:m="http://schemas.openxmlformats.org/officeDocument/2006/math">
+                    <m:oMathParaPr>
+                      <m:jc m:val="centerGroup"/>
+                    </m:oMathParaPr>
+                    <m:oMath xmlns:m="http://schemas.openxmlformats.org/officeDocument/2006/math">
+                      <m:acc>
+                        <m:accPr>
+                          <m:chr m:val="̂"/>
+                          <m:ctrlPr>
+                            <a:rPr lang="en-GB" b="0" i="1" smtClean="0">
+                              <a:latin typeface="Cambria Math" panose="02040503050406030204" pitchFamily="18" charset="0"/>
+                            </a:rPr>
+                          </m:ctrlPr>
+                        </m:accPr>
+                        <m:e>
+                          <m:sSub>
+                            <m:sSubPr>
+                              <m:ctrlPr>
+                                <a:rPr lang="en-GB" b="0" i="1" smtClean="0">
+                                  <a:latin typeface="Cambria Math" panose="02040503050406030204" pitchFamily="18" charset="0"/>
+                                </a:rPr>
+                              </m:ctrlPr>
+                            </m:sSubPr>
+                            <m:e>
+                              <m:r>
+                                <a:rPr lang="en-GB" b="0" i="1" smtClean="0">
+                                  <a:latin typeface="Cambria Math" panose="02040503050406030204" pitchFamily="18" charset="0"/>
+                                </a:rPr>
+                                <m:t>𝑌</m:t>
+                              </m:r>
+                            </m:e>
+                            <m:sub>
+                              <m:r>
+                                <a:rPr lang="en-GB" b="0" i="1" smtClean="0">
+                                  <a:latin typeface="Cambria Math" panose="02040503050406030204" pitchFamily="18" charset="0"/>
+                                </a:rPr>
+                                <m:t>𝑡</m:t>
+                              </m:r>
+                            </m:sub>
+                          </m:sSub>
+                        </m:e>
+                      </m:acc>
+                      <m:r>
+                        <a:rPr lang="en-GB" b="0" i="1" smtClean="0">
+                          <a:latin typeface="Cambria Math" panose="02040503050406030204" pitchFamily="18" charset="0"/>
+                        </a:rPr>
+                        <m:t>=</m:t>
+                      </m:r>
+                      <m:r>
+                        <a:rPr lang="en-GB" b="0" i="1" smtClean="0">
+                          <a:solidFill>
+                            <a:schemeClr val="accent6"/>
+                          </a:solidFill>
+                          <a:latin typeface="Cambria Math" panose="02040503050406030204" pitchFamily="18" charset="0"/>
+                        </a:rPr>
+                        <m:t>𝑓</m:t>
+                      </m:r>
+                      <m:d>
+                        <m:dPr>
+                          <m:ctrlPr>
+                            <a:rPr lang="en-GB" b="0" i="1" smtClean="0">
+                              <a:latin typeface="Cambria Math" panose="02040503050406030204" pitchFamily="18" charset="0"/>
+                            </a:rPr>
+                          </m:ctrlPr>
+                        </m:dPr>
+                        <m:e>
+                          <m:sSub>
+                            <m:sSubPr>
+                              <m:ctrlPr>
+                                <a:rPr lang="en-GB" b="0" i="1" smtClean="0">
+                                  <a:latin typeface="Cambria Math" panose="02040503050406030204" pitchFamily="18" charset="0"/>
+                                </a:rPr>
+                              </m:ctrlPr>
+                            </m:sSubPr>
+                            <m:e>
+                              <m:r>
+                                <a:rPr lang="en-GB" b="0" i="1" smtClean="0">
+                                  <a:latin typeface="Cambria Math" panose="02040503050406030204" pitchFamily="18" charset="0"/>
+                                </a:rPr>
+                                <m:t>𝑌</m:t>
+                              </m:r>
+                            </m:e>
+                            <m:sub>
+                              <m:r>
+                                <a:rPr lang="en-GB" b="0" i="1" smtClean="0">
+                                  <a:latin typeface="Cambria Math" panose="02040503050406030204" pitchFamily="18" charset="0"/>
+                                </a:rPr>
+                                <m:t>𝑡</m:t>
+                              </m:r>
+                              <m:r>
+                                <a:rPr lang="en-GB" b="0" i="1" smtClean="0">
+                                  <a:latin typeface="Cambria Math" panose="02040503050406030204" pitchFamily="18" charset="0"/>
+                                </a:rPr>
+                                <m:t>−1</m:t>
+                              </m:r>
+                            </m:sub>
+                          </m:sSub>
+                          <m:r>
+                            <a:rPr lang="en-GB" b="0" i="1" smtClean="0">
+                              <a:latin typeface="Cambria Math" panose="02040503050406030204" pitchFamily="18" charset="0"/>
+                            </a:rPr>
+                            <m:t>, </m:t>
+                          </m:r>
+                          <m:sSub>
+                            <m:sSubPr>
+                              <m:ctrlPr>
+                                <a:rPr lang="en-GB" b="0" i="1" smtClean="0">
+                                  <a:latin typeface="Cambria Math" panose="02040503050406030204" pitchFamily="18" charset="0"/>
+                                </a:rPr>
+                              </m:ctrlPr>
+                            </m:sSubPr>
+                            <m:e>
+                              <m:r>
+                                <a:rPr lang="en-GB" b="0" i="1" smtClean="0">
+                                  <a:latin typeface="Cambria Math" panose="02040503050406030204" pitchFamily="18" charset="0"/>
+                                </a:rPr>
+                                <m:t>𝑌</m:t>
+                              </m:r>
+                            </m:e>
+                            <m:sub>
+                              <m:r>
+                                <a:rPr lang="en-GB" b="0" i="1" smtClean="0">
+                                  <a:latin typeface="Cambria Math" panose="02040503050406030204" pitchFamily="18" charset="0"/>
+                                </a:rPr>
+                                <m:t>𝑡</m:t>
+                              </m:r>
+                              <m:r>
+                                <a:rPr lang="en-GB" b="0" i="1" smtClean="0">
+                                  <a:latin typeface="Cambria Math" panose="02040503050406030204" pitchFamily="18" charset="0"/>
+                                </a:rPr>
+                                <m:t>−2</m:t>
+                              </m:r>
+                            </m:sub>
+                          </m:sSub>
+                          <m:r>
+                            <a:rPr lang="en-GB" b="0" i="1" smtClean="0">
+                              <a:latin typeface="Cambria Math" panose="02040503050406030204" pitchFamily="18" charset="0"/>
+                            </a:rPr>
+                            <m:t>, …</m:t>
+                          </m:r>
+                          <m:sSub>
+                            <m:sSubPr>
+                              <m:ctrlPr>
+                                <a:rPr lang="en-GB" b="0" i="1" smtClean="0">
+                                  <a:latin typeface="Cambria Math" panose="02040503050406030204" pitchFamily="18" charset="0"/>
+                                </a:rPr>
+                              </m:ctrlPr>
+                            </m:sSubPr>
+                            <m:e>
+                              <m:r>
+                                <a:rPr lang="en-GB" b="0" i="1" smtClean="0">
+                                  <a:latin typeface="Cambria Math" panose="02040503050406030204" pitchFamily="18" charset="0"/>
+                                </a:rPr>
+                                <m:t>𝑌</m:t>
+                              </m:r>
+                            </m:e>
+                            <m:sub>
+                              <m:r>
+                                <a:rPr lang="en-GB" b="0" i="1" smtClean="0">
+                                  <a:latin typeface="Cambria Math" panose="02040503050406030204" pitchFamily="18" charset="0"/>
+                                </a:rPr>
+                                <m:t>𝑡</m:t>
+                              </m:r>
+                              <m:r>
+                                <a:rPr lang="en-GB" b="0" i="1" smtClean="0">
+                                  <a:latin typeface="Cambria Math" panose="02040503050406030204" pitchFamily="18" charset="0"/>
+                                </a:rPr>
+                                <m:t>−</m:t>
+                              </m:r>
+                              <m:r>
+                                <a:rPr lang="en-GB" b="0" i="1" smtClean="0">
+                                  <a:latin typeface="Cambria Math" panose="02040503050406030204" pitchFamily="18" charset="0"/>
+                                </a:rPr>
+                                <m:t>𝑠</m:t>
+                              </m:r>
+                            </m:sub>
+                          </m:sSub>
+                        </m:e>
+                      </m:d>
+                      <m:r>
+                        <a:rPr lang="en-GB" b="0" i="1" smtClean="0">
+                          <a:latin typeface="Cambria Math" panose="02040503050406030204" pitchFamily="18" charset="0"/>
+                        </a:rPr>
+                        <m:t>+</m:t>
+                      </m:r>
+                      <m:r>
+                        <a:rPr lang="en-GB" b="0" i="1" smtClean="0">
+                          <a:solidFill>
+                            <a:schemeClr val="accent6"/>
+                          </a:solidFill>
+                          <a:latin typeface="Cambria Math" panose="02040503050406030204" pitchFamily="18" charset="0"/>
+                        </a:rPr>
+                        <m:t>𝛼</m:t>
+                      </m:r>
+                      <m:r>
+                        <a:rPr lang="en-GB" b="0" i="1" smtClean="0">
+                          <a:latin typeface="Cambria Math" panose="02040503050406030204" pitchFamily="18" charset="0"/>
+                        </a:rPr>
+                        <m:t>∗</m:t>
+                      </m:r>
+                      <m:sSub>
+                        <m:sSubPr>
+                          <m:ctrlPr>
+                            <a:rPr lang="en-GB" b="0" i="1" smtClean="0">
+                              <a:latin typeface="Cambria Math" panose="02040503050406030204" pitchFamily="18" charset="0"/>
+                            </a:rPr>
+                          </m:ctrlPr>
+                        </m:sSubPr>
+                        <m:e>
+                          <m:r>
+                            <a:rPr lang="en-GB" b="0" i="1" smtClean="0">
+                              <a:latin typeface="Cambria Math" panose="02040503050406030204" pitchFamily="18" charset="0"/>
+                            </a:rPr>
+                            <m:t>𝐶</m:t>
+                          </m:r>
+                        </m:e>
+                        <m:sub>
+                          <m:r>
+                            <a:rPr lang="en-GB" b="0" i="1" smtClean="0">
+                              <a:latin typeface="Cambria Math" panose="02040503050406030204" pitchFamily="18" charset="0"/>
+                            </a:rPr>
+                            <m:t>1</m:t>
+                          </m:r>
+                          <m:r>
+                            <a:rPr lang="en-GB" b="0" i="1" smtClean="0">
+                              <a:latin typeface="Cambria Math" panose="02040503050406030204" pitchFamily="18" charset="0"/>
+                            </a:rPr>
+                            <m:t>𝑡</m:t>
+                          </m:r>
+                        </m:sub>
+                      </m:sSub>
+                    </m:oMath>
+                  </m:oMathPara>
+                </a14:m>
+                <a:endParaRPr lang="nl-NL" dirty="0"/>
+              </a:p>
+            </p:txBody>
+          </p:sp>
+        </mc:Choice>
+        <mc:Fallback>
+          <p:sp>
+            <p:nvSpPr>
+              <p:cNvPr id="17" name="TextBox 16">
+                <a:extLst>
+                  <a:ext uri="{FF2B5EF4-FFF2-40B4-BE49-F238E27FC236}">
+                    <a16:creationId xmlns:a16="http://schemas.microsoft.com/office/drawing/2014/main" id="{DE9E1982-EAF2-F9F0-21F3-CB319924753F}"/>
+                  </a:ext>
+                </a:extLst>
+              </p:cNvPr>
+              <p:cNvSpPr txBox="1">
+                <a:spLocks noRot="1" noChangeAspect="1" noMove="1" noResize="1" noEditPoints="1" noAdjustHandles="1" noChangeArrowheads="1" noChangeShapeType="1" noTextEdit="1"/>
+              </p:cNvSpPr>
+              <p:nvPr/>
+            </p:nvSpPr>
+            <p:spPr>
+              <a:xfrm>
+                <a:off x="7018506" y="2576934"/>
+                <a:ext cx="3407535" cy="284437"/>
+              </a:xfrm>
+              <a:prstGeom prst="rect">
+                <a:avLst/>
+              </a:prstGeom>
+              <a:blipFill>
+                <a:blip r:embed="rId4"/>
+                <a:stretch>
+                  <a:fillRect l="-1073" t="-19565" b="-36957"/>
+                </a:stretch>
+              </a:blipFill>
+            </p:spPr>
+            <p:txBody>
+              <a:bodyPr/>
+              <a:lstStyle/>
+              <a:p>
+                <a:r>
+                  <a:rPr lang="nl-NL">
+                    <a:noFill/>
+                  </a:rPr>
+                  <a:t> </a:t>
+                </a:r>
+              </a:p>
+            </p:txBody>
+          </p:sp>
+        </mc:Fallback>
+      </mc:AlternateContent>
     </p:spTree>
     <p:extLst>
       <p:ext uri="{BB962C8B-B14F-4D97-AF65-F5344CB8AC3E}">
@@ -19107,7 +19513,7 @@
 </p:sld>
 </file>
 
-<file path=ppt/slides/slide14.xml><?xml version="1.0" encoding="utf-8"?>
+<file path=ppt/slides/slide15.xml><?xml version="1.0" encoding="utf-8"?>
 <p:sld xmlns:a="http://schemas.openxmlformats.org/drawingml/2006/main" xmlns:r="http://schemas.openxmlformats.org/officeDocument/2006/relationships" xmlns:p="http://schemas.openxmlformats.org/presentationml/2006/main">
   <p:cSld>
     <p:spTree>
@@ -19172,7 +19578,7 @@
 </p:sld>
 </file>
 
-<file path=ppt/slides/slide15.xml><?xml version="1.0" encoding="utf-8"?>
+<file path=ppt/slides/slide16.xml><?xml version="1.0" encoding="utf-8"?>
 <p:sld xmlns:a="http://schemas.openxmlformats.org/drawingml/2006/main" xmlns:r="http://schemas.openxmlformats.org/officeDocument/2006/relationships" xmlns:p="http://schemas.openxmlformats.org/presentationml/2006/main">
   <p:cSld>
     <p:spTree>
@@ -19305,7 +19711,7 @@
 </p:sld>
 </file>
 
-<file path=ppt/slides/slide16.xml><?xml version="1.0" encoding="utf-8"?>
+<file path=ppt/slides/slide17.xml><?xml version="1.0" encoding="utf-8"?>
 <p:sld xmlns:a="http://schemas.openxmlformats.org/drawingml/2006/main" xmlns:r="http://schemas.openxmlformats.org/officeDocument/2006/relationships" xmlns:p="http://schemas.openxmlformats.org/presentationml/2006/main">
   <p:cSld>
     <p:spTree>
@@ -19441,8 +19847,8 @@
         </p:nvSpPr>
         <p:spPr>
           <a:xfrm>
-            <a:off x="838200" y="3838669"/>
-            <a:ext cx="10107440" cy="1754326"/>
+            <a:off x="838196" y="3820195"/>
+            <a:ext cx="10753439" cy="1938992"/>
           </a:xfrm>
           <a:prstGeom prst="rect">
             <a:avLst/>
@@ -19460,11 +19866,11 @@
               <a:buAutoNum type="arabicPeriod"/>
             </a:pPr>
             <a:r>
-              <a:rPr lang="en-GB" b="1" dirty="0"/>
+              <a:rPr lang="en-GB" sz="2400" b="1" dirty="0"/>
               <a:t>No interference: </a:t>
             </a:r>
             <a:r>
-              <a:rPr lang="en-GB" dirty="0"/>
+              <a:rPr lang="en-GB" sz="2400" dirty="0"/>
               <a:t>California receiving treatment does not effect the potential outcome value of Utah</a:t>
             </a:r>
           </a:p>
@@ -19474,12 +19880,8 @@
               <a:buAutoNum type="arabicPeriod"/>
             </a:pPr>
             <a:r>
-              <a:rPr lang="en-GB" b="1" dirty="0"/>
-              <a:t>Appropriate time series model: </a:t>
-            </a:r>
-            <a:r>
-              <a:rPr lang="en-GB" dirty="0"/>
-              <a:t>We model the time-forward relationships in our target unit, and it’s relationship with the control unit, appropriately</a:t>
+              <a:rPr lang="en-GB" sz="2400" b="1" dirty="0"/>
+              <a:t>Choose an appropriate time series model</a:t>
             </a:r>
           </a:p>
           <a:p>
@@ -19488,12 +19890,18 @@
               <a:buAutoNum type="arabicPeriod"/>
             </a:pPr>
             <a:r>
-              <a:rPr lang="en-GB" b="1" dirty="0"/>
+              <a:rPr lang="en-GB" sz="2400" b="1" dirty="0"/>
               <a:t>Stability / Stationarity: </a:t>
             </a:r>
             <a:r>
-              <a:rPr lang="en-GB" dirty="0"/>
-              <a:t>(Essentially) we can learn time-forward (forecasting) relationships from pre-treatment data. The same relations/model hold in the future we want to predict as in the past which we use to train the model</a:t>
+              <a:rPr lang="en-GB" sz="2400" dirty="0"/>
+              <a:t>Some form of “model invariance” over time</a:t>
+            </a:r>
+          </a:p>
+          <a:p>
+            <a:r>
+              <a:rPr lang="en-GB" sz="2400" dirty="0"/>
+              <a:t>	(i.e. changes are attributable only to the intervention)</a:t>
             </a:r>
           </a:p>
         </p:txBody>
@@ -19589,7 +19997,7 @@
 </p:sld>
 </file>
 
-<file path=ppt/slides/slide17.xml><?xml version="1.0" encoding="utf-8"?>
+<file path=ppt/slides/slide18.xml><?xml version="1.0" encoding="utf-8"?>
 <p:sld xmlns:a="http://schemas.openxmlformats.org/drawingml/2006/main" xmlns:r="http://schemas.openxmlformats.org/officeDocument/2006/relationships" xmlns:p="http://schemas.openxmlformats.org/presentationml/2006/main">
   <p:cSld>
     <p:spTree>
@@ -19639,15 +20047,7 @@
             </a:pPr>
             <a:r>
               <a:rPr lang="en-GB" dirty="0"/>
-              <a:t>But what if we have many </a:t>
-            </a:r>
-            <a:r>
-              <a:rPr lang="en-GB" dirty="0" err="1"/>
-              <a:t>many</a:t>
-            </a:r>
-            <a:r>
-              <a:rPr lang="en-GB" dirty="0"/>
-              <a:t> control time series? </a:t>
+              <a:t>But what if we have many control time series? </a:t>
             </a:r>
             <a:r>
               <a:rPr lang="en-GB" b="1" dirty="0"/>
@@ -19753,7 +20153,7 @@
 </p:sld>
 </file>
 
-<file path=ppt/slides/slide18.xml><?xml version="1.0" encoding="utf-8"?>
+<file path=ppt/slides/slide19.xml><?xml version="1.0" encoding="utf-8"?>
 <p:sld xmlns:a="http://schemas.openxmlformats.org/drawingml/2006/main" xmlns:r="http://schemas.openxmlformats.org/officeDocument/2006/relationships" xmlns:p="http://schemas.openxmlformats.org/presentationml/2006/main">
   <p:cSld>
     <p:bg>
@@ -19842,7 +20242,115 @@
 </p:sld>
 </file>
 
-<file path=ppt/slides/slide19.xml><?xml version="1.0" encoding="utf-8"?>
+<file path=ppt/slides/slide2.xml><?xml version="1.0" encoding="utf-8"?>
+<p:sld xmlns:a="http://schemas.openxmlformats.org/drawingml/2006/main" xmlns:r="http://schemas.openxmlformats.org/officeDocument/2006/relationships" xmlns:p="http://schemas.openxmlformats.org/presentationml/2006/main">
+  <p:cSld>
+    <p:bg>
+      <p:bgPr>
+        <a:solidFill>
+          <a:srgbClr val="006388"/>
+        </a:solidFill>
+        <a:effectLst/>
+      </p:bgPr>
+    </p:bg>
+    <p:spTree>
+      <p:nvGrpSpPr>
+        <p:cNvPr id="1" name=""/>
+        <p:cNvGrpSpPr/>
+        <p:nvPr/>
+      </p:nvGrpSpPr>
+      <p:grpSpPr>
+        <a:xfrm>
+          <a:off x="0" y="0"/>
+          <a:ext cx="0" cy="0"/>
+          <a:chOff x="0" y="0"/>
+          <a:chExt cx="0" cy="0"/>
+        </a:xfrm>
+      </p:grpSpPr>
+      <p:sp>
+        <p:nvSpPr>
+          <p:cNvPr id="2" name="Title 1">
+            <a:extLst>
+              <a:ext uri="{FF2B5EF4-FFF2-40B4-BE49-F238E27FC236}">
+                <a16:creationId xmlns:a16="http://schemas.microsoft.com/office/drawing/2014/main" id="{13DAED48-2CC3-4039-BBFB-37F4AF6B7BC2}"/>
+              </a:ext>
+            </a:extLst>
+          </p:cNvPr>
+          <p:cNvSpPr txBox="1">
+            <a:spLocks noGrp="1"/>
+          </p:cNvSpPr>
+          <p:nvPr>
+            <p:ph type="title"/>
+          </p:nvPr>
+        </p:nvSpPr>
+        <p:spPr>
+          <a:xfrm>
+            <a:off x="838203" y="2766215"/>
+            <a:ext cx="10515600" cy="1325559"/>
+          </a:xfrm>
+        </p:spPr>
+        <p:txBody>
+          <a:bodyPr anchorCtr="1">
+            <a:normAutofit fontScale="90000"/>
+          </a:bodyPr>
+          <a:lstStyle/>
+          <a:p>
+            <a:pPr lvl="0" algn="ctr">
+              <a:lnSpc>
+                <a:spcPct val="100000"/>
+              </a:lnSpc>
+            </a:pPr>
+            <a:r>
+              <a:rPr lang="en-GB" sz="5400" b="1" kern="0" dirty="0">
+                <a:solidFill>
+                  <a:srgbClr val="FFFFFF"/>
+                </a:solidFill>
+                <a:latin typeface="Fira Sans" pitchFamily="34"/>
+                <a:ea typeface="Fira Code" pitchFamily="49"/>
+              </a:rPr>
+              <a:t>Controlled ITS &amp;</a:t>
+            </a:r>
+            <a:br>
+              <a:rPr lang="en-GB" sz="5400" b="1" kern="0" dirty="0">
+                <a:solidFill>
+                  <a:srgbClr val="FFFFFF"/>
+                </a:solidFill>
+                <a:latin typeface="Fira Sans" pitchFamily="34"/>
+                <a:ea typeface="Fira Code" pitchFamily="49"/>
+              </a:rPr>
+            </a:br>
+            <a:r>
+              <a:rPr lang="en-GB" sz="5400" b="1" kern="0" dirty="0" err="1">
+                <a:solidFill>
+                  <a:srgbClr val="FFFFFF"/>
+                </a:solidFill>
+                <a:latin typeface="Fira Sans" pitchFamily="34"/>
+                <a:ea typeface="Fira Code" pitchFamily="49"/>
+              </a:rPr>
+              <a:t>CausalImpact</a:t>
+            </a:r>
+            <a:endParaRPr lang="en-GB" sz="1800" kern="0" dirty="0">
+              <a:solidFill>
+                <a:srgbClr val="FFFFFF"/>
+              </a:solidFill>
+            </a:endParaRPr>
+          </a:p>
+        </p:txBody>
+      </p:sp>
+    </p:spTree>
+    <p:extLst>
+      <p:ext uri="{BB962C8B-B14F-4D97-AF65-F5344CB8AC3E}">
+        <p14:creationId xmlns:p14="http://schemas.microsoft.com/office/powerpoint/2010/main" val="4084388062"/>
+      </p:ext>
+    </p:extLst>
+  </p:cSld>
+  <p:clrMapOvr>
+    <a:masterClrMapping/>
+  </p:clrMapOvr>
+</p:sld>
+</file>
+
+<file path=ppt/slides/slide20.xml><?xml version="1.0" encoding="utf-8"?>
 <p:sld xmlns:a="http://schemas.openxmlformats.org/drawingml/2006/main" xmlns:r="http://schemas.openxmlformats.org/officeDocument/2006/relationships" xmlns:p="http://schemas.openxmlformats.org/presentationml/2006/main">
   <p:cSld>
     <p:spTree>
@@ -20392,115 +20900,7 @@
 </p:sld>
 </file>
 
-<file path=ppt/slides/slide2.xml><?xml version="1.0" encoding="utf-8"?>
-<p:sld xmlns:a="http://schemas.openxmlformats.org/drawingml/2006/main" xmlns:r="http://schemas.openxmlformats.org/officeDocument/2006/relationships" xmlns:p="http://schemas.openxmlformats.org/presentationml/2006/main">
-  <p:cSld>
-    <p:bg>
-      <p:bgPr>
-        <a:solidFill>
-          <a:srgbClr val="006388"/>
-        </a:solidFill>
-        <a:effectLst/>
-      </p:bgPr>
-    </p:bg>
-    <p:spTree>
-      <p:nvGrpSpPr>
-        <p:cNvPr id="1" name=""/>
-        <p:cNvGrpSpPr/>
-        <p:nvPr/>
-      </p:nvGrpSpPr>
-      <p:grpSpPr>
-        <a:xfrm>
-          <a:off x="0" y="0"/>
-          <a:ext cx="0" cy="0"/>
-          <a:chOff x="0" y="0"/>
-          <a:chExt cx="0" cy="0"/>
-        </a:xfrm>
-      </p:grpSpPr>
-      <p:sp>
-        <p:nvSpPr>
-          <p:cNvPr id="2" name="Title 1">
-            <a:extLst>
-              <a:ext uri="{FF2B5EF4-FFF2-40B4-BE49-F238E27FC236}">
-                <a16:creationId xmlns:a16="http://schemas.microsoft.com/office/drawing/2014/main" id="{13DAED48-2CC3-4039-BBFB-37F4AF6B7BC2}"/>
-              </a:ext>
-            </a:extLst>
-          </p:cNvPr>
-          <p:cNvSpPr txBox="1">
-            <a:spLocks noGrp="1"/>
-          </p:cNvSpPr>
-          <p:nvPr>
-            <p:ph type="title"/>
-          </p:nvPr>
-        </p:nvSpPr>
-        <p:spPr>
-          <a:xfrm>
-            <a:off x="838203" y="2766215"/>
-            <a:ext cx="10515600" cy="1325559"/>
-          </a:xfrm>
-        </p:spPr>
-        <p:txBody>
-          <a:bodyPr anchorCtr="1">
-            <a:normAutofit fontScale="90000"/>
-          </a:bodyPr>
-          <a:lstStyle/>
-          <a:p>
-            <a:pPr lvl="0" algn="ctr">
-              <a:lnSpc>
-                <a:spcPct val="100000"/>
-              </a:lnSpc>
-            </a:pPr>
-            <a:r>
-              <a:rPr lang="en-GB" sz="5400" b="1" kern="0" dirty="0">
-                <a:solidFill>
-                  <a:srgbClr val="FFFFFF"/>
-                </a:solidFill>
-                <a:latin typeface="Fira Sans" pitchFamily="34"/>
-                <a:ea typeface="Fira Code" pitchFamily="49"/>
-              </a:rPr>
-              <a:t>Controlled ITS &amp;</a:t>
-            </a:r>
-            <a:br>
-              <a:rPr lang="en-GB" sz="5400" b="1" kern="0" dirty="0">
-                <a:solidFill>
-                  <a:srgbClr val="FFFFFF"/>
-                </a:solidFill>
-                <a:latin typeface="Fira Sans" pitchFamily="34"/>
-                <a:ea typeface="Fira Code" pitchFamily="49"/>
-              </a:rPr>
-            </a:br>
-            <a:r>
-              <a:rPr lang="en-GB" sz="5400" b="1" kern="0" dirty="0" err="1">
-                <a:solidFill>
-                  <a:srgbClr val="FFFFFF"/>
-                </a:solidFill>
-                <a:latin typeface="Fira Sans" pitchFamily="34"/>
-                <a:ea typeface="Fira Code" pitchFamily="49"/>
-              </a:rPr>
-              <a:t>CausalImpact</a:t>
-            </a:r>
-            <a:endParaRPr lang="en-GB" sz="1800" kern="0" dirty="0">
-              <a:solidFill>
-                <a:srgbClr val="FFFFFF"/>
-              </a:solidFill>
-            </a:endParaRPr>
-          </a:p>
-        </p:txBody>
-      </p:sp>
-    </p:spTree>
-    <p:extLst>
-      <p:ext uri="{BB962C8B-B14F-4D97-AF65-F5344CB8AC3E}">
-        <p14:creationId xmlns:p14="http://schemas.microsoft.com/office/powerpoint/2010/main" val="4084388062"/>
-      </p:ext>
-    </p:extLst>
-  </p:cSld>
-  <p:clrMapOvr>
-    <a:masterClrMapping/>
-  </p:clrMapOvr>
-</p:sld>
-</file>
-
-<file path=ppt/slides/slide20.xml><?xml version="1.0" encoding="utf-8"?>
+<file path=ppt/slides/slide21.xml><?xml version="1.0" encoding="utf-8"?>
 <p:sld xmlns:a="http://schemas.openxmlformats.org/drawingml/2006/main" xmlns:r="http://schemas.openxmlformats.org/officeDocument/2006/relationships" xmlns:p="http://schemas.openxmlformats.org/presentationml/2006/main">
   <p:cSld>
     <p:spTree>
@@ -20645,7 +21045,7 @@
             </a:pPr>
             <a:r>
               <a:rPr lang="en-GB" dirty="0"/>
-              <a:t>Aa subset of units are included in the control unit part, with different weights; similar to a synthetic control analysis (but differing in many other details)</a:t>
+              <a:t>A subset of units are included in the control unit part, with different weights; similar to a synthetic control analysis (but differing in many other details)</a:t>
             </a:r>
           </a:p>
           <a:p>
@@ -20733,7 +21133,7 @@
 </p:sld>
 </file>
 
-<file path=ppt/slides/slide21.xml><?xml version="1.0" encoding="utf-8"?>
+<file path=ppt/slides/slide22.xml><?xml version="1.0" encoding="utf-8"?>
 <p:sld xmlns:a="http://schemas.openxmlformats.org/drawingml/2006/main" xmlns:r="http://schemas.openxmlformats.org/officeDocument/2006/relationships" xmlns:p="http://schemas.openxmlformats.org/presentationml/2006/main">
   <p:cSld>
     <p:spTree>
@@ -20799,7 +21199,7 @@
 </p:sld>
 </file>
 
-<file path=ppt/slides/slide22.xml><?xml version="1.0" encoding="utf-8"?>
+<file path=ppt/slides/slide23.xml><?xml version="1.0" encoding="utf-8"?>
 <p:sld xmlns:a="http://schemas.openxmlformats.org/drawingml/2006/main" xmlns:r="http://schemas.openxmlformats.org/officeDocument/2006/relationships" xmlns:p="http://schemas.openxmlformats.org/presentationml/2006/main">
   <p:cSld>
     <p:spTree>
@@ -20916,7 +21316,7 @@
 </p:sld>
 </file>
 
-<file path=ppt/slides/slide23.xml><?xml version="1.0" encoding="utf-8"?>
+<file path=ppt/slides/slide24.xml><?xml version="1.0" encoding="utf-8"?>
 <p:sld xmlns:a="http://schemas.openxmlformats.org/drawingml/2006/main" xmlns:r="http://schemas.openxmlformats.org/officeDocument/2006/relationships" xmlns:p="http://schemas.openxmlformats.org/presentationml/2006/main">
   <p:cSld>
     <p:spTree>
@@ -21171,6 +21571,58 @@
           </a:p>
         </p:txBody>
       </p:sp>
+      <p:sp>
+        <p:nvSpPr>
+          <p:cNvPr id="2" name="Rectangle 1">
+            <a:extLst>
+              <a:ext uri="{FF2B5EF4-FFF2-40B4-BE49-F238E27FC236}">
+                <a16:creationId xmlns:a16="http://schemas.microsoft.com/office/drawing/2014/main" id="{7C683BF7-FB21-166A-1A46-AE32293290AD}"/>
+              </a:ext>
+            </a:extLst>
+          </p:cNvPr>
+          <p:cNvSpPr/>
+          <p:nvPr/>
+        </p:nvSpPr>
+        <p:spPr>
+          <a:xfrm>
+            <a:off x="498764" y="2425959"/>
+            <a:ext cx="10834254" cy="3334380"/>
+          </a:xfrm>
+          <a:prstGeom prst="rect">
+            <a:avLst/>
+          </a:prstGeom>
+          <a:solidFill>
+            <a:schemeClr val="bg1"/>
+          </a:solidFill>
+          <a:ln>
+            <a:noFill/>
+          </a:ln>
+        </p:spPr>
+        <p:style>
+          <a:lnRef idx="2">
+            <a:schemeClr val="accent1">
+              <a:shade val="50000"/>
+            </a:schemeClr>
+          </a:lnRef>
+          <a:fillRef idx="1">
+            <a:schemeClr val="accent1"/>
+          </a:fillRef>
+          <a:effectRef idx="0">
+            <a:schemeClr val="accent1"/>
+          </a:effectRef>
+          <a:fontRef idx="minor">
+            <a:schemeClr val="lt1"/>
+          </a:fontRef>
+        </p:style>
+        <p:txBody>
+          <a:bodyPr rtlCol="0" anchor="ctr"/>
+          <a:lstStyle/>
+          <a:p>
+            <a:pPr algn="ctr"/>
+            <a:endParaRPr lang="nl-NL"/>
+          </a:p>
+        </p:txBody>
+      </p:sp>
     </p:spTree>
     <p:extLst>
       <p:ext uri="{BB962C8B-B14F-4D97-AF65-F5344CB8AC3E}">
@@ -21181,167 +21633,302 @@
   <p:clrMapOvr>
     <a:masterClrMapping/>
   </p:clrMapOvr>
-  <p:timing>
-    <p:tnLst>
-      <p:par>
-        <p:cTn id="1" dur="indefinite" restart="never" nodeType="tmRoot">
-          <p:childTnLst>
-            <p:seq concurrent="1" nextAc="seek">
-              <p:cTn id="2" dur="indefinite" nodeType="mainSeq">
-                <p:childTnLst>
-                  <p:par>
-                    <p:cTn id="3" fill="hold">
-                      <p:stCondLst>
-                        <p:cond delay="indefinite"/>
-                      </p:stCondLst>
-                      <p:childTnLst>
-                        <p:par>
-                          <p:cTn id="4" fill="hold">
-                            <p:stCondLst>
-                              <p:cond delay="0"/>
-                            </p:stCondLst>
-                            <p:childTnLst>
-                              <p:par>
-                                <p:cTn id="5" presetID="1" presetClass="exit" presetSubtype="0" fill="hold" grpId="0" nodeType="clickEffect" nodePh="1">
-                                  <p:stCondLst>
-                                    <p:cond delay="0"/>
-                                  </p:stCondLst>
-                                  <p:endCondLst>
-                                    <p:cond evt="begin" delay="0">
-                                      <p:tn val="5"/>
-                                    </p:cond>
-                                  </p:endCondLst>
-                                  <p:childTnLst>
-                                    <p:set>
-                                      <p:cBhvr>
-                                        <p:cTn id="6" dur="1" fill="hold">
-                                          <p:stCondLst>
-                                            <p:cond delay="0"/>
-                                          </p:stCondLst>
-                                        </p:cTn>
-                                        <p:tgtEl>
-                                          <p:spTgt spid="8"/>
-                                        </p:tgtEl>
-                                        <p:attrNameLst>
-                                          <p:attrName>style.visibility</p:attrName>
-                                        </p:attrNameLst>
-                                      </p:cBhvr>
-                                      <p:to>
-                                        <p:strVal val="hidden"/>
-                                      </p:to>
-                                    </p:set>
-                                  </p:childTnLst>
-                                </p:cTn>
-                              </p:par>
-                            </p:childTnLst>
-                          </p:cTn>
-                        </p:par>
-                      </p:childTnLst>
-                    </p:cTn>
-                  </p:par>
-                  <p:par>
-                    <p:cTn id="7" fill="hold">
-                      <p:stCondLst>
-                        <p:cond delay="indefinite"/>
-                      </p:stCondLst>
-                      <p:childTnLst>
-                        <p:par>
-                          <p:cTn id="8" fill="hold">
-                            <p:stCondLst>
-                              <p:cond delay="0"/>
-                            </p:stCondLst>
-                            <p:childTnLst>
-                              <p:par>
-                                <p:cTn id="9" presetID="1" presetClass="entr" presetSubtype="0" fill="hold" grpId="0" nodeType="clickEffect">
-                                  <p:stCondLst>
-                                    <p:cond delay="0"/>
-                                  </p:stCondLst>
-                                  <p:childTnLst>
-                                    <p:set>
-                                      <p:cBhvr>
-                                        <p:cTn id="10" dur="1" fill="hold">
-                                          <p:stCondLst>
-                                            <p:cond delay="0"/>
-                                          </p:stCondLst>
-                                        </p:cTn>
-                                        <p:tgtEl>
-                                          <p:spTgt spid="11"/>
-                                        </p:tgtEl>
-                                        <p:attrNameLst>
-                                          <p:attrName>style.visibility</p:attrName>
-                                        </p:attrNameLst>
-                                      </p:cBhvr>
-                                      <p:to>
-                                        <p:strVal val="visible"/>
-                                      </p:to>
-                                    </p:set>
-                                  </p:childTnLst>
-                                </p:cTn>
-                              </p:par>
-                              <p:par>
-                                <p:cTn id="11" presetID="1" presetClass="entr" presetSubtype="0" fill="hold" grpId="0" nodeType="withEffect">
-                                  <p:stCondLst>
-                                    <p:cond delay="0"/>
-                                  </p:stCondLst>
-                                  <p:childTnLst>
-                                    <p:set>
-                                      <p:cBhvr>
-                                        <p:cTn id="12" dur="1" fill="hold">
-                                          <p:stCondLst>
-                                            <p:cond delay="0"/>
-                                          </p:stCondLst>
-                                        </p:cTn>
-                                        <p:tgtEl>
-                                          <p:spTgt spid="12"/>
-                                        </p:tgtEl>
-                                        <p:attrNameLst>
-                                          <p:attrName>style.visibility</p:attrName>
-                                        </p:attrNameLst>
-                                      </p:cBhvr>
-                                      <p:to>
-                                        <p:strVal val="visible"/>
-                                      </p:to>
-                                    </p:set>
-                                  </p:childTnLst>
-                                </p:cTn>
-                              </p:par>
-                            </p:childTnLst>
-                          </p:cTn>
-                        </p:par>
-                      </p:childTnLst>
-                    </p:cTn>
-                  </p:par>
-                </p:childTnLst>
-              </p:cTn>
-              <p:prevCondLst>
-                <p:cond evt="onPrev" delay="0">
-                  <p:tgtEl>
-                    <p:sldTgt/>
-                  </p:tgtEl>
-                </p:cond>
-              </p:prevCondLst>
-              <p:nextCondLst>
-                <p:cond evt="onNext" delay="0">
-                  <p:tgtEl>
-                    <p:sldTgt/>
-                  </p:tgtEl>
-                </p:cond>
-              </p:nextCondLst>
-            </p:seq>
-          </p:childTnLst>
-        </p:cTn>
-      </p:par>
-    </p:tnLst>
-    <p:bldLst>
-      <p:bldP spid="8" grpId="0"/>
-      <p:bldP spid="11" grpId="0"/>
-      <p:bldP spid="12" grpId="0"/>
-    </p:bldLst>
-  </p:timing>
 </p:sld>
 </file>
 
-<file path=ppt/slides/slide24.xml><?xml version="1.0" encoding="utf-8"?>
+<file path=ppt/slides/slide25.xml><?xml version="1.0" encoding="utf-8"?>
+<p:sld xmlns:a="http://schemas.openxmlformats.org/drawingml/2006/main" xmlns:r="http://schemas.openxmlformats.org/officeDocument/2006/relationships" xmlns:p="http://schemas.openxmlformats.org/presentationml/2006/main">
+  <p:cSld>
+    <p:spTree>
+      <p:nvGrpSpPr>
+        <p:cNvPr id="1" name=""/>
+        <p:cNvGrpSpPr/>
+        <p:nvPr/>
+      </p:nvGrpSpPr>
+      <p:grpSpPr>
+        <a:xfrm>
+          <a:off x="0" y="0"/>
+          <a:ext cx="0" cy="0"/>
+          <a:chOff x="0" y="0"/>
+          <a:chExt cx="0" cy="0"/>
+        </a:xfrm>
+      </p:grpSpPr>
+      <p:pic>
+        <p:nvPicPr>
+          <p:cNvPr id="7" name="Picture 6" descr="A picture containing text, plot, line, screenshot&#10;&#10;Description automatically generated">
+            <a:extLst>
+              <a:ext uri="{FF2B5EF4-FFF2-40B4-BE49-F238E27FC236}">
+                <a16:creationId xmlns:a16="http://schemas.microsoft.com/office/drawing/2014/main" id="{1193FB21-A135-B7D6-00EE-FE138BB155B7}"/>
+              </a:ext>
+            </a:extLst>
+          </p:cNvPr>
+          <p:cNvPicPr>
+            <a:picLocks noChangeAspect="1"/>
+          </p:cNvPicPr>
+          <p:nvPr/>
+        </p:nvPicPr>
+        <p:blipFill>
+          <a:blip r:embed="rId2">
+            <a:extLst>
+              <a:ext uri="{28A0092B-C50C-407E-A947-70E740481C1C}">
+                <a14:useLocalDpi xmlns:a14="http://schemas.microsoft.com/office/drawing/2010/main" val="0"/>
+              </a:ext>
+            </a:extLst>
+          </a:blip>
+          <a:stretch>
+            <a:fillRect/>
+          </a:stretch>
+        </p:blipFill>
+        <p:spPr>
+          <a:xfrm>
+            <a:off x="420534" y="866417"/>
+            <a:ext cx="7401958" cy="5125165"/>
+          </a:xfrm>
+          <a:prstGeom prst="rect">
+            <a:avLst/>
+          </a:prstGeom>
+        </p:spPr>
+      </p:pic>
+      <p:sp>
+        <p:nvSpPr>
+          <p:cNvPr id="8" name="Rectangle 7">
+            <a:extLst>
+              <a:ext uri="{FF2B5EF4-FFF2-40B4-BE49-F238E27FC236}">
+                <a16:creationId xmlns:a16="http://schemas.microsoft.com/office/drawing/2014/main" id="{C14569F5-E870-BFDB-6A0C-C91F7CC27EE2}"/>
+              </a:ext>
+            </a:extLst>
+          </p:cNvPr>
+          <p:cNvSpPr/>
+          <p:nvPr/>
+        </p:nvSpPr>
+        <p:spPr>
+          <a:xfrm>
+            <a:off x="420534" y="2425959"/>
+            <a:ext cx="7401958" cy="3405674"/>
+          </a:xfrm>
+          <a:prstGeom prst="rect">
+            <a:avLst/>
+          </a:prstGeom>
+          <a:noFill/>
+          <a:ln>
+            <a:noFill/>
+          </a:ln>
+        </p:spPr>
+        <p:style>
+          <a:lnRef idx="2">
+            <a:schemeClr val="accent1">
+              <a:shade val="50000"/>
+            </a:schemeClr>
+          </a:lnRef>
+          <a:fillRef idx="1">
+            <a:schemeClr val="accent1"/>
+          </a:fillRef>
+          <a:effectRef idx="0">
+            <a:schemeClr val="accent1"/>
+          </a:effectRef>
+          <a:fontRef idx="minor">
+            <a:schemeClr val="lt1"/>
+          </a:fontRef>
+        </p:style>
+        <p:txBody>
+          <a:bodyPr rtlCol="0" anchor="ctr"/>
+          <a:lstStyle/>
+          <a:p>
+            <a:pPr algn="ctr"/>
+            <a:endParaRPr lang="nl-NL"/>
+          </a:p>
+        </p:txBody>
+      </p:sp>
+      <p:sp>
+        <p:nvSpPr>
+          <p:cNvPr id="9" name="TextBox 8">
+            <a:extLst>
+              <a:ext uri="{FF2B5EF4-FFF2-40B4-BE49-F238E27FC236}">
+                <a16:creationId xmlns:a16="http://schemas.microsoft.com/office/drawing/2014/main" id="{012E51A8-C2EC-1F2E-245A-01210DB2FA5D}"/>
+              </a:ext>
+            </a:extLst>
+          </p:cNvPr>
+          <p:cNvSpPr txBox="1"/>
+          <p:nvPr/>
+        </p:nvSpPr>
+        <p:spPr>
+          <a:xfrm>
+            <a:off x="8016240" y="1542824"/>
+            <a:ext cx="3493008" cy="369332"/>
+          </a:xfrm>
+          <a:prstGeom prst="rect">
+            <a:avLst/>
+          </a:prstGeom>
+          <a:noFill/>
+        </p:spPr>
+        <p:txBody>
+          <a:bodyPr wrap="square" rtlCol="0">
+            <a:spAutoFit/>
+          </a:bodyPr>
+          <a:lstStyle/>
+          <a:p>
+            <a:r>
+              <a:rPr lang="en-GB" dirty="0">
+                <a:solidFill>
+                  <a:schemeClr val="accent1"/>
+                </a:solidFill>
+              </a:rPr>
+              <a:t>Predicted (counterfactual) </a:t>
+            </a:r>
+            <a:endParaRPr lang="nl-NL" dirty="0">
+              <a:solidFill>
+                <a:schemeClr val="accent1"/>
+              </a:solidFill>
+            </a:endParaRPr>
+          </a:p>
+        </p:txBody>
+      </p:sp>
+      <p:sp>
+        <p:nvSpPr>
+          <p:cNvPr id="10" name="TextBox 9">
+            <a:extLst>
+              <a:ext uri="{FF2B5EF4-FFF2-40B4-BE49-F238E27FC236}">
+                <a16:creationId xmlns:a16="http://schemas.microsoft.com/office/drawing/2014/main" id="{A24B7664-59AA-2427-0C89-44D2CCB4F47C}"/>
+              </a:ext>
+            </a:extLst>
+          </p:cNvPr>
+          <p:cNvSpPr txBox="1"/>
+          <p:nvPr/>
+        </p:nvSpPr>
+        <p:spPr>
+          <a:xfrm>
+            <a:off x="8016240" y="1097661"/>
+            <a:ext cx="3493008" cy="369332"/>
+          </a:xfrm>
+          <a:prstGeom prst="rect">
+            <a:avLst/>
+          </a:prstGeom>
+          <a:noFill/>
+        </p:spPr>
+        <p:txBody>
+          <a:bodyPr wrap="square" rtlCol="0">
+            <a:spAutoFit/>
+          </a:bodyPr>
+          <a:lstStyle/>
+          <a:p>
+            <a:r>
+              <a:rPr lang="en-GB" dirty="0"/>
+              <a:t>Observed</a:t>
+            </a:r>
+            <a:endParaRPr lang="nl-NL" dirty="0"/>
+          </a:p>
+        </p:txBody>
+      </p:sp>
+      <p:sp>
+        <p:nvSpPr>
+          <p:cNvPr id="11" name="TextBox 10">
+            <a:extLst>
+              <a:ext uri="{FF2B5EF4-FFF2-40B4-BE49-F238E27FC236}">
+                <a16:creationId xmlns:a16="http://schemas.microsoft.com/office/drawing/2014/main" id="{2FD8A1AE-5F67-C66A-7559-9D1B301B19E0}"/>
+              </a:ext>
+            </a:extLst>
+          </p:cNvPr>
+          <p:cNvSpPr txBox="1"/>
+          <p:nvPr/>
+        </p:nvSpPr>
+        <p:spPr>
+          <a:xfrm>
+            <a:off x="8016240" y="2822829"/>
+            <a:ext cx="3493008" cy="369332"/>
+          </a:xfrm>
+          <a:prstGeom prst="rect">
+            <a:avLst/>
+          </a:prstGeom>
+          <a:noFill/>
+        </p:spPr>
+        <p:txBody>
+          <a:bodyPr wrap="square" rtlCol="0">
+            <a:spAutoFit/>
+          </a:bodyPr>
+          <a:lstStyle/>
+          <a:p>
+            <a:r>
+              <a:rPr lang="en-GB" dirty="0">
+                <a:solidFill>
+                  <a:schemeClr val="bg1">
+                    <a:lumMod val="50000"/>
+                  </a:schemeClr>
+                </a:solidFill>
+              </a:rPr>
+              <a:t>Causal Effect estimate at each t</a:t>
+            </a:r>
+            <a:endParaRPr lang="nl-NL" dirty="0">
+              <a:solidFill>
+                <a:schemeClr val="bg1">
+                  <a:lumMod val="50000"/>
+                </a:schemeClr>
+              </a:solidFill>
+            </a:endParaRPr>
+          </a:p>
+        </p:txBody>
+      </p:sp>
+      <p:sp>
+        <p:nvSpPr>
+          <p:cNvPr id="12" name="TextBox 11">
+            <a:extLst>
+              <a:ext uri="{FF2B5EF4-FFF2-40B4-BE49-F238E27FC236}">
+                <a16:creationId xmlns:a16="http://schemas.microsoft.com/office/drawing/2014/main" id="{2CC20DA3-717B-AF7C-B313-3F5436F304F5}"/>
+              </a:ext>
+            </a:extLst>
+          </p:cNvPr>
+          <p:cNvSpPr txBox="1"/>
+          <p:nvPr/>
+        </p:nvSpPr>
+        <p:spPr>
+          <a:xfrm>
+            <a:off x="8016240" y="4420997"/>
+            <a:ext cx="3493008" cy="646331"/>
+          </a:xfrm>
+          <a:prstGeom prst="rect">
+            <a:avLst/>
+          </a:prstGeom>
+          <a:noFill/>
+        </p:spPr>
+        <p:txBody>
+          <a:bodyPr wrap="square" rtlCol="0">
+            <a:spAutoFit/>
+          </a:bodyPr>
+          <a:lstStyle/>
+          <a:p>
+            <a:r>
+              <a:rPr lang="en-GB" dirty="0">
+                <a:solidFill>
+                  <a:schemeClr val="bg1">
+                    <a:lumMod val="50000"/>
+                  </a:schemeClr>
+                </a:solidFill>
+              </a:rPr>
+              <a:t>Sum of causal effect estimates at all previous time points</a:t>
+            </a:r>
+            <a:endParaRPr lang="nl-NL" dirty="0">
+              <a:solidFill>
+                <a:schemeClr val="bg1">
+                  <a:lumMod val="50000"/>
+                </a:schemeClr>
+              </a:solidFill>
+            </a:endParaRPr>
+          </a:p>
+        </p:txBody>
+      </p:sp>
+    </p:spTree>
+    <p:extLst>
+      <p:ext uri="{BB962C8B-B14F-4D97-AF65-F5344CB8AC3E}">
+        <p14:creationId xmlns:p14="http://schemas.microsoft.com/office/powerpoint/2010/main" val="2179202351"/>
+      </p:ext>
+    </p:extLst>
+  </p:cSld>
+  <p:clrMapOvr>
+    <a:masterClrMapping/>
+  </p:clrMapOvr>
+</p:sld>
+</file>
+
+<file path=ppt/slides/slide26.xml><?xml version="1.0" encoding="utf-8"?>
 <p:sld xmlns:a="http://schemas.openxmlformats.org/drawingml/2006/main" xmlns:r="http://schemas.openxmlformats.org/officeDocument/2006/relationships" xmlns:p="http://schemas.openxmlformats.org/presentationml/2006/main">
   <p:cSld>
     <p:spTree>
@@ -21377,7 +21964,7 @@
         <p:spPr>
           <a:xfrm>
             <a:off x="838203" y="1825627"/>
-            <a:ext cx="10515600" cy="2056192"/>
+            <a:ext cx="10670306" cy="4150300"/>
           </a:xfrm>
         </p:spPr>
         <p:txBody>
@@ -21390,23 +21977,23 @@
               <a:buNone/>
             </a:pPr>
             <a:r>
-              <a:rPr lang="en-GB" i="1" dirty="0" err="1"/>
+              <a:rPr lang="en-GB" sz="3200" i="1" dirty="0" err="1"/>
               <a:t>CausalImpact</a:t>
             </a:r>
             <a:r>
-              <a:rPr lang="en-GB" i="1" dirty="0"/>
+              <a:rPr lang="en-GB" sz="3200" i="1" dirty="0"/>
               <a:t> </a:t>
             </a:r>
             <a:r>
-              <a:rPr lang="en-GB" dirty="0"/>
+              <a:rPr lang="en-GB" sz="3200" dirty="0"/>
               <a:t>uses </a:t>
             </a:r>
             <a:r>
-              <a:rPr lang="en-GB" b="1" dirty="0"/>
+              <a:rPr lang="en-GB" sz="3200" b="1" dirty="0"/>
               <a:t>Bayesian Estimation</a:t>
             </a:r>
             <a:r>
-              <a:rPr lang="en-GB" dirty="0"/>
+              <a:rPr lang="en-GB" sz="3200" dirty="0"/>
               <a:t> </a:t>
             </a:r>
           </a:p>
@@ -21416,15 +22003,15 @@
               <a:buChar char="-"/>
             </a:pPr>
             <a:r>
-              <a:rPr lang="en-GB" dirty="0"/>
+              <a:rPr lang="en-GB" sz="2800" dirty="0"/>
               <a:t>Bayesian structural time-series models (</a:t>
             </a:r>
             <a:r>
-              <a:rPr lang="en-GB" i="1" dirty="0" err="1"/>
+              <a:rPr lang="en-GB" sz="2800" i="1" dirty="0" err="1"/>
               <a:t>bsts</a:t>
             </a:r>
             <a:r>
-              <a:rPr lang="en-GB" dirty="0"/>
+              <a:rPr lang="en-GB" sz="2800" dirty="0"/>
               <a:t> package in R)</a:t>
             </a:r>
           </a:p>
@@ -21434,7 +22021,7 @@
               <a:buChar char="-"/>
             </a:pPr>
             <a:r>
-              <a:rPr lang="en-GB" dirty="0"/>
+              <a:rPr lang="en-GB" sz="2800" dirty="0"/>
               <a:t>Control units are “chosen” by using spike-and-slab priors</a:t>
             </a:r>
           </a:p>
@@ -21444,15 +22031,15 @@
               <a:buChar char="-"/>
             </a:pPr>
             <a:r>
-              <a:rPr lang="en-GB" dirty="0"/>
+              <a:rPr lang="en-GB" sz="2800" dirty="0"/>
               <a:t>Bayes means it’s easy to get </a:t>
             </a:r>
             <a:r>
-              <a:rPr lang="en-GB" b="1" dirty="0"/>
+              <a:rPr lang="en-GB" sz="2800" b="1" dirty="0"/>
               <a:t>uncertainty </a:t>
             </a:r>
             <a:r>
-              <a:rPr lang="en-GB" dirty="0"/>
+              <a:rPr lang="en-GB" sz="2800" dirty="0"/>
               <a:t>(confidence intervals) around estimates of the Causal Effect, and other interesting metrics related to that</a:t>
             </a:r>
           </a:p>
@@ -21460,16 +22047,125 @@
             <a:pPr marL="0" indent="0">
               <a:buNone/>
             </a:pPr>
-            <a:endParaRPr lang="en-GB" dirty="0"/>
+            <a:endParaRPr lang="en-GB" sz="3200" dirty="0"/>
           </a:p>
           <a:p>
             <a:pPr marL="0" indent="0">
               <a:buNone/>
             </a:pPr>
-            <a:endParaRPr lang="en-GB" dirty="0"/>
+            <a:endParaRPr lang="en-GB" sz="3200" dirty="0"/>
           </a:p>
         </p:txBody>
       </p:sp>
+      <p:sp>
+        <p:nvSpPr>
+          <p:cNvPr id="4" name="Title 1">
+            <a:extLst>
+              <a:ext uri="{FF2B5EF4-FFF2-40B4-BE49-F238E27FC236}">
+                <a16:creationId xmlns:a16="http://schemas.microsoft.com/office/drawing/2014/main" id="{1E341867-C011-5DBE-6F00-A37753993805}"/>
+              </a:ext>
+            </a:extLst>
+          </p:cNvPr>
+          <p:cNvSpPr txBox="1">
+            <a:spLocks noGrp="1"/>
+          </p:cNvSpPr>
+          <p:nvPr>
+            <p:ph type="title"/>
+          </p:nvPr>
+        </p:nvSpPr>
+        <p:spPr>
+          <a:xfrm>
+            <a:off x="838200" y="365125"/>
+            <a:ext cx="10515600" cy="1325563"/>
+          </a:xfrm>
+        </p:spPr>
+        <p:txBody>
+          <a:bodyPr>
+            <a:normAutofit/>
+          </a:bodyPr>
+          <a:lstStyle/>
+          <a:p>
+            <a:pPr lvl="0">
+              <a:lnSpc>
+                <a:spcPct val="100000"/>
+              </a:lnSpc>
+            </a:pPr>
+            <a:r>
+              <a:rPr lang="en-GB" sz="5400" b="1" kern="0" dirty="0">
+                <a:solidFill>
+                  <a:srgbClr val="006388"/>
+                </a:solidFill>
+                <a:latin typeface="Fira Sans" pitchFamily="34"/>
+                <a:ea typeface="Fira Code" pitchFamily="49"/>
+              </a:rPr>
+              <a:t>Behind the scenes</a:t>
+            </a:r>
+            <a:endParaRPr lang="en-GB" sz="1800" kern="0" dirty="0"/>
+          </a:p>
+        </p:txBody>
+      </p:sp>
+      <p:sp>
+        <p:nvSpPr>
+          <p:cNvPr id="2" name="TextBox 1">
+            <a:extLst>
+              <a:ext uri="{FF2B5EF4-FFF2-40B4-BE49-F238E27FC236}">
+                <a16:creationId xmlns:a16="http://schemas.microsoft.com/office/drawing/2014/main" id="{548B44E6-9C10-E54B-B50E-46E37BB0B3FF}"/>
+              </a:ext>
+            </a:extLst>
+          </p:cNvPr>
+          <p:cNvSpPr txBox="1"/>
+          <p:nvPr/>
+        </p:nvSpPr>
+        <p:spPr>
+          <a:xfrm>
+            <a:off x="838200" y="4133088"/>
+            <a:ext cx="10765536" cy="2295144"/>
+          </a:xfrm>
+          <a:prstGeom prst="rect">
+            <a:avLst/>
+          </a:prstGeom>
+          <a:noFill/>
+        </p:spPr>
+        <p:txBody>
+          <a:bodyPr wrap="square" rtlCol="0">
+            <a:spAutoFit/>
+          </a:bodyPr>
+          <a:lstStyle/>
+          <a:p>
+            <a:endParaRPr lang="nl-NL" dirty="0"/>
+          </a:p>
+        </p:txBody>
+      </p:sp>
+    </p:spTree>
+    <p:extLst>
+      <p:ext uri="{BB962C8B-B14F-4D97-AF65-F5344CB8AC3E}">
+        <p14:creationId xmlns:p14="http://schemas.microsoft.com/office/powerpoint/2010/main" val="1570535444"/>
+      </p:ext>
+    </p:extLst>
+  </p:cSld>
+  <p:clrMapOvr>
+    <a:masterClrMapping/>
+  </p:clrMapOvr>
+</p:sld>
+</file>
+
+<file path=ppt/slides/slide27.xml><?xml version="1.0" encoding="utf-8"?>
+<p:sld xmlns:a="http://schemas.openxmlformats.org/drawingml/2006/main" xmlns:r="http://schemas.openxmlformats.org/officeDocument/2006/relationships" xmlns:p="http://schemas.openxmlformats.org/presentationml/2006/main">
+  <p:cSld>
+    <p:spTree>
+      <p:nvGrpSpPr>
+        <p:cNvPr id="1" name=""/>
+        <p:cNvGrpSpPr/>
+        <p:nvPr/>
+      </p:nvGrpSpPr>
+      <p:grpSpPr>
+        <a:xfrm>
+          <a:off x="0" y="0"/>
+          <a:ext cx="0" cy="0"/>
+          <a:chOff x="0" y="0"/>
+          <a:chExt cx="0" cy="0"/>
+        </a:xfrm>
+      </p:grpSpPr>
       <p:sp>
         <p:nvSpPr>
           <p:cNvPr id="4" name="Title 1">
@@ -21565,8 +22261,8 @@
         </p:nvSpPr>
         <p:spPr>
           <a:xfrm>
-            <a:off x="838200" y="4133087"/>
-            <a:ext cx="10515600" cy="2359787"/>
+            <a:off x="681182" y="1786971"/>
+            <a:ext cx="10765536" cy="4835502"/>
           </a:xfrm>
           <a:prstGeom prst="rect">
             <a:avLst/>
@@ -21578,7 +22274,7 @@
         </p:spPr>
         <p:txBody>
           <a:bodyPr vert="horz" wrap="square" lIns="91440" tIns="45720" rIns="91440" bIns="45720" anchor="t" anchorCtr="0" compatLnSpc="1">
-            <a:normAutofit fontScale="85000" lnSpcReduction="20000"/>
+            <a:normAutofit/>
           </a:bodyPr>
           <a:lstStyle>
             <a:lvl1pPr marL="228600" marR="0" lvl="0" indent="-228600" algn="l" defTabSz="914400" rtl="0" fontAlgn="auto" hangingPunct="1">
@@ -21788,7 +22484,7 @@
             </a:pPr>
             <a:r>
               <a:rPr lang="en-GB" dirty="0"/>
-              <a:t>Controls things like model complexity, which part of the model will be dominant</a:t>
+              <a:t>Controls things like model complexity and which part of the model (forecasting vs control units) will be dominant</a:t>
             </a:r>
           </a:p>
           <a:p>
@@ -21806,7 +22502,17 @@
             </a:r>
             <a:r>
               <a:rPr lang="en-GB" dirty="0"/>
-              <a:t>. This is nice when you want to get something running, but in practice you will need to investigate how sensitive your conclusions are to this!</a:t>
+              <a:t>. </a:t>
+            </a:r>
+          </a:p>
+          <a:p>
+            <a:pPr lvl="1">
+              <a:buFontTx/>
+              <a:buChar char="-"/>
+            </a:pPr>
+            <a:r>
+              <a:rPr lang="en-GB" dirty="0"/>
+              <a:t>This is nice when you want to get something running, but in practice you will need to investigate how sensitive your conclusions are to this!</a:t>
             </a:r>
           </a:p>
           <a:p>
@@ -21845,95 +22551,200 @@
     </p:spTree>
     <p:extLst>
       <p:ext uri="{BB962C8B-B14F-4D97-AF65-F5344CB8AC3E}">
-        <p14:creationId xmlns:p14="http://schemas.microsoft.com/office/powerpoint/2010/main" val="1570535444"/>
+        <p14:creationId xmlns:p14="http://schemas.microsoft.com/office/powerpoint/2010/main" val="1525544344"/>
       </p:ext>
     </p:extLst>
   </p:cSld>
   <p:clrMapOvr>
     <a:masterClrMapping/>
   </p:clrMapOvr>
-  <p:timing>
-    <p:tnLst>
-      <p:par>
-        <p:cTn id="1" dur="indefinite" restart="never" nodeType="tmRoot">
-          <p:childTnLst>
-            <p:seq concurrent="1" nextAc="seek">
-              <p:cTn id="2" dur="indefinite" nodeType="mainSeq">
-                <p:childTnLst>
-                  <p:par>
-                    <p:cTn id="3" fill="hold">
-                      <p:stCondLst>
-                        <p:cond delay="indefinite"/>
-                      </p:stCondLst>
-                      <p:childTnLst>
-                        <p:par>
-                          <p:cTn id="4" fill="hold">
-                            <p:stCondLst>
-                              <p:cond delay="0"/>
-                            </p:stCondLst>
-                            <p:childTnLst>
-                              <p:par>
-                                <p:cTn id="5" presetID="1" presetClass="entr" presetSubtype="0" fill="hold" grpId="0" nodeType="clickEffect">
-                                  <p:stCondLst>
-                                    <p:cond delay="0"/>
-                                  </p:stCondLst>
-                                  <p:childTnLst>
-                                    <p:set>
-                                      <p:cBhvr>
-                                        <p:cTn id="6" dur="1" fill="hold">
-                                          <p:stCondLst>
-                                            <p:cond delay="0"/>
-                                          </p:stCondLst>
-                                        </p:cTn>
-                                        <p:tgtEl>
-                                          <p:spTgt spid="5"/>
-                                        </p:tgtEl>
-                                        <p:attrNameLst>
-                                          <p:attrName>style.visibility</p:attrName>
-                                        </p:attrNameLst>
-                                      </p:cBhvr>
-                                      <p:to>
-                                        <p:strVal val="visible"/>
-                                      </p:to>
-                                    </p:set>
-                                  </p:childTnLst>
-                                </p:cTn>
-                              </p:par>
-                            </p:childTnLst>
-                          </p:cTn>
-                        </p:par>
-                      </p:childTnLst>
-                    </p:cTn>
-                  </p:par>
-                </p:childTnLst>
-              </p:cTn>
-              <p:prevCondLst>
-                <p:cond evt="onPrev" delay="0">
-                  <p:tgtEl>
-                    <p:sldTgt/>
-                  </p:tgtEl>
-                </p:cond>
-              </p:prevCondLst>
-              <p:nextCondLst>
-                <p:cond evt="onNext" delay="0">
-                  <p:tgtEl>
-                    <p:sldTgt/>
-                  </p:tgtEl>
-                </p:cond>
-              </p:nextCondLst>
-            </p:seq>
-          </p:childTnLst>
-        </p:cTn>
-      </p:par>
-    </p:tnLst>
-    <p:bldLst>
-      <p:bldP spid="5" grpId="0"/>
-    </p:bldLst>
-  </p:timing>
 </p:sld>
 </file>
 
-<file path=ppt/slides/slide25.xml><?xml version="1.0" encoding="utf-8"?>
+<file path=ppt/slides/slide28.xml><?xml version="1.0" encoding="utf-8"?>
+<p:sld xmlns:a="http://schemas.openxmlformats.org/drawingml/2006/main" xmlns:r="http://schemas.openxmlformats.org/officeDocument/2006/relationships" xmlns:p="http://schemas.openxmlformats.org/presentationml/2006/main">
+  <p:cSld>
+    <p:spTree>
+      <p:nvGrpSpPr>
+        <p:cNvPr id="1" name=""/>
+        <p:cNvGrpSpPr/>
+        <p:nvPr/>
+      </p:nvGrpSpPr>
+      <p:grpSpPr>
+        <a:xfrm>
+          <a:off x="0" y="0"/>
+          <a:ext cx="0" cy="0"/>
+          <a:chOff x="0" y="0"/>
+          <a:chExt cx="0" cy="0"/>
+        </a:xfrm>
+      </p:grpSpPr>
+      <p:sp>
+        <p:nvSpPr>
+          <p:cNvPr id="2" name="Title 1">
+            <a:extLst>
+              <a:ext uri="{FF2B5EF4-FFF2-40B4-BE49-F238E27FC236}">
+                <a16:creationId xmlns:a16="http://schemas.microsoft.com/office/drawing/2014/main" id="{51E44C08-D2D3-4847-9593-818BE0A13B4B}"/>
+              </a:ext>
+            </a:extLst>
+          </p:cNvPr>
+          <p:cNvSpPr txBox="1">
+            <a:spLocks noGrp="1"/>
+          </p:cNvSpPr>
+          <p:nvPr>
+            <p:ph type="title"/>
+          </p:nvPr>
+        </p:nvSpPr>
+        <p:spPr>
+          <a:xfrm>
+            <a:off x="838203" y="1798551"/>
+            <a:ext cx="10515600" cy="1325559"/>
+          </a:xfrm>
+        </p:spPr>
+        <p:txBody>
+          <a:bodyPr>
+            <a:noAutofit/>
+          </a:bodyPr>
+          <a:lstStyle/>
+          <a:p>
+            <a:pPr lvl="0">
+              <a:lnSpc>
+                <a:spcPct val="100000"/>
+              </a:lnSpc>
+            </a:pPr>
+            <a:r>
+              <a:rPr lang="en-GB" sz="4800" b="1" kern="0" dirty="0">
+                <a:solidFill>
+                  <a:srgbClr val="006388"/>
+                </a:solidFill>
+                <a:latin typeface="Fira Sans" pitchFamily="34"/>
+                <a:ea typeface="Fira Code" pitchFamily="49"/>
+              </a:rPr>
+              <a:t>Practical: fpp3, </a:t>
+            </a:r>
+            <a:r>
+              <a:rPr lang="en-GB" sz="4800" b="1" kern="0" dirty="0" err="1">
+                <a:solidFill>
+                  <a:srgbClr val="006388"/>
+                </a:solidFill>
+                <a:latin typeface="Fira Sans" pitchFamily="34"/>
+                <a:ea typeface="Fira Code" pitchFamily="49"/>
+              </a:rPr>
+              <a:t>causalimpact</a:t>
+            </a:r>
+            <a:endParaRPr lang="en-GB" sz="4800" dirty="0"/>
+          </a:p>
+        </p:txBody>
+      </p:sp>
+      <p:sp>
+        <p:nvSpPr>
+          <p:cNvPr id="3" name="Title 1">
+            <a:extLst>
+              <a:ext uri="{FF2B5EF4-FFF2-40B4-BE49-F238E27FC236}">
+                <a16:creationId xmlns:a16="http://schemas.microsoft.com/office/drawing/2014/main" id="{0E8FBB61-0675-4827-B00A-B2ADDB6105DF}"/>
+              </a:ext>
+            </a:extLst>
+          </p:cNvPr>
+          <p:cNvSpPr txBox="1"/>
+          <p:nvPr/>
+        </p:nvSpPr>
+        <p:spPr>
+          <a:xfrm>
+            <a:off x="838200" y="3337811"/>
+            <a:ext cx="10515600" cy="1325559"/>
+          </a:xfrm>
+          <a:prstGeom prst="rect">
+            <a:avLst/>
+          </a:prstGeom>
+          <a:noFill/>
+          <a:ln cap="flat">
+            <a:noFill/>
+          </a:ln>
+        </p:spPr>
+        <p:txBody>
+          <a:bodyPr vert="horz" wrap="square" lIns="91440" tIns="45720" rIns="91440" bIns="45720" anchor="ctr" anchorCtr="0" compatLnSpc="1">
+            <a:normAutofit/>
+          </a:bodyPr>
+          <a:lstStyle/>
+          <a:p>
+            <a:pPr marL="0" marR="0" lvl="0" indent="0" algn="l" defTabSz="914400" rtl="0" fontAlgn="auto" hangingPunct="1">
+              <a:lnSpc>
+                <a:spcPct val="90000"/>
+              </a:lnSpc>
+              <a:spcBef>
+                <a:spcPts val="0"/>
+              </a:spcBef>
+              <a:spcAft>
+                <a:spcPts val="0"/>
+              </a:spcAft>
+              <a:buNone/>
+              <a:tabLst/>
+              <a:defRPr sz="1800" b="0" i="0" u="none" strike="noStrike" kern="0" cap="none" spc="0" baseline="0">
+                <a:solidFill>
+                  <a:srgbClr val="000000"/>
+                </a:solidFill>
+                <a:uFillTx/>
+              </a:defRPr>
+            </a:pPr>
+            <a:r>
+              <a:rPr lang="en-GB" sz="4000" b="1" kern="0" dirty="0">
+                <a:solidFill>
+                  <a:srgbClr val="7F7F7F"/>
+                </a:solidFill>
+                <a:latin typeface="Fira Sans" pitchFamily="34"/>
+                <a:ea typeface="Fira Code" pitchFamily="49"/>
+              </a:rPr>
+              <a:t>Work in your groups!</a:t>
+            </a:r>
+          </a:p>
+          <a:p>
+            <a:pPr marL="0" marR="0" lvl="0" indent="0" algn="l" defTabSz="914400" rtl="0" fontAlgn="auto" hangingPunct="1">
+              <a:lnSpc>
+                <a:spcPct val="90000"/>
+              </a:lnSpc>
+              <a:spcBef>
+                <a:spcPts val="0"/>
+              </a:spcBef>
+              <a:spcAft>
+                <a:spcPts val="0"/>
+              </a:spcAft>
+              <a:buNone/>
+              <a:tabLst/>
+              <a:defRPr sz="1800" b="0" i="0" u="none" strike="noStrike" kern="0" cap="none" spc="0" baseline="0">
+                <a:solidFill>
+                  <a:srgbClr val="000000"/>
+                </a:solidFill>
+                <a:uFillTx/>
+              </a:defRPr>
+            </a:pPr>
+            <a:r>
+              <a:rPr lang="en-GB" sz="4000" b="1" kern="0" dirty="0">
+                <a:solidFill>
+                  <a:srgbClr val="7F7F7F"/>
+                </a:solidFill>
+                <a:latin typeface="Fira Sans" pitchFamily="34"/>
+                <a:ea typeface="Fira Code" pitchFamily="49"/>
+              </a:rPr>
+              <a:t>Take a break from 16:15 to 16:30</a:t>
+            </a:r>
+            <a:endParaRPr lang="en-GB" sz="4000" b="0" i="0" u="none" strike="noStrike" kern="1200" cap="none" spc="0" baseline="0" dirty="0">
+              <a:solidFill>
+                <a:srgbClr val="7F7F7F"/>
+              </a:solidFill>
+              <a:uFillTx/>
+              <a:latin typeface="Calibri Light"/>
+            </a:endParaRPr>
+          </a:p>
+        </p:txBody>
+      </p:sp>
+    </p:spTree>
+  </p:cSld>
+  <p:clrMapOvr>
+    <a:masterClrMapping/>
+  </p:clrMapOvr>
+</p:sld>
+</file>
+
+<file path=ppt/slides/slide29.xml><?xml version="1.0" encoding="utf-8"?>
 <p:sld xmlns:a="http://schemas.openxmlformats.org/drawingml/2006/main" xmlns:r="http://schemas.openxmlformats.org/officeDocument/2006/relationships" xmlns:p="http://schemas.openxmlformats.org/presentationml/2006/main">
   <p:cSld>
     <p:spTree>
@@ -22386,9 +23197,7 @@
           </a:prstGeom>
           <a:noFill/>
           <a:ln w="47625">
-            <a:solidFill>
-              <a:srgbClr val="00B050"/>
-            </a:solidFill>
+            <a:noFill/>
           </a:ln>
         </p:spPr>
         <p:style>
@@ -22420,925 +23229,6 @@
     <p:extLst>
       <p:ext uri="{BB962C8B-B14F-4D97-AF65-F5344CB8AC3E}">
         <p14:creationId xmlns:p14="http://schemas.microsoft.com/office/powerpoint/2010/main" val="3520168292"/>
-      </p:ext>
-    </p:extLst>
-  </p:cSld>
-  <p:clrMapOvr>
-    <a:masterClrMapping/>
-  </p:clrMapOvr>
-</p:sld>
-</file>
-
-<file path=ppt/slides/slide26.xml><?xml version="1.0" encoding="utf-8"?>
-<p:sld xmlns:a="http://schemas.openxmlformats.org/drawingml/2006/main" xmlns:r="http://schemas.openxmlformats.org/officeDocument/2006/relationships" xmlns:p="http://schemas.openxmlformats.org/presentationml/2006/main">
-  <p:cSld name="Slide1">
-    <p:spTree>
-      <p:nvGrpSpPr>
-        <p:cNvPr id="1" name=""/>
-        <p:cNvGrpSpPr/>
-        <p:nvPr/>
-      </p:nvGrpSpPr>
-      <p:grpSpPr>
-        <a:xfrm>
-          <a:off x="0" y="0"/>
-          <a:ext cx="0" cy="0"/>
-          <a:chOff x="0" y="0"/>
-          <a:chExt cx="0" cy="0"/>
-        </a:xfrm>
-      </p:grpSpPr>
-      <p:sp>
-        <p:nvSpPr>
-          <p:cNvPr id="2" name="TextBox 8">
-            <a:extLst>
-              <a:ext uri="{FF2B5EF4-FFF2-40B4-BE49-F238E27FC236}">
-                <a16:creationId xmlns:a16="http://schemas.microsoft.com/office/drawing/2014/main" id="{8872180B-3A80-427A-B5FE-00E2683BC986}"/>
-              </a:ext>
-            </a:extLst>
-          </p:cNvPr>
-          <p:cNvSpPr txBox="1"/>
-          <p:nvPr/>
-        </p:nvSpPr>
-        <p:spPr>
-          <a:xfrm>
-            <a:off x="1258433" y="1680100"/>
-            <a:ext cx="9675138" cy="923333"/>
-          </a:xfrm>
-          <a:prstGeom prst="rect">
-            <a:avLst/>
-          </a:prstGeom>
-          <a:noFill/>
-          <a:ln cap="flat">
-            <a:noFill/>
-          </a:ln>
-        </p:spPr>
-        <p:txBody>
-          <a:bodyPr vert="horz" wrap="square" lIns="91440" tIns="45720" rIns="91440" bIns="45720" anchor="t" anchorCtr="0" compatLnSpc="1">
-            <a:spAutoFit/>
-          </a:bodyPr>
-          <a:lstStyle/>
-          <a:p>
-            <a:pPr marL="0" marR="0" lvl="0" indent="0" algn="l" defTabSz="914400" rtl="0" fontAlgn="auto" hangingPunct="1">
-              <a:lnSpc>
-                <a:spcPct val="100000"/>
-              </a:lnSpc>
-              <a:spcBef>
-                <a:spcPts val="0"/>
-              </a:spcBef>
-              <a:spcAft>
-                <a:spcPts val="0"/>
-              </a:spcAft>
-              <a:buNone/>
-              <a:tabLst/>
-              <a:defRPr sz="1800" b="0" i="0" u="none" strike="noStrike" kern="0" cap="none" spc="0" baseline="0">
-                <a:solidFill>
-                  <a:srgbClr val="000000"/>
-                </a:solidFill>
-                <a:uFillTx/>
-              </a:defRPr>
-            </a:pPr>
-            <a:r>
-              <a:rPr lang="en-GB" sz="5400" b="1" i="0" u="none" strike="noStrike" kern="1200" cap="none" spc="0" baseline="0" dirty="0">
-                <a:solidFill>
-                  <a:srgbClr val="006388"/>
-                </a:solidFill>
-                <a:uFillTx/>
-                <a:latin typeface="Fira Sans" pitchFamily="34"/>
-                <a:ea typeface="Fira Code" pitchFamily="49"/>
-              </a:rPr>
-              <a:t>Data analysis &amp; visualisation</a:t>
-            </a:r>
-          </a:p>
-        </p:txBody>
-      </p:sp>
-      <p:sp>
-        <p:nvSpPr>
-          <p:cNvPr id="3" name="TextBox 15">
-            <a:extLst>
-              <a:ext uri="{FF2B5EF4-FFF2-40B4-BE49-F238E27FC236}">
-                <a16:creationId xmlns:a16="http://schemas.microsoft.com/office/drawing/2014/main" id="{632F97CB-4D92-4AE6-A8F6-7113DE33A6F5}"/>
-              </a:ext>
-            </a:extLst>
-          </p:cNvPr>
-          <p:cNvSpPr txBox="1"/>
-          <p:nvPr/>
-        </p:nvSpPr>
-        <p:spPr>
-          <a:xfrm>
-            <a:off x="1258433" y="5507239"/>
-            <a:ext cx="7361779" cy="523219"/>
-          </a:xfrm>
-          <a:prstGeom prst="rect">
-            <a:avLst/>
-          </a:prstGeom>
-          <a:noFill/>
-          <a:ln cap="flat">
-            <a:noFill/>
-          </a:ln>
-        </p:spPr>
-        <p:txBody>
-          <a:bodyPr vert="horz" wrap="square" lIns="91440" tIns="45720" rIns="91440" bIns="45720" anchor="t" anchorCtr="0" compatLnSpc="1">
-            <a:spAutoFit/>
-          </a:bodyPr>
-          <a:lstStyle/>
-          <a:p>
-            <a:pPr marL="0" marR="0" lvl="0" indent="0" algn="l" defTabSz="914400" rtl="0" fontAlgn="auto" hangingPunct="1">
-              <a:lnSpc>
-                <a:spcPct val="100000"/>
-              </a:lnSpc>
-              <a:spcBef>
-                <a:spcPts val="0"/>
-              </a:spcBef>
-              <a:spcAft>
-                <a:spcPts val="0"/>
-              </a:spcAft>
-              <a:buNone/>
-              <a:tabLst/>
-              <a:defRPr sz="1800" b="0" i="0" u="none" strike="noStrike" kern="0" cap="none" spc="0" baseline="0">
-                <a:solidFill>
-                  <a:srgbClr val="000000"/>
-                </a:solidFill>
-                <a:uFillTx/>
-              </a:defRPr>
-            </a:pPr>
-            <a:r>
-              <a:rPr lang="en-GB" sz="2800" b="0" i="1" u="none" strike="noStrike" kern="1200" cap="none" spc="0" baseline="0" dirty="0">
-                <a:solidFill>
-                  <a:srgbClr val="7F7F7F"/>
-                </a:solidFill>
-                <a:uFillTx/>
-                <a:latin typeface="Fira Sans" pitchFamily="34"/>
-              </a:rPr>
-              <a:t>Erik-Jan van Kesteren</a:t>
-            </a:r>
-          </a:p>
-        </p:txBody>
-      </p:sp>
-      <p:sp>
-        <p:nvSpPr>
-          <p:cNvPr id="4" name="Title 1">
-            <a:extLst>
-              <a:ext uri="{FF2B5EF4-FFF2-40B4-BE49-F238E27FC236}">
-                <a16:creationId xmlns:a16="http://schemas.microsoft.com/office/drawing/2014/main" id="{6541A11A-8F27-47BF-A7AF-3AB4CB33F894}"/>
-              </a:ext>
-            </a:extLst>
-          </p:cNvPr>
-          <p:cNvSpPr txBox="1"/>
-          <p:nvPr/>
-        </p:nvSpPr>
-        <p:spPr>
-          <a:xfrm>
-            <a:off x="1258433" y="2532412"/>
-            <a:ext cx="9675138" cy="896587"/>
-          </a:xfrm>
-          <a:prstGeom prst="rect">
-            <a:avLst/>
-          </a:prstGeom>
-          <a:noFill/>
-          <a:ln cap="flat">
-            <a:noFill/>
-          </a:ln>
-        </p:spPr>
-        <p:txBody>
-          <a:bodyPr vert="horz" wrap="square" lIns="91440" tIns="45720" rIns="91440" bIns="45720" anchor="ctr" anchorCtr="0" compatLnSpc="1">
-            <a:normAutofit/>
-          </a:bodyPr>
-          <a:lstStyle/>
-          <a:p>
-            <a:pPr marL="0" marR="0" lvl="0" indent="0" algn="l" defTabSz="914400" rtl="0" fontAlgn="auto" hangingPunct="1">
-              <a:lnSpc>
-                <a:spcPct val="90000"/>
-              </a:lnSpc>
-              <a:spcBef>
-                <a:spcPts val="0"/>
-              </a:spcBef>
-              <a:spcAft>
-                <a:spcPts val="0"/>
-              </a:spcAft>
-              <a:buNone/>
-              <a:tabLst/>
-              <a:defRPr sz="1800" b="0" i="0" u="none" strike="noStrike" kern="0" cap="none" spc="0" baseline="0">
-                <a:solidFill>
-                  <a:srgbClr val="000000"/>
-                </a:solidFill>
-                <a:uFillTx/>
-              </a:defRPr>
-            </a:pPr>
-            <a:r>
-              <a:rPr lang="en-GB" sz="4400" b="1" i="0" u="none" strike="noStrike" kern="0" cap="none" spc="0" baseline="0">
-                <a:solidFill>
-                  <a:srgbClr val="7F7F7F"/>
-                </a:solidFill>
-                <a:uFillTx/>
-                <a:latin typeface="Fira Sans" pitchFamily="34"/>
-                <a:ea typeface="Fira Code" pitchFamily="49"/>
-              </a:rPr>
-              <a:t>Workshop rijksoverheid</a:t>
-            </a:r>
-            <a:endParaRPr lang="en-GB" sz="4400" b="0" i="0" u="none" strike="noStrike" kern="1200" cap="none" spc="0" baseline="0">
-              <a:solidFill>
-                <a:srgbClr val="7F7F7F"/>
-              </a:solidFill>
-              <a:uFillTx/>
-              <a:latin typeface="Calibri Light"/>
-            </a:endParaRPr>
-          </a:p>
-        </p:txBody>
-      </p:sp>
-      <p:pic>
-        <p:nvPicPr>
-          <p:cNvPr id="5" name="Picture 5">
-            <a:extLst>
-              <a:ext uri="{FF2B5EF4-FFF2-40B4-BE49-F238E27FC236}">
-                <a16:creationId xmlns:a16="http://schemas.microsoft.com/office/drawing/2014/main" id="{226613D8-465E-42F9-B892-6D2D565C9B33}"/>
-              </a:ext>
-            </a:extLst>
-          </p:cNvPr>
-          <p:cNvPicPr>
-            <a:picLocks noChangeAspect="1"/>
-          </p:cNvPicPr>
-          <p:nvPr/>
-        </p:nvPicPr>
-        <p:blipFill>
-          <a:blip r:embed="rId2"/>
-          <a:stretch>
-            <a:fillRect/>
-          </a:stretch>
-        </p:blipFill>
-        <p:spPr>
-          <a:xfrm>
-            <a:off x="0" y="0"/>
-            <a:ext cx="4108710" cy="1621542"/>
-          </a:xfrm>
-          <a:prstGeom prst="rect">
-            <a:avLst/>
-          </a:prstGeom>
-          <a:noFill/>
-          <a:ln cap="flat">
-            <a:noFill/>
-          </a:ln>
-        </p:spPr>
-      </p:pic>
-    </p:spTree>
-  </p:cSld>
-  <p:clrMapOvr>
-    <a:masterClrMapping/>
-  </p:clrMapOvr>
-</p:sld>
-</file>
-
-<file path=ppt/slides/slide27.xml><?xml version="1.0" encoding="utf-8"?>
-<p:sld xmlns:a="http://schemas.openxmlformats.org/drawingml/2006/main" xmlns:r="http://schemas.openxmlformats.org/officeDocument/2006/relationships" xmlns:p="http://schemas.openxmlformats.org/presentationml/2006/main">
-  <p:cSld name="Slide45">
-    <p:spTree>
-      <p:nvGrpSpPr>
-        <p:cNvPr id="1" name=""/>
-        <p:cNvGrpSpPr/>
-        <p:nvPr/>
-      </p:nvGrpSpPr>
-      <p:grpSpPr>
-        <a:xfrm>
-          <a:off x="0" y="0"/>
-          <a:ext cx="0" cy="0"/>
-          <a:chOff x="0" y="0"/>
-          <a:chExt cx="0" cy="0"/>
-        </a:xfrm>
-      </p:grpSpPr>
-      <p:sp>
-        <p:nvSpPr>
-          <p:cNvPr id="2" name="Title 1">
-            <a:extLst>
-              <a:ext uri="{FF2B5EF4-FFF2-40B4-BE49-F238E27FC236}">
-                <a16:creationId xmlns:a16="http://schemas.microsoft.com/office/drawing/2014/main" id="{743FADAD-7D51-496D-A8D5-5E58759DC032}"/>
-              </a:ext>
-            </a:extLst>
-          </p:cNvPr>
-          <p:cNvSpPr txBox="1">
-            <a:spLocks noGrp="1"/>
-          </p:cNvSpPr>
-          <p:nvPr>
-            <p:ph type="title"/>
-          </p:nvPr>
-        </p:nvSpPr>
-        <p:spPr/>
-        <p:txBody>
-          <a:bodyPr/>
-          <a:lstStyle/>
-          <a:p>
-            <a:pPr lvl="0">
-              <a:lnSpc>
-                <a:spcPct val="100000"/>
-              </a:lnSpc>
-            </a:pPr>
-            <a:r>
-              <a:rPr lang="en-GB" sz="5400" b="1" kern="0" dirty="0">
-                <a:solidFill>
-                  <a:srgbClr val="006388"/>
-                </a:solidFill>
-                <a:latin typeface="Fira Sans" pitchFamily="34"/>
-                <a:ea typeface="Fira Code" pitchFamily="49"/>
-              </a:rPr>
-              <a:t>About me</a:t>
-            </a:r>
-            <a:endParaRPr lang="en-GB" sz="1800" kern="0" dirty="0"/>
-          </a:p>
-        </p:txBody>
-      </p:sp>
-      <p:sp>
-        <p:nvSpPr>
-          <p:cNvPr id="3" name="Content Placeholder 2">
-            <a:extLst>
-              <a:ext uri="{FF2B5EF4-FFF2-40B4-BE49-F238E27FC236}">
-                <a16:creationId xmlns:a16="http://schemas.microsoft.com/office/drawing/2014/main" id="{88AD4E46-B512-463D-B59E-7A6FB569FBAA}"/>
-              </a:ext>
-            </a:extLst>
-          </p:cNvPr>
-          <p:cNvSpPr txBox="1">
-            <a:spLocks noGrp="1"/>
-          </p:cNvSpPr>
-          <p:nvPr>
-            <p:ph idx="1"/>
-          </p:nvPr>
-        </p:nvSpPr>
-        <p:spPr>
-          <a:xfrm>
-            <a:off x="2705362" y="1698662"/>
-            <a:ext cx="7110173" cy="4667243"/>
-          </a:xfrm>
-        </p:spPr>
-        <p:txBody>
-          <a:bodyPr>
-            <a:normAutofit lnSpcReduction="10000"/>
-          </a:bodyPr>
-          <a:lstStyle/>
-          <a:p>
-            <a:pPr marL="0" lvl="0" indent="0">
-              <a:lnSpc>
-                <a:spcPct val="110000"/>
-              </a:lnSpc>
-              <a:buNone/>
-            </a:pPr>
-            <a:r>
-              <a:rPr lang="en-GB" sz="1700" b="1" dirty="0">
-                <a:solidFill>
-                  <a:srgbClr val="404040"/>
-                </a:solidFill>
-                <a:latin typeface="Fira Sans" pitchFamily="34"/>
-              </a:rPr>
-              <a:t>Erik-Jan van Kesteren</a:t>
-            </a:r>
-          </a:p>
-          <a:p>
-            <a:pPr>
-              <a:lnSpc>
-                <a:spcPct val="110000"/>
-              </a:lnSpc>
-            </a:pPr>
-            <a:r>
-              <a:rPr lang="en-GB" sz="1700" dirty="0">
-                <a:solidFill>
-                  <a:srgbClr val="404040"/>
-                </a:solidFill>
-                <a:latin typeface="Fira Sans" pitchFamily="34"/>
-              </a:rPr>
-              <a:t>Background in statistics / social science</a:t>
-            </a:r>
-          </a:p>
-          <a:p>
-            <a:pPr>
-              <a:lnSpc>
-                <a:spcPct val="110000"/>
-              </a:lnSpc>
-            </a:pPr>
-            <a:r>
-              <a:rPr lang="en-GB" sz="1700" dirty="0">
-                <a:solidFill>
-                  <a:srgbClr val="404040"/>
-                </a:solidFill>
-                <a:latin typeface="Fira Sans" pitchFamily="34"/>
-              </a:rPr>
-              <a:t>Assistant professor @ methodology &amp; statistics UU</a:t>
-            </a:r>
-          </a:p>
-          <a:p>
-            <a:pPr>
-              <a:lnSpc>
-                <a:spcPct val="110000"/>
-              </a:lnSpc>
-            </a:pPr>
-            <a:r>
-              <a:rPr lang="en-GB" sz="1700" dirty="0">
-                <a:solidFill>
-                  <a:srgbClr val="404040"/>
-                </a:solidFill>
-                <a:latin typeface="Fira Sans" pitchFamily="34"/>
-              </a:rPr>
-              <a:t>Social Data Science team lead @ ODISSEI (consortium of universities)</a:t>
-            </a:r>
-          </a:p>
-          <a:p>
-            <a:pPr marL="0" lvl="0" indent="0">
-              <a:lnSpc>
-                <a:spcPct val="110000"/>
-              </a:lnSpc>
-              <a:buNone/>
-            </a:pPr>
-            <a:endParaRPr lang="en-GB" sz="1700" dirty="0">
-              <a:solidFill>
-                <a:srgbClr val="404040"/>
-              </a:solidFill>
-              <a:latin typeface="Fira Sans" pitchFamily="34"/>
-            </a:endParaRPr>
-          </a:p>
-          <a:p>
-            <a:pPr marL="0" lvl="0" indent="0">
-              <a:lnSpc>
-                <a:spcPct val="110000"/>
-              </a:lnSpc>
-              <a:buNone/>
-            </a:pPr>
-            <a:endParaRPr lang="en-GB" sz="1700" dirty="0">
-              <a:solidFill>
-                <a:srgbClr val="404040"/>
-              </a:solidFill>
-              <a:latin typeface="Fira Sans" pitchFamily="34"/>
-            </a:endParaRPr>
-          </a:p>
-          <a:p>
-            <a:pPr marL="0" lvl="0" indent="0">
-              <a:lnSpc>
-                <a:spcPct val="110000"/>
-              </a:lnSpc>
-              <a:buNone/>
-            </a:pPr>
-            <a:endParaRPr lang="en-GB" sz="1700" dirty="0">
-              <a:solidFill>
-                <a:srgbClr val="404040"/>
-              </a:solidFill>
-              <a:latin typeface="Fira Sans" pitchFamily="34"/>
-            </a:endParaRPr>
-          </a:p>
-          <a:p>
-            <a:pPr marL="0" lvl="0" indent="0">
-              <a:lnSpc>
-                <a:spcPct val="110000"/>
-              </a:lnSpc>
-              <a:buNone/>
-            </a:pPr>
-            <a:r>
-              <a:rPr lang="en-GB" sz="1700" dirty="0">
-                <a:solidFill>
-                  <a:srgbClr val="404040"/>
-                </a:solidFill>
-                <a:latin typeface="Fira Sans" pitchFamily="34"/>
-              </a:rPr>
-              <a:t>Some stuff I work on:</a:t>
-            </a:r>
-          </a:p>
-          <a:p>
-            <a:pPr marL="0" lvl="0" indent="0">
-              <a:lnSpc>
-                <a:spcPct val="110000"/>
-              </a:lnSpc>
-              <a:buNone/>
-            </a:pPr>
-            <a:r>
-              <a:rPr lang="en-GB" sz="1700" dirty="0">
-                <a:solidFill>
-                  <a:srgbClr val="404040"/>
-                </a:solidFill>
-                <a:latin typeface="Fira Sans" pitchFamily="34"/>
-              </a:rPr>
-              <a:t>Latent variables, high-dimensional data, optimization, regularization, visualisation, Bayesian statistics, multilevel models, spatial data, generalized linear models, privacy, synthetic data, high-performance computing, software development, open science &amp; reproducibility</a:t>
-            </a:r>
-          </a:p>
-        </p:txBody>
-      </p:sp>
-      <p:pic>
-        <p:nvPicPr>
-          <p:cNvPr id="4" name="Picture 7">
-            <a:extLst>
-              <a:ext uri="{FF2B5EF4-FFF2-40B4-BE49-F238E27FC236}">
-                <a16:creationId xmlns:a16="http://schemas.microsoft.com/office/drawing/2014/main" id="{2C92E365-10AA-45C2-A560-32B44CB8B09B}"/>
-              </a:ext>
-            </a:extLst>
-          </p:cNvPr>
-          <p:cNvPicPr>
-            <a:picLocks noChangeAspect="1"/>
-          </p:cNvPicPr>
-          <p:nvPr/>
-        </p:nvPicPr>
-        <p:blipFill>
-          <a:blip r:embed="rId2">
-            <a:extLst>
-              <a:ext uri="{28A0092B-C50C-407E-A947-70E740481C1C}">
-                <a14:useLocalDpi xmlns:a14="http://schemas.microsoft.com/office/drawing/2010/main" val="0"/>
-              </a:ext>
-            </a:extLst>
-          </a:blip>
-          <a:srcRect/>
-          <a:stretch/>
-        </p:blipFill>
-        <p:spPr>
-          <a:xfrm>
-            <a:off x="901154" y="1791763"/>
-            <a:ext cx="1538267" cy="1536162"/>
-          </a:xfrm>
-          <a:prstGeom prst="rect">
-            <a:avLst/>
-          </a:prstGeom>
-          <a:noFill/>
-          <a:ln cap="flat">
-            <a:noFill/>
-          </a:ln>
-        </p:spPr>
-      </p:pic>
-      <p:pic>
-        <p:nvPicPr>
-          <p:cNvPr id="6" name="Graphic 3">
-            <a:extLst>
-              <a:ext uri="{FF2B5EF4-FFF2-40B4-BE49-F238E27FC236}">
-                <a16:creationId xmlns:a16="http://schemas.microsoft.com/office/drawing/2014/main" id="{2F77BD52-0F24-4FCB-BA39-100F17AA3037}"/>
-              </a:ext>
-            </a:extLst>
-          </p:cNvPr>
-          <p:cNvPicPr>
-            <a:picLocks noChangeAspect="1"/>
-          </p:cNvPicPr>
-          <p:nvPr/>
-        </p:nvPicPr>
-        <p:blipFill>
-          <a:blip r:embed="rId3">
-            <a:extLst>
-              <a:ext uri="{96DAC541-7B7A-43D3-8B79-37D633B846F1}">
-                <asvg:svgBlip xmlns:asvg="http://schemas.microsoft.com/office/drawing/2016/SVG/main" r:embed="rId4"/>
-              </a:ext>
-            </a:extLst>
-          </a:blip>
-          <a:stretch>
-            <a:fillRect/>
-          </a:stretch>
-        </p:blipFill>
-        <p:spPr>
-          <a:xfrm>
-            <a:off x="2591062" y="3429000"/>
-            <a:ext cx="1934815" cy="653320"/>
-          </a:xfrm>
-          <a:prstGeom prst="rect">
-            <a:avLst/>
-          </a:prstGeom>
-          <a:noFill/>
-          <a:ln cap="flat">
-            <a:noFill/>
-          </a:ln>
-        </p:spPr>
-      </p:pic>
-    </p:spTree>
-  </p:cSld>
-  <p:clrMapOvr>
-    <a:masterClrMapping/>
-  </p:clrMapOvr>
-</p:sld>
-</file>
-
-<file path=ppt/slides/slide28.xml><?xml version="1.0" encoding="utf-8"?>
-<p:sld xmlns:a="http://schemas.openxmlformats.org/drawingml/2006/main" xmlns:r="http://schemas.openxmlformats.org/officeDocument/2006/relationships" xmlns:p="http://schemas.openxmlformats.org/presentationml/2006/main">
-  <p:cSld name="Slide47">
-    <p:bg>
-      <p:bgPr>
-        <a:solidFill>
-          <a:srgbClr val="006388"/>
-        </a:solidFill>
-        <a:effectLst/>
-      </p:bgPr>
-    </p:bg>
-    <p:spTree>
-      <p:nvGrpSpPr>
-        <p:cNvPr id="1" name=""/>
-        <p:cNvGrpSpPr/>
-        <p:nvPr/>
-      </p:nvGrpSpPr>
-      <p:grpSpPr>
-        <a:xfrm>
-          <a:off x="0" y="0"/>
-          <a:ext cx="0" cy="0"/>
-          <a:chOff x="0" y="0"/>
-          <a:chExt cx="0" cy="0"/>
-        </a:xfrm>
-      </p:grpSpPr>
-      <p:sp>
-        <p:nvSpPr>
-          <p:cNvPr id="2" name="Title 1">
-            <a:extLst>
-              <a:ext uri="{FF2B5EF4-FFF2-40B4-BE49-F238E27FC236}">
-                <a16:creationId xmlns:a16="http://schemas.microsoft.com/office/drawing/2014/main" id="{36BA4411-C7D7-4278-BB83-409F1B5C06AB}"/>
-              </a:ext>
-            </a:extLst>
-          </p:cNvPr>
-          <p:cNvSpPr txBox="1">
-            <a:spLocks noGrp="1"/>
-          </p:cNvSpPr>
-          <p:nvPr>
-            <p:ph type="title"/>
-          </p:nvPr>
-        </p:nvSpPr>
-        <p:spPr/>
-        <p:txBody>
-          <a:bodyPr/>
-          <a:lstStyle/>
-          <a:p>
-            <a:pPr lvl="0">
-              <a:lnSpc>
-                <a:spcPct val="100000"/>
-              </a:lnSpc>
-            </a:pPr>
-            <a:r>
-              <a:rPr lang="en-GB" sz="5400" b="1" kern="0">
-                <a:solidFill>
-                  <a:srgbClr val="FFFFFF"/>
-                </a:solidFill>
-                <a:latin typeface="Fira Sans" pitchFamily="34"/>
-                <a:ea typeface="Fira Code" pitchFamily="49"/>
-              </a:rPr>
-              <a:t>Today’s plan: morning</a:t>
-            </a:r>
-            <a:endParaRPr lang="en-GB" sz="1800" kern="0">
-              <a:solidFill>
-                <a:srgbClr val="FFFFFF"/>
-              </a:solidFill>
-            </a:endParaRPr>
-          </a:p>
-        </p:txBody>
-      </p:sp>
-      <p:sp>
-        <p:nvSpPr>
-          <p:cNvPr id="3" name="Content Placeholder 2">
-            <a:extLst>
-              <a:ext uri="{FF2B5EF4-FFF2-40B4-BE49-F238E27FC236}">
-                <a16:creationId xmlns:a16="http://schemas.microsoft.com/office/drawing/2014/main" id="{F5AB15E0-B1DD-406B-896C-D1BCB6BFF600}"/>
-              </a:ext>
-            </a:extLst>
-          </p:cNvPr>
-          <p:cNvSpPr txBox="1">
-            <a:spLocks noGrp="1"/>
-          </p:cNvSpPr>
-          <p:nvPr>
-            <p:ph idx="1"/>
-          </p:nvPr>
-        </p:nvSpPr>
-        <p:spPr>
-          <a:xfrm>
-            <a:off x="838203" y="1825627"/>
-            <a:ext cx="10515600" cy="4667243"/>
-          </a:xfrm>
-        </p:spPr>
-        <p:txBody>
-          <a:bodyPr>
-            <a:normAutofit/>
-          </a:bodyPr>
-          <a:lstStyle/>
-          <a:p>
-            <a:pPr lvl="0"/>
-            <a:r>
-              <a:rPr lang="en-GB" sz="3600" dirty="0">
-                <a:solidFill>
-                  <a:srgbClr val="FFFFFF"/>
-                </a:solidFill>
-                <a:latin typeface="Fira Sans" pitchFamily="34"/>
-              </a:rPr>
-              <a:t>Introduction &amp; Recap (60 minutes)</a:t>
-            </a:r>
-          </a:p>
-          <a:p>
-            <a:pPr lvl="0"/>
-            <a:r>
-              <a:rPr lang="en-GB" sz="3600" dirty="0">
-                <a:solidFill>
-                  <a:srgbClr val="FFFFFF"/>
-                </a:solidFill>
-                <a:latin typeface="Fira Sans" pitchFamily="34"/>
-              </a:rPr>
-              <a:t>Short break (10 minutes)</a:t>
-            </a:r>
-          </a:p>
-          <a:p>
-            <a:r>
-              <a:rPr lang="en-GB" sz="3600" dirty="0">
-                <a:solidFill>
-                  <a:srgbClr val="FFFFFF"/>
-                </a:solidFill>
-                <a:latin typeface="Fira Sans" pitchFamily="34"/>
-              </a:rPr>
-              <a:t>Supervised learning: bias/variance (80 minutes)</a:t>
-            </a:r>
-          </a:p>
-          <a:p>
-            <a:r>
-              <a:rPr lang="en-GB" sz="3600" dirty="0">
-                <a:solidFill>
-                  <a:srgbClr val="FFFFFF"/>
-                </a:solidFill>
-                <a:latin typeface="Fira Sans" pitchFamily="34"/>
-              </a:rPr>
-              <a:t>Supervised learning: classification (40 minutes)</a:t>
-            </a:r>
-          </a:p>
-          <a:p>
-            <a:endParaRPr lang="en-GB" sz="3600" dirty="0">
-              <a:solidFill>
-                <a:srgbClr val="FFFFFF"/>
-              </a:solidFill>
-              <a:latin typeface="Fira Sans" pitchFamily="34"/>
-            </a:endParaRPr>
-          </a:p>
-          <a:p>
-            <a:r>
-              <a:rPr lang="en-GB" sz="3600" dirty="0">
-                <a:solidFill>
-                  <a:srgbClr val="FFFFFF"/>
-                </a:solidFill>
-                <a:latin typeface="Fira Sans" pitchFamily="34"/>
-              </a:rPr>
-              <a:t>Lunch around 12:40</a:t>
-            </a:r>
-          </a:p>
-        </p:txBody>
-      </p:sp>
-    </p:spTree>
-  </p:cSld>
-  <p:clrMapOvr>
-    <a:masterClrMapping/>
-  </p:clrMapOvr>
-</p:sld>
-</file>
-
-<file path=ppt/slides/slide29.xml><?xml version="1.0" encoding="utf-8"?>
-<p:sld xmlns:a="http://schemas.openxmlformats.org/drawingml/2006/main" xmlns:r="http://schemas.openxmlformats.org/officeDocument/2006/relationships" xmlns:p="http://schemas.openxmlformats.org/presentationml/2006/main">
-  <p:cSld>
-    <p:bg>
-      <p:bgPr>
-        <a:solidFill>
-          <a:srgbClr val="006388"/>
-        </a:solidFill>
-        <a:effectLst/>
-      </p:bgPr>
-    </p:bg>
-    <p:spTree>
-      <p:nvGrpSpPr>
-        <p:cNvPr id="1" name=""/>
-        <p:cNvGrpSpPr/>
-        <p:nvPr/>
-      </p:nvGrpSpPr>
-      <p:grpSpPr>
-        <a:xfrm>
-          <a:off x="0" y="0"/>
-          <a:ext cx="0" cy="0"/>
-          <a:chOff x="0" y="0"/>
-          <a:chExt cx="0" cy="0"/>
-        </a:xfrm>
-      </p:grpSpPr>
-      <p:sp>
-        <p:nvSpPr>
-          <p:cNvPr id="2" name="Title 1">
-            <a:extLst>
-              <a:ext uri="{FF2B5EF4-FFF2-40B4-BE49-F238E27FC236}">
-                <a16:creationId xmlns:a16="http://schemas.microsoft.com/office/drawing/2014/main" id="{36BA4411-C7D7-4278-BB83-409F1B5C06AB}"/>
-              </a:ext>
-            </a:extLst>
-          </p:cNvPr>
-          <p:cNvSpPr txBox="1">
-            <a:spLocks noGrp="1"/>
-          </p:cNvSpPr>
-          <p:nvPr>
-            <p:ph type="title"/>
-          </p:nvPr>
-        </p:nvSpPr>
-        <p:spPr/>
-        <p:txBody>
-          <a:bodyPr/>
-          <a:lstStyle/>
-          <a:p>
-            <a:pPr lvl="0">
-              <a:lnSpc>
-                <a:spcPct val="100000"/>
-              </a:lnSpc>
-            </a:pPr>
-            <a:r>
-              <a:rPr lang="en-GB" sz="5400" b="1" kern="0" dirty="0">
-                <a:solidFill>
-                  <a:srgbClr val="FFFFFF"/>
-                </a:solidFill>
-                <a:latin typeface="Fira Sans" pitchFamily="34"/>
-                <a:ea typeface="Fira Code" pitchFamily="49"/>
-              </a:rPr>
-              <a:t>Today’s plan: afternoon</a:t>
-            </a:r>
-            <a:endParaRPr lang="en-GB" sz="1800" kern="0" dirty="0">
-              <a:solidFill>
-                <a:srgbClr val="FFFFFF"/>
-              </a:solidFill>
-            </a:endParaRPr>
-          </a:p>
-        </p:txBody>
-      </p:sp>
-      <p:sp>
-        <p:nvSpPr>
-          <p:cNvPr id="3" name="Content Placeholder 2">
-            <a:extLst>
-              <a:ext uri="{FF2B5EF4-FFF2-40B4-BE49-F238E27FC236}">
-                <a16:creationId xmlns:a16="http://schemas.microsoft.com/office/drawing/2014/main" id="{F5AB15E0-B1DD-406B-896C-D1BCB6BFF600}"/>
-              </a:ext>
-            </a:extLst>
-          </p:cNvPr>
-          <p:cNvSpPr txBox="1">
-            <a:spLocks noGrp="1"/>
-          </p:cNvSpPr>
-          <p:nvPr>
-            <p:ph idx="1"/>
-          </p:nvPr>
-        </p:nvSpPr>
-        <p:spPr>
-          <a:xfrm>
-            <a:off x="838203" y="1825627"/>
-            <a:ext cx="10515600" cy="4667243"/>
-          </a:xfrm>
-        </p:spPr>
-        <p:txBody>
-          <a:bodyPr>
-            <a:normAutofit/>
-          </a:bodyPr>
-          <a:lstStyle/>
-          <a:p>
-            <a:pPr lvl="0"/>
-            <a:r>
-              <a:rPr lang="en-GB" sz="3600" dirty="0">
-                <a:solidFill>
-                  <a:srgbClr val="FFFFFF"/>
-                </a:solidFill>
-                <a:latin typeface="Fira Sans" pitchFamily="34"/>
-              </a:rPr>
-              <a:t>Prediction competition in groups (90 minutes)</a:t>
-            </a:r>
-          </a:p>
-          <a:p>
-            <a:pPr lvl="0"/>
-            <a:r>
-              <a:rPr lang="en-GB" sz="3600" dirty="0">
-                <a:solidFill>
-                  <a:srgbClr val="FFFFFF"/>
-                </a:solidFill>
-                <a:latin typeface="Fira Sans" pitchFamily="34"/>
-              </a:rPr>
-              <a:t>Short break (10 minutes)</a:t>
-            </a:r>
-          </a:p>
-          <a:p>
-            <a:pPr lvl="0"/>
-            <a:r>
-              <a:rPr lang="en-GB" sz="3600" dirty="0">
-                <a:solidFill>
-                  <a:srgbClr val="FFFFFF"/>
-                </a:solidFill>
-                <a:latin typeface="Fira Sans" pitchFamily="34"/>
-              </a:rPr>
-              <a:t>Intermezzo: fairness &amp; feedback loops in prediction (30 minutes)</a:t>
-            </a:r>
-          </a:p>
-          <a:p>
-            <a:r>
-              <a:rPr lang="en-GB" sz="3600" dirty="0">
-                <a:solidFill>
-                  <a:srgbClr val="FFFFFF"/>
-                </a:solidFill>
-                <a:latin typeface="Fira Sans" pitchFamily="34"/>
-              </a:rPr>
-              <a:t>Unsupervised learning (45 minutes)</a:t>
-            </a:r>
-          </a:p>
-          <a:p>
-            <a:endParaRPr lang="en-GB" sz="3600" dirty="0">
-              <a:solidFill>
-                <a:srgbClr val="FFFFFF"/>
-              </a:solidFill>
-              <a:latin typeface="Fira Sans" pitchFamily="34"/>
-            </a:endParaRPr>
-          </a:p>
-          <a:p>
-            <a:r>
-              <a:rPr lang="en-GB" sz="3600" dirty="0">
-                <a:solidFill>
-                  <a:srgbClr val="FFFFFF"/>
-                </a:solidFill>
-                <a:latin typeface="Fira Sans" pitchFamily="34"/>
-              </a:rPr>
-              <a:t>Finish around 16:30</a:t>
-            </a:r>
-          </a:p>
-        </p:txBody>
-      </p:sp>
-    </p:spTree>
-    <p:extLst>
-      <p:ext uri="{BB962C8B-B14F-4D97-AF65-F5344CB8AC3E}">
-        <p14:creationId xmlns:p14="http://schemas.microsoft.com/office/powerpoint/2010/main" val="3990727277"/>
       </p:ext>
     </p:extLst>
   </p:cSld>
@@ -23746,7 +23636,9 @@
             <a:avLst/>
           </a:prstGeom>
           <a:solidFill>
-            <a:schemeClr val="accent6">
+            <a:schemeClr val="tx1">
+              <a:lumMod val="75000"/>
+              <a:lumOff val="25000"/>
               <a:alpha val="28000"/>
             </a:schemeClr>
           </a:solidFill>
@@ -23793,6 +23685,925 @@
 </file>
 
 <file path=ppt/slides/slide30.xml><?xml version="1.0" encoding="utf-8"?>
+<p:sld xmlns:a="http://schemas.openxmlformats.org/drawingml/2006/main" xmlns:r="http://schemas.openxmlformats.org/officeDocument/2006/relationships" xmlns:p="http://schemas.openxmlformats.org/presentationml/2006/main">
+  <p:cSld name="Slide1">
+    <p:spTree>
+      <p:nvGrpSpPr>
+        <p:cNvPr id="1" name=""/>
+        <p:cNvGrpSpPr/>
+        <p:nvPr/>
+      </p:nvGrpSpPr>
+      <p:grpSpPr>
+        <a:xfrm>
+          <a:off x="0" y="0"/>
+          <a:ext cx="0" cy="0"/>
+          <a:chOff x="0" y="0"/>
+          <a:chExt cx="0" cy="0"/>
+        </a:xfrm>
+      </p:grpSpPr>
+      <p:sp>
+        <p:nvSpPr>
+          <p:cNvPr id="2" name="TextBox 8">
+            <a:extLst>
+              <a:ext uri="{FF2B5EF4-FFF2-40B4-BE49-F238E27FC236}">
+                <a16:creationId xmlns:a16="http://schemas.microsoft.com/office/drawing/2014/main" id="{8872180B-3A80-427A-B5FE-00E2683BC986}"/>
+              </a:ext>
+            </a:extLst>
+          </p:cNvPr>
+          <p:cNvSpPr txBox="1"/>
+          <p:nvPr/>
+        </p:nvSpPr>
+        <p:spPr>
+          <a:xfrm>
+            <a:off x="1258433" y="1680100"/>
+            <a:ext cx="9675138" cy="923333"/>
+          </a:xfrm>
+          <a:prstGeom prst="rect">
+            <a:avLst/>
+          </a:prstGeom>
+          <a:noFill/>
+          <a:ln cap="flat">
+            <a:noFill/>
+          </a:ln>
+        </p:spPr>
+        <p:txBody>
+          <a:bodyPr vert="horz" wrap="square" lIns="91440" tIns="45720" rIns="91440" bIns="45720" anchor="t" anchorCtr="0" compatLnSpc="1">
+            <a:spAutoFit/>
+          </a:bodyPr>
+          <a:lstStyle/>
+          <a:p>
+            <a:pPr marL="0" marR="0" lvl="0" indent="0" algn="l" defTabSz="914400" rtl="0" fontAlgn="auto" hangingPunct="1">
+              <a:lnSpc>
+                <a:spcPct val="100000"/>
+              </a:lnSpc>
+              <a:spcBef>
+                <a:spcPts val="0"/>
+              </a:spcBef>
+              <a:spcAft>
+                <a:spcPts val="0"/>
+              </a:spcAft>
+              <a:buNone/>
+              <a:tabLst/>
+              <a:defRPr sz="1800" b="0" i="0" u="none" strike="noStrike" kern="0" cap="none" spc="0" baseline="0">
+                <a:solidFill>
+                  <a:srgbClr val="000000"/>
+                </a:solidFill>
+                <a:uFillTx/>
+              </a:defRPr>
+            </a:pPr>
+            <a:r>
+              <a:rPr lang="en-GB" sz="5400" b="1" i="0" u="none" strike="noStrike" kern="1200" cap="none" spc="0" baseline="0" dirty="0">
+                <a:solidFill>
+                  <a:srgbClr val="006388"/>
+                </a:solidFill>
+                <a:uFillTx/>
+                <a:latin typeface="Fira Sans" pitchFamily="34"/>
+                <a:ea typeface="Fira Code" pitchFamily="49"/>
+              </a:rPr>
+              <a:t>Data analysis &amp; visualisation</a:t>
+            </a:r>
+          </a:p>
+        </p:txBody>
+      </p:sp>
+      <p:sp>
+        <p:nvSpPr>
+          <p:cNvPr id="3" name="TextBox 15">
+            <a:extLst>
+              <a:ext uri="{FF2B5EF4-FFF2-40B4-BE49-F238E27FC236}">
+                <a16:creationId xmlns:a16="http://schemas.microsoft.com/office/drawing/2014/main" id="{632F97CB-4D92-4AE6-A8F6-7113DE33A6F5}"/>
+              </a:ext>
+            </a:extLst>
+          </p:cNvPr>
+          <p:cNvSpPr txBox="1"/>
+          <p:nvPr/>
+        </p:nvSpPr>
+        <p:spPr>
+          <a:xfrm>
+            <a:off x="1258433" y="5507239"/>
+            <a:ext cx="7361779" cy="523219"/>
+          </a:xfrm>
+          <a:prstGeom prst="rect">
+            <a:avLst/>
+          </a:prstGeom>
+          <a:noFill/>
+          <a:ln cap="flat">
+            <a:noFill/>
+          </a:ln>
+        </p:spPr>
+        <p:txBody>
+          <a:bodyPr vert="horz" wrap="square" lIns="91440" tIns="45720" rIns="91440" bIns="45720" anchor="t" anchorCtr="0" compatLnSpc="1">
+            <a:spAutoFit/>
+          </a:bodyPr>
+          <a:lstStyle/>
+          <a:p>
+            <a:pPr marL="0" marR="0" lvl="0" indent="0" algn="l" defTabSz="914400" rtl="0" fontAlgn="auto" hangingPunct="1">
+              <a:lnSpc>
+                <a:spcPct val="100000"/>
+              </a:lnSpc>
+              <a:spcBef>
+                <a:spcPts val="0"/>
+              </a:spcBef>
+              <a:spcAft>
+                <a:spcPts val="0"/>
+              </a:spcAft>
+              <a:buNone/>
+              <a:tabLst/>
+              <a:defRPr sz="1800" b="0" i="0" u="none" strike="noStrike" kern="0" cap="none" spc="0" baseline="0">
+                <a:solidFill>
+                  <a:srgbClr val="000000"/>
+                </a:solidFill>
+                <a:uFillTx/>
+              </a:defRPr>
+            </a:pPr>
+            <a:r>
+              <a:rPr lang="en-GB" sz="2800" b="0" i="1" u="none" strike="noStrike" kern="1200" cap="none" spc="0" baseline="0" dirty="0">
+                <a:solidFill>
+                  <a:srgbClr val="7F7F7F"/>
+                </a:solidFill>
+                <a:uFillTx/>
+                <a:latin typeface="Fira Sans" pitchFamily="34"/>
+              </a:rPr>
+              <a:t>Erik-Jan van Kesteren</a:t>
+            </a:r>
+          </a:p>
+        </p:txBody>
+      </p:sp>
+      <p:sp>
+        <p:nvSpPr>
+          <p:cNvPr id="4" name="Title 1">
+            <a:extLst>
+              <a:ext uri="{FF2B5EF4-FFF2-40B4-BE49-F238E27FC236}">
+                <a16:creationId xmlns:a16="http://schemas.microsoft.com/office/drawing/2014/main" id="{6541A11A-8F27-47BF-A7AF-3AB4CB33F894}"/>
+              </a:ext>
+            </a:extLst>
+          </p:cNvPr>
+          <p:cNvSpPr txBox="1"/>
+          <p:nvPr/>
+        </p:nvSpPr>
+        <p:spPr>
+          <a:xfrm>
+            <a:off x="1258433" y="2532412"/>
+            <a:ext cx="9675138" cy="896587"/>
+          </a:xfrm>
+          <a:prstGeom prst="rect">
+            <a:avLst/>
+          </a:prstGeom>
+          <a:noFill/>
+          <a:ln cap="flat">
+            <a:noFill/>
+          </a:ln>
+        </p:spPr>
+        <p:txBody>
+          <a:bodyPr vert="horz" wrap="square" lIns="91440" tIns="45720" rIns="91440" bIns="45720" anchor="ctr" anchorCtr="0" compatLnSpc="1">
+            <a:normAutofit/>
+          </a:bodyPr>
+          <a:lstStyle/>
+          <a:p>
+            <a:pPr marL="0" marR="0" lvl="0" indent="0" algn="l" defTabSz="914400" rtl="0" fontAlgn="auto" hangingPunct="1">
+              <a:lnSpc>
+                <a:spcPct val="90000"/>
+              </a:lnSpc>
+              <a:spcBef>
+                <a:spcPts val="0"/>
+              </a:spcBef>
+              <a:spcAft>
+                <a:spcPts val="0"/>
+              </a:spcAft>
+              <a:buNone/>
+              <a:tabLst/>
+              <a:defRPr sz="1800" b="0" i="0" u="none" strike="noStrike" kern="0" cap="none" spc="0" baseline="0">
+                <a:solidFill>
+                  <a:srgbClr val="000000"/>
+                </a:solidFill>
+                <a:uFillTx/>
+              </a:defRPr>
+            </a:pPr>
+            <a:r>
+              <a:rPr lang="en-GB" sz="4400" b="1" i="0" u="none" strike="noStrike" kern="0" cap="none" spc="0" baseline="0">
+                <a:solidFill>
+                  <a:srgbClr val="7F7F7F"/>
+                </a:solidFill>
+                <a:uFillTx/>
+                <a:latin typeface="Fira Sans" pitchFamily="34"/>
+                <a:ea typeface="Fira Code" pitchFamily="49"/>
+              </a:rPr>
+              <a:t>Workshop rijksoverheid</a:t>
+            </a:r>
+            <a:endParaRPr lang="en-GB" sz="4400" b="0" i="0" u="none" strike="noStrike" kern="1200" cap="none" spc="0" baseline="0">
+              <a:solidFill>
+                <a:srgbClr val="7F7F7F"/>
+              </a:solidFill>
+              <a:uFillTx/>
+              <a:latin typeface="Calibri Light"/>
+            </a:endParaRPr>
+          </a:p>
+        </p:txBody>
+      </p:sp>
+      <p:pic>
+        <p:nvPicPr>
+          <p:cNvPr id="5" name="Picture 5">
+            <a:extLst>
+              <a:ext uri="{FF2B5EF4-FFF2-40B4-BE49-F238E27FC236}">
+                <a16:creationId xmlns:a16="http://schemas.microsoft.com/office/drawing/2014/main" id="{226613D8-465E-42F9-B892-6D2D565C9B33}"/>
+              </a:ext>
+            </a:extLst>
+          </p:cNvPr>
+          <p:cNvPicPr>
+            <a:picLocks noChangeAspect="1"/>
+          </p:cNvPicPr>
+          <p:nvPr/>
+        </p:nvPicPr>
+        <p:blipFill>
+          <a:blip r:embed="rId2"/>
+          <a:stretch>
+            <a:fillRect/>
+          </a:stretch>
+        </p:blipFill>
+        <p:spPr>
+          <a:xfrm>
+            <a:off x="0" y="0"/>
+            <a:ext cx="4108710" cy="1621542"/>
+          </a:xfrm>
+          <a:prstGeom prst="rect">
+            <a:avLst/>
+          </a:prstGeom>
+          <a:noFill/>
+          <a:ln cap="flat">
+            <a:noFill/>
+          </a:ln>
+        </p:spPr>
+      </p:pic>
+    </p:spTree>
+  </p:cSld>
+  <p:clrMapOvr>
+    <a:masterClrMapping/>
+  </p:clrMapOvr>
+</p:sld>
+</file>
+
+<file path=ppt/slides/slide31.xml><?xml version="1.0" encoding="utf-8"?>
+<p:sld xmlns:a="http://schemas.openxmlformats.org/drawingml/2006/main" xmlns:r="http://schemas.openxmlformats.org/officeDocument/2006/relationships" xmlns:p="http://schemas.openxmlformats.org/presentationml/2006/main">
+  <p:cSld name="Slide45">
+    <p:spTree>
+      <p:nvGrpSpPr>
+        <p:cNvPr id="1" name=""/>
+        <p:cNvGrpSpPr/>
+        <p:nvPr/>
+      </p:nvGrpSpPr>
+      <p:grpSpPr>
+        <a:xfrm>
+          <a:off x="0" y="0"/>
+          <a:ext cx="0" cy="0"/>
+          <a:chOff x="0" y="0"/>
+          <a:chExt cx="0" cy="0"/>
+        </a:xfrm>
+      </p:grpSpPr>
+      <p:sp>
+        <p:nvSpPr>
+          <p:cNvPr id="2" name="Title 1">
+            <a:extLst>
+              <a:ext uri="{FF2B5EF4-FFF2-40B4-BE49-F238E27FC236}">
+                <a16:creationId xmlns:a16="http://schemas.microsoft.com/office/drawing/2014/main" id="{743FADAD-7D51-496D-A8D5-5E58759DC032}"/>
+              </a:ext>
+            </a:extLst>
+          </p:cNvPr>
+          <p:cNvSpPr txBox="1">
+            <a:spLocks noGrp="1"/>
+          </p:cNvSpPr>
+          <p:nvPr>
+            <p:ph type="title"/>
+          </p:nvPr>
+        </p:nvSpPr>
+        <p:spPr/>
+        <p:txBody>
+          <a:bodyPr/>
+          <a:lstStyle/>
+          <a:p>
+            <a:pPr lvl="0">
+              <a:lnSpc>
+                <a:spcPct val="100000"/>
+              </a:lnSpc>
+            </a:pPr>
+            <a:r>
+              <a:rPr lang="en-GB" sz="5400" b="1" kern="0" dirty="0">
+                <a:solidFill>
+                  <a:srgbClr val="006388"/>
+                </a:solidFill>
+                <a:latin typeface="Fira Sans" pitchFamily="34"/>
+                <a:ea typeface="Fira Code" pitchFamily="49"/>
+              </a:rPr>
+              <a:t>About me</a:t>
+            </a:r>
+            <a:endParaRPr lang="en-GB" sz="1800" kern="0" dirty="0"/>
+          </a:p>
+        </p:txBody>
+      </p:sp>
+      <p:sp>
+        <p:nvSpPr>
+          <p:cNvPr id="3" name="Content Placeholder 2">
+            <a:extLst>
+              <a:ext uri="{FF2B5EF4-FFF2-40B4-BE49-F238E27FC236}">
+                <a16:creationId xmlns:a16="http://schemas.microsoft.com/office/drawing/2014/main" id="{88AD4E46-B512-463D-B59E-7A6FB569FBAA}"/>
+              </a:ext>
+            </a:extLst>
+          </p:cNvPr>
+          <p:cNvSpPr txBox="1">
+            <a:spLocks noGrp="1"/>
+          </p:cNvSpPr>
+          <p:nvPr>
+            <p:ph idx="1"/>
+          </p:nvPr>
+        </p:nvSpPr>
+        <p:spPr>
+          <a:xfrm>
+            <a:off x="2705362" y="1698662"/>
+            <a:ext cx="7110173" cy="4667243"/>
+          </a:xfrm>
+        </p:spPr>
+        <p:txBody>
+          <a:bodyPr>
+            <a:normAutofit lnSpcReduction="10000"/>
+          </a:bodyPr>
+          <a:lstStyle/>
+          <a:p>
+            <a:pPr marL="0" lvl="0" indent="0">
+              <a:lnSpc>
+                <a:spcPct val="110000"/>
+              </a:lnSpc>
+              <a:buNone/>
+            </a:pPr>
+            <a:r>
+              <a:rPr lang="en-GB" sz="1700" b="1" dirty="0">
+                <a:solidFill>
+                  <a:srgbClr val="404040"/>
+                </a:solidFill>
+                <a:latin typeface="Fira Sans" pitchFamily="34"/>
+              </a:rPr>
+              <a:t>Erik-Jan van Kesteren</a:t>
+            </a:r>
+          </a:p>
+          <a:p>
+            <a:pPr>
+              <a:lnSpc>
+                <a:spcPct val="110000"/>
+              </a:lnSpc>
+            </a:pPr>
+            <a:r>
+              <a:rPr lang="en-GB" sz="1700" dirty="0">
+                <a:solidFill>
+                  <a:srgbClr val="404040"/>
+                </a:solidFill>
+                <a:latin typeface="Fira Sans" pitchFamily="34"/>
+              </a:rPr>
+              <a:t>Background in statistics / social science</a:t>
+            </a:r>
+          </a:p>
+          <a:p>
+            <a:pPr>
+              <a:lnSpc>
+                <a:spcPct val="110000"/>
+              </a:lnSpc>
+            </a:pPr>
+            <a:r>
+              <a:rPr lang="en-GB" sz="1700" dirty="0">
+                <a:solidFill>
+                  <a:srgbClr val="404040"/>
+                </a:solidFill>
+                <a:latin typeface="Fira Sans" pitchFamily="34"/>
+              </a:rPr>
+              <a:t>Assistant professor @ methodology &amp; statistics UU</a:t>
+            </a:r>
+          </a:p>
+          <a:p>
+            <a:pPr>
+              <a:lnSpc>
+                <a:spcPct val="110000"/>
+              </a:lnSpc>
+            </a:pPr>
+            <a:r>
+              <a:rPr lang="en-GB" sz="1700" dirty="0">
+                <a:solidFill>
+                  <a:srgbClr val="404040"/>
+                </a:solidFill>
+                <a:latin typeface="Fira Sans" pitchFamily="34"/>
+              </a:rPr>
+              <a:t>Social Data Science team lead @ ODISSEI (consortium of universities)</a:t>
+            </a:r>
+          </a:p>
+          <a:p>
+            <a:pPr marL="0" lvl="0" indent="0">
+              <a:lnSpc>
+                <a:spcPct val="110000"/>
+              </a:lnSpc>
+              <a:buNone/>
+            </a:pPr>
+            <a:endParaRPr lang="en-GB" sz="1700" dirty="0">
+              <a:solidFill>
+                <a:srgbClr val="404040"/>
+              </a:solidFill>
+              <a:latin typeface="Fira Sans" pitchFamily="34"/>
+            </a:endParaRPr>
+          </a:p>
+          <a:p>
+            <a:pPr marL="0" lvl="0" indent="0">
+              <a:lnSpc>
+                <a:spcPct val="110000"/>
+              </a:lnSpc>
+              <a:buNone/>
+            </a:pPr>
+            <a:endParaRPr lang="en-GB" sz="1700" dirty="0">
+              <a:solidFill>
+                <a:srgbClr val="404040"/>
+              </a:solidFill>
+              <a:latin typeface="Fira Sans" pitchFamily="34"/>
+            </a:endParaRPr>
+          </a:p>
+          <a:p>
+            <a:pPr marL="0" lvl="0" indent="0">
+              <a:lnSpc>
+                <a:spcPct val="110000"/>
+              </a:lnSpc>
+              <a:buNone/>
+            </a:pPr>
+            <a:endParaRPr lang="en-GB" sz="1700" dirty="0">
+              <a:solidFill>
+                <a:srgbClr val="404040"/>
+              </a:solidFill>
+              <a:latin typeface="Fira Sans" pitchFamily="34"/>
+            </a:endParaRPr>
+          </a:p>
+          <a:p>
+            <a:pPr marL="0" lvl="0" indent="0">
+              <a:lnSpc>
+                <a:spcPct val="110000"/>
+              </a:lnSpc>
+              <a:buNone/>
+            </a:pPr>
+            <a:r>
+              <a:rPr lang="en-GB" sz="1700" dirty="0">
+                <a:solidFill>
+                  <a:srgbClr val="404040"/>
+                </a:solidFill>
+                <a:latin typeface="Fira Sans" pitchFamily="34"/>
+              </a:rPr>
+              <a:t>Some stuff I work on:</a:t>
+            </a:r>
+          </a:p>
+          <a:p>
+            <a:pPr marL="0" lvl="0" indent="0">
+              <a:lnSpc>
+                <a:spcPct val="110000"/>
+              </a:lnSpc>
+              <a:buNone/>
+            </a:pPr>
+            <a:r>
+              <a:rPr lang="en-GB" sz="1700" dirty="0">
+                <a:solidFill>
+                  <a:srgbClr val="404040"/>
+                </a:solidFill>
+                <a:latin typeface="Fira Sans" pitchFamily="34"/>
+              </a:rPr>
+              <a:t>Latent variables, high-dimensional data, optimization, regularization, visualisation, Bayesian statistics, multilevel models, spatial data, generalized linear models, privacy, synthetic data, high-performance computing, software development, open science &amp; reproducibility</a:t>
+            </a:r>
+          </a:p>
+        </p:txBody>
+      </p:sp>
+      <p:pic>
+        <p:nvPicPr>
+          <p:cNvPr id="4" name="Picture 7">
+            <a:extLst>
+              <a:ext uri="{FF2B5EF4-FFF2-40B4-BE49-F238E27FC236}">
+                <a16:creationId xmlns:a16="http://schemas.microsoft.com/office/drawing/2014/main" id="{2C92E365-10AA-45C2-A560-32B44CB8B09B}"/>
+              </a:ext>
+            </a:extLst>
+          </p:cNvPr>
+          <p:cNvPicPr>
+            <a:picLocks noChangeAspect="1"/>
+          </p:cNvPicPr>
+          <p:nvPr/>
+        </p:nvPicPr>
+        <p:blipFill>
+          <a:blip r:embed="rId2">
+            <a:extLst>
+              <a:ext uri="{28A0092B-C50C-407E-A947-70E740481C1C}">
+                <a14:useLocalDpi xmlns:a14="http://schemas.microsoft.com/office/drawing/2010/main" val="0"/>
+              </a:ext>
+            </a:extLst>
+          </a:blip>
+          <a:srcRect/>
+          <a:stretch/>
+        </p:blipFill>
+        <p:spPr>
+          <a:xfrm>
+            <a:off x="901154" y="1791763"/>
+            <a:ext cx="1538267" cy="1536162"/>
+          </a:xfrm>
+          <a:prstGeom prst="rect">
+            <a:avLst/>
+          </a:prstGeom>
+          <a:noFill/>
+          <a:ln cap="flat">
+            <a:noFill/>
+          </a:ln>
+        </p:spPr>
+      </p:pic>
+      <p:pic>
+        <p:nvPicPr>
+          <p:cNvPr id="6" name="Graphic 3">
+            <a:extLst>
+              <a:ext uri="{FF2B5EF4-FFF2-40B4-BE49-F238E27FC236}">
+                <a16:creationId xmlns:a16="http://schemas.microsoft.com/office/drawing/2014/main" id="{2F77BD52-0F24-4FCB-BA39-100F17AA3037}"/>
+              </a:ext>
+            </a:extLst>
+          </p:cNvPr>
+          <p:cNvPicPr>
+            <a:picLocks noChangeAspect="1"/>
+          </p:cNvPicPr>
+          <p:nvPr/>
+        </p:nvPicPr>
+        <p:blipFill>
+          <a:blip r:embed="rId3">
+            <a:extLst>
+              <a:ext uri="{96DAC541-7B7A-43D3-8B79-37D633B846F1}">
+                <asvg:svgBlip xmlns:asvg="http://schemas.microsoft.com/office/drawing/2016/SVG/main" r:embed="rId4"/>
+              </a:ext>
+            </a:extLst>
+          </a:blip>
+          <a:stretch>
+            <a:fillRect/>
+          </a:stretch>
+        </p:blipFill>
+        <p:spPr>
+          <a:xfrm>
+            <a:off x="2591062" y="3429000"/>
+            <a:ext cx="1934815" cy="653320"/>
+          </a:xfrm>
+          <a:prstGeom prst="rect">
+            <a:avLst/>
+          </a:prstGeom>
+          <a:noFill/>
+          <a:ln cap="flat">
+            <a:noFill/>
+          </a:ln>
+        </p:spPr>
+      </p:pic>
+    </p:spTree>
+  </p:cSld>
+  <p:clrMapOvr>
+    <a:masterClrMapping/>
+  </p:clrMapOvr>
+</p:sld>
+</file>
+
+<file path=ppt/slides/slide32.xml><?xml version="1.0" encoding="utf-8"?>
+<p:sld xmlns:a="http://schemas.openxmlformats.org/drawingml/2006/main" xmlns:r="http://schemas.openxmlformats.org/officeDocument/2006/relationships" xmlns:p="http://schemas.openxmlformats.org/presentationml/2006/main">
+  <p:cSld name="Slide47">
+    <p:bg>
+      <p:bgPr>
+        <a:solidFill>
+          <a:srgbClr val="006388"/>
+        </a:solidFill>
+        <a:effectLst/>
+      </p:bgPr>
+    </p:bg>
+    <p:spTree>
+      <p:nvGrpSpPr>
+        <p:cNvPr id="1" name=""/>
+        <p:cNvGrpSpPr/>
+        <p:nvPr/>
+      </p:nvGrpSpPr>
+      <p:grpSpPr>
+        <a:xfrm>
+          <a:off x="0" y="0"/>
+          <a:ext cx="0" cy="0"/>
+          <a:chOff x="0" y="0"/>
+          <a:chExt cx="0" cy="0"/>
+        </a:xfrm>
+      </p:grpSpPr>
+      <p:sp>
+        <p:nvSpPr>
+          <p:cNvPr id="2" name="Title 1">
+            <a:extLst>
+              <a:ext uri="{FF2B5EF4-FFF2-40B4-BE49-F238E27FC236}">
+                <a16:creationId xmlns:a16="http://schemas.microsoft.com/office/drawing/2014/main" id="{36BA4411-C7D7-4278-BB83-409F1B5C06AB}"/>
+              </a:ext>
+            </a:extLst>
+          </p:cNvPr>
+          <p:cNvSpPr txBox="1">
+            <a:spLocks noGrp="1"/>
+          </p:cNvSpPr>
+          <p:nvPr>
+            <p:ph type="title"/>
+          </p:nvPr>
+        </p:nvSpPr>
+        <p:spPr/>
+        <p:txBody>
+          <a:bodyPr/>
+          <a:lstStyle/>
+          <a:p>
+            <a:pPr lvl="0">
+              <a:lnSpc>
+                <a:spcPct val="100000"/>
+              </a:lnSpc>
+            </a:pPr>
+            <a:r>
+              <a:rPr lang="en-GB" sz="5400" b="1" kern="0">
+                <a:solidFill>
+                  <a:srgbClr val="FFFFFF"/>
+                </a:solidFill>
+                <a:latin typeface="Fira Sans" pitchFamily="34"/>
+                <a:ea typeface="Fira Code" pitchFamily="49"/>
+              </a:rPr>
+              <a:t>Today’s plan: morning</a:t>
+            </a:r>
+            <a:endParaRPr lang="en-GB" sz="1800" kern="0">
+              <a:solidFill>
+                <a:srgbClr val="FFFFFF"/>
+              </a:solidFill>
+            </a:endParaRPr>
+          </a:p>
+        </p:txBody>
+      </p:sp>
+      <p:sp>
+        <p:nvSpPr>
+          <p:cNvPr id="3" name="Content Placeholder 2">
+            <a:extLst>
+              <a:ext uri="{FF2B5EF4-FFF2-40B4-BE49-F238E27FC236}">
+                <a16:creationId xmlns:a16="http://schemas.microsoft.com/office/drawing/2014/main" id="{F5AB15E0-B1DD-406B-896C-D1BCB6BFF600}"/>
+              </a:ext>
+            </a:extLst>
+          </p:cNvPr>
+          <p:cNvSpPr txBox="1">
+            <a:spLocks noGrp="1"/>
+          </p:cNvSpPr>
+          <p:nvPr>
+            <p:ph idx="1"/>
+          </p:nvPr>
+        </p:nvSpPr>
+        <p:spPr>
+          <a:xfrm>
+            <a:off x="838203" y="1825627"/>
+            <a:ext cx="10515600" cy="4667243"/>
+          </a:xfrm>
+        </p:spPr>
+        <p:txBody>
+          <a:bodyPr>
+            <a:normAutofit/>
+          </a:bodyPr>
+          <a:lstStyle/>
+          <a:p>
+            <a:pPr lvl="0"/>
+            <a:r>
+              <a:rPr lang="en-GB" sz="3600" dirty="0">
+                <a:solidFill>
+                  <a:srgbClr val="FFFFFF"/>
+                </a:solidFill>
+                <a:latin typeface="Fira Sans" pitchFamily="34"/>
+              </a:rPr>
+              <a:t>Introduction &amp; Recap (60 minutes)</a:t>
+            </a:r>
+          </a:p>
+          <a:p>
+            <a:pPr lvl="0"/>
+            <a:r>
+              <a:rPr lang="en-GB" sz="3600" dirty="0">
+                <a:solidFill>
+                  <a:srgbClr val="FFFFFF"/>
+                </a:solidFill>
+                <a:latin typeface="Fira Sans" pitchFamily="34"/>
+              </a:rPr>
+              <a:t>Short break (10 minutes)</a:t>
+            </a:r>
+          </a:p>
+          <a:p>
+            <a:r>
+              <a:rPr lang="en-GB" sz="3600" dirty="0">
+                <a:solidFill>
+                  <a:srgbClr val="FFFFFF"/>
+                </a:solidFill>
+                <a:latin typeface="Fira Sans" pitchFamily="34"/>
+              </a:rPr>
+              <a:t>Supervised learning: bias/variance (80 minutes)</a:t>
+            </a:r>
+          </a:p>
+          <a:p>
+            <a:r>
+              <a:rPr lang="en-GB" sz="3600" dirty="0">
+                <a:solidFill>
+                  <a:srgbClr val="FFFFFF"/>
+                </a:solidFill>
+                <a:latin typeface="Fira Sans" pitchFamily="34"/>
+              </a:rPr>
+              <a:t>Supervised learning: classification (40 minutes)</a:t>
+            </a:r>
+          </a:p>
+          <a:p>
+            <a:endParaRPr lang="en-GB" sz="3600" dirty="0">
+              <a:solidFill>
+                <a:srgbClr val="FFFFFF"/>
+              </a:solidFill>
+              <a:latin typeface="Fira Sans" pitchFamily="34"/>
+            </a:endParaRPr>
+          </a:p>
+          <a:p>
+            <a:r>
+              <a:rPr lang="en-GB" sz="3600" dirty="0">
+                <a:solidFill>
+                  <a:srgbClr val="FFFFFF"/>
+                </a:solidFill>
+                <a:latin typeface="Fira Sans" pitchFamily="34"/>
+              </a:rPr>
+              <a:t>Lunch around 12:40</a:t>
+            </a:r>
+          </a:p>
+        </p:txBody>
+      </p:sp>
+    </p:spTree>
+  </p:cSld>
+  <p:clrMapOvr>
+    <a:masterClrMapping/>
+  </p:clrMapOvr>
+</p:sld>
+</file>
+
+<file path=ppt/slides/slide33.xml><?xml version="1.0" encoding="utf-8"?>
+<p:sld xmlns:a="http://schemas.openxmlformats.org/drawingml/2006/main" xmlns:r="http://schemas.openxmlformats.org/officeDocument/2006/relationships" xmlns:p="http://schemas.openxmlformats.org/presentationml/2006/main">
+  <p:cSld>
+    <p:bg>
+      <p:bgPr>
+        <a:solidFill>
+          <a:srgbClr val="006388"/>
+        </a:solidFill>
+        <a:effectLst/>
+      </p:bgPr>
+    </p:bg>
+    <p:spTree>
+      <p:nvGrpSpPr>
+        <p:cNvPr id="1" name=""/>
+        <p:cNvGrpSpPr/>
+        <p:nvPr/>
+      </p:nvGrpSpPr>
+      <p:grpSpPr>
+        <a:xfrm>
+          <a:off x="0" y="0"/>
+          <a:ext cx="0" cy="0"/>
+          <a:chOff x="0" y="0"/>
+          <a:chExt cx="0" cy="0"/>
+        </a:xfrm>
+      </p:grpSpPr>
+      <p:sp>
+        <p:nvSpPr>
+          <p:cNvPr id="2" name="Title 1">
+            <a:extLst>
+              <a:ext uri="{FF2B5EF4-FFF2-40B4-BE49-F238E27FC236}">
+                <a16:creationId xmlns:a16="http://schemas.microsoft.com/office/drawing/2014/main" id="{36BA4411-C7D7-4278-BB83-409F1B5C06AB}"/>
+              </a:ext>
+            </a:extLst>
+          </p:cNvPr>
+          <p:cNvSpPr txBox="1">
+            <a:spLocks noGrp="1"/>
+          </p:cNvSpPr>
+          <p:nvPr>
+            <p:ph type="title"/>
+          </p:nvPr>
+        </p:nvSpPr>
+        <p:spPr/>
+        <p:txBody>
+          <a:bodyPr/>
+          <a:lstStyle/>
+          <a:p>
+            <a:pPr lvl="0">
+              <a:lnSpc>
+                <a:spcPct val="100000"/>
+              </a:lnSpc>
+            </a:pPr>
+            <a:r>
+              <a:rPr lang="en-GB" sz="5400" b="1" kern="0" dirty="0">
+                <a:solidFill>
+                  <a:srgbClr val="FFFFFF"/>
+                </a:solidFill>
+                <a:latin typeface="Fira Sans" pitchFamily="34"/>
+                <a:ea typeface="Fira Code" pitchFamily="49"/>
+              </a:rPr>
+              <a:t>Today’s plan: afternoon</a:t>
+            </a:r>
+            <a:endParaRPr lang="en-GB" sz="1800" kern="0" dirty="0">
+              <a:solidFill>
+                <a:srgbClr val="FFFFFF"/>
+              </a:solidFill>
+            </a:endParaRPr>
+          </a:p>
+        </p:txBody>
+      </p:sp>
+      <p:sp>
+        <p:nvSpPr>
+          <p:cNvPr id="3" name="Content Placeholder 2">
+            <a:extLst>
+              <a:ext uri="{FF2B5EF4-FFF2-40B4-BE49-F238E27FC236}">
+                <a16:creationId xmlns:a16="http://schemas.microsoft.com/office/drawing/2014/main" id="{F5AB15E0-B1DD-406B-896C-D1BCB6BFF600}"/>
+              </a:ext>
+            </a:extLst>
+          </p:cNvPr>
+          <p:cNvSpPr txBox="1">
+            <a:spLocks noGrp="1"/>
+          </p:cNvSpPr>
+          <p:nvPr>
+            <p:ph idx="1"/>
+          </p:nvPr>
+        </p:nvSpPr>
+        <p:spPr>
+          <a:xfrm>
+            <a:off x="838203" y="1825627"/>
+            <a:ext cx="10515600" cy="4667243"/>
+          </a:xfrm>
+        </p:spPr>
+        <p:txBody>
+          <a:bodyPr>
+            <a:normAutofit/>
+          </a:bodyPr>
+          <a:lstStyle/>
+          <a:p>
+            <a:pPr lvl="0"/>
+            <a:r>
+              <a:rPr lang="en-GB" sz="3600" dirty="0">
+                <a:solidFill>
+                  <a:srgbClr val="FFFFFF"/>
+                </a:solidFill>
+                <a:latin typeface="Fira Sans" pitchFamily="34"/>
+              </a:rPr>
+              <a:t>Prediction competition in groups (90 minutes)</a:t>
+            </a:r>
+          </a:p>
+          <a:p>
+            <a:pPr lvl="0"/>
+            <a:r>
+              <a:rPr lang="en-GB" sz="3600" dirty="0">
+                <a:solidFill>
+                  <a:srgbClr val="FFFFFF"/>
+                </a:solidFill>
+                <a:latin typeface="Fira Sans" pitchFamily="34"/>
+              </a:rPr>
+              <a:t>Short break (10 minutes)</a:t>
+            </a:r>
+          </a:p>
+          <a:p>
+            <a:pPr lvl="0"/>
+            <a:r>
+              <a:rPr lang="en-GB" sz="3600" dirty="0">
+                <a:solidFill>
+                  <a:srgbClr val="FFFFFF"/>
+                </a:solidFill>
+                <a:latin typeface="Fira Sans" pitchFamily="34"/>
+              </a:rPr>
+              <a:t>Intermezzo: fairness &amp; feedback loops in prediction (30 minutes)</a:t>
+            </a:r>
+          </a:p>
+          <a:p>
+            <a:r>
+              <a:rPr lang="en-GB" sz="3600" dirty="0">
+                <a:solidFill>
+                  <a:srgbClr val="FFFFFF"/>
+                </a:solidFill>
+                <a:latin typeface="Fira Sans" pitchFamily="34"/>
+              </a:rPr>
+              <a:t>Unsupervised learning (45 minutes)</a:t>
+            </a:r>
+          </a:p>
+          <a:p>
+            <a:endParaRPr lang="en-GB" sz="3600" dirty="0">
+              <a:solidFill>
+                <a:srgbClr val="FFFFFF"/>
+              </a:solidFill>
+              <a:latin typeface="Fira Sans" pitchFamily="34"/>
+            </a:endParaRPr>
+          </a:p>
+          <a:p>
+            <a:r>
+              <a:rPr lang="en-GB" sz="3600" dirty="0">
+                <a:solidFill>
+                  <a:srgbClr val="FFFFFF"/>
+                </a:solidFill>
+                <a:latin typeface="Fira Sans" pitchFamily="34"/>
+              </a:rPr>
+              <a:t>Finish around 16:30</a:t>
+            </a:r>
+          </a:p>
+        </p:txBody>
+      </p:sp>
+    </p:spTree>
+    <p:extLst>
+      <p:ext uri="{BB962C8B-B14F-4D97-AF65-F5344CB8AC3E}">
+        <p14:creationId xmlns:p14="http://schemas.microsoft.com/office/powerpoint/2010/main" val="3990727277"/>
+      </p:ext>
+    </p:extLst>
+  </p:cSld>
+  <p:clrMapOvr>
+    <a:masterClrMapping/>
+  </p:clrMapOvr>
+</p:sld>
+</file>
+
+<file path=ppt/slides/slide34.xml><?xml version="1.0" encoding="utf-8"?>
 <p:sld xmlns:a="http://schemas.openxmlformats.org/drawingml/2006/main" xmlns:r="http://schemas.openxmlformats.org/officeDocument/2006/relationships" xmlns:p="http://schemas.openxmlformats.org/presentationml/2006/main">
   <p:cSld name="Slide52">
     <p:bg>
@@ -23874,7 +24685,7 @@
 </p:sld>
 </file>
 
-<file path=ppt/slides/slide31.xml><?xml version="1.0" encoding="utf-8"?>
+<file path=ppt/slides/slide35.xml><?xml version="1.0" encoding="utf-8"?>
 <p:sld xmlns:a="http://schemas.openxmlformats.org/drawingml/2006/main" xmlns:r="http://schemas.openxmlformats.org/officeDocument/2006/relationships" xmlns:p="http://schemas.openxmlformats.org/presentationml/2006/main" show="0">
   <p:cSld name="Slide80">
     <p:bg>
@@ -24134,7 +24945,7 @@
 </p:sld>
 </file>
 
-<file path=ppt/slides/slide32.xml><?xml version="1.0" encoding="utf-8"?>
+<file path=ppt/slides/slide36.xml><?xml version="1.0" encoding="utf-8"?>
 <p:sld xmlns:a="http://schemas.openxmlformats.org/drawingml/2006/main" xmlns:r="http://schemas.openxmlformats.org/officeDocument/2006/relationships" xmlns:p="http://schemas.openxmlformats.org/presentationml/2006/main" show="0">
   <p:cSld>
     <p:bg>
@@ -24221,7 +25032,7 @@
 </p:sld>
 </file>
 
-<file path=ppt/slides/slide33.xml><?xml version="1.0" encoding="utf-8"?>
+<file path=ppt/slides/slide37.xml><?xml version="1.0" encoding="utf-8"?>
 <p:sld xmlns:a="http://schemas.openxmlformats.org/drawingml/2006/main" xmlns:r="http://schemas.openxmlformats.org/officeDocument/2006/relationships" xmlns:p="http://schemas.openxmlformats.org/presentationml/2006/main" show="0">
   <p:cSld>
     <p:spTree>
@@ -24369,7 +25180,7 @@
 </p:sld>
 </file>
 
-<file path=ppt/slides/slide34.xml><?xml version="1.0" encoding="utf-8"?>
+<file path=ppt/slides/slide38.xml><?xml version="1.0" encoding="utf-8"?>
 <p:sld xmlns:a="http://schemas.openxmlformats.org/drawingml/2006/main" xmlns:r="http://schemas.openxmlformats.org/officeDocument/2006/relationships" xmlns:p="http://schemas.openxmlformats.org/presentationml/2006/main" show="0">
   <p:cSld name="Slide37">
     <p:bg>
@@ -24452,6 +25263,582 @@
 </file>
 
 <file path=ppt/slides/slide4.xml><?xml version="1.0" encoding="utf-8"?>
+<p:sld xmlns:a="http://schemas.openxmlformats.org/drawingml/2006/main" xmlns:r="http://schemas.openxmlformats.org/officeDocument/2006/relationships" xmlns:p="http://schemas.openxmlformats.org/presentationml/2006/main">
+  <p:cSld>
+    <p:spTree>
+      <p:nvGrpSpPr>
+        <p:cNvPr id="1" name=""/>
+        <p:cNvGrpSpPr/>
+        <p:nvPr/>
+      </p:nvGrpSpPr>
+      <p:grpSpPr>
+        <a:xfrm>
+          <a:off x="0" y="0"/>
+          <a:ext cx="0" cy="0"/>
+          <a:chOff x="0" y="0"/>
+          <a:chExt cx="0" cy="0"/>
+        </a:xfrm>
+      </p:grpSpPr>
+      <p:sp>
+        <p:nvSpPr>
+          <p:cNvPr id="2" name="Title 1">
+            <a:extLst>
+              <a:ext uri="{FF2B5EF4-FFF2-40B4-BE49-F238E27FC236}">
+                <a16:creationId xmlns:a16="http://schemas.microsoft.com/office/drawing/2014/main" id="{036EB03B-6F62-4CCD-A4CD-12EC24AAF912}"/>
+              </a:ext>
+            </a:extLst>
+          </p:cNvPr>
+          <p:cNvSpPr txBox="1">
+            <a:spLocks noGrp="1"/>
+          </p:cNvSpPr>
+          <p:nvPr>
+            <p:ph type="title"/>
+          </p:nvPr>
+        </p:nvSpPr>
+        <p:spPr/>
+        <p:txBody>
+          <a:bodyPr/>
+          <a:lstStyle/>
+          <a:p>
+            <a:pPr lvl="0">
+              <a:lnSpc>
+                <a:spcPct val="100000"/>
+              </a:lnSpc>
+            </a:pPr>
+            <a:r>
+              <a:rPr lang="en-GB" sz="5400" b="1" kern="0" dirty="0">
+                <a:solidFill>
+                  <a:srgbClr val="006388"/>
+                </a:solidFill>
+                <a:latin typeface="Fira Sans" pitchFamily="34"/>
+                <a:ea typeface="Fira Code" pitchFamily="49"/>
+              </a:rPr>
+              <a:t>So far…</a:t>
+            </a:r>
+            <a:endParaRPr lang="en-GB" sz="1800" kern="0" dirty="0"/>
+          </a:p>
+        </p:txBody>
+      </p:sp>
+      <mc:AlternateContent xmlns:mc="http://schemas.openxmlformats.org/markup-compatibility/2006">
+        <mc:Choice xmlns:a14="http://schemas.microsoft.com/office/drawing/2010/main" Requires="a14">
+          <p:sp>
+            <p:nvSpPr>
+              <p:cNvPr id="3" name="Content Placeholder 2">
+                <a:extLst>
+                  <a:ext uri="{FF2B5EF4-FFF2-40B4-BE49-F238E27FC236}">
+                    <a16:creationId xmlns:a16="http://schemas.microsoft.com/office/drawing/2014/main" id="{101C6031-0036-4227-9AE0-DCC63CE3973A}"/>
+                  </a:ext>
+                </a:extLst>
+              </p:cNvPr>
+              <p:cNvSpPr txBox="1">
+                <a:spLocks noGrp="1"/>
+              </p:cNvSpPr>
+              <p:nvPr>
+                <p:ph idx="1"/>
+              </p:nvPr>
+            </p:nvSpPr>
+            <p:spPr>
+              <a:xfrm>
+                <a:off x="838197" y="1690688"/>
+                <a:ext cx="10515600" cy="4667243"/>
+              </a:xfrm>
+            </p:spPr>
+            <p:txBody>
+              <a:bodyPr/>
+              <a:lstStyle/>
+              <a:p>
+                <a:pPr marL="0" lvl="0" indent="0">
+                  <a:buNone/>
+                </a:pPr>
+                <a:r>
+                  <a:rPr lang="en-GB" sz="2000" b="1" dirty="0">
+                    <a:solidFill>
+                      <a:srgbClr val="404040"/>
+                    </a:solidFill>
+                    <a:latin typeface="Fira Sans" pitchFamily="34"/>
+                  </a:rPr>
+                  <a:t>Interrupted Time Series</a:t>
+                </a:r>
+              </a:p>
+              <a:p>
+                <a:pPr lvl="0">
+                  <a:buFontTx/>
+                  <a:buChar char="-"/>
+                </a:pPr>
+                <a:r>
+                  <a:rPr lang="en-GB" sz="1800" dirty="0">
+                    <a:solidFill>
+                      <a:srgbClr val="404040"/>
+                    </a:solidFill>
+                    <a:latin typeface="Fira Sans" pitchFamily="34"/>
+                  </a:rPr>
+                  <a:t>Suitable when we have long time series, no control units</a:t>
+                </a:r>
+              </a:p>
+              <a:p>
+                <a:pPr lvl="0">
+                  <a:buFontTx/>
+                  <a:buChar char="-"/>
+                </a:pPr>
+                <a:r>
+                  <a:rPr lang="en-GB" sz="1800" dirty="0">
+                    <a:solidFill>
+                      <a:srgbClr val="404040"/>
+                    </a:solidFill>
+                    <a:latin typeface="Fira Sans" pitchFamily="34"/>
+                  </a:rPr>
+                  <a:t>Try to predict future </a:t>
+                </a:r>
+                <a:r>
+                  <a:rPr lang="en-GB" sz="1800" b="1" dirty="0">
+                    <a:solidFill>
+                      <a:srgbClr val="404040"/>
+                    </a:solidFill>
+                    <a:latin typeface="Fira Sans" pitchFamily="34"/>
+                  </a:rPr>
+                  <a:t>counterfactual</a:t>
+                </a:r>
+                <a:r>
+                  <a:rPr lang="en-GB" sz="1800" dirty="0">
+                    <a:solidFill>
+                      <a:srgbClr val="404040"/>
+                    </a:solidFill>
+                    <a:latin typeface="Fira Sans" pitchFamily="34"/>
+                  </a:rPr>
+                  <a:t> </a:t>
+                </a:r>
+                <a14:m>
+                  <m:oMath xmlns:m="http://schemas.openxmlformats.org/officeDocument/2006/math">
+                    <m:sSubSup>
+                      <m:sSubSupPr>
+                        <m:ctrlPr>
+                          <a:rPr lang="en-GB" sz="1800" b="0" i="1" smtClean="0">
+                            <a:solidFill>
+                              <a:srgbClr val="404040"/>
+                            </a:solidFill>
+                            <a:latin typeface="Cambria Math" panose="02040503050406030204" pitchFamily="18" charset="0"/>
+                          </a:rPr>
+                        </m:ctrlPr>
+                      </m:sSubSupPr>
+                      <m:e>
+                        <m:r>
+                          <a:rPr lang="en-GB" sz="1800" b="0" i="1" smtClean="0">
+                            <a:solidFill>
+                              <a:srgbClr val="404040"/>
+                            </a:solidFill>
+                            <a:latin typeface="Cambria Math" panose="02040503050406030204" pitchFamily="18" charset="0"/>
+                          </a:rPr>
+                          <m:t>𝑌</m:t>
+                        </m:r>
+                      </m:e>
+                      <m:sub>
+                        <m:r>
+                          <a:rPr lang="en-GB" sz="1800" b="0" i="1" smtClean="0">
+                            <a:solidFill>
+                              <a:srgbClr val="404040"/>
+                            </a:solidFill>
+                            <a:latin typeface="Cambria Math" panose="02040503050406030204" pitchFamily="18" charset="0"/>
+                          </a:rPr>
+                          <m:t>𝑡</m:t>
+                        </m:r>
+                      </m:sub>
+                      <m:sup>
+                        <m:r>
+                          <a:rPr lang="en-GB" sz="1800" b="0" i="1" smtClean="0">
+                            <a:solidFill>
+                              <a:srgbClr val="404040"/>
+                            </a:solidFill>
+                            <a:latin typeface="Cambria Math" panose="02040503050406030204" pitchFamily="18" charset="0"/>
+                          </a:rPr>
+                          <m:t>0</m:t>
+                        </m:r>
+                      </m:sup>
+                    </m:sSubSup>
+                  </m:oMath>
+                </a14:m>
+                <a:r>
+                  <a:rPr lang="en-GB" sz="1800" dirty="0">
+                    <a:solidFill>
+                      <a:srgbClr val="404040"/>
+                    </a:solidFill>
+                    <a:latin typeface="Fira Sans" pitchFamily="34"/>
+                  </a:rPr>
+                  <a:t> from past (pre-intervention) data </a:t>
+                </a:r>
+                <a14:m>
+                  <m:oMath xmlns:m="http://schemas.openxmlformats.org/officeDocument/2006/math">
+                    <m:sSubSup>
+                      <m:sSubSupPr>
+                        <m:ctrlPr>
+                          <a:rPr lang="en-GB" sz="1800" i="1">
+                            <a:solidFill>
+                              <a:srgbClr val="404040"/>
+                            </a:solidFill>
+                            <a:latin typeface="Cambria Math" panose="02040503050406030204" pitchFamily="18" charset="0"/>
+                          </a:rPr>
+                        </m:ctrlPr>
+                      </m:sSubSupPr>
+                      <m:e>
+                        <m:r>
+                          <a:rPr lang="en-GB" sz="1800" i="1">
+                            <a:solidFill>
+                              <a:srgbClr val="404040"/>
+                            </a:solidFill>
+                            <a:latin typeface="Cambria Math" panose="02040503050406030204" pitchFamily="18" charset="0"/>
+                          </a:rPr>
+                          <m:t>𝑌</m:t>
+                        </m:r>
+                      </m:e>
+                      <m:sub>
+                        <m:r>
+                          <a:rPr lang="en-GB" sz="1800" i="1">
+                            <a:solidFill>
+                              <a:srgbClr val="404040"/>
+                            </a:solidFill>
+                            <a:latin typeface="Cambria Math" panose="02040503050406030204" pitchFamily="18" charset="0"/>
+                          </a:rPr>
+                          <m:t>𝑡</m:t>
+                        </m:r>
+                        <m:r>
+                          <a:rPr lang="en-GB" sz="1800" b="0" i="1" smtClean="0">
+                            <a:solidFill>
+                              <a:srgbClr val="404040"/>
+                            </a:solidFill>
+                            <a:latin typeface="Cambria Math" panose="02040503050406030204" pitchFamily="18" charset="0"/>
+                          </a:rPr>
+                          <m:t>−</m:t>
+                        </m:r>
+                        <m:r>
+                          <a:rPr lang="en-GB" sz="1800" b="0" i="1" smtClean="0">
+                            <a:solidFill>
+                              <a:srgbClr val="404040"/>
+                            </a:solidFill>
+                            <a:latin typeface="Cambria Math" panose="02040503050406030204" pitchFamily="18" charset="0"/>
+                          </a:rPr>
+                          <m:t>𝑠</m:t>
+                        </m:r>
+                      </m:sub>
+                      <m:sup>
+                        <m:r>
+                          <a:rPr lang="en-GB" sz="1800" i="1">
+                            <a:solidFill>
+                              <a:srgbClr val="404040"/>
+                            </a:solidFill>
+                            <a:latin typeface="Cambria Math" panose="02040503050406030204" pitchFamily="18" charset="0"/>
+                          </a:rPr>
+                          <m:t>0</m:t>
+                        </m:r>
+                      </m:sup>
+                    </m:sSubSup>
+                  </m:oMath>
+                </a14:m>
+                <a:r>
+                  <a:rPr lang="en-GB" sz="1800" dirty="0">
+                    <a:solidFill>
+                      <a:srgbClr val="404040"/>
+                    </a:solidFill>
+                    <a:latin typeface="Fira Sans" pitchFamily="34"/>
+                  </a:rPr>
+                  <a:t> from the treated unit</a:t>
+                </a:r>
+              </a:p>
+              <a:p>
+                <a:pPr lvl="0">
+                  <a:buFontTx/>
+                  <a:buChar char="-"/>
+                </a:pPr>
+                <a:endParaRPr lang="en-GB" sz="1800" dirty="0">
+                  <a:solidFill>
+                    <a:schemeClr val="bg2"/>
+                  </a:solidFill>
+                  <a:latin typeface="Fira Sans" pitchFamily="34"/>
+                </a:endParaRPr>
+              </a:p>
+              <a:p>
+                <a:pPr marL="0" indent="0">
+                  <a:buNone/>
+                </a:pPr>
+                <a:r>
+                  <a:rPr lang="en-GB" sz="1800" b="1" dirty="0">
+                    <a:solidFill>
+                      <a:schemeClr val="bg2"/>
+                    </a:solidFill>
+                    <a:latin typeface="Fira Sans" pitchFamily="34"/>
+                  </a:rPr>
+                  <a:t>Synthetic Control</a:t>
+                </a:r>
+              </a:p>
+              <a:p>
+                <a:pPr>
+                  <a:buFontTx/>
+                  <a:buChar char="-"/>
+                </a:pPr>
+                <a:r>
+                  <a:rPr lang="en-GB" sz="1800" dirty="0">
+                    <a:solidFill>
+                      <a:schemeClr val="bg2"/>
+                    </a:solidFill>
+                    <a:latin typeface="Fira Sans" pitchFamily="34"/>
+                  </a:rPr>
+                  <a:t>Suitable when we have </a:t>
+                </a:r>
+                <a:r>
+                  <a:rPr lang="en-GB" sz="1800" b="1" dirty="0">
+                    <a:solidFill>
+                      <a:schemeClr val="bg2"/>
+                    </a:solidFill>
+                    <a:latin typeface="Fira Sans" pitchFamily="34"/>
+                  </a:rPr>
+                  <a:t>many </a:t>
+                </a:r>
+                <a:r>
+                  <a:rPr lang="en-GB" sz="1800" dirty="0">
+                    <a:solidFill>
+                      <a:schemeClr val="bg2"/>
+                    </a:solidFill>
+                    <a:latin typeface="Fira Sans" pitchFamily="34"/>
+                  </a:rPr>
+                  <a:t>control units</a:t>
+                </a:r>
+              </a:p>
+              <a:p>
+                <a:pPr>
+                  <a:buFontTx/>
+                  <a:buChar char="-"/>
+                </a:pPr>
+                <a:r>
+                  <a:rPr lang="en-GB" sz="1800" dirty="0">
+                    <a:solidFill>
+                      <a:schemeClr val="bg2"/>
+                    </a:solidFill>
+                    <a:latin typeface="Fira Sans" pitchFamily="34"/>
+                  </a:rPr>
+                  <a:t>Try to predict </a:t>
+                </a:r>
+                <a:r>
+                  <a:rPr lang="en-GB" sz="1800" b="1" dirty="0">
+                    <a:solidFill>
+                      <a:schemeClr val="bg2"/>
+                    </a:solidFill>
+                    <a:latin typeface="Fira Sans" pitchFamily="34"/>
+                  </a:rPr>
+                  <a:t>counterfactual </a:t>
+                </a:r>
+                <a14:m>
+                  <m:oMath xmlns:m="http://schemas.openxmlformats.org/officeDocument/2006/math">
+                    <m:sSubSup>
+                      <m:sSubSupPr>
+                        <m:ctrlPr>
+                          <a:rPr lang="en-GB" sz="1800" b="0" i="1" smtClean="0">
+                            <a:solidFill>
+                              <a:schemeClr val="bg2"/>
+                            </a:solidFill>
+                            <a:latin typeface="Cambria Math" panose="02040503050406030204" pitchFamily="18" charset="0"/>
+                          </a:rPr>
+                        </m:ctrlPr>
+                      </m:sSubSupPr>
+                      <m:e>
+                        <m:r>
+                          <a:rPr lang="en-GB" sz="1800" b="0" i="1" smtClean="0">
+                            <a:solidFill>
+                              <a:schemeClr val="bg2"/>
+                            </a:solidFill>
+                            <a:latin typeface="Cambria Math" panose="02040503050406030204" pitchFamily="18" charset="0"/>
+                          </a:rPr>
+                          <m:t>𝑌</m:t>
+                        </m:r>
+                      </m:e>
+                      <m:sub>
+                        <m:r>
+                          <a:rPr lang="en-GB" sz="1800" b="0" i="1" smtClean="0">
+                            <a:solidFill>
+                              <a:schemeClr val="bg2"/>
+                            </a:solidFill>
+                            <a:latin typeface="Cambria Math" panose="02040503050406030204" pitchFamily="18" charset="0"/>
+                          </a:rPr>
+                          <m:t>𝑡</m:t>
+                        </m:r>
+                      </m:sub>
+                      <m:sup>
+                        <m:r>
+                          <a:rPr lang="en-GB" sz="1800" b="0" i="1" smtClean="0">
+                            <a:solidFill>
+                              <a:schemeClr val="bg2"/>
+                            </a:solidFill>
+                            <a:latin typeface="Cambria Math" panose="02040503050406030204" pitchFamily="18" charset="0"/>
+                          </a:rPr>
+                          <m:t>0</m:t>
+                        </m:r>
+                      </m:sup>
+                    </m:sSubSup>
+                  </m:oMath>
+                </a14:m>
+                <a:r>
+                  <a:rPr lang="en-GB" sz="1800" dirty="0">
+                    <a:solidFill>
+                      <a:schemeClr val="bg2"/>
+                    </a:solidFill>
+                    <a:latin typeface="Fira Sans" pitchFamily="34"/>
+                  </a:rPr>
+                  <a:t> for the treated unit using (a weighted average) of data from other untreated units </a:t>
+                </a:r>
+                <a14:m>
+                  <m:oMath xmlns:m="http://schemas.openxmlformats.org/officeDocument/2006/math">
+                    <m:sSubSup>
+                      <m:sSubSupPr>
+                        <m:ctrlPr>
+                          <a:rPr lang="en-GB" sz="1800" i="1">
+                            <a:solidFill>
+                              <a:schemeClr val="bg2"/>
+                            </a:solidFill>
+                            <a:latin typeface="Cambria Math" panose="02040503050406030204" pitchFamily="18" charset="0"/>
+                          </a:rPr>
+                        </m:ctrlPr>
+                      </m:sSubSupPr>
+                      <m:e>
+                        <m:r>
+                          <a:rPr lang="en-GB" sz="1800" b="0" i="1" smtClean="0">
+                            <a:solidFill>
+                              <a:schemeClr val="bg2"/>
+                            </a:solidFill>
+                            <a:latin typeface="Cambria Math" panose="02040503050406030204" pitchFamily="18" charset="0"/>
+                          </a:rPr>
+                          <m:t>𝐶</m:t>
+                        </m:r>
+                      </m:e>
+                      <m:sub>
+                        <m:r>
+                          <a:rPr lang="en-GB" sz="1800" b="0" i="1" smtClean="0">
+                            <a:solidFill>
+                              <a:schemeClr val="bg2"/>
+                            </a:solidFill>
+                            <a:latin typeface="Cambria Math" panose="02040503050406030204" pitchFamily="18" charset="0"/>
+                          </a:rPr>
+                          <m:t>𝑗</m:t>
+                        </m:r>
+                        <m:r>
+                          <a:rPr lang="en-GB" sz="1800" b="0" i="1" smtClean="0">
+                            <a:solidFill>
+                              <a:schemeClr val="bg2"/>
+                            </a:solidFill>
+                            <a:latin typeface="Cambria Math" panose="02040503050406030204" pitchFamily="18" charset="0"/>
+                          </a:rPr>
+                          <m:t>, </m:t>
+                        </m:r>
+                        <m:r>
+                          <a:rPr lang="en-GB" sz="1800" i="1">
+                            <a:solidFill>
+                              <a:schemeClr val="bg2"/>
+                            </a:solidFill>
+                            <a:latin typeface="Cambria Math" panose="02040503050406030204" pitchFamily="18" charset="0"/>
+                          </a:rPr>
+                          <m:t>𝑡</m:t>
+                        </m:r>
+                      </m:sub>
+                      <m:sup>
+                        <m:r>
+                          <a:rPr lang="en-GB" sz="1800" i="1">
+                            <a:solidFill>
+                              <a:schemeClr val="bg2"/>
+                            </a:solidFill>
+                            <a:latin typeface="Cambria Math" panose="02040503050406030204" pitchFamily="18" charset="0"/>
+                          </a:rPr>
+                          <m:t>0</m:t>
+                        </m:r>
+                      </m:sup>
+                    </m:sSubSup>
+                  </m:oMath>
+                </a14:m>
+                <a:endParaRPr lang="en-GB" sz="1800" dirty="0">
+                  <a:solidFill>
+                    <a:schemeClr val="bg2"/>
+                  </a:solidFill>
+                  <a:latin typeface="Fira Sans" pitchFamily="34"/>
+                </a:endParaRPr>
+              </a:p>
+              <a:p>
+                <a:pPr marL="0" lvl="0" indent="0">
+                  <a:buNone/>
+                </a:pPr>
+                <a:endParaRPr lang="en-GB" sz="1800" b="1" dirty="0">
+                  <a:solidFill>
+                    <a:srgbClr val="404040"/>
+                  </a:solidFill>
+                  <a:latin typeface="Fira Sans" pitchFamily="34"/>
+                </a:endParaRPr>
+              </a:p>
+              <a:p>
+                <a:pPr marL="0" lvl="0" indent="0">
+                  <a:buNone/>
+                </a:pPr>
+                <a:endParaRPr lang="en-GB" sz="2000" dirty="0">
+                  <a:solidFill>
+                    <a:srgbClr val="404040"/>
+                  </a:solidFill>
+                  <a:latin typeface="Fira Sans" pitchFamily="34"/>
+                </a:endParaRPr>
+              </a:p>
+            </p:txBody>
+          </p:sp>
+        </mc:Choice>
+        <mc:Fallback>
+          <p:sp>
+            <p:nvSpPr>
+              <p:cNvPr id="3" name="Content Placeholder 2">
+                <a:extLst>
+                  <a:ext uri="{FF2B5EF4-FFF2-40B4-BE49-F238E27FC236}">
+                    <a16:creationId xmlns:a16="http://schemas.microsoft.com/office/drawing/2014/main" id="{101C6031-0036-4227-9AE0-DCC63CE3973A}"/>
+                  </a:ext>
+                </a:extLst>
+              </p:cNvPr>
+              <p:cNvSpPr txBox="1">
+                <a:spLocks noGrp="1" noRot="1" noChangeAspect="1" noMove="1" noResize="1" noEditPoints="1" noAdjustHandles="1" noChangeArrowheads="1" noChangeShapeType="1" noTextEdit="1"/>
+              </p:cNvSpPr>
+              <p:nvPr>
+                <p:ph idx="1"/>
+              </p:nvPr>
+            </p:nvSpPr>
+            <p:spPr>
+              <a:xfrm>
+                <a:off x="838197" y="1690688"/>
+                <a:ext cx="10515600" cy="4667243"/>
+              </a:xfrm>
+              <a:blipFill>
+                <a:blip r:embed="rId2"/>
+                <a:stretch>
+                  <a:fillRect l="-580" t="-1305"/>
+                </a:stretch>
+              </a:blipFill>
+            </p:spPr>
+            <p:txBody>
+              <a:bodyPr/>
+              <a:lstStyle/>
+              <a:p>
+                <a:r>
+                  <a:rPr lang="nl-NL">
+                    <a:noFill/>
+                  </a:rPr>
+                  <a:t> </a:t>
+                </a:r>
+              </a:p>
+            </p:txBody>
+          </p:sp>
+        </mc:Fallback>
+      </mc:AlternateContent>
+    </p:spTree>
+    <p:extLst>
+      <p:ext uri="{BB962C8B-B14F-4D97-AF65-F5344CB8AC3E}">
+        <p14:creationId xmlns:p14="http://schemas.microsoft.com/office/powerpoint/2010/main" val="784354441"/>
+      </p:ext>
+    </p:extLst>
+  </p:cSld>
+  <p:clrMapOvr>
+    <a:masterClrMapping/>
+  </p:clrMapOvr>
+</p:sld>
+</file>
+
+<file path=ppt/slides/slide5.xml><?xml version="1.0" encoding="utf-8"?>
 <p:sld xmlns:a="http://schemas.openxmlformats.org/drawingml/2006/main" xmlns:r="http://schemas.openxmlformats.org/officeDocument/2006/relationships" xmlns:p="http://schemas.openxmlformats.org/presentationml/2006/main">
   <p:cSld>
     <p:spTree>
@@ -25036,7 +26423,7 @@
 </p:sld>
 </file>
 
-<file path=ppt/slides/slide5.xml><?xml version="1.0" encoding="utf-8"?>
+<file path=ppt/slides/slide6.xml><?xml version="1.0" encoding="utf-8"?>
 <p:sld xmlns:a="http://schemas.openxmlformats.org/drawingml/2006/main" xmlns:r="http://schemas.openxmlformats.org/officeDocument/2006/relationships" xmlns:p="http://schemas.openxmlformats.org/presentationml/2006/main">
   <p:cSld>
     <p:spTree>
@@ -29383,12 +30770,14 @@
         </p:nvSpPr>
         <p:spPr>
           <a:xfrm>
-            <a:off x="0" y="-7078"/>
+            <a:off x="447872" y="27993"/>
             <a:ext cx="10515600" cy="1325559"/>
           </a:xfrm>
         </p:spPr>
         <p:txBody>
-          <a:bodyPr/>
+          <a:bodyPr>
+            <a:normAutofit/>
+          </a:bodyPr>
           <a:lstStyle/>
           <a:p>
             <a:pPr lvl="0">
@@ -29397,7 +30786,7 @@
               </a:lnSpc>
             </a:pPr>
             <a:r>
-              <a:rPr lang="en-GB" sz="5400" b="1" kern="0" dirty="0">
+              <a:rPr lang="en-GB" sz="4800" b="1" kern="0" dirty="0">
                 <a:solidFill>
                   <a:srgbClr val="006388"/>
                 </a:solidFill>
@@ -29406,7 +30795,7 @@
               </a:rPr>
               <a:t>Interrupted Time Series</a:t>
             </a:r>
-            <a:endParaRPr lang="en-GB" sz="1800" kern="0" dirty="0"/>
+            <a:endParaRPr lang="en-GB" sz="1600" kern="0" dirty="0"/>
           </a:p>
         </p:txBody>
       </p:sp>
@@ -29719,7 +31108,7 @@
 </p:sld>
 </file>
 
-<file path=ppt/slides/slide6.xml><?xml version="1.0" encoding="utf-8"?>
+<file path=ppt/slides/slide7.xml><?xml version="1.0" encoding="utf-8"?>
 <p:sld xmlns:a="http://schemas.openxmlformats.org/drawingml/2006/main" xmlns:r="http://schemas.openxmlformats.org/officeDocument/2006/relationships" xmlns:p="http://schemas.openxmlformats.org/presentationml/2006/main">
   <p:cSld>
     <p:spTree>
@@ -29776,8 +31165,8 @@
           </a:p>
         </p:txBody>
       </p:sp>
-      <mc:AlternateContent xmlns:mc="http://schemas.openxmlformats.org/markup-compatibility/2006" xmlns:a14="http://schemas.microsoft.com/office/drawing/2010/main">
-        <mc:Choice Requires="a14">
+      <mc:AlternateContent xmlns:mc="http://schemas.openxmlformats.org/markup-compatibility/2006">
+        <mc:Choice xmlns:a14="http://schemas.microsoft.com/office/drawing/2010/main" Requires="a14">
           <p:sp>
             <p:nvSpPr>
               <p:cNvPr id="3" name="Content Placeholder 2">
@@ -29898,15 +31287,6 @@
                           </a:rPr>
                           <m:t>𝑡</m:t>
                         </m:r>
-                        <m:r>
-                          <a:rPr lang="en-GB" sz="1800" b="0" i="1" smtClean="0">
-                            <a:solidFill>
-                              <a:srgbClr val="404040"/>
-                            </a:solidFill>
-                            <a:latin typeface="Cambria Math" panose="02040503050406030204" pitchFamily="18" charset="0"/>
-                          </a:rPr>
-                          <m:t>+1</m:t>
-                        </m:r>
                       </m:sub>
                       <m:sup>
                         <m:r>
@@ -29964,6 +31344,24 @@
                             <a:latin typeface="Cambria Math" panose="02040503050406030204" pitchFamily="18" charset="0"/>
                           </a:rPr>
                           <m:t>𝑡</m:t>
+                        </m:r>
+                        <m:r>
+                          <a:rPr lang="en-GB" sz="1800" b="0" i="1" smtClean="0">
+                            <a:solidFill>
+                              <a:srgbClr val="404040"/>
+                            </a:solidFill>
+                            <a:latin typeface="Cambria Math" panose="02040503050406030204" pitchFamily="18" charset="0"/>
+                          </a:rPr>
+                          <m:t>−</m:t>
+                        </m:r>
+                        <m:r>
+                          <a:rPr lang="en-GB" sz="1800" b="0" i="1" smtClean="0">
+                            <a:solidFill>
+                              <a:srgbClr val="404040"/>
+                            </a:solidFill>
+                            <a:latin typeface="Cambria Math" panose="02040503050406030204" pitchFamily="18" charset="0"/>
+                          </a:rPr>
+                          <m:t>𝑠</m:t>
                         </m:r>
                       </m:sub>
                       <m:sup>
@@ -30106,15 +31504,6 @@
                           </a:rPr>
                           <m:t>𝑡</m:t>
                         </m:r>
-                        <m:r>
-                          <a:rPr lang="en-GB" sz="1800" b="0" i="1" smtClean="0">
-                            <a:solidFill>
-                              <a:schemeClr val="tx1"/>
-                            </a:solidFill>
-                            <a:latin typeface="Cambria Math" panose="02040503050406030204" pitchFamily="18" charset="0"/>
-                          </a:rPr>
-                          <m:t>+1</m:t>
-                        </m:r>
                       </m:sub>
                       <m:sup>
                         <m:r>
@@ -30191,15 +31580,6 @@
                           </a:rPr>
                           <m:t>𝑡</m:t>
                         </m:r>
-                        <m:r>
-                          <a:rPr lang="en-GB" sz="1800" i="1">
-                            <a:solidFill>
-                              <a:schemeClr val="tx1"/>
-                            </a:solidFill>
-                            <a:latin typeface="Cambria Math" panose="02040503050406030204" pitchFamily="18" charset="0"/>
-                          </a:rPr>
-                          <m:t>+1</m:t>
-                        </m:r>
                       </m:sub>
                       <m:sup>
                         <m:r>
@@ -30247,7 +31627,7 @@
             </p:txBody>
           </p:sp>
         </mc:Choice>
-        <mc:Fallback xmlns="">
+        <mc:Fallback>
           <p:sp>
             <p:nvSpPr>
               <p:cNvPr id="3" name="Content Placeholder 2">
@@ -30304,7 +31684,7 @@
 </p:sld>
 </file>
 
-<file path=ppt/slides/slide7.xml><?xml version="1.0" encoding="utf-8"?>
+<file path=ppt/slides/slide8.xml><?xml version="1.0" encoding="utf-8"?>
 <p:sld xmlns:a="http://schemas.openxmlformats.org/drawingml/2006/main" xmlns:r="http://schemas.openxmlformats.org/officeDocument/2006/relationships" xmlns:p="http://schemas.openxmlformats.org/presentationml/2006/main">
   <p:cSld>
     <p:spTree>
@@ -36908,42 +38288,148 @@
           </a:p>
         </p:txBody>
       </p:sp>
-      <p:sp>
-        <p:nvSpPr>
-          <p:cNvPr id="5" name="TextBox 4">
-            <a:extLst>
-              <a:ext uri="{FF2B5EF4-FFF2-40B4-BE49-F238E27FC236}">
-                <a16:creationId xmlns:a16="http://schemas.microsoft.com/office/drawing/2014/main" id="{3E028906-2D94-B74C-E7BA-A67FB1F48E87}"/>
-              </a:ext>
-            </a:extLst>
-          </p:cNvPr>
-          <p:cNvSpPr txBox="1"/>
-          <p:nvPr/>
-        </p:nvSpPr>
-        <p:spPr>
-          <a:xfrm>
-            <a:off x="10936611" y="2406913"/>
-            <a:ext cx="689336" cy="369332"/>
-          </a:xfrm>
-          <a:prstGeom prst="rect">
-            <a:avLst/>
-          </a:prstGeom>
-          <a:noFill/>
-        </p:spPr>
-        <p:txBody>
-          <a:bodyPr wrap="square" rtlCol="0">
-            <a:spAutoFit/>
-          </a:bodyPr>
-          <a:lstStyle/>
-          <a:p>
-            <a:r>
-              <a:rPr lang="en-GB" dirty="0"/>
-              <a:t>t &lt; s</a:t>
-            </a:r>
-            <a:endParaRPr lang="nl-NL" dirty="0"/>
-          </a:p>
-        </p:txBody>
-      </p:sp>
+      <mc:AlternateContent xmlns:mc="http://schemas.openxmlformats.org/markup-compatibility/2006" xmlns:a14="http://schemas.microsoft.com/office/drawing/2010/main">
+        <mc:Choice Requires="a14">
+          <p:sp>
+            <p:nvSpPr>
+              <p:cNvPr id="5" name="TextBox 4">
+                <a:extLst>
+                  <a:ext uri="{FF2B5EF4-FFF2-40B4-BE49-F238E27FC236}">
+                    <a16:creationId xmlns:a16="http://schemas.microsoft.com/office/drawing/2014/main" id="{3E028906-2D94-B74C-E7BA-A67FB1F48E87}"/>
+                  </a:ext>
+                </a:extLst>
+              </p:cNvPr>
+              <p:cNvSpPr txBox="1"/>
+              <p:nvPr/>
+            </p:nvSpPr>
+            <p:spPr>
+              <a:xfrm>
+                <a:off x="10936610" y="2406913"/>
+                <a:ext cx="829291" cy="369332"/>
+              </a:xfrm>
+              <a:prstGeom prst="rect">
+                <a:avLst/>
+              </a:prstGeom>
+              <a:noFill/>
+            </p:spPr>
+            <p:txBody>
+              <a:bodyPr wrap="square" rtlCol="0">
+                <a:spAutoFit/>
+              </a:bodyPr>
+              <a:lstStyle/>
+              <a:p>
+                <a:pPr/>
+                <a14:m>
+                  <m:oMathPara xmlns:m="http://schemas.openxmlformats.org/officeDocument/2006/math">
+                    <m:oMathParaPr>
+                      <m:jc m:val="centerGroup"/>
+                    </m:oMathParaPr>
+                    <m:oMath xmlns:m="http://schemas.openxmlformats.org/officeDocument/2006/math">
+                      <m:r>
+                        <a:rPr lang="en-US" sz="1800" b="0" i="1" smtClean="0">
+                          <a:solidFill>
+                            <a:srgbClr val="404040"/>
+                          </a:solidFill>
+                          <a:latin typeface="Cambria Math" panose="02040503050406030204" pitchFamily="18" charset="0"/>
+                        </a:rPr>
+                        <m:t>𝑡</m:t>
+                      </m:r>
+                      <m:r>
+                        <a:rPr lang="en-GB" sz="1800" b="0" i="1" smtClean="0">
+                          <a:solidFill>
+                            <a:srgbClr val="404040"/>
+                          </a:solidFill>
+                          <a:latin typeface="Cambria Math" panose="02040503050406030204" pitchFamily="18" charset="0"/>
+                        </a:rPr>
+                        <m:t>&lt;</m:t>
+                      </m:r>
+                      <m:sSub>
+                        <m:sSubPr>
+                          <m:ctrlPr>
+                            <a:rPr lang="en-US" sz="1800" b="0" i="1" smtClean="0">
+                              <a:solidFill>
+                                <a:srgbClr val="404040"/>
+                              </a:solidFill>
+                              <a:latin typeface="Cambria Math" panose="02040503050406030204" pitchFamily="18" charset="0"/>
+                            </a:rPr>
+                          </m:ctrlPr>
+                        </m:sSubPr>
+                        <m:e>
+                          <m:r>
+                            <a:rPr lang="en-US" sz="1800" b="0" i="1" smtClean="0">
+                              <a:solidFill>
+                                <a:srgbClr val="404040"/>
+                              </a:solidFill>
+                              <a:latin typeface="Cambria Math" panose="02040503050406030204" pitchFamily="18" charset="0"/>
+                            </a:rPr>
+                            <m:t>𝑇</m:t>
+                          </m:r>
+                        </m:e>
+                        <m:sub>
+                          <m:r>
+                            <a:rPr lang="en-US" sz="1800" b="0" i="1" smtClean="0">
+                              <a:solidFill>
+                                <a:srgbClr val="404040"/>
+                              </a:solidFill>
+                              <a:latin typeface="Cambria Math" panose="02040503050406030204" pitchFamily="18" charset="0"/>
+                            </a:rPr>
+                            <m:t>0</m:t>
+                          </m:r>
+                        </m:sub>
+                      </m:sSub>
+                    </m:oMath>
+                  </m:oMathPara>
+                </a14:m>
+                <a:endParaRPr lang="nl-NL" dirty="0"/>
+              </a:p>
+            </p:txBody>
+          </p:sp>
+        </mc:Choice>
+        <mc:Fallback xmlns="">
+          <p:sp>
+            <p:nvSpPr>
+              <p:cNvPr id="5" name="TextBox 4">
+                <a:extLst>
+                  <a:ext uri="{FF2B5EF4-FFF2-40B4-BE49-F238E27FC236}">
+                    <a16:creationId xmlns:a16="http://schemas.microsoft.com/office/drawing/2014/main" id="{3E028906-2D94-B74C-E7BA-A67FB1F48E87}"/>
+                  </a:ext>
+                </a:extLst>
+              </p:cNvPr>
+              <p:cNvSpPr txBox="1">
+                <a:spLocks noRot="1" noChangeAspect="1" noMove="1" noResize="1" noEditPoints="1" noAdjustHandles="1" noChangeArrowheads="1" noChangeShapeType="1" noTextEdit="1"/>
+              </p:cNvSpPr>
+              <p:nvPr/>
+            </p:nvSpPr>
+            <p:spPr>
+              <a:xfrm>
+                <a:off x="10936610" y="2406913"/>
+                <a:ext cx="829291" cy="369332"/>
+              </a:xfrm>
+              <a:prstGeom prst="rect">
+                <a:avLst/>
+              </a:prstGeom>
+              <a:blipFill>
+                <a:blip r:embed="rId4"/>
+                <a:stretch>
+                  <a:fillRect/>
+                </a:stretch>
+              </a:blipFill>
+            </p:spPr>
+            <p:txBody>
+              <a:bodyPr/>
+              <a:lstStyle/>
+              <a:p>
+                <a:r>
+                  <a:rPr lang="nl-NL">
+                    <a:noFill/>
+                  </a:rPr>
+                  <a:t> </a:t>
+                </a:r>
+              </a:p>
+            </p:txBody>
+          </p:sp>
+        </mc:Fallback>
+      </mc:AlternateContent>
       <p:cxnSp>
         <p:nvCxnSpPr>
           <p:cNvPr id="10" name="Straight Arrow Connector 9">
@@ -37259,7 +38745,7 @@
                 <a:avLst/>
               </a:prstGeom>
               <a:blipFill>
-                <a:blip r:embed="rId4"/>
+                <a:blip r:embed="rId5"/>
                 <a:stretch>
                   <a:fillRect/>
                 </a:stretch>
@@ -37600,7 +39086,7 @@
                 <a:avLst/>
               </a:prstGeom>
               <a:blipFill>
-                <a:blip r:embed="rId5"/>
+                <a:blip r:embed="rId6"/>
                 <a:stretch>
                   <a:fillRect/>
                 </a:stretch>
@@ -37639,12 +39125,14 @@
         </p:nvSpPr>
         <p:spPr>
           <a:xfrm>
-            <a:off x="64587" y="-26007"/>
+            <a:off x="381830" y="39308"/>
             <a:ext cx="10515600" cy="1325559"/>
           </a:xfrm>
         </p:spPr>
         <p:txBody>
-          <a:bodyPr/>
+          <a:bodyPr>
+            <a:normAutofit/>
+          </a:bodyPr>
           <a:lstStyle/>
           <a:p>
             <a:pPr lvl="0">
@@ -37653,7 +39141,7 @@
               </a:lnSpc>
             </a:pPr>
             <a:r>
-              <a:rPr lang="en-GB" sz="5400" b="1" kern="0" dirty="0">
+              <a:rPr lang="en-GB" sz="4800" b="1" kern="0" dirty="0">
                 <a:solidFill>
                   <a:srgbClr val="006388"/>
                 </a:solidFill>
@@ -37662,7 +39150,7 @@
               </a:rPr>
               <a:t>Synthetic Control</a:t>
             </a:r>
-            <a:endParaRPr lang="en-GB" sz="1800" kern="0" dirty="0"/>
+            <a:endParaRPr lang="en-GB" sz="1600" kern="0" dirty="0"/>
           </a:p>
         </p:txBody>
       </p:sp>
@@ -37710,46 +39198,152 @@
           </a:p>
         </p:txBody>
       </p:sp>
-      <p:sp>
-        <p:nvSpPr>
-          <p:cNvPr id="21" name="TextBox 20">
-            <a:extLst>
-              <a:ext uri="{FF2B5EF4-FFF2-40B4-BE49-F238E27FC236}">
-                <a16:creationId xmlns:a16="http://schemas.microsoft.com/office/drawing/2014/main" id="{78DB4443-BD65-5BC1-72AC-3B191341F1EA}"/>
-              </a:ext>
-            </a:extLst>
-          </p:cNvPr>
-          <p:cNvSpPr txBox="1"/>
-          <p:nvPr/>
-        </p:nvSpPr>
-        <p:spPr>
-          <a:xfrm>
-            <a:off x="10936611" y="4275373"/>
-            <a:ext cx="689336" cy="369332"/>
-          </a:xfrm>
-          <a:prstGeom prst="rect">
-            <a:avLst/>
-          </a:prstGeom>
-          <a:noFill/>
-        </p:spPr>
-        <p:txBody>
-          <a:bodyPr wrap="square" rtlCol="0">
-            <a:spAutoFit/>
-          </a:bodyPr>
-          <a:lstStyle/>
-          <a:p>
-            <a:r>
-              <a:rPr lang="en-GB" dirty="0"/>
-              <a:t>t &gt; s</a:t>
-            </a:r>
-            <a:endParaRPr lang="nl-NL" dirty="0"/>
-          </a:p>
-        </p:txBody>
-      </p:sp>
+      <mc:AlternateContent xmlns:mc="http://schemas.openxmlformats.org/markup-compatibility/2006" xmlns:a14="http://schemas.microsoft.com/office/drawing/2010/main">
+        <mc:Choice Requires="a14">
+          <p:sp>
+            <p:nvSpPr>
+              <p:cNvPr id="21" name="TextBox 20">
+                <a:extLst>
+                  <a:ext uri="{FF2B5EF4-FFF2-40B4-BE49-F238E27FC236}">
+                    <a16:creationId xmlns:a16="http://schemas.microsoft.com/office/drawing/2014/main" id="{78DB4443-BD65-5BC1-72AC-3B191341F1EA}"/>
+                  </a:ext>
+                </a:extLst>
+              </p:cNvPr>
+              <p:cNvSpPr txBox="1"/>
+              <p:nvPr/>
+            </p:nvSpPr>
+            <p:spPr>
+              <a:xfrm>
+                <a:off x="10936611" y="4275373"/>
+                <a:ext cx="829290" cy="369332"/>
+              </a:xfrm>
+              <a:prstGeom prst="rect">
+                <a:avLst/>
+              </a:prstGeom>
+              <a:noFill/>
+            </p:spPr>
+            <p:txBody>
+              <a:bodyPr wrap="square" rtlCol="0">
+                <a:spAutoFit/>
+              </a:bodyPr>
+              <a:lstStyle/>
+              <a:p>
+                <a:pPr/>
+                <a14:m>
+                  <m:oMathPara xmlns:m="http://schemas.openxmlformats.org/officeDocument/2006/math">
+                    <m:oMathParaPr>
+                      <m:jc m:val="centerGroup"/>
+                    </m:oMathParaPr>
+                    <m:oMath xmlns:m="http://schemas.openxmlformats.org/officeDocument/2006/math">
+                      <m:r>
+                        <a:rPr lang="en-US" sz="1800" b="0" i="1" smtClean="0">
+                          <a:solidFill>
+                            <a:srgbClr val="404040"/>
+                          </a:solidFill>
+                          <a:latin typeface="Cambria Math" panose="02040503050406030204" pitchFamily="18" charset="0"/>
+                        </a:rPr>
+                        <m:t>𝑡</m:t>
+                      </m:r>
+                      <m:r>
+                        <a:rPr lang="en-US" sz="1800" b="0" i="1" smtClean="0">
+                          <a:solidFill>
+                            <a:srgbClr val="404040"/>
+                          </a:solidFill>
+                          <a:latin typeface="Cambria Math" panose="02040503050406030204" pitchFamily="18" charset="0"/>
+                        </a:rPr>
+                        <m:t>&gt;</m:t>
+                      </m:r>
+                      <m:sSub>
+                        <m:sSubPr>
+                          <m:ctrlPr>
+                            <a:rPr lang="en-US" sz="1800" b="0" i="1" smtClean="0">
+                              <a:solidFill>
+                                <a:srgbClr val="404040"/>
+                              </a:solidFill>
+                              <a:latin typeface="Cambria Math" panose="02040503050406030204" pitchFamily="18" charset="0"/>
+                            </a:rPr>
+                          </m:ctrlPr>
+                        </m:sSubPr>
+                        <m:e>
+                          <m:r>
+                            <a:rPr lang="en-US" sz="1800" b="0" i="1" smtClean="0">
+                              <a:solidFill>
+                                <a:srgbClr val="404040"/>
+                              </a:solidFill>
+                              <a:latin typeface="Cambria Math" panose="02040503050406030204" pitchFamily="18" charset="0"/>
+                            </a:rPr>
+                            <m:t>𝑇</m:t>
+                          </m:r>
+                        </m:e>
+                        <m:sub>
+                          <m:r>
+                            <a:rPr lang="en-US" sz="1800" b="0" i="1" smtClean="0">
+                              <a:solidFill>
+                                <a:srgbClr val="404040"/>
+                              </a:solidFill>
+                              <a:latin typeface="Cambria Math" panose="02040503050406030204" pitchFamily="18" charset="0"/>
+                            </a:rPr>
+                            <m:t>0</m:t>
+                          </m:r>
+                        </m:sub>
+                      </m:sSub>
+                    </m:oMath>
+                  </m:oMathPara>
+                </a14:m>
+                <a:endParaRPr lang="nl-NL" dirty="0"/>
+              </a:p>
+            </p:txBody>
+          </p:sp>
+        </mc:Choice>
+        <mc:Fallback xmlns="">
+          <p:sp>
+            <p:nvSpPr>
+              <p:cNvPr id="21" name="TextBox 20">
+                <a:extLst>
+                  <a:ext uri="{FF2B5EF4-FFF2-40B4-BE49-F238E27FC236}">
+                    <a16:creationId xmlns:a16="http://schemas.microsoft.com/office/drawing/2014/main" id="{78DB4443-BD65-5BC1-72AC-3B191341F1EA}"/>
+                  </a:ext>
+                </a:extLst>
+              </p:cNvPr>
+              <p:cNvSpPr txBox="1">
+                <a:spLocks noRot="1" noChangeAspect="1" noMove="1" noResize="1" noEditPoints="1" noAdjustHandles="1" noChangeArrowheads="1" noChangeShapeType="1" noTextEdit="1"/>
+              </p:cNvSpPr>
+              <p:nvPr/>
+            </p:nvSpPr>
+            <p:spPr>
+              <a:xfrm>
+                <a:off x="10936611" y="4275373"/>
+                <a:ext cx="829290" cy="369332"/>
+              </a:xfrm>
+              <a:prstGeom prst="rect">
+                <a:avLst/>
+              </a:prstGeom>
+              <a:blipFill>
+                <a:blip r:embed="rId7"/>
+                <a:stretch>
+                  <a:fillRect/>
+                </a:stretch>
+              </a:blipFill>
+            </p:spPr>
+            <p:txBody>
+              <a:bodyPr/>
+              <a:lstStyle/>
+              <a:p>
+                <a:r>
+                  <a:rPr lang="nl-NL">
+                    <a:noFill/>
+                  </a:rPr>
+                  <a:t> </a:t>
+                </a:r>
+              </a:p>
+            </p:txBody>
+          </p:sp>
+        </mc:Fallback>
+      </mc:AlternateContent>
     </p:spTree>
     <p:extLst>
       <p:ext uri="{BB962C8B-B14F-4D97-AF65-F5344CB8AC3E}">
-        <p14:creationId xmlns:p14="http://schemas.microsoft.com/office/powerpoint/2010/main" val="199462579"/>
+        <p14:creationId xmlns:p14="http://schemas.microsoft.com/office/powerpoint/2010/main" val="92370652"/>
       </p:ext>
     </p:extLst>
   </p:cSld>
@@ -37759,7 +39353,7 @@
 </p:sld>
 </file>
 
-<file path=ppt/slides/slide8.xml><?xml version="1.0" encoding="utf-8"?>
+<file path=ppt/slides/slide9.xml><?xml version="1.0" encoding="utf-8"?>
 <p:sld xmlns:a="http://schemas.openxmlformats.org/drawingml/2006/main" xmlns:r="http://schemas.openxmlformats.org/officeDocument/2006/relationships" xmlns:p="http://schemas.openxmlformats.org/presentationml/2006/main">
   <p:cSld>
     <p:spTree>
@@ -37810,14 +39404,14 @@
                 <a:latin typeface="Fira Sans" pitchFamily="34"/>
                 <a:ea typeface="Fira Code" pitchFamily="49"/>
               </a:rPr>
-              <a:t>Now</a:t>
+              <a:t>This Lecture</a:t>
             </a:r>
             <a:endParaRPr lang="en-GB" sz="1800" kern="0" dirty="0"/>
           </a:p>
         </p:txBody>
       </p:sp>
-      <mc:AlternateContent xmlns:mc="http://schemas.openxmlformats.org/markup-compatibility/2006" xmlns:a14="http://schemas.microsoft.com/office/drawing/2010/main">
-        <mc:Choice Requires="a14">
+      <mc:AlternateContent xmlns:mc="http://schemas.openxmlformats.org/markup-compatibility/2006">
+        <mc:Choice xmlns:a14="http://schemas.microsoft.com/office/drawing/2010/main" Requires="a14">
           <p:sp>
             <p:nvSpPr>
               <p:cNvPr id="3" name="Content Placeholder 2">
@@ -37935,15 +39529,6 @@
                           </a:rPr>
                           <m:t>𝑡</m:t>
                         </m:r>
-                        <m:r>
-                          <a:rPr lang="en-GB" sz="2000" b="0" i="1" smtClean="0">
-                            <a:solidFill>
-                              <a:srgbClr val="404040"/>
-                            </a:solidFill>
-                            <a:latin typeface="Cambria Math" panose="02040503050406030204" pitchFamily="18" charset="0"/>
-                          </a:rPr>
-                          <m:t>+1</m:t>
-                        </m:r>
                       </m:sub>
                       <m:sup>
                         <m:r>
@@ -38016,6 +39601,24 @@
                             <a:latin typeface="Cambria Math" panose="02040503050406030204" pitchFamily="18" charset="0"/>
                           </a:rPr>
                           <m:t>𝑡</m:t>
+                        </m:r>
+                        <m:r>
+                          <a:rPr lang="en-GB" sz="2000" b="0" i="1" smtClean="0">
+                            <a:solidFill>
+                              <a:srgbClr val="404040"/>
+                            </a:solidFill>
+                            <a:latin typeface="Cambria Math" panose="02040503050406030204" pitchFamily="18" charset="0"/>
+                          </a:rPr>
+                          <m:t>−</m:t>
+                        </m:r>
+                        <m:r>
+                          <a:rPr lang="en-GB" sz="2000" b="0" i="1" smtClean="0">
+                            <a:solidFill>
+                              <a:srgbClr val="404040"/>
+                            </a:solidFill>
+                            <a:latin typeface="Cambria Math" panose="02040503050406030204" pitchFamily="18" charset="0"/>
+                          </a:rPr>
+                          <m:t>𝑠</m:t>
                         </m:r>
                       </m:sub>
                       <m:sup>
@@ -38140,33 +39743,6 @@
                           </a:rPr>
                           <m:t>𝑗</m:t>
                         </m:r>
-                        <m:r>
-                          <a:rPr lang="en-GB" sz="2000" b="0" i="1" smtClean="0">
-                            <a:solidFill>
-                              <a:schemeClr val="tx1"/>
-                            </a:solidFill>
-                            <a:latin typeface="Cambria Math" panose="02040503050406030204" pitchFamily="18" charset="0"/>
-                          </a:rPr>
-                          <m:t>,</m:t>
-                        </m:r>
-                        <m:r>
-                          <a:rPr lang="en-GB" sz="2000" i="1">
-                            <a:solidFill>
-                              <a:schemeClr val="tx1"/>
-                            </a:solidFill>
-                            <a:latin typeface="Cambria Math" panose="02040503050406030204" pitchFamily="18" charset="0"/>
-                          </a:rPr>
-                          <m:t>𝑡</m:t>
-                        </m:r>
-                        <m:r>
-                          <a:rPr lang="en-GB" sz="2000" i="1">
-                            <a:solidFill>
-                              <a:schemeClr val="tx1"/>
-                            </a:solidFill>
-                            <a:latin typeface="Cambria Math" panose="02040503050406030204" pitchFamily="18" charset="0"/>
-                          </a:rPr>
-                          <m:t>+1</m:t>
-                        </m:r>
                       </m:sub>
                       <m:sup>
                         <m:r>
@@ -38225,7 +39801,7 @@
                     </a:solidFill>
                     <a:latin typeface="Fira Sans" pitchFamily="34"/>
                   </a:rPr>
-                  <a:t>Controlled ITS; suitable with relatively few control/covariate time series</a:t>
+                  <a:t>Controlled Interrupted Time Series (CITS); suitable with relatively few control/covariate time series</a:t>
                 </a:r>
               </a:p>
               <a:p>
@@ -38239,7 +39815,7 @@
                     </a:solidFill>
                     <a:latin typeface="Fira Sans" pitchFamily="34"/>
                   </a:rPr>
-                  <a:t>Synthetic CITS with the </a:t>
+                  <a:t>(Synthetic) CITS with the </a:t>
                 </a:r>
                 <a:r>
                   <a:rPr lang="en-GB" sz="1800" dirty="0" err="1">
@@ -38274,7 +39850,7 @@
             </p:txBody>
           </p:sp>
         </mc:Choice>
-        <mc:Fallback xmlns="">
+        <mc:Fallback>
           <p:sp>
             <p:nvSpPr>
               <p:cNvPr id="3" name="Content Placeholder 2">
@@ -38322,502 +39898,6 @@
     <p:extLst>
       <p:ext uri="{BB962C8B-B14F-4D97-AF65-F5344CB8AC3E}">
         <p14:creationId xmlns:p14="http://schemas.microsoft.com/office/powerpoint/2010/main" val="4280804454"/>
-      </p:ext>
-    </p:extLst>
-  </p:cSld>
-  <p:clrMapOvr>
-    <a:masterClrMapping/>
-  </p:clrMapOvr>
-</p:sld>
-</file>
-
-<file path=ppt/slides/slide9.xml><?xml version="1.0" encoding="utf-8"?>
-<p:sld xmlns:a="http://schemas.openxmlformats.org/drawingml/2006/main" xmlns:r="http://schemas.openxmlformats.org/officeDocument/2006/relationships" xmlns:p="http://schemas.openxmlformats.org/presentationml/2006/main">
-  <p:cSld>
-    <p:spTree>
-      <p:nvGrpSpPr>
-        <p:cNvPr id="1" name=""/>
-        <p:cNvGrpSpPr/>
-        <p:nvPr/>
-      </p:nvGrpSpPr>
-      <p:grpSpPr>
-        <a:xfrm>
-          <a:off x="0" y="0"/>
-          <a:ext cx="0" cy="0"/>
-          <a:chOff x="0" y="0"/>
-          <a:chExt cx="0" cy="0"/>
-        </a:xfrm>
-      </p:grpSpPr>
-      <p:pic>
-        <p:nvPicPr>
-          <p:cNvPr id="6" name="Picture 5" descr="Table&#10;&#10;Description automatically generated">
-            <a:extLst>
-              <a:ext uri="{FF2B5EF4-FFF2-40B4-BE49-F238E27FC236}">
-                <a16:creationId xmlns:a16="http://schemas.microsoft.com/office/drawing/2014/main" id="{B44B798C-FF26-2BC0-6FF8-AAAB064238B5}"/>
-              </a:ext>
-            </a:extLst>
-          </p:cNvPr>
-          <p:cNvPicPr>
-            <a:picLocks noChangeAspect="1"/>
-          </p:cNvPicPr>
-          <p:nvPr/>
-        </p:nvPicPr>
-        <p:blipFill>
-          <a:blip r:embed="rId2">
-            <a:extLst>
-              <a:ext uri="{28A0092B-C50C-407E-A947-70E740481C1C}">
-                <a14:useLocalDpi xmlns:a14="http://schemas.microsoft.com/office/drawing/2010/main" val="0"/>
-              </a:ext>
-            </a:extLst>
-          </a:blip>
-          <a:stretch>
-            <a:fillRect/>
-          </a:stretch>
-        </p:blipFill>
-        <p:spPr>
-          <a:xfrm>
-            <a:off x="714374" y="384079"/>
-            <a:ext cx="10258425" cy="5669010"/>
-          </a:xfrm>
-          <a:prstGeom prst="rect">
-            <a:avLst/>
-          </a:prstGeom>
-        </p:spPr>
-      </p:pic>
-      <p:sp>
-        <p:nvSpPr>
-          <p:cNvPr id="2" name="Rectangle 1">
-            <a:extLst>
-              <a:ext uri="{FF2B5EF4-FFF2-40B4-BE49-F238E27FC236}">
-                <a16:creationId xmlns:a16="http://schemas.microsoft.com/office/drawing/2014/main" id="{DFF3D023-392B-5464-649A-01558560FD02}"/>
-              </a:ext>
-            </a:extLst>
-          </p:cNvPr>
-          <p:cNvSpPr/>
-          <p:nvPr/>
-        </p:nvSpPr>
-        <p:spPr>
-          <a:xfrm>
-            <a:off x="2878819" y="1693547"/>
-            <a:ext cx="2679826" cy="1457608"/>
-          </a:xfrm>
-          <a:prstGeom prst="rect">
-            <a:avLst/>
-          </a:prstGeom>
-          <a:solidFill>
-            <a:schemeClr val="accent6">
-              <a:alpha val="28000"/>
-            </a:schemeClr>
-          </a:solidFill>
-          <a:ln>
-            <a:noFill/>
-          </a:ln>
-        </p:spPr>
-        <p:style>
-          <a:lnRef idx="2">
-            <a:schemeClr val="accent2">
-              <a:shade val="50000"/>
-            </a:schemeClr>
-          </a:lnRef>
-          <a:fillRef idx="1">
-            <a:schemeClr val="accent2"/>
-          </a:fillRef>
-          <a:effectRef idx="0">
-            <a:schemeClr val="accent2"/>
-          </a:effectRef>
-          <a:fontRef idx="minor">
-            <a:schemeClr val="lt1"/>
-          </a:fontRef>
-        </p:style>
-        <p:txBody>
-          <a:bodyPr rtlCol="0" anchor="ctr"/>
-          <a:lstStyle/>
-          <a:p>
-            <a:pPr algn="ctr"/>
-            <a:endParaRPr lang="nl-NL"/>
-          </a:p>
-        </p:txBody>
-      </p:sp>
-      <p:sp>
-        <p:nvSpPr>
-          <p:cNvPr id="3" name="Rectangle 2">
-            <a:extLst>
-              <a:ext uri="{FF2B5EF4-FFF2-40B4-BE49-F238E27FC236}">
-                <a16:creationId xmlns:a16="http://schemas.microsoft.com/office/drawing/2014/main" id="{DE78FD93-9BD5-9797-0EF7-35716914103D}"/>
-              </a:ext>
-            </a:extLst>
-          </p:cNvPr>
-          <p:cNvSpPr/>
-          <p:nvPr/>
-        </p:nvSpPr>
-        <p:spPr>
-          <a:xfrm>
-            <a:off x="5585896" y="1693547"/>
-            <a:ext cx="2679826" cy="1457608"/>
-          </a:xfrm>
-          <a:prstGeom prst="rect">
-            <a:avLst/>
-          </a:prstGeom>
-          <a:solidFill>
-            <a:schemeClr val="accent6">
-              <a:alpha val="28000"/>
-            </a:schemeClr>
-          </a:solidFill>
-          <a:ln>
-            <a:noFill/>
-          </a:ln>
-        </p:spPr>
-        <p:style>
-          <a:lnRef idx="2">
-            <a:schemeClr val="accent2">
-              <a:shade val="50000"/>
-            </a:schemeClr>
-          </a:lnRef>
-          <a:fillRef idx="1">
-            <a:schemeClr val="accent2"/>
-          </a:fillRef>
-          <a:effectRef idx="0">
-            <a:schemeClr val="accent2"/>
-          </a:effectRef>
-          <a:fontRef idx="minor">
-            <a:schemeClr val="lt1"/>
-          </a:fontRef>
-        </p:style>
-        <p:txBody>
-          <a:bodyPr rtlCol="0" anchor="ctr"/>
-          <a:lstStyle/>
-          <a:p>
-            <a:pPr algn="ctr"/>
-            <a:endParaRPr lang="nl-NL"/>
-          </a:p>
-        </p:txBody>
-      </p:sp>
-      <p:sp>
-        <p:nvSpPr>
-          <p:cNvPr id="4" name="Rectangle 3">
-            <a:extLst>
-              <a:ext uri="{FF2B5EF4-FFF2-40B4-BE49-F238E27FC236}">
-                <a16:creationId xmlns:a16="http://schemas.microsoft.com/office/drawing/2014/main" id="{A8775D71-D559-05A8-C2C3-CF1D60883369}"/>
-              </a:ext>
-            </a:extLst>
-          </p:cNvPr>
-          <p:cNvSpPr/>
-          <p:nvPr/>
-        </p:nvSpPr>
-        <p:spPr>
-          <a:xfrm>
-            <a:off x="2896834" y="3144514"/>
-            <a:ext cx="2679826" cy="1457608"/>
-          </a:xfrm>
-          <a:prstGeom prst="rect">
-            <a:avLst/>
-          </a:prstGeom>
-          <a:solidFill>
-            <a:schemeClr val="accent6">
-              <a:alpha val="28000"/>
-            </a:schemeClr>
-          </a:solidFill>
-          <a:ln>
-            <a:noFill/>
-          </a:ln>
-        </p:spPr>
-        <p:style>
-          <a:lnRef idx="2">
-            <a:schemeClr val="accent2">
-              <a:shade val="50000"/>
-            </a:schemeClr>
-          </a:lnRef>
-          <a:fillRef idx="1">
-            <a:schemeClr val="accent2"/>
-          </a:fillRef>
-          <a:effectRef idx="0">
-            <a:schemeClr val="accent2"/>
-          </a:effectRef>
-          <a:fontRef idx="minor">
-            <a:schemeClr val="lt1"/>
-          </a:fontRef>
-        </p:style>
-        <p:txBody>
-          <a:bodyPr rtlCol="0" anchor="ctr"/>
-          <a:lstStyle/>
-          <a:p>
-            <a:pPr algn="ctr"/>
-            <a:endParaRPr lang="nl-NL"/>
-          </a:p>
-        </p:txBody>
-      </p:sp>
-      <p:sp>
-        <p:nvSpPr>
-          <p:cNvPr id="5" name="Rectangle 4">
-            <a:extLst>
-              <a:ext uri="{FF2B5EF4-FFF2-40B4-BE49-F238E27FC236}">
-                <a16:creationId xmlns:a16="http://schemas.microsoft.com/office/drawing/2014/main" id="{57EE7881-3E47-AFDC-26FC-567A5BCF17F4}"/>
-              </a:ext>
-            </a:extLst>
-          </p:cNvPr>
-          <p:cNvSpPr/>
-          <p:nvPr/>
-        </p:nvSpPr>
-        <p:spPr>
-          <a:xfrm>
-            <a:off x="2878819" y="4592161"/>
-            <a:ext cx="2679826" cy="1457608"/>
-          </a:xfrm>
-          <a:prstGeom prst="rect">
-            <a:avLst/>
-          </a:prstGeom>
-          <a:solidFill>
-            <a:schemeClr val="accent6">
-              <a:alpha val="28000"/>
-            </a:schemeClr>
-          </a:solidFill>
-          <a:ln w="41275">
-            <a:noFill/>
-          </a:ln>
-        </p:spPr>
-        <p:style>
-          <a:lnRef idx="2">
-            <a:schemeClr val="accent2">
-              <a:shade val="50000"/>
-            </a:schemeClr>
-          </a:lnRef>
-          <a:fillRef idx="1">
-            <a:schemeClr val="accent2"/>
-          </a:fillRef>
-          <a:effectRef idx="0">
-            <a:schemeClr val="accent2"/>
-          </a:effectRef>
-          <a:fontRef idx="minor">
-            <a:schemeClr val="lt1"/>
-          </a:fontRef>
-        </p:style>
-        <p:txBody>
-          <a:bodyPr rtlCol="0" anchor="ctr"/>
-          <a:lstStyle/>
-          <a:p>
-            <a:pPr algn="ctr"/>
-            <a:endParaRPr lang="nl-NL"/>
-          </a:p>
-        </p:txBody>
-      </p:sp>
-      <p:sp>
-        <p:nvSpPr>
-          <p:cNvPr id="7" name="Rectangle 6">
-            <a:extLst>
-              <a:ext uri="{FF2B5EF4-FFF2-40B4-BE49-F238E27FC236}">
-                <a16:creationId xmlns:a16="http://schemas.microsoft.com/office/drawing/2014/main" id="{A6AFA13B-37E8-C9E8-9C4D-0937B5956CBC}"/>
-              </a:ext>
-            </a:extLst>
-          </p:cNvPr>
-          <p:cNvSpPr/>
-          <p:nvPr/>
-        </p:nvSpPr>
-        <p:spPr>
-          <a:xfrm>
-            <a:off x="5567881" y="3144514"/>
-            <a:ext cx="2679826" cy="1457608"/>
-          </a:xfrm>
-          <a:prstGeom prst="rect">
-            <a:avLst/>
-          </a:prstGeom>
-          <a:solidFill>
-            <a:schemeClr val="accent6">
-              <a:alpha val="28000"/>
-            </a:schemeClr>
-          </a:solidFill>
-          <a:ln>
-            <a:noFill/>
-          </a:ln>
-        </p:spPr>
-        <p:style>
-          <a:lnRef idx="2">
-            <a:schemeClr val="accent2">
-              <a:shade val="50000"/>
-            </a:schemeClr>
-          </a:lnRef>
-          <a:fillRef idx="1">
-            <a:schemeClr val="accent2"/>
-          </a:fillRef>
-          <a:effectRef idx="0">
-            <a:schemeClr val="accent2"/>
-          </a:effectRef>
-          <a:fontRef idx="minor">
-            <a:schemeClr val="lt1"/>
-          </a:fontRef>
-        </p:style>
-        <p:txBody>
-          <a:bodyPr rtlCol="0" anchor="ctr"/>
-          <a:lstStyle/>
-          <a:p>
-            <a:pPr algn="ctr"/>
-            <a:endParaRPr lang="nl-NL"/>
-          </a:p>
-        </p:txBody>
-      </p:sp>
-      <p:sp>
-        <p:nvSpPr>
-          <p:cNvPr id="8" name="Rectangle 7">
-            <a:extLst>
-              <a:ext uri="{FF2B5EF4-FFF2-40B4-BE49-F238E27FC236}">
-                <a16:creationId xmlns:a16="http://schemas.microsoft.com/office/drawing/2014/main" id="{A5042073-7FBB-4441-2B0F-B0711D79E379}"/>
-              </a:ext>
-            </a:extLst>
-          </p:cNvPr>
-          <p:cNvSpPr/>
-          <p:nvPr/>
-        </p:nvSpPr>
-        <p:spPr>
-          <a:xfrm>
-            <a:off x="8265722" y="3144514"/>
-            <a:ext cx="2679826" cy="1457608"/>
-          </a:xfrm>
-          <a:prstGeom prst="rect">
-            <a:avLst/>
-          </a:prstGeom>
-          <a:solidFill>
-            <a:schemeClr val="accent6">
-              <a:alpha val="28000"/>
-            </a:schemeClr>
-          </a:solidFill>
-          <a:ln>
-            <a:noFill/>
-          </a:ln>
-        </p:spPr>
-        <p:style>
-          <a:lnRef idx="2">
-            <a:schemeClr val="accent2">
-              <a:shade val="50000"/>
-            </a:schemeClr>
-          </a:lnRef>
-          <a:fillRef idx="1">
-            <a:schemeClr val="accent2"/>
-          </a:fillRef>
-          <a:effectRef idx="0">
-            <a:schemeClr val="accent2"/>
-          </a:effectRef>
-          <a:fontRef idx="minor">
-            <a:schemeClr val="lt1"/>
-          </a:fontRef>
-        </p:style>
-        <p:txBody>
-          <a:bodyPr rtlCol="0" anchor="ctr"/>
-          <a:lstStyle/>
-          <a:p>
-            <a:pPr algn="ctr"/>
-            <a:endParaRPr lang="nl-NL"/>
-          </a:p>
-        </p:txBody>
-      </p:sp>
-      <p:sp>
-        <p:nvSpPr>
-          <p:cNvPr id="9" name="Rectangle 8">
-            <a:extLst>
-              <a:ext uri="{FF2B5EF4-FFF2-40B4-BE49-F238E27FC236}">
-                <a16:creationId xmlns:a16="http://schemas.microsoft.com/office/drawing/2014/main" id="{6B97D276-2D84-CCFC-C13B-2CED8EC8382F}"/>
-              </a:ext>
-            </a:extLst>
-          </p:cNvPr>
-          <p:cNvSpPr/>
-          <p:nvPr/>
-        </p:nvSpPr>
-        <p:spPr>
-          <a:xfrm>
-            <a:off x="8274501" y="1678355"/>
-            <a:ext cx="2679826" cy="1457608"/>
-          </a:xfrm>
-          <a:prstGeom prst="rect">
-            <a:avLst/>
-          </a:prstGeom>
-          <a:solidFill>
-            <a:schemeClr val="accent6">
-              <a:alpha val="28000"/>
-            </a:schemeClr>
-          </a:solidFill>
-          <a:ln>
-            <a:noFill/>
-          </a:ln>
-        </p:spPr>
-        <p:style>
-          <a:lnRef idx="2">
-            <a:schemeClr val="accent2">
-              <a:shade val="50000"/>
-            </a:schemeClr>
-          </a:lnRef>
-          <a:fillRef idx="1">
-            <a:schemeClr val="accent2"/>
-          </a:fillRef>
-          <a:effectRef idx="0">
-            <a:schemeClr val="accent2"/>
-          </a:effectRef>
-          <a:fontRef idx="minor">
-            <a:schemeClr val="lt1"/>
-          </a:fontRef>
-        </p:style>
-        <p:txBody>
-          <a:bodyPr rtlCol="0" anchor="ctr"/>
-          <a:lstStyle/>
-          <a:p>
-            <a:pPr algn="ctr"/>
-            <a:endParaRPr lang="nl-NL"/>
-          </a:p>
-        </p:txBody>
-      </p:sp>
-      <p:sp>
-        <p:nvSpPr>
-          <p:cNvPr id="10" name="Rectangle 9">
-            <a:extLst>
-              <a:ext uri="{FF2B5EF4-FFF2-40B4-BE49-F238E27FC236}">
-                <a16:creationId xmlns:a16="http://schemas.microsoft.com/office/drawing/2014/main" id="{965C3860-BCA1-B97B-62D6-1A58A334122F}"/>
-              </a:ext>
-            </a:extLst>
-          </p:cNvPr>
-          <p:cNvSpPr/>
-          <p:nvPr/>
-        </p:nvSpPr>
-        <p:spPr>
-          <a:xfrm>
-            <a:off x="5558645" y="4592161"/>
-            <a:ext cx="2715856" cy="1450967"/>
-          </a:xfrm>
-          <a:prstGeom prst="rect">
-            <a:avLst/>
-          </a:prstGeom>
-          <a:noFill/>
-          <a:ln w="57150">
-            <a:solidFill>
-              <a:schemeClr val="accent6"/>
-            </a:solidFill>
-          </a:ln>
-        </p:spPr>
-        <p:style>
-          <a:lnRef idx="2">
-            <a:schemeClr val="accent1">
-              <a:shade val="50000"/>
-            </a:schemeClr>
-          </a:lnRef>
-          <a:fillRef idx="1">
-            <a:schemeClr val="accent1"/>
-          </a:fillRef>
-          <a:effectRef idx="0">
-            <a:schemeClr val="accent1"/>
-          </a:effectRef>
-          <a:fontRef idx="minor">
-            <a:schemeClr val="lt1"/>
-          </a:fontRef>
-        </p:style>
-        <p:txBody>
-          <a:bodyPr rtlCol="0" anchor="ctr"/>
-          <a:lstStyle/>
-          <a:p>
-            <a:pPr algn="ctr"/>
-            <a:endParaRPr lang="nl-NL"/>
-          </a:p>
-        </p:txBody>
-      </p:sp>
-    </p:spTree>
-    <p:extLst>
-      <p:ext uri="{BB962C8B-B14F-4D97-AF65-F5344CB8AC3E}">
-        <p14:creationId xmlns:p14="http://schemas.microsoft.com/office/powerpoint/2010/main" val="1513867505"/>
       </p:ext>
     </p:extLst>
   </p:cSld>
